--- a/UI.pptx
+++ b/UI.pptx
@@ -4,14 +4,18 @@
   <p:sldMasterIdLst>
     <p:sldMasterId id="2147483648" r:id="rId1"/>
   </p:sldMasterIdLst>
-  <p:sldSz cx="9144000" cy="6858000" type="screen4x3"/>
+  <p:sldIdLst>
+    <p:sldId id="256" r:id="rId2"/>
+    <p:sldId id="257" r:id="rId3"/>
+  </p:sldIdLst>
+  <p:sldSz cx="5761038" cy="3240088"/>
   <p:notesSz cx="6858000" cy="9144000"/>
   <p:defaultTextStyle>
     <a:defPPr>
       <a:defRPr lang="ko-KR"/>
     </a:defPPr>
-    <a:lvl1pPr marL="0" algn="l" defTabSz="914400" rtl="0" eaLnBrk="1" latinLnBrk="1" hangingPunct="1">
-      <a:defRPr sz="1800" kern="1200">
+    <a:lvl1pPr marL="0" algn="l" defTabSz="514350" rtl="0" eaLnBrk="1" latinLnBrk="1" hangingPunct="1">
+      <a:defRPr sz="1000" kern="1200">
         <a:solidFill>
           <a:schemeClr val="tx1"/>
         </a:solidFill>
@@ -20,8 +24,8 @@
         <a:cs typeface="+mn-cs"/>
       </a:defRPr>
     </a:lvl1pPr>
-    <a:lvl2pPr marL="457200" algn="l" defTabSz="914400" rtl="0" eaLnBrk="1" latinLnBrk="1" hangingPunct="1">
-      <a:defRPr sz="1800" kern="1200">
+    <a:lvl2pPr marL="257175" algn="l" defTabSz="514350" rtl="0" eaLnBrk="1" latinLnBrk="1" hangingPunct="1">
+      <a:defRPr sz="1000" kern="1200">
         <a:solidFill>
           <a:schemeClr val="tx1"/>
         </a:solidFill>
@@ -30,8 +34,8 @@
         <a:cs typeface="+mn-cs"/>
       </a:defRPr>
     </a:lvl2pPr>
-    <a:lvl3pPr marL="914400" algn="l" defTabSz="914400" rtl="0" eaLnBrk="1" latinLnBrk="1" hangingPunct="1">
-      <a:defRPr sz="1800" kern="1200">
+    <a:lvl3pPr marL="514350" algn="l" defTabSz="514350" rtl="0" eaLnBrk="1" latinLnBrk="1" hangingPunct="1">
+      <a:defRPr sz="1000" kern="1200">
         <a:solidFill>
           <a:schemeClr val="tx1"/>
         </a:solidFill>
@@ -40,8 +44,8 @@
         <a:cs typeface="+mn-cs"/>
       </a:defRPr>
     </a:lvl3pPr>
-    <a:lvl4pPr marL="1371600" algn="l" defTabSz="914400" rtl="0" eaLnBrk="1" latinLnBrk="1" hangingPunct="1">
-      <a:defRPr sz="1800" kern="1200">
+    <a:lvl4pPr marL="771525" algn="l" defTabSz="514350" rtl="0" eaLnBrk="1" latinLnBrk="1" hangingPunct="1">
+      <a:defRPr sz="1000" kern="1200">
         <a:solidFill>
           <a:schemeClr val="tx1"/>
         </a:solidFill>
@@ -50,8 +54,8 @@
         <a:cs typeface="+mn-cs"/>
       </a:defRPr>
     </a:lvl4pPr>
-    <a:lvl5pPr marL="1828800" algn="l" defTabSz="914400" rtl="0" eaLnBrk="1" latinLnBrk="1" hangingPunct="1">
-      <a:defRPr sz="1800" kern="1200">
+    <a:lvl5pPr marL="1028700" algn="l" defTabSz="514350" rtl="0" eaLnBrk="1" latinLnBrk="1" hangingPunct="1">
+      <a:defRPr sz="1000" kern="1200">
         <a:solidFill>
           <a:schemeClr val="tx1"/>
         </a:solidFill>
@@ -60,8 +64,8 @@
         <a:cs typeface="+mn-cs"/>
       </a:defRPr>
     </a:lvl5pPr>
-    <a:lvl6pPr marL="2286000" algn="l" defTabSz="914400" rtl="0" eaLnBrk="1" latinLnBrk="1" hangingPunct="1">
-      <a:defRPr sz="1800" kern="1200">
+    <a:lvl6pPr marL="1285875" algn="l" defTabSz="514350" rtl="0" eaLnBrk="1" latinLnBrk="1" hangingPunct="1">
+      <a:defRPr sz="1000" kern="1200">
         <a:solidFill>
           <a:schemeClr val="tx1"/>
         </a:solidFill>
@@ -70,8 +74,8 @@
         <a:cs typeface="+mn-cs"/>
       </a:defRPr>
     </a:lvl6pPr>
-    <a:lvl7pPr marL="2743200" algn="l" defTabSz="914400" rtl="0" eaLnBrk="1" latinLnBrk="1" hangingPunct="1">
-      <a:defRPr sz="1800" kern="1200">
+    <a:lvl7pPr marL="1543050" algn="l" defTabSz="514350" rtl="0" eaLnBrk="1" latinLnBrk="1" hangingPunct="1">
+      <a:defRPr sz="1000" kern="1200">
         <a:solidFill>
           <a:schemeClr val="tx1"/>
         </a:solidFill>
@@ -80,8 +84,8 @@
         <a:cs typeface="+mn-cs"/>
       </a:defRPr>
     </a:lvl7pPr>
-    <a:lvl8pPr marL="3200400" algn="l" defTabSz="914400" rtl="0" eaLnBrk="1" latinLnBrk="1" hangingPunct="1">
-      <a:defRPr sz="1800" kern="1200">
+    <a:lvl8pPr marL="1800225" algn="l" defTabSz="514350" rtl="0" eaLnBrk="1" latinLnBrk="1" hangingPunct="1">
+      <a:defRPr sz="1000" kern="1200">
         <a:solidFill>
           <a:schemeClr val="tx1"/>
         </a:solidFill>
@@ -90,8 +94,8 @@
         <a:cs typeface="+mn-cs"/>
       </a:defRPr>
     </a:lvl8pPr>
-    <a:lvl9pPr marL="3657600" algn="l" defTabSz="914400" rtl="0" eaLnBrk="1" latinLnBrk="1" hangingPunct="1">
-      <a:defRPr sz="1800" kern="1200">
+    <a:lvl9pPr marL="2057400" algn="l" defTabSz="514350" rtl="0" eaLnBrk="1" latinLnBrk="1" hangingPunct="1">
+      <a:defRPr sz="1000" kern="1200">
         <a:solidFill>
           <a:schemeClr val="tx1"/>
         </a:solidFill>
@@ -102,6 +106,1334 @@
     </a:lvl9pPr>
   </p:defaultTextStyle>
 </p:presentation>
+</file>
+
+<file path=ppt/charts/chart1.xml><?xml version="1.0" encoding="utf-8"?>
+<c:chartSpace xmlns:c="http://schemas.openxmlformats.org/drawingml/2006/chart" xmlns:a="http://schemas.openxmlformats.org/drawingml/2006/main" xmlns:r="http://schemas.openxmlformats.org/officeDocument/2006/relationships">
+  <c:date1904 val="0"/>
+  <c:lang val="ko-KR"/>
+  <c:roundedCorners val="0"/>
+  <mc:AlternateContent xmlns:mc="http://schemas.openxmlformats.org/markup-compatibility/2006">
+    <mc:Choice xmlns:c14="http://schemas.microsoft.com/office/drawing/2007/8/2/chart" Requires="c14">
+      <c14:style val="101"/>
+    </mc:Choice>
+    <mc:Fallback>
+      <c:style val="1"/>
+    </mc:Fallback>
+  </mc:AlternateContent>
+  <c:chart>
+    <c:autoTitleDeleted val="1"/>
+    <c:plotArea>
+      <c:layout/>
+      <c:scatterChart>
+        <c:scatterStyle val="smoothMarker"/>
+        <c:varyColors val="0"/>
+        <c:ser>
+          <c:idx val="0"/>
+          <c:order val="0"/>
+          <c:tx>
+            <c:strRef>
+              <c:f>Sheet1!$B$1</c:f>
+              <c:strCache>
+                <c:ptCount val="1"/>
+                <c:pt idx="0">
+                  <c:v>열1</c:v>
+                </c:pt>
+              </c:strCache>
+            </c:strRef>
+          </c:tx>
+          <c:spPr>
+            <a:ln w="12700"/>
+          </c:spPr>
+          <c:marker>
+            <c:symbol val="none"/>
+          </c:marker>
+          <c:xVal>
+            <c:numRef>
+              <c:f>Sheet1!$A$2:$A$5</c:f>
+              <c:numCache>
+                <c:formatCode>General</c:formatCode>
+                <c:ptCount val="4"/>
+                <c:pt idx="0">
+                  <c:v>1</c:v>
+                </c:pt>
+                <c:pt idx="1">
+                  <c:v>2</c:v>
+                </c:pt>
+                <c:pt idx="2">
+                  <c:v>3</c:v>
+                </c:pt>
+                <c:pt idx="3">
+                  <c:v>4</c:v>
+                </c:pt>
+              </c:numCache>
+            </c:numRef>
+          </c:xVal>
+          <c:yVal>
+            <c:numRef>
+              <c:f>Sheet1!$B$2:$B$5</c:f>
+              <c:numCache>
+                <c:formatCode>General</c:formatCode>
+                <c:ptCount val="4"/>
+                <c:pt idx="0">
+                  <c:v>4.3</c:v>
+                </c:pt>
+                <c:pt idx="1">
+                  <c:v>2.5</c:v>
+                </c:pt>
+                <c:pt idx="2">
+                  <c:v>3.5</c:v>
+                </c:pt>
+                <c:pt idx="3">
+                  <c:v>4.5</c:v>
+                </c:pt>
+              </c:numCache>
+            </c:numRef>
+          </c:yVal>
+          <c:smooth val="1"/>
+        </c:ser>
+        <c:dLbls>
+          <c:showLegendKey val="0"/>
+          <c:showVal val="0"/>
+          <c:showCatName val="0"/>
+          <c:showSerName val="0"/>
+          <c:showPercent val="0"/>
+          <c:showBubbleSize val="0"/>
+        </c:dLbls>
+        <c:axId val="140249728"/>
+        <c:axId val="47346432"/>
+      </c:scatterChart>
+      <c:valAx>
+        <c:axId val="140249728"/>
+        <c:scaling>
+          <c:orientation val="minMax"/>
+        </c:scaling>
+        <c:delete val="0"/>
+        <c:axPos val="b"/>
+        <c:numFmt formatCode="General" sourceLinked="1"/>
+        <c:majorTickMark val="out"/>
+        <c:minorTickMark val="none"/>
+        <c:tickLblPos val="nextTo"/>
+        <c:crossAx val="47346432"/>
+        <c:crosses val="autoZero"/>
+        <c:crossBetween val="midCat"/>
+      </c:valAx>
+      <c:valAx>
+        <c:axId val="47346432"/>
+        <c:scaling>
+          <c:orientation val="minMax"/>
+        </c:scaling>
+        <c:delete val="0"/>
+        <c:axPos val="l"/>
+        <c:majorGridlines/>
+        <c:numFmt formatCode="General" sourceLinked="1"/>
+        <c:majorTickMark val="out"/>
+        <c:minorTickMark val="none"/>
+        <c:tickLblPos val="nextTo"/>
+        <c:crossAx val="140249728"/>
+        <c:crosses val="autoZero"/>
+        <c:crossBetween val="midCat"/>
+      </c:valAx>
+    </c:plotArea>
+    <c:plotVisOnly val="1"/>
+    <c:dispBlanksAs val="gap"/>
+    <c:showDLblsOverMax val="0"/>
+  </c:chart>
+  <c:spPr>
+    <a:solidFill>
+      <a:schemeClr val="lt1"/>
+    </a:solidFill>
+    <a:ln w="3175" cap="flat" cmpd="sng" algn="ctr">
+      <a:solidFill>
+        <a:schemeClr val="dk1"/>
+      </a:solidFill>
+      <a:prstDash val="solid"/>
+    </a:ln>
+    <a:effectLst/>
+  </c:spPr>
+  <c:txPr>
+    <a:bodyPr/>
+    <a:lstStyle/>
+    <a:p>
+      <a:pPr>
+        <a:defRPr sz="400">
+          <a:solidFill>
+            <a:schemeClr val="dk1"/>
+          </a:solidFill>
+          <a:latin typeface="+mn-lt"/>
+          <a:ea typeface="+mn-ea"/>
+          <a:cs typeface="+mn-cs"/>
+        </a:defRPr>
+      </a:pPr>
+      <a:endParaRPr lang="ko-KR"/>
+    </a:p>
+  </c:txPr>
+  <c:externalData r:id="rId1">
+    <c:autoUpdate val="0"/>
+  </c:externalData>
+</c:chartSpace>
+</file>
+
+<file path=ppt/charts/chart2.xml><?xml version="1.0" encoding="utf-8"?>
+<c:chartSpace xmlns:c="http://schemas.openxmlformats.org/drawingml/2006/chart" xmlns:a="http://schemas.openxmlformats.org/drawingml/2006/main" xmlns:r="http://schemas.openxmlformats.org/officeDocument/2006/relationships">
+  <c:date1904 val="0"/>
+  <c:lang val="ko-KR"/>
+  <c:roundedCorners val="0"/>
+  <mc:AlternateContent xmlns:mc="http://schemas.openxmlformats.org/markup-compatibility/2006">
+    <mc:Choice xmlns:c14="http://schemas.microsoft.com/office/drawing/2007/8/2/chart" Requires="c14">
+      <c14:style val="101"/>
+    </mc:Choice>
+    <mc:Fallback>
+      <c:style val="1"/>
+    </mc:Fallback>
+  </mc:AlternateContent>
+  <c:chart>
+    <c:autoTitleDeleted val="1"/>
+    <c:plotArea>
+      <c:layout/>
+      <c:scatterChart>
+        <c:scatterStyle val="smoothMarker"/>
+        <c:varyColors val="0"/>
+        <c:ser>
+          <c:idx val="0"/>
+          <c:order val="0"/>
+          <c:tx>
+            <c:strRef>
+              <c:f>Sheet1!$B$1</c:f>
+              <c:strCache>
+                <c:ptCount val="1"/>
+                <c:pt idx="0">
+                  <c:v>열1</c:v>
+                </c:pt>
+              </c:strCache>
+            </c:strRef>
+          </c:tx>
+          <c:spPr>
+            <a:ln w="12700"/>
+          </c:spPr>
+          <c:marker>
+            <c:symbol val="none"/>
+          </c:marker>
+          <c:xVal>
+            <c:numRef>
+              <c:f>Sheet1!$A$2:$A$5</c:f>
+              <c:numCache>
+                <c:formatCode>General</c:formatCode>
+                <c:ptCount val="4"/>
+                <c:pt idx="0">
+                  <c:v>1</c:v>
+                </c:pt>
+                <c:pt idx="1">
+                  <c:v>2</c:v>
+                </c:pt>
+                <c:pt idx="2">
+                  <c:v>3</c:v>
+                </c:pt>
+                <c:pt idx="3">
+                  <c:v>4</c:v>
+                </c:pt>
+              </c:numCache>
+            </c:numRef>
+          </c:xVal>
+          <c:yVal>
+            <c:numRef>
+              <c:f>Sheet1!$B$2:$B$5</c:f>
+              <c:numCache>
+                <c:formatCode>General</c:formatCode>
+                <c:ptCount val="4"/>
+                <c:pt idx="0">
+                  <c:v>4.3</c:v>
+                </c:pt>
+                <c:pt idx="1">
+                  <c:v>2.5</c:v>
+                </c:pt>
+                <c:pt idx="2">
+                  <c:v>3.5</c:v>
+                </c:pt>
+                <c:pt idx="3">
+                  <c:v>4.5</c:v>
+                </c:pt>
+              </c:numCache>
+            </c:numRef>
+          </c:yVal>
+          <c:smooth val="1"/>
+        </c:ser>
+        <c:dLbls>
+          <c:showLegendKey val="0"/>
+          <c:showVal val="0"/>
+          <c:showCatName val="0"/>
+          <c:showSerName val="0"/>
+          <c:showPercent val="0"/>
+          <c:showBubbleSize val="0"/>
+        </c:dLbls>
+        <c:axId val="140995968"/>
+        <c:axId val="141551104"/>
+      </c:scatterChart>
+      <c:valAx>
+        <c:axId val="140995968"/>
+        <c:scaling>
+          <c:orientation val="minMax"/>
+        </c:scaling>
+        <c:delete val="0"/>
+        <c:axPos val="b"/>
+        <c:numFmt formatCode="General" sourceLinked="1"/>
+        <c:majorTickMark val="out"/>
+        <c:minorTickMark val="none"/>
+        <c:tickLblPos val="nextTo"/>
+        <c:crossAx val="141551104"/>
+        <c:crosses val="autoZero"/>
+        <c:crossBetween val="midCat"/>
+      </c:valAx>
+      <c:valAx>
+        <c:axId val="141551104"/>
+        <c:scaling>
+          <c:orientation val="minMax"/>
+        </c:scaling>
+        <c:delete val="0"/>
+        <c:axPos val="l"/>
+        <c:majorGridlines/>
+        <c:numFmt formatCode="General" sourceLinked="1"/>
+        <c:majorTickMark val="out"/>
+        <c:minorTickMark val="none"/>
+        <c:tickLblPos val="nextTo"/>
+        <c:crossAx val="140995968"/>
+        <c:crosses val="autoZero"/>
+        <c:crossBetween val="midCat"/>
+      </c:valAx>
+    </c:plotArea>
+    <c:plotVisOnly val="1"/>
+    <c:dispBlanksAs val="gap"/>
+    <c:showDLblsOverMax val="0"/>
+  </c:chart>
+  <c:spPr>
+    <a:solidFill>
+      <a:schemeClr val="lt1"/>
+    </a:solidFill>
+    <a:ln w="3175" cap="flat" cmpd="sng" algn="ctr">
+      <a:solidFill>
+        <a:schemeClr val="dk1"/>
+      </a:solidFill>
+      <a:prstDash val="solid"/>
+    </a:ln>
+    <a:effectLst/>
+  </c:spPr>
+  <c:txPr>
+    <a:bodyPr/>
+    <a:lstStyle/>
+    <a:p>
+      <a:pPr>
+        <a:defRPr sz="400">
+          <a:solidFill>
+            <a:schemeClr val="dk1"/>
+          </a:solidFill>
+          <a:latin typeface="+mn-lt"/>
+          <a:ea typeface="+mn-ea"/>
+          <a:cs typeface="+mn-cs"/>
+        </a:defRPr>
+      </a:pPr>
+      <a:endParaRPr lang="ko-KR"/>
+    </a:p>
+  </c:txPr>
+  <c:externalData r:id="rId1">
+    <c:autoUpdate val="0"/>
+  </c:externalData>
+</c:chartSpace>
+</file>
+
+<file path=ppt/charts/chart3.xml><?xml version="1.0" encoding="utf-8"?>
+<c:chartSpace xmlns:c="http://schemas.openxmlformats.org/drawingml/2006/chart" xmlns:a="http://schemas.openxmlformats.org/drawingml/2006/main" xmlns:r="http://schemas.openxmlformats.org/officeDocument/2006/relationships">
+  <c:date1904 val="0"/>
+  <c:lang val="ko-KR"/>
+  <c:roundedCorners val="0"/>
+  <mc:AlternateContent xmlns:mc="http://schemas.openxmlformats.org/markup-compatibility/2006">
+    <mc:Choice xmlns:c14="http://schemas.microsoft.com/office/drawing/2007/8/2/chart" Requires="c14">
+      <c14:style val="101"/>
+    </mc:Choice>
+    <mc:Fallback>
+      <c:style val="1"/>
+    </mc:Fallback>
+  </mc:AlternateContent>
+  <c:chart>
+    <c:autoTitleDeleted val="1"/>
+    <c:plotArea>
+      <c:layout/>
+      <c:scatterChart>
+        <c:scatterStyle val="smoothMarker"/>
+        <c:varyColors val="0"/>
+        <c:ser>
+          <c:idx val="0"/>
+          <c:order val="0"/>
+          <c:tx>
+            <c:strRef>
+              <c:f>Sheet1!$B$1</c:f>
+              <c:strCache>
+                <c:ptCount val="1"/>
+                <c:pt idx="0">
+                  <c:v>열1</c:v>
+                </c:pt>
+              </c:strCache>
+            </c:strRef>
+          </c:tx>
+          <c:spPr>
+            <a:ln w="12700"/>
+          </c:spPr>
+          <c:marker>
+            <c:symbol val="none"/>
+          </c:marker>
+          <c:xVal>
+            <c:numRef>
+              <c:f>Sheet1!$A$2:$A$5</c:f>
+              <c:numCache>
+                <c:formatCode>General</c:formatCode>
+                <c:ptCount val="4"/>
+                <c:pt idx="0">
+                  <c:v>1</c:v>
+                </c:pt>
+                <c:pt idx="1">
+                  <c:v>2</c:v>
+                </c:pt>
+                <c:pt idx="2">
+                  <c:v>3</c:v>
+                </c:pt>
+                <c:pt idx="3">
+                  <c:v>4</c:v>
+                </c:pt>
+              </c:numCache>
+            </c:numRef>
+          </c:xVal>
+          <c:yVal>
+            <c:numRef>
+              <c:f>Sheet1!$B$2:$B$5</c:f>
+              <c:numCache>
+                <c:formatCode>General</c:formatCode>
+                <c:ptCount val="4"/>
+                <c:pt idx="0">
+                  <c:v>4.3</c:v>
+                </c:pt>
+                <c:pt idx="1">
+                  <c:v>2.5</c:v>
+                </c:pt>
+                <c:pt idx="2">
+                  <c:v>3.5</c:v>
+                </c:pt>
+                <c:pt idx="3">
+                  <c:v>4.5</c:v>
+                </c:pt>
+              </c:numCache>
+            </c:numRef>
+          </c:yVal>
+          <c:smooth val="1"/>
+        </c:ser>
+        <c:dLbls>
+          <c:showLegendKey val="0"/>
+          <c:showVal val="0"/>
+          <c:showCatName val="0"/>
+          <c:showSerName val="0"/>
+          <c:showPercent val="0"/>
+          <c:showBubbleSize val="0"/>
+        </c:dLbls>
+        <c:axId val="144029184"/>
+        <c:axId val="144318848"/>
+      </c:scatterChart>
+      <c:valAx>
+        <c:axId val="144029184"/>
+        <c:scaling>
+          <c:orientation val="minMax"/>
+        </c:scaling>
+        <c:delete val="0"/>
+        <c:axPos val="b"/>
+        <c:numFmt formatCode="General" sourceLinked="1"/>
+        <c:majorTickMark val="out"/>
+        <c:minorTickMark val="none"/>
+        <c:tickLblPos val="nextTo"/>
+        <c:crossAx val="144318848"/>
+        <c:crosses val="autoZero"/>
+        <c:crossBetween val="midCat"/>
+      </c:valAx>
+      <c:valAx>
+        <c:axId val="144318848"/>
+        <c:scaling>
+          <c:orientation val="minMax"/>
+        </c:scaling>
+        <c:delete val="0"/>
+        <c:axPos val="l"/>
+        <c:majorGridlines/>
+        <c:numFmt formatCode="General" sourceLinked="1"/>
+        <c:majorTickMark val="out"/>
+        <c:minorTickMark val="none"/>
+        <c:tickLblPos val="nextTo"/>
+        <c:crossAx val="144029184"/>
+        <c:crosses val="autoZero"/>
+        <c:crossBetween val="midCat"/>
+      </c:valAx>
+    </c:plotArea>
+    <c:plotVisOnly val="1"/>
+    <c:dispBlanksAs val="gap"/>
+    <c:showDLblsOverMax val="0"/>
+  </c:chart>
+  <c:spPr>
+    <a:solidFill>
+      <a:schemeClr val="lt1"/>
+    </a:solidFill>
+    <a:ln w="3175" cap="flat" cmpd="sng" algn="ctr">
+      <a:solidFill>
+        <a:schemeClr val="dk1"/>
+      </a:solidFill>
+      <a:prstDash val="solid"/>
+    </a:ln>
+    <a:effectLst/>
+  </c:spPr>
+  <c:txPr>
+    <a:bodyPr/>
+    <a:lstStyle/>
+    <a:p>
+      <a:pPr>
+        <a:defRPr sz="400">
+          <a:solidFill>
+            <a:schemeClr val="dk1"/>
+          </a:solidFill>
+          <a:latin typeface="+mn-lt"/>
+          <a:ea typeface="+mn-ea"/>
+          <a:cs typeface="+mn-cs"/>
+        </a:defRPr>
+      </a:pPr>
+      <a:endParaRPr lang="ko-KR"/>
+    </a:p>
+  </c:txPr>
+  <c:externalData r:id="rId1">
+    <c:autoUpdate val="0"/>
+  </c:externalData>
+</c:chartSpace>
+</file>
+
+<file path=ppt/charts/chart4.xml><?xml version="1.0" encoding="utf-8"?>
+<c:chartSpace xmlns:c="http://schemas.openxmlformats.org/drawingml/2006/chart" xmlns:a="http://schemas.openxmlformats.org/drawingml/2006/main" xmlns:r="http://schemas.openxmlformats.org/officeDocument/2006/relationships">
+  <c:date1904 val="0"/>
+  <c:lang val="ko-KR"/>
+  <c:roundedCorners val="0"/>
+  <mc:AlternateContent xmlns:mc="http://schemas.openxmlformats.org/markup-compatibility/2006">
+    <mc:Choice xmlns:c14="http://schemas.microsoft.com/office/drawing/2007/8/2/chart" Requires="c14">
+      <c14:style val="101"/>
+    </mc:Choice>
+    <mc:Fallback>
+      <c:style val="1"/>
+    </mc:Fallback>
+  </mc:AlternateContent>
+  <c:chart>
+    <c:autoTitleDeleted val="1"/>
+    <c:plotArea>
+      <c:layout/>
+      <c:scatterChart>
+        <c:scatterStyle val="smoothMarker"/>
+        <c:varyColors val="0"/>
+        <c:ser>
+          <c:idx val="0"/>
+          <c:order val="0"/>
+          <c:tx>
+            <c:strRef>
+              <c:f>Sheet1!$B$1</c:f>
+              <c:strCache>
+                <c:ptCount val="1"/>
+                <c:pt idx="0">
+                  <c:v>열1</c:v>
+                </c:pt>
+              </c:strCache>
+            </c:strRef>
+          </c:tx>
+          <c:spPr>
+            <a:ln w="12700"/>
+          </c:spPr>
+          <c:marker>
+            <c:symbol val="none"/>
+          </c:marker>
+          <c:xVal>
+            <c:numRef>
+              <c:f>Sheet1!$A$2:$A$5</c:f>
+              <c:numCache>
+                <c:formatCode>General</c:formatCode>
+                <c:ptCount val="4"/>
+                <c:pt idx="0">
+                  <c:v>1</c:v>
+                </c:pt>
+                <c:pt idx="1">
+                  <c:v>2</c:v>
+                </c:pt>
+                <c:pt idx="2">
+                  <c:v>3</c:v>
+                </c:pt>
+                <c:pt idx="3">
+                  <c:v>4</c:v>
+                </c:pt>
+              </c:numCache>
+            </c:numRef>
+          </c:xVal>
+          <c:yVal>
+            <c:numRef>
+              <c:f>Sheet1!$B$2:$B$5</c:f>
+              <c:numCache>
+                <c:formatCode>General</c:formatCode>
+                <c:ptCount val="4"/>
+                <c:pt idx="0">
+                  <c:v>4.3</c:v>
+                </c:pt>
+                <c:pt idx="1">
+                  <c:v>2.5</c:v>
+                </c:pt>
+                <c:pt idx="2">
+                  <c:v>3.5</c:v>
+                </c:pt>
+                <c:pt idx="3">
+                  <c:v>4.5</c:v>
+                </c:pt>
+              </c:numCache>
+            </c:numRef>
+          </c:yVal>
+          <c:smooth val="1"/>
+        </c:ser>
+        <c:dLbls>
+          <c:showLegendKey val="0"/>
+          <c:showVal val="0"/>
+          <c:showCatName val="0"/>
+          <c:showSerName val="0"/>
+          <c:showPercent val="0"/>
+          <c:showBubbleSize val="0"/>
+        </c:dLbls>
+        <c:axId val="197138304"/>
+        <c:axId val="144360576"/>
+      </c:scatterChart>
+      <c:valAx>
+        <c:axId val="197138304"/>
+        <c:scaling>
+          <c:orientation val="minMax"/>
+        </c:scaling>
+        <c:delete val="0"/>
+        <c:axPos val="b"/>
+        <c:numFmt formatCode="General" sourceLinked="1"/>
+        <c:majorTickMark val="out"/>
+        <c:minorTickMark val="none"/>
+        <c:tickLblPos val="nextTo"/>
+        <c:crossAx val="144360576"/>
+        <c:crosses val="autoZero"/>
+        <c:crossBetween val="midCat"/>
+      </c:valAx>
+      <c:valAx>
+        <c:axId val="144360576"/>
+        <c:scaling>
+          <c:orientation val="minMax"/>
+        </c:scaling>
+        <c:delete val="0"/>
+        <c:axPos val="l"/>
+        <c:majorGridlines/>
+        <c:numFmt formatCode="General" sourceLinked="1"/>
+        <c:majorTickMark val="out"/>
+        <c:minorTickMark val="none"/>
+        <c:tickLblPos val="nextTo"/>
+        <c:crossAx val="197138304"/>
+        <c:crosses val="autoZero"/>
+        <c:crossBetween val="midCat"/>
+      </c:valAx>
+    </c:plotArea>
+    <c:plotVisOnly val="1"/>
+    <c:dispBlanksAs val="gap"/>
+    <c:showDLblsOverMax val="0"/>
+  </c:chart>
+  <c:spPr>
+    <a:solidFill>
+      <a:schemeClr val="lt1"/>
+    </a:solidFill>
+    <a:ln w="3175" cap="flat" cmpd="sng" algn="ctr">
+      <a:solidFill>
+        <a:schemeClr val="dk1"/>
+      </a:solidFill>
+      <a:prstDash val="solid"/>
+    </a:ln>
+    <a:effectLst/>
+  </c:spPr>
+  <c:txPr>
+    <a:bodyPr/>
+    <a:lstStyle/>
+    <a:p>
+      <a:pPr>
+        <a:defRPr sz="400">
+          <a:solidFill>
+            <a:schemeClr val="dk1"/>
+          </a:solidFill>
+          <a:latin typeface="+mn-lt"/>
+          <a:ea typeface="+mn-ea"/>
+          <a:cs typeface="+mn-cs"/>
+        </a:defRPr>
+      </a:pPr>
+      <a:endParaRPr lang="ko-KR"/>
+    </a:p>
+  </c:txPr>
+  <c:externalData r:id="rId1">
+    <c:autoUpdate val="0"/>
+  </c:externalData>
+</c:chartSpace>
+</file>
+
+<file path=ppt/charts/chart5.xml><?xml version="1.0" encoding="utf-8"?>
+<c:chartSpace xmlns:c="http://schemas.openxmlformats.org/drawingml/2006/chart" xmlns:a="http://schemas.openxmlformats.org/drawingml/2006/main" xmlns:r="http://schemas.openxmlformats.org/officeDocument/2006/relationships">
+  <c:date1904 val="0"/>
+  <c:lang val="ko-KR"/>
+  <c:roundedCorners val="0"/>
+  <mc:AlternateContent xmlns:mc="http://schemas.openxmlformats.org/markup-compatibility/2006">
+    <mc:Choice xmlns:c14="http://schemas.microsoft.com/office/drawing/2007/8/2/chart" Requires="c14">
+      <c14:style val="101"/>
+    </mc:Choice>
+    <mc:Fallback>
+      <c:style val="1"/>
+    </mc:Fallback>
+  </mc:AlternateContent>
+  <c:chart>
+    <c:autoTitleDeleted val="1"/>
+    <c:plotArea>
+      <c:layout/>
+      <c:scatterChart>
+        <c:scatterStyle val="smoothMarker"/>
+        <c:varyColors val="0"/>
+        <c:ser>
+          <c:idx val="0"/>
+          <c:order val="0"/>
+          <c:tx>
+            <c:strRef>
+              <c:f>Sheet1!$B$1</c:f>
+              <c:strCache>
+                <c:ptCount val="1"/>
+                <c:pt idx="0">
+                  <c:v>열1</c:v>
+                </c:pt>
+              </c:strCache>
+            </c:strRef>
+          </c:tx>
+          <c:spPr>
+            <a:ln w="12700"/>
+          </c:spPr>
+          <c:marker>
+            <c:symbol val="none"/>
+          </c:marker>
+          <c:xVal>
+            <c:numRef>
+              <c:f>Sheet1!$A$2:$A$5</c:f>
+              <c:numCache>
+                <c:formatCode>General</c:formatCode>
+                <c:ptCount val="4"/>
+                <c:pt idx="0">
+                  <c:v>1</c:v>
+                </c:pt>
+                <c:pt idx="1">
+                  <c:v>2</c:v>
+                </c:pt>
+                <c:pt idx="2">
+                  <c:v>3</c:v>
+                </c:pt>
+                <c:pt idx="3">
+                  <c:v>4</c:v>
+                </c:pt>
+              </c:numCache>
+            </c:numRef>
+          </c:xVal>
+          <c:yVal>
+            <c:numRef>
+              <c:f>Sheet1!$B$2:$B$5</c:f>
+              <c:numCache>
+                <c:formatCode>General</c:formatCode>
+                <c:ptCount val="4"/>
+                <c:pt idx="0">
+                  <c:v>4.3</c:v>
+                </c:pt>
+                <c:pt idx="1">
+                  <c:v>2.5</c:v>
+                </c:pt>
+                <c:pt idx="2">
+                  <c:v>3.5</c:v>
+                </c:pt>
+                <c:pt idx="3">
+                  <c:v>4.5</c:v>
+                </c:pt>
+              </c:numCache>
+            </c:numRef>
+          </c:yVal>
+          <c:smooth val="1"/>
+        </c:ser>
+        <c:dLbls>
+          <c:showLegendKey val="0"/>
+          <c:showVal val="0"/>
+          <c:showCatName val="0"/>
+          <c:showSerName val="0"/>
+          <c:showPercent val="0"/>
+          <c:showBubbleSize val="0"/>
+        </c:dLbls>
+        <c:axId val="197234688"/>
+        <c:axId val="197236608"/>
+      </c:scatterChart>
+      <c:valAx>
+        <c:axId val="197234688"/>
+        <c:scaling>
+          <c:orientation val="minMax"/>
+        </c:scaling>
+        <c:delete val="0"/>
+        <c:axPos val="b"/>
+        <c:numFmt formatCode="General" sourceLinked="1"/>
+        <c:majorTickMark val="out"/>
+        <c:minorTickMark val="none"/>
+        <c:tickLblPos val="nextTo"/>
+        <c:crossAx val="197236608"/>
+        <c:crosses val="autoZero"/>
+        <c:crossBetween val="midCat"/>
+      </c:valAx>
+      <c:valAx>
+        <c:axId val="197236608"/>
+        <c:scaling>
+          <c:orientation val="minMax"/>
+        </c:scaling>
+        <c:delete val="0"/>
+        <c:axPos val="l"/>
+        <c:majorGridlines/>
+        <c:numFmt formatCode="General" sourceLinked="1"/>
+        <c:majorTickMark val="out"/>
+        <c:minorTickMark val="none"/>
+        <c:tickLblPos val="nextTo"/>
+        <c:crossAx val="197234688"/>
+        <c:crosses val="autoZero"/>
+        <c:crossBetween val="midCat"/>
+      </c:valAx>
+    </c:plotArea>
+    <c:plotVisOnly val="1"/>
+    <c:dispBlanksAs val="gap"/>
+    <c:showDLblsOverMax val="0"/>
+  </c:chart>
+  <c:spPr>
+    <a:solidFill>
+      <a:schemeClr val="lt1"/>
+    </a:solidFill>
+    <a:ln w="3175" cap="flat" cmpd="sng" algn="ctr">
+      <a:solidFill>
+        <a:schemeClr val="dk1"/>
+      </a:solidFill>
+      <a:prstDash val="solid"/>
+    </a:ln>
+    <a:effectLst/>
+  </c:spPr>
+  <c:txPr>
+    <a:bodyPr/>
+    <a:lstStyle/>
+    <a:p>
+      <a:pPr>
+        <a:defRPr sz="400">
+          <a:solidFill>
+            <a:schemeClr val="dk1"/>
+          </a:solidFill>
+          <a:latin typeface="+mn-lt"/>
+          <a:ea typeface="+mn-ea"/>
+          <a:cs typeface="+mn-cs"/>
+        </a:defRPr>
+      </a:pPr>
+      <a:endParaRPr lang="ko-KR"/>
+    </a:p>
+  </c:txPr>
+  <c:externalData r:id="rId1">
+    <c:autoUpdate val="0"/>
+  </c:externalData>
+</c:chartSpace>
+</file>
+
+<file path=ppt/charts/chart6.xml><?xml version="1.0" encoding="utf-8"?>
+<c:chartSpace xmlns:c="http://schemas.openxmlformats.org/drawingml/2006/chart" xmlns:a="http://schemas.openxmlformats.org/drawingml/2006/main" xmlns:r="http://schemas.openxmlformats.org/officeDocument/2006/relationships">
+  <c:date1904 val="0"/>
+  <c:lang val="ko-KR"/>
+  <c:roundedCorners val="0"/>
+  <mc:AlternateContent xmlns:mc="http://schemas.openxmlformats.org/markup-compatibility/2006">
+    <mc:Choice xmlns:c14="http://schemas.microsoft.com/office/drawing/2007/8/2/chart" Requires="c14">
+      <c14:style val="101"/>
+    </mc:Choice>
+    <mc:Fallback>
+      <c:style val="1"/>
+    </mc:Fallback>
+  </mc:AlternateContent>
+  <c:chart>
+    <c:autoTitleDeleted val="1"/>
+    <c:plotArea>
+      <c:layout/>
+      <c:scatterChart>
+        <c:scatterStyle val="smoothMarker"/>
+        <c:varyColors val="0"/>
+        <c:ser>
+          <c:idx val="0"/>
+          <c:order val="0"/>
+          <c:tx>
+            <c:strRef>
+              <c:f>Sheet1!$B$1</c:f>
+              <c:strCache>
+                <c:ptCount val="1"/>
+                <c:pt idx="0">
+                  <c:v>열1</c:v>
+                </c:pt>
+              </c:strCache>
+            </c:strRef>
+          </c:tx>
+          <c:spPr>
+            <a:ln w="12700"/>
+          </c:spPr>
+          <c:marker>
+            <c:symbol val="none"/>
+          </c:marker>
+          <c:xVal>
+            <c:numRef>
+              <c:f>Sheet1!$A$2:$A$5</c:f>
+              <c:numCache>
+                <c:formatCode>General</c:formatCode>
+                <c:ptCount val="4"/>
+                <c:pt idx="0">
+                  <c:v>1</c:v>
+                </c:pt>
+                <c:pt idx="1">
+                  <c:v>2</c:v>
+                </c:pt>
+                <c:pt idx="2">
+                  <c:v>3</c:v>
+                </c:pt>
+                <c:pt idx="3">
+                  <c:v>4</c:v>
+                </c:pt>
+              </c:numCache>
+            </c:numRef>
+          </c:xVal>
+          <c:yVal>
+            <c:numRef>
+              <c:f>Sheet1!$B$2:$B$5</c:f>
+              <c:numCache>
+                <c:formatCode>General</c:formatCode>
+                <c:ptCount val="4"/>
+                <c:pt idx="0">
+                  <c:v>4.3</c:v>
+                </c:pt>
+                <c:pt idx="1">
+                  <c:v>2.5</c:v>
+                </c:pt>
+                <c:pt idx="2">
+                  <c:v>3.5</c:v>
+                </c:pt>
+                <c:pt idx="3">
+                  <c:v>4.5</c:v>
+                </c:pt>
+              </c:numCache>
+            </c:numRef>
+          </c:yVal>
+          <c:smooth val="1"/>
+        </c:ser>
+        <c:dLbls>
+          <c:showLegendKey val="0"/>
+          <c:showVal val="0"/>
+          <c:showCatName val="0"/>
+          <c:showSerName val="0"/>
+          <c:showPercent val="0"/>
+          <c:showBubbleSize val="0"/>
+        </c:dLbls>
+        <c:axId val="197386624"/>
+        <c:axId val="197388160"/>
+      </c:scatterChart>
+      <c:valAx>
+        <c:axId val="197386624"/>
+        <c:scaling>
+          <c:orientation val="minMax"/>
+        </c:scaling>
+        <c:delete val="0"/>
+        <c:axPos val="b"/>
+        <c:numFmt formatCode="General" sourceLinked="1"/>
+        <c:majorTickMark val="out"/>
+        <c:minorTickMark val="none"/>
+        <c:tickLblPos val="nextTo"/>
+        <c:crossAx val="197388160"/>
+        <c:crosses val="autoZero"/>
+        <c:crossBetween val="midCat"/>
+      </c:valAx>
+      <c:valAx>
+        <c:axId val="197388160"/>
+        <c:scaling>
+          <c:orientation val="minMax"/>
+        </c:scaling>
+        <c:delete val="0"/>
+        <c:axPos val="l"/>
+        <c:majorGridlines/>
+        <c:numFmt formatCode="General" sourceLinked="1"/>
+        <c:majorTickMark val="out"/>
+        <c:minorTickMark val="none"/>
+        <c:tickLblPos val="nextTo"/>
+        <c:crossAx val="197386624"/>
+        <c:crosses val="autoZero"/>
+        <c:crossBetween val="midCat"/>
+      </c:valAx>
+    </c:plotArea>
+    <c:plotVisOnly val="1"/>
+    <c:dispBlanksAs val="gap"/>
+    <c:showDLblsOverMax val="0"/>
+  </c:chart>
+  <c:spPr>
+    <a:solidFill>
+      <a:schemeClr val="lt1"/>
+    </a:solidFill>
+    <a:ln w="3175" cap="flat" cmpd="sng" algn="ctr">
+      <a:solidFill>
+        <a:schemeClr val="dk1"/>
+      </a:solidFill>
+      <a:prstDash val="solid"/>
+    </a:ln>
+    <a:effectLst/>
+  </c:spPr>
+  <c:txPr>
+    <a:bodyPr/>
+    <a:lstStyle/>
+    <a:p>
+      <a:pPr>
+        <a:defRPr sz="400">
+          <a:solidFill>
+            <a:schemeClr val="dk1"/>
+          </a:solidFill>
+          <a:latin typeface="+mn-lt"/>
+          <a:ea typeface="+mn-ea"/>
+          <a:cs typeface="+mn-cs"/>
+        </a:defRPr>
+      </a:pPr>
+      <a:endParaRPr lang="ko-KR"/>
+    </a:p>
+  </c:txPr>
+  <c:externalData r:id="rId1">
+    <c:autoUpdate val="0"/>
+  </c:externalData>
+</c:chartSpace>
+</file>
+
+<file path=ppt/charts/chart7.xml><?xml version="1.0" encoding="utf-8"?>
+<c:chartSpace xmlns:c="http://schemas.openxmlformats.org/drawingml/2006/chart" xmlns:a="http://schemas.openxmlformats.org/drawingml/2006/main" xmlns:r="http://schemas.openxmlformats.org/officeDocument/2006/relationships">
+  <c:date1904 val="0"/>
+  <c:lang val="ko-KR"/>
+  <c:roundedCorners val="0"/>
+  <mc:AlternateContent xmlns:mc="http://schemas.openxmlformats.org/markup-compatibility/2006">
+    <mc:Choice xmlns:c14="http://schemas.microsoft.com/office/drawing/2007/8/2/chart" Requires="c14">
+      <c14:style val="101"/>
+    </mc:Choice>
+    <mc:Fallback>
+      <c:style val="1"/>
+    </mc:Fallback>
+  </mc:AlternateContent>
+  <c:chart>
+    <c:autoTitleDeleted val="1"/>
+    <c:plotArea>
+      <c:layout/>
+      <c:scatterChart>
+        <c:scatterStyle val="smoothMarker"/>
+        <c:varyColors val="0"/>
+        <c:ser>
+          <c:idx val="0"/>
+          <c:order val="0"/>
+          <c:tx>
+            <c:strRef>
+              <c:f>Sheet1!$B$1</c:f>
+              <c:strCache>
+                <c:ptCount val="1"/>
+                <c:pt idx="0">
+                  <c:v>열1</c:v>
+                </c:pt>
+              </c:strCache>
+            </c:strRef>
+          </c:tx>
+          <c:spPr>
+            <a:ln w="12700"/>
+          </c:spPr>
+          <c:marker>
+            <c:symbol val="none"/>
+          </c:marker>
+          <c:xVal>
+            <c:numRef>
+              <c:f>Sheet1!$A$2:$A$5</c:f>
+              <c:numCache>
+                <c:formatCode>General</c:formatCode>
+                <c:ptCount val="4"/>
+                <c:pt idx="0">
+                  <c:v>1</c:v>
+                </c:pt>
+                <c:pt idx="1">
+                  <c:v>2</c:v>
+                </c:pt>
+                <c:pt idx="2">
+                  <c:v>3</c:v>
+                </c:pt>
+                <c:pt idx="3">
+                  <c:v>4</c:v>
+                </c:pt>
+              </c:numCache>
+            </c:numRef>
+          </c:xVal>
+          <c:yVal>
+            <c:numRef>
+              <c:f>Sheet1!$B$2:$B$5</c:f>
+              <c:numCache>
+                <c:formatCode>General</c:formatCode>
+                <c:ptCount val="4"/>
+                <c:pt idx="0">
+                  <c:v>4.3</c:v>
+                </c:pt>
+                <c:pt idx="1">
+                  <c:v>2.5</c:v>
+                </c:pt>
+                <c:pt idx="2">
+                  <c:v>3.5</c:v>
+                </c:pt>
+                <c:pt idx="3">
+                  <c:v>4.5</c:v>
+                </c:pt>
+              </c:numCache>
+            </c:numRef>
+          </c:yVal>
+          <c:smooth val="1"/>
+        </c:ser>
+        <c:dLbls>
+          <c:showLegendKey val="0"/>
+          <c:showVal val="0"/>
+          <c:showCatName val="0"/>
+          <c:showSerName val="0"/>
+          <c:showPercent val="0"/>
+          <c:showBubbleSize val="0"/>
+        </c:dLbls>
+        <c:axId val="214696704"/>
+        <c:axId val="226201600"/>
+      </c:scatterChart>
+      <c:valAx>
+        <c:axId val="214696704"/>
+        <c:scaling>
+          <c:orientation val="minMax"/>
+        </c:scaling>
+        <c:delete val="0"/>
+        <c:axPos val="b"/>
+        <c:numFmt formatCode="General" sourceLinked="1"/>
+        <c:majorTickMark val="out"/>
+        <c:minorTickMark val="none"/>
+        <c:tickLblPos val="nextTo"/>
+        <c:crossAx val="226201600"/>
+        <c:crosses val="autoZero"/>
+        <c:crossBetween val="midCat"/>
+      </c:valAx>
+      <c:valAx>
+        <c:axId val="226201600"/>
+        <c:scaling>
+          <c:orientation val="minMax"/>
+        </c:scaling>
+        <c:delete val="0"/>
+        <c:axPos val="l"/>
+        <c:majorGridlines/>
+        <c:numFmt formatCode="General" sourceLinked="1"/>
+        <c:majorTickMark val="out"/>
+        <c:minorTickMark val="none"/>
+        <c:tickLblPos val="nextTo"/>
+        <c:crossAx val="214696704"/>
+        <c:crosses val="autoZero"/>
+        <c:crossBetween val="midCat"/>
+      </c:valAx>
+    </c:plotArea>
+    <c:plotVisOnly val="1"/>
+    <c:dispBlanksAs val="gap"/>
+    <c:showDLblsOverMax val="0"/>
+  </c:chart>
+  <c:spPr>
+    <a:solidFill>
+      <a:schemeClr val="lt1"/>
+    </a:solidFill>
+    <a:ln w="3175" cap="flat" cmpd="sng" algn="ctr">
+      <a:solidFill>
+        <a:schemeClr val="dk1"/>
+      </a:solidFill>
+      <a:prstDash val="solid"/>
+    </a:ln>
+    <a:effectLst/>
+  </c:spPr>
+  <c:txPr>
+    <a:bodyPr/>
+    <a:lstStyle/>
+    <a:p>
+      <a:pPr>
+        <a:defRPr sz="400">
+          <a:solidFill>
+            <a:schemeClr val="dk1"/>
+          </a:solidFill>
+          <a:latin typeface="+mn-lt"/>
+          <a:ea typeface="+mn-ea"/>
+          <a:cs typeface="+mn-cs"/>
+        </a:defRPr>
+      </a:pPr>
+      <a:endParaRPr lang="ko-KR"/>
+    </a:p>
+  </c:txPr>
+  <c:externalData r:id="rId1">
+    <c:autoUpdate val="0"/>
+  </c:externalData>
+</c:chartSpace>
+</file>
+
+<file path=ppt/charts/chart8.xml><?xml version="1.0" encoding="utf-8"?>
+<c:chartSpace xmlns:c="http://schemas.openxmlformats.org/drawingml/2006/chart" xmlns:a="http://schemas.openxmlformats.org/drawingml/2006/main" xmlns:r="http://schemas.openxmlformats.org/officeDocument/2006/relationships">
+  <c:date1904 val="0"/>
+  <c:lang val="ko-KR"/>
+  <c:roundedCorners val="0"/>
+  <mc:AlternateContent xmlns:mc="http://schemas.openxmlformats.org/markup-compatibility/2006">
+    <mc:Choice xmlns:c14="http://schemas.microsoft.com/office/drawing/2007/8/2/chart" Requires="c14">
+      <c14:style val="101"/>
+    </mc:Choice>
+    <mc:Fallback>
+      <c:style val="1"/>
+    </mc:Fallback>
+  </mc:AlternateContent>
+  <c:chart>
+    <c:autoTitleDeleted val="1"/>
+    <c:plotArea>
+      <c:layout/>
+      <c:scatterChart>
+        <c:scatterStyle val="smoothMarker"/>
+        <c:varyColors val="0"/>
+        <c:ser>
+          <c:idx val="0"/>
+          <c:order val="0"/>
+          <c:tx>
+            <c:strRef>
+              <c:f>Sheet1!$B$1</c:f>
+              <c:strCache>
+                <c:ptCount val="1"/>
+                <c:pt idx="0">
+                  <c:v>열1</c:v>
+                </c:pt>
+              </c:strCache>
+            </c:strRef>
+          </c:tx>
+          <c:spPr>
+            <a:ln w="12700"/>
+          </c:spPr>
+          <c:marker>
+            <c:symbol val="none"/>
+          </c:marker>
+          <c:xVal>
+            <c:numRef>
+              <c:f>Sheet1!$A$2:$A$5</c:f>
+              <c:numCache>
+                <c:formatCode>General</c:formatCode>
+                <c:ptCount val="4"/>
+                <c:pt idx="0">
+                  <c:v>1</c:v>
+                </c:pt>
+                <c:pt idx="1">
+                  <c:v>2</c:v>
+                </c:pt>
+                <c:pt idx="2">
+                  <c:v>3</c:v>
+                </c:pt>
+                <c:pt idx="3">
+                  <c:v>4</c:v>
+                </c:pt>
+              </c:numCache>
+            </c:numRef>
+          </c:xVal>
+          <c:yVal>
+            <c:numRef>
+              <c:f>Sheet1!$B$2:$B$5</c:f>
+              <c:numCache>
+                <c:formatCode>General</c:formatCode>
+                <c:ptCount val="4"/>
+                <c:pt idx="0">
+                  <c:v>4.3</c:v>
+                </c:pt>
+                <c:pt idx="1">
+                  <c:v>2.5</c:v>
+                </c:pt>
+                <c:pt idx="2">
+                  <c:v>3.5</c:v>
+                </c:pt>
+                <c:pt idx="3">
+                  <c:v>4.5</c:v>
+                </c:pt>
+              </c:numCache>
+            </c:numRef>
+          </c:yVal>
+          <c:smooth val="1"/>
+        </c:ser>
+        <c:dLbls>
+          <c:showLegendKey val="0"/>
+          <c:showVal val="0"/>
+          <c:showCatName val="0"/>
+          <c:showSerName val="0"/>
+          <c:showPercent val="0"/>
+          <c:showBubbleSize val="0"/>
+        </c:dLbls>
+        <c:axId val="277883520"/>
+        <c:axId val="277924864"/>
+      </c:scatterChart>
+      <c:valAx>
+        <c:axId val="277883520"/>
+        <c:scaling>
+          <c:orientation val="minMax"/>
+        </c:scaling>
+        <c:delete val="0"/>
+        <c:axPos val="b"/>
+        <c:numFmt formatCode="General" sourceLinked="1"/>
+        <c:majorTickMark val="out"/>
+        <c:minorTickMark val="none"/>
+        <c:tickLblPos val="nextTo"/>
+        <c:crossAx val="277924864"/>
+        <c:crosses val="autoZero"/>
+        <c:crossBetween val="midCat"/>
+      </c:valAx>
+      <c:valAx>
+        <c:axId val="277924864"/>
+        <c:scaling>
+          <c:orientation val="minMax"/>
+        </c:scaling>
+        <c:delete val="0"/>
+        <c:axPos val="l"/>
+        <c:majorGridlines/>
+        <c:numFmt formatCode="General" sourceLinked="1"/>
+        <c:majorTickMark val="out"/>
+        <c:minorTickMark val="none"/>
+        <c:tickLblPos val="nextTo"/>
+        <c:crossAx val="277883520"/>
+        <c:crosses val="autoZero"/>
+        <c:crossBetween val="midCat"/>
+      </c:valAx>
+    </c:plotArea>
+    <c:plotVisOnly val="1"/>
+    <c:dispBlanksAs val="gap"/>
+    <c:showDLblsOverMax val="0"/>
+  </c:chart>
+  <c:spPr>
+    <a:solidFill>
+      <a:schemeClr val="lt1"/>
+    </a:solidFill>
+    <a:ln w="3175" cap="flat" cmpd="sng" algn="ctr">
+      <a:solidFill>
+        <a:schemeClr val="dk1"/>
+      </a:solidFill>
+      <a:prstDash val="solid"/>
+    </a:ln>
+    <a:effectLst/>
+  </c:spPr>
+  <c:txPr>
+    <a:bodyPr/>
+    <a:lstStyle/>
+    <a:p>
+      <a:pPr>
+        <a:defRPr sz="400">
+          <a:solidFill>
+            <a:schemeClr val="dk1"/>
+          </a:solidFill>
+          <a:latin typeface="+mn-lt"/>
+          <a:ea typeface="+mn-ea"/>
+          <a:cs typeface="+mn-cs"/>
+        </a:defRPr>
+      </a:pPr>
+      <a:endParaRPr lang="ko-KR"/>
+    </a:p>
+  </c:txPr>
+  <c:externalData r:id="rId1">
+    <c:autoUpdate val="0"/>
+  </c:externalData>
+</c:chartSpace>
 </file>
 
 <file path=ppt/slideLayouts/slideLayout1.xml><?xml version="1.0" encoding="utf-8"?>
@@ -133,8 +1465,8 @@
         </p:nvSpPr>
         <p:spPr>
           <a:xfrm>
-            <a:off x="685800" y="2130425"/>
-            <a:ext cx="7772400" cy="1470025"/>
+            <a:off x="432078" y="1006528"/>
+            <a:ext cx="4896882" cy="694519"/>
           </a:xfrm>
         </p:spPr>
         <p:txBody>
@@ -161,8 +1493,8 @@
         </p:nvSpPr>
         <p:spPr>
           <a:xfrm>
-            <a:off x="1371600" y="3886200"/>
-            <a:ext cx="6400800" cy="1752600"/>
+            <a:off x="864156" y="1836050"/>
+            <a:ext cx="4032727" cy="828022"/>
           </a:xfrm>
         </p:spPr>
         <p:txBody>
@@ -178,7 +1510,7 @@
                 </a:solidFill>
               </a:defRPr>
             </a:lvl1pPr>
-            <a:lvl2pPr marL="457200" indent="0" algn="ctr">
+            <a:lvl2pPr marL="257175" indent="0" algn="ctr">
               <a:buNone/>
               <a:defRPr>
                 <a:solidFill>
@@ -188,7 +1520,7 @@
                 </a:solidFill>
               </a:defRPr>
             </a:lvl2pPr>
-            <a:lvl3pPr marL="914400" indent="0" algn="ctr">
+            <a:lvl3pPr marL="514350" indent="0" algn="ctr">
               <a:buNone/>
               <a:defRPr>
                 <a:solidFill>
@@ -198,7 +1530,7 @@
                 </a:solidFill>
               </a:defRPr>
             </a:lvl3pPr>
-            <a:lvl4pPr marL="1371600" indent="0" algn="ctr">
+            <a:lvl4pPr marL="771525" indent="0" algn="ctr">
               <a:buNone/>
               <a:defRPr>
                 <a:solidFill>
@@ -208,7 +1540,7 @@
                 </a:solidFill>
               </a:defRPr>
             </a:lvl4pPr>
-            <a:lvl5pPr marL="1828800" indent="0" algn="ctr">
+            <a:lvl5pPr marL="1028700" indent="0" algn="ctr">
               <a:buNone/>
               <a:defRPr>
                 <a:solidFill>
@@ -218,7 +1550,7 @@
                 </a:solidFill>
               </a:defRPr>
             </a:lvl5pPr>
-            <a:lvl6pPr marL="2286000" indent="0" algn="ctr">
+            <a:lvl6pPr marL="1285875" indent="0" algn="ctr">
               <a:buNone/>
               <a:defRPr>
                 <a:solidFill>
@@ -228,7 +1560,7 @@
                 </a:solidFill>
               </a:defRPr>
             </a:lvl6pPr>
-            <a:lvl7pPr marL="2743200" indent="0" algn="ctr">
+            <a:lvl7pPr marL="1543050" indent="0" algn="ctr">
               <a:buNone/>
               <a:defRPr>
                 <a:solidFill>
@@ -238,7 +1570,7 @@
                 </a:solidFill>
               </a:defRPr>
             </a:lvl7pPr>
-            <a:lvl8pPr marL="3200400" indent="0" algn="ctr">
+            <a:lvl8pPr marL="1800225" indent="0" algn="ctr">
               <a:buNone/>
               <a:defRPr>
                 <a:solidFill>
@@ -248,7 +1580,7 @@
                 </a:solidFill>
               </a:defRPr>
             </a:lvl8pPr>
-            <a:lvl9pPr marL="3657600" indent="0" algn="ctr">
+            <a:lvl9pPr marL="2057400" indent="0" algn="ctr">
               <a:buNone/>
               <a:defRPr>
                 <a:solidFill>
@@ -285,7 +1617,7 @@
           <a:p>
             <a:fld id="{FB30EDBD-1C2D-4C1E-B459-B60219FAB484}" type="datetimeFigureOut">
               <a:rPr lang="ko-KR" altLang="en-US" smtClean="0"/>
-              <a:t>2006-10-04</a:t>
+              <a:t>2021-04-06</a:t>
             </a:fld>
             <a:endParaRPr lang="ko-KR" altLang="en-US"/>
           </a:p>
@@ -338,6 +1670,13 @@
   <p:clrMapOvr>
     <a:masterClrMapping/>
   </p:clrMapOvr>
+  <p:timing>
+    <p:tnLst>
+      <p:par>
+        <p:cTn id="1" dur="indefinite" restart="never" nodeType="tmRoot"/>
+      </p:par>
+    </p:tnLst>
+  </p:timing>
 </p:sldLayout>
 </file>
 
@@ -450,7 +1789,7 @@
           <a:p>
             <a:fld id="{FB30EDBD-1C2D-4C1E-B459-B60219FAB484}" type="datetimeFigureOut">
               <a:rPr lang="ko-KR" altLang="en-US" smtClean="0"/>
-              <a:t>2006-10-04</a:t>
+              <a:t>2021-04-06</a:t>
             </a:fld>
             <a:endParaRPr lang="ko-KR" altLang="en-US"/>
           </a:p>
@@ -535,8 +1874,8 @@
         </p:nvSpPr>
         <p:spPr>
           <a:xfrm>
-            <a:off x="6629400" y="274638"/>
-            <a:ext cx="2057400" cy="5851525"/>
+            <a:off x="4176752" y="129754"/>
+            <a:ext cx="1296234" cy="2764575"/>
           </a:xfrm>
         </p:spPr>
         <p:txBody>
@@ -563,8 +1902,8 @@
         </p:nvSpPr>
         <p:spPr>
           <a:xfrm>
-            <a:off x="457200" y="274638"/>
-            <a:ext cx="6019800" cy="5851525"/>
+            <a:off x="288052" y="129754"/>
+            <a:ext cx="3792683" cy="2764575"/>
           </a:xfrm>
         </p:spPr>
         <p:txBody>
@@ -625,7 +1964,7 @@
           <a:p>
             <a:fld id="{FB30EDBD-1C2D-4C1E-B459-B60219FAB484}" type="datetimeFigureOut">
               <a:rPr lang="ko-KR" altLang="en-US" smtClean="0"/>
-              <a:t>2006-10-04</a:t>
+              <a:t>2021-04-06</a:t>
             </a:fld>
             <a:endParaRPr lang="ko-KR" altLang="en-US"/>
           </a:p>
@@ -790,7 +2129,7 @@
           <a:p>
             <a:fld id="{FB30EDBD-1C2D-4C1E-B459-B60219FAB484}" type="datetimeFigureOut">
               <a:rPr lang="ko-KR" altLang="en-US" smtClean="0"/>
-              <a:t>2006-10-04</a:t>
+              <a:t>2021-04-06</a:t>
             </a:fld>
             <a:endParaRPr lang="ko-KR" altLang="en-US"/>
           </a:p>
@@ -875,15 +2214,15 @@
         </p:nvSpPr>
         <p:spPr>
           <a:xfrm>
-            <a:off x="722313" y="4406900"/>
-            <a:ext cx="7772400" cy="1362075"/>
+            <a:off x="455082" y="2082057"/>
+            <a:ext cx="4896882" cy="643517"/>
           </a:xfrm>
         </p:spPr>
         <p:txBody>
           <a:bodyPr anchor="t"/>
           <a:lstStyle>
             <a:lvl1pPr algn="l">
-              <a:defRPr sz="4000" b="1" cap="all"/>
+              <a:defRPr sz="2300" b="1" cap="all"/>
             </a:lvl1pPr>
           </a:lstStyle>
           <a:p>
@@ -907,8 +2246,8 @@
         </p:nvSpPr>
         <p:spPr>
           <a:xfrm>
-            <a:off x="722313" y="2906713"/>
-            <a:ext cx="7772400" cy="1500187"/>
+            <a:off x="455082" y="1373288"/>
+            <a:ext cx="4896882" cy="708769"/>
           </a:xfrm>
         </p:spPr>
         <p:txBody>
@@ -916,7 +2255,7 @@
           <a:lstStyle>
             <a:lvl1pPr marL="0" indent="0">
               <a:buNone/>
-              <a:defRPr sz="2000">
+              <a:defRPr sz="1100">
                 <a:solidFill>
                   <a:schemeClr val="tx1">
                     <a:tint val="75000"/>
@@ -924,9 +2263,9 @@
                 </a:solidFill>
               </a:defRPr>
             </a:lvl1pPr>
-            <a:lvl2pPr marL="457200" indent="0">
+            <a:lvl2pPr marL="257175" indent="0">
               <a:buNone/>
-              <a:defRPr sz="1800">
+              <a:defRPr sz="1000">
                 <a:solidFill>
                   <a:schemeClr val="tx1">
                     <a:tint val="75000"/>
@@ -934,9 +2273,9 @@
                 </a:solidFill>
               </a:defRPr>
             </a:lvl2pPr>
-            <a:lvl3pPr marL="914400" indent="0">
+            <a:lvl3pPr marL="514350" indent="0">
               <a:buNone/>
-              <a:defRPr sz="1600">
+              <a:defRPr sz="900">
                 <a:solidFill>
                   <a:schemeClr val="tx1">
                     <a:tint val="75000"/>
@@ -944,9 +2283,9 @@
                 </a:solidFill>
               </a:defRPr>
             </a:lvl3pPr>
-            <a:lvl4pPr marL="1371600" indent="0">
+            <a:lvl4pPr marL="771525" indent="0">
               <a:buNone/>
-              <a:defRPr sz="1400">
+              <a:defRPr sz="800">
                 <a:solidFill>
                   <a:schemeClr val="tx1">
                     <a:tint val="75000"/>
@@ -954,9 +2293,9 @@
                 </a:solidFill>
               </a:defRPr>
             </a:lvl4pPr>
-            <a:lvl5pPr marL="1828800" indent="0">
+            <a:lvl5pPr marL="1028700" indent="0">
               <a:buNone/>
-              <a:defRPr sz="1400">
+              <a:defRPr sz="800">
                 <a:solidFill>
                   <a:schemeClr val="tx1">
                     <a:tint val="75000"/>
@@ -964,9 +2303,9 @@
                 </a:solidFill>
               </a:defRPr>
             </a:lvl5pPr>
-            <a:lvl6pPr marL="2286000" indent="0">
+            <a:lvl6pPr marL="1285875" indent="0">
               <a:buNone/>
-              <a:defRPr sz="1400">
+              <a:defRPr sz="800">
                 <a:solidFill>
                   <a:schemeClr val="tx1">
                     <a:tint val="75000"/>
@@ -974,9 +2313,9 @@
                 </a:solidFill>
               </a:defRPr>
             </a:lvl6pPr>
-            <a:lvl7pPr marL="2743200" indent="0">
+            <a:lvl7pPr marL="1543050" indent="0">
               <a:buNone/>
-              <a:defRPr sz="1400">
+              <a:defRPr sz="800">
                 <a:solidFill>
                   <a:schemeClr val="tx1">
                     <a:tint val="75000"/>
@@ -984,9 +2323,9 @@
                 </a:solidFill>
               </a:defRPr>
             </a:lvl7pPr>
-            <a:lvl8pPr marL="3200400" indent="0">
+            <a:lvl8pPr marL="1800225" indent="0">
               <a:buNone/>
-              <a:defRPr sz="1400">
+              <a:defRPr sz="800">
                 <a:solidFill>
                   <a:schemeClr val="tx1">
                     <a:tint val="75000"/>
@@ -994,9 +2333,9 @@
                 </a:solidFill>
               </a:defRPr>
             </a:lvl8pPr>
-            <a:lvl9pPr marL="3657600" indent="0">
+            <a:lvl9pPr marL="2057400" indent="0">
               <a:buNone/>
-              <a:defRPr sz="1400">
+              <a:defRPr sz="800">
                 <a:solidFill>
                   <a:schemeClr val="tx1">
                     <a:tint val="75000"/>
@@ -1031,7 +2370,7 @@
           <a:p>
             <a:fld id="{FB30EDBD-1C2D-4C1E-B459-B60219FAB484}" type="datetimeFigureOut">
               <a:rPr lang="ko-KR" altLang="en-US" smtClean="0"/>
-              <a:t>2006-10-04</a:t>
+              <a:t>2021-04-06</a:t>
             </a:fld>
             <a:endParaRPr lang="ko-KR" altLang="en-US"/>
           </a:p>
@@ -1139,39 +2478,39 @@
         </p:nvSpPr>
         <p:spPr>
           <a:xfrm>
-            <a:off x="457200" y="1600200"/>
-            <a:ext cx="4038600" cy="4525963"/>
+            <a:off x="288052" y="756021"/>
+            <a:ext cx="2544458" cy="2138308"/>
           </a:xfrm>
         </p:spPr>
         <p:txBody>
           <a:bodyPr/>
           <a:lstStyle>
             <a:lvl1pPr>
-              <a:defRPr sz="2800"/>
+              <a:defRPr sz="1600"/>
             </a:lvl1pPr>
             <a:lvl2pPr>
-              <a:defRPr sz="2400"/>
+              <a:defRPr sz="1400"/>
             </a:lvl2pPr>
             <a:lvl3pPr>
-              <a:defRPr sz="2000"/>
+              <a:defRPr sz="1100"/>
             </a:lvl3pPr>
             <a:lvl4pPr>
-              <a:defRPr sz="1800"/>
+              <a:defRPr sz="1000"/>
             </a:lvl4pPr>
             <a:lvl5pPr>
-              <a:defRPr sz="1800"/>
+              <a:defRPr sz="1000"/>
             </a:lvl5pPr>
             <a:lvl6pPr>
-              <a:defRPr sz="1800"/>
+              <a:defRPr sz="1000"/>
             </a:lvl6pPr>
             <a:lvl7pPr>
-              <a:defRPr sz="1800"/>
+              <a:defRPr sz="1000"/>
             </a:lvl7pPr>
             <a:lvl8pPr>
-              <a:defRPr sz="1800"/>
+              <a:defRPr sz="1000"/>
             </a:lvl8pPr>
             <a:lvl9pPr>
-              <a:defRPr sz="1800"/>
+              <a:defRPr sz="1000"/>
             </a:lvl9pPr>
           </a:lstStyle>
           <a:p>
@@ -1224,39 +2563,39 @@
         </p:nvSpPr>
         <p:spPr>
           <a:xfrm>
-            <a:off x="4648200" y="1600200"/>
-            <a:ext cx="4038600" cy="4525963"/>
+            <a:off x="2928528" y="756021"/>
+            <a:ext cx="2544458" cy="2138308"/>
           </a:xfrm>
         </p:spPr>
         <p:txBody>
           <a:bodyPr/>
           <a:lstStyle>
             <a:lvl1pPr>
-              <a:defRPr sz="2800"/>
+              <a:defRPr sz="1600"/>
             </a:lvl1pPr>
             <a:lvl2pPr>
-              <a:defRPr sz="2400"/>
+              <a:defRPr sz="1400"/>
             </a:lvl2pPr>
             <a:lvl3pPr>
-              <a:defRPr sz="2000"/>
+              <a:defRPr sz="1100"/>
             </a:lvl3pPr>
             <a:lvl4pPr>
-              <a:defRPr sz="1800"/>
+              <a:defRPr sz="1000"/>
             </a:lvl4pPr>
             <a:lvl5pPr>
-              <a:defRPr sz="1800"/>
+              <a:defRPr sz="1000"/>
             </a:lvl5pPr>
             <a:lvl6pPr>
-              <a:defRPr sz="1800"/>
+              <a:defRPr sz="1000"/>
             </a:lvl6pPr>
             <a:lvl7pPr>
-              <a:defRPr sz="1800"/>
+              <a:defRPr sz="1000"/>
             </a:lvl7pPr>
             <a:lvl8pPr>
-              <a:defRPr sz="1800"/>
+              <a:defRPr sz="1000"/>
             </a:lvl8pPr>
             <a:lvl9pPr>
-              <a:defRPr sz="1800"/>
+              <a:defRPr sz="1000"/>
             </a:lvl9pPr>
           </a:lstStyle>
           <a:p>
@@ -1314,7 +2653,7 @@
           <a:p>
             <a:fld id="{FB30EDBD-1C2D-4C1E-B459-B60219FAB484}" type="datetimeFigureOut">
               <a:rPr lang="ko-KR" altLang="en-US" smtClean="0"/>
-              <a:t>2006-10-04</a:t>
+              <a:t>2021-04-06</a:t>
             </a:fld>
             <a:endParaRPr lang="ko-KR" altLang="en-US"/>
           </a:p>
@@ -1426,8 +2765,8 @@
         </p:nvSpPr>
         <p:spPr>
           <a:xfrm>
-            <a:off x="457200" y="1535113"/>
-            <a:ext cx="4040188" cy="639762"/>
+            <a:off x="288052" y="725270"/>
+            <a:ext cx="2545459" cy="302258"/>
           </a:xfrm>
         </p:spPr>
         <p:txBody>
@@ -1435,39 +2774,39 @@
           <a:lstStyle>
             <a:lvl1pPr marL="0" indent="0">
               <a:buNone/>
-              <a:defRPr sz="2400" b="1"/>
+              <a:defRPr sz="1400" b="1"/>
             </a:lvl1pPr>
-            <a:lvl2pPr marL="457200" indent="0">
+            <a:lvl2pPr marL="257175" indent="0">
               <a:buNone/>
-              <a:defRPr sz="2000" b="1"/>
+              <a:defRPr sz="1100" b="1"/>
             </a:lvl2pPr>
-            <a:lvl3pPr marL="914400" indent="0">
+            <a:lvl3pPr marL="514350" indent="0">
               <a:buNone/>
-              <a:defRPr sz="1800" b="1"/>
+              <a:defRPr sz="1000" b="1"/>
             </a:lvl3pPr>
-            <a:lvl4pPr marL="1371600" indent="0">
+            <a:lvl4pPr marL="771525" indent="0">
               <a:buNone/>
-              <a:defRPr sz="1600" b="1"/>
+              <a:defRPr sz="900" b="1"/>
             </a:lvl4pPr>
-            <a:lvl5pPr marL="1828800" indent="0">
+            <a:lvl5pPr marL="1028700" indent="0">
               <a:buNone/>
-              <a:defRPr sz="1600" b="1"/>
+              <a:defRPr sz="900" b="1"/>
             </a:lvl5pPr>
-            <a:lvl6pPr marL="2286000" indent="0">
+            <a:lvl6pPr marL="1285875" indent="0">
               <a:buNone/>
-              <a:defRPr sz="1600" b="1"/>
+              <a:defRPr sz="900" b="1"/>
             </a:lvl6pPr>
-            <a:lvl7pPr marL="2743200" indent="0">
+            <a:lvl7pPr marL="1543050" indent="0">
               <a:buNone/>
-              <a:defRPr sz="1600" b="1"/>
+              <a:defRPr sz="900" b="1"/>
             </a:lvl7pPr>
-            <a:lvl8pPr marL="3200400" indent="0">
+            <a:lvl8pPr marL="1800225" indent="0">
               <a:buNone/>
-              <a:defRPr sz="1600" b="1"/>
+              <a:defRPr sz="900" b="1"/>
             </a:lvl8pPr>
-            <a:lvl9pPr marL="3657600" indent="0">
+            <a:lvl9pPr marL="2057400" indent="0">
               <a:buNone/>
-              <a:defRPr sz="1600" b="1"/>
+              <a:defRPr sz="900" b="1"/>
             </a:lvl9pPr>
           </a:lstStyle>
           <a:p>
@@ -1491,39 +2830,39 @@
         </p:nvSpPr>
         <p:spPr>
           <a:xfrm>
-            <a:off x="457200" y="2174875"/>
-            <a:ext cx="4040188" cy="3951288"/>
+            <a:off x="288052" y="1027528"/>
+            <a:ext cx="2545459" cy="1866801"/>
           </a:xfrm>
         </p:spPr>
         <p:txBody>
           <a:bodyPr/>
           <a:lstStyle>
             <a:lvl1pPr>
-              <a:defRPr sz="2400"/>
+              <a:defRPr sz="1400"/>
             </a:lvl1pPr>
             <a:lvl2pPr>
-              <a:defRPr sz="2000"/>
+              <a:defRPr sz="1100"/>
             </a:lvl2pPr>
             <a:lvl3pPr>
-              <a:defRPr sz="1800"/>
+              <a:defRPr sz="1000"/>
             </a:lvl3pPr>
             <a:lvl4pPr>
-              <a:defRPr sz="1600"/>
+              <a:defRPr sz="900"/>
             </a:lvl4pPr>
             <a:lvl5pPr>
-              <a:defRPr sz="1600"/>
+              <a:defRPr sz="900"/>
             </a:lvl5pPr>
             <a:lvl6pPr>
-              <a:defRPr sz="1600"/>
+              <a:defRPr sz="900"/>
             </a:lvl6pPr>
             <a:lvl7pPr>
-              <a:defRPr sz="1600"/>
+              <a:defRPr sz="900"/>
             </a:lvl7pPr>
             <a:lvl8pPr>
-              <a:defRPr sz="1600"/>
+              <a:defRPr sz="900"/>
             </a:lvl8pPr>
             <a:lvl9pPr>
-              <a:defRPr sz="1600"/>
+              <a:defRPr sz="900"/>
             </a:lvl9pPr>
           </a:lstStyle>
           <a:p>
@@ -1576,8 +2915,8 @@
         </p:nvSpPr>
         <p:spPr>
           <a:xfrm>
-            <a:off x="4645025" y="1535113"/>
-            <a:ext cx="4041775" cy="639762"/>
+            <a:off x="2926528" y="725270"/>
+            <a:ext cx="2546459" cy="302258"/>
           </a:xfrm>
         </p:spPr>
         <p:txBody>
@@ -1585,39 +2924,39 @@
           <a:lstStyle>
             <a:lvl1pPr marL="0" indent="0">
               <a:buNone/>
-              <a:defRPr sz="2400" b="1"/>
+              <a:defRPr sz="1400" b="1"/>
             </a:lvl1pPr>
-            <a:lvl2pPr marL="457200" indent="0">
+            <a:lvl2pPr marL="257175" indent="0">
               <a:buNone/>
-              <a:defRPr sz="2000" b="1"/>
+              <a:defRPr sz="1100" b="1"/>
             </a:lvl2pPr>
-            <a:lvl3pPr marL="914400" indent="0">
+            <a:lvl3pPr marL="514350" indent="0">
               <a:buNone/>
-              <a:defRPr sz="1800" b="1"/>
+              <a:defRPr sz="1000" b="1"/>
             </a:lvl3pPr>
-            <a:lvl4pPr marL="1371600" indent="0">
+            <a:lvl4pPr marL="771525" indent="0">
               <a:buNone/>
-              <a:defRPr sz="1600" b="1"/>
+              <a:defRPr sz="900" b="1"/>
             </a:lvl4pPr>
-            <a:lvl5pPr marL="1828800" indent="0">
+            <a:lvl5pPr marL="1028700" indent="0">
               <a:buNone/>
-              <a:defRPr sz="1600" b="1"/>
+              <a:defRPr sz="900" b="1"/>
             </a:lvl5pPr>
-            <a:lvl6pPr marL="2286000" indent="0">
+            <a:lvl6pPr marL="1285875" indent="0">
               <a:buNone/>
-              <a:defRPr sz="1600" b="1"/>
+              <a:defRPr sz="900" b="1"/>
             </a:lvl6pPr>
-            <a:lvl7pPr marL="2743200" indent="0">
+            <a:lvl7pPr marL="1543050" indent="0">
               <a:buNone/>
-              <a:defRPr sz="1600" b="1"/>
+              <a:defRPr sz="900" b="1"/>
             </a:lvl7pPr>
-            <a:lvl8pPr marL="3200400" indent="0">
+            <a:lvl8pPr marL="1800225" indent="0">
               <a:buNone/>
-              <a:defRPr sz="1600" b="1"/>
+              <a:defRPr sz="900" b="1"/>
             </a:lvl8pPr>
-            <a:lvl9pPr marL="3657600" indent="0">
+            <a:lvl9pPr marL="2057400" indent="0">
               <a:buNone/>
-              <a:defRPr sz="1600" b="1"/>
+              <a:defRPr sz="900" b="1"/>
             </a:lvl9pPr>
           </a:lstStyle>
           <a:p>
@@ -1641,39 +2980,39 @@
         </p:nvSpPr>
         <p:spPr>
           <a:xfrm>
-            <a:off x="4645025" y="2174875"/>
-            <a:ext cx="4041775" cy="3951288"/>
+            <a:off x="2926528" y="1027528"/>
+            <a:ext cx="2546459" cy="1866801"/>
           </a:xfrm>
         </p:spPr>
         <p:txBody>
           <a:bodyPr/>
           <a:lstStyle>
             <a:lvl1pPr>
-              <a:defRPr sz="2400"/>
+              <a:defRPr sz="1400"/>
             </a:lvl1pPr>
             <a:lvl2pPr>
-              <a:defRPr sz="2000"/>
+              <a:defRPr sz="1100"/>
             </a:lvl2pPr>
             <a:lvl3pPr>
-              <a:defRPr sz="1800"/>
+              <a:defRPr sz="1000"/>
             </a:lvl3pPr>
             <a:lvl4pPr>
-              <a:defRPr sz="1600"/>
+              <a:defRPr sz="900"/>
             </a:lvl4pPr>
             <a:lvl5pPr>
-              <a:defRPr sz="1600"/>
+              <a:defRPr sz="900"/>
             </a:lvl5pPr>
             <a:lvl6pPr>
-              <a:defRPr sz="1600"/>
+              <a:defRPr sz="900"/>
             </a:lvl6pPr>
             <a:lvl7pPr>
-              <a:defRPr sz="1600"/>
+              <a:defRPr sz="900"/>
             </a:lvl7pPr>
             <a:lvl8pPr>
-              <a:defRPr sz="1600"/>
+              <a:defRPr sz="900"/>
             </a:lvl8pPr>
             <a:lvl9pPr>
-              <a:defRPr sz="1600"/>
+              <a:defRPr sz="900"/>
             </a:lvl9pPr>
           </a:lstStyle>
           <a:p>
@@ -1731,7 +3070,7 @@
           <a:p>
             <a:fld id="{FB30EDBD-1C2D-4C1E-B459-B60219FAB484}" type="datetimeFigureOut">
               <a:rPr lang="ko-KR" altLang="en-US" smtClean="0"/>
-              <a:t>2006-10-04</a:t>
+              <a:t>2021-04-06</a:t>
             </a:fld>
             <a:endParaRPr lang="ko-KR" altLang="en-US"/>
           </a:p>
@@ -1844,7 +3183,7 @@
           <a:p>
             <a:fld id="{FB30EDBD-1C2D-4C1E-B459-B60219FAB484}" type="datetimeFigureOut">
               <a:rPr lang="ko-KR" altLang="en-US" smtClean="0"/>
-              <a:t>2006-10-04</a:t>
+              <a:t>2021-04-06</a:t>
             </a:fld>
             <a:endParaRPr lang="ko-KR" altLang="en-US"/>
           </a:p>
@@ -1934,7 +3273,7 @@
           <a:p>
             <a:fld id="{FB30EDBD-1C2D-4C1E-B459-B60219FAB484}" type="datetimeFigureOut">
               <a:rPr lang="ko-KR" altLang="en-US" smtClean="0"/>
-              <a:t>2006-10-04</a:t>
+              <a:t>2021-04-06</a:t>
             </a:fld>
             <a:endParaRPr lang="ko-KR" altLang="en-US"/>
           </a:p>
@@ -2019,15 +3358,15 @@
         </p:nvSpPr>
         <p:spPr>
           <a:xfrm>
-            <a:off x="457200" y="273050"/>
-            <a:ext cx="3008313" cy="1162050"/>
+            <a:off x="288052" y="129003"/>
+            <a:ext cx="1895342" cy="549015"/>
           </a:xfrm>
         </p:spPr>
         <p:txBody>
           <a:bodyPr anchor="b"/>
           <a:lstStyle>
             <a:lvl1pPr algn="l">
-              <a:defRPr sz="2000" b="1"/>
+              <a:defRPr sz="1100" b="1"/>
             </a:lvl1pPr>
           </a:lstStyle>
           <a:p>
@@ -2051,39 +3390,39 @@
         </p:nvSpPr>
         <p:spPr>
           <a:xfrm>
-            <a:off x="3575050" y="273050"/>
-            <a:ext cx="5111750" cy="5853113"/>
+            <a:off x="2252406" y="129004"/>
+            <a:ext cx="3220580" cy="2765325"/>
           </a:xfrm>
         </p:spPr>
         <p:txBody>
           <a:bodyPr/>
           <a:lstStyle>
             <a:lvl1pPr>
-              <a:defRPr sz="3200"/>
+              <a:defRPr sz="1800"/>
             </a:lvl1pPr>
             <a:lvl2pPr>
-              <a:defRPr sz="2800"/>
+              <a:defRPr sz="1600"/>
             </a:lvl2pPr>
             <a:lvl3pPr>
-              <a:defRPr sz="2400"/>
+              <a:defRPr sz="1400"/>
             </a:lvl3pPr>
             <a:lvl4pPr>
-              <a:defRPr sz="2000"/>
+              <a:defRPr sz="1100"/>
             </a:lvl4pPr>
             <a:lvl5pPr>
-              <a:defRPr sz="2000"/>
+              <a:defRPr sz="1100"/>
             </a:lvl5pPr>
             <a:lvl6pPr>
-              <a:defRPr sz="2000"/>
+              <a:defRPr sz="1100"/>
             </a:lvl6pPr>
             <a:lvl7pPr>
-              <a:defRPr sz="2000"/>
+              <a:defRPr sz="1100"/>
             </a:lvl7pPr>
             <a:lvl8pPr>
-              <a:defRPr sz="2000"/>
+              <a:defRPr sz="1100"/>
             </a:lvl8pPr>
             <a:lvl9pPr>
-              <a:defRPr sz="2000"/>
+              <a:defRPr sz="1100"/>
             </a:lvl9pPr>
           </a:lstStyle>
           <a:p>
@@ -2136,8 +3475,8 @@
         </p:nvSpPr>
         <p:spPr>
           <a:xfrm>
-            <a:off x="457200" y="1435100"/>
-            <a:ext cx="3008313" cy="4691063"/>
+            <a:off x="288052" y="678019"/>
+            <a:ext cx="1895342" cy="2216310"/>
           </a:xfrm>
         </p:spPr>
         <p:txBody>
@@ -2145,39 +3484,39 @@
           <a:lstStyle>
             <a:lvl1pPr marL="0" indent="0">
               <a:buNone/>
-              <a:defRPr sz="1400"/>
+              <a:defRPr sz="800"/>
             </a:lvl1pPr>
-            <a:lvl2pPr marL="457200" indent="0">
+            <a:lvl2pPr marL="257175" indent="0">
               <a:buNone/>
-              <a:defRPr sz="1200"/>
+              <a:defRPr sz="700"/>
             </a:lvl2pPr>
-            <a:lvl3pPr marL="914400" indent="0">
+            <a:lvl3pPr marL="514350" indent="0">
               <a:buNone/>
-              <a:defRPr sz="1000"/>
+              <a:defRPr sz="600"/>
             </a:lvl3pPr>
-            <a:lvl4pPr marL="1371600" indent="0">
+            <a:lvl4pPr marL="771525" indent="0">
               <a:buNone/>
-              <a:defRPr sz="900"/>
+              <a:defRPr sz="500"/>
             </a:lvl4pPr>
-            <a:lvl5pPr marL="1828800" indent="0">
+            <a:lvl5pPr marL="1028700" indent="0">
               <a:buNone/>
-              <a:defRPr sz="900"/>
+              <a:defRPr sz="500"/>
             </a:lvl5pPr>
-            <a:lvl6pPr marL="2286000" indent="0">
+            <a:lvl6pPr marL="1285875" indent="0">
               <a:buNone/>
-              <a:defRPr sz="900"/>
+              <a:defRPr sz="500"/>
             </a:lvl6pPr>
-            <a:lvl7pPr marL="2743200" indent="0">
+            <a:lvl7pPr marL="1543050" indent="0">
               <a:buNone/>
-              <a:defRPr sz="900"/>
+              <a:defRPr sz="500"/>
             </a:lvl7pPr>
-            <a:lvl8pPr marL="3200400" indent="0">
+            <a:lvl8pPr marL="1800225" indent="0">
               <a:buNone/>
-              <a:defRPr sz="900"/>
+              <a:defRPr sz="500"/>
             </a:lvl8pPr>
-            <a:lvl9pPr marL="3657600" indent="0">
+            <a:lvl9pPr marL="2057400" indent="0">
               <a:buNone/>
-              <a:defRPr sz="900"/>
+              <a:defRPr sz="500"/>
             </a:lvl9pPr>
           </a:lstStyle>
           <a:p>
@@ -2206,7 +3545,7 @@
           <a:p>
             <a:fld id="{FB30EDBD-1C2D-4C1E-B459-B60219FAB484}" type="datetimeFigureOut">
               <a:rPr lang="ko-KR" altLang="en-US" smtClean="0"/>
-              <a:t>2006-10-04</a:t>
+              <a:t>2021-04-06</a:t>
             </a:fld>
             <a:endParaRPr lang="ko-KR" altLang="en-US"/>
           </a:p>
@@ -2291,15 +3630,15 @@
         </p:nvSpPr>
         <p:spPr>
           <a:xfrm>
-            <a:off x="1792288" y="4800600"/>
-            <a:ext cx="5486400" cy="566738"/>
+            <a:off x="1129204" y="2268061"/>
+            <a:ext cx="3456623" cy="267758"/>
           </a:xfrm>
         </p:spPr>
         <p:txBody>
           <a:bodyPr anchor="b"/>
           <a:lstStyle>
             <a:lvl1pPr algn="l">
-              <a:defRPr sz="2000" b="1"/>
+              <a:defRPr sz="1100" b="1"/>
             </a:lvl1pPr>
           </a:lstStyle>
           <a:p>
@@ -2323,8 +3662,8 @@
         </p:nvSpPr>
         <p:spPr>
           <a:xfrm>
-            <a:off x="1792288" y="612775"/>
-            <a:ext cx="5486400" cy="4114800"/>
+            <a:off x="1129204" y="289508"/>
+            <a:ext cx="3456623" cy="1944053"/>
           </a:xfrm>
         </p:spPr>
         <p:txBody>
@@ -2332,39 +3671,39 @@
           <a:lstStyle>
             <a:lvl1pPr marL="0" indent="0">
               <a:buNone/>
-              <a:defRPr sz="3200"/>
+              <a:defRPr sz="1800"/>
             </a:lvl1pPr>
-            <a:lvl2pPr marL="457200" indent="0">
+            <a:lvl2pPr marL="257175" indent="0">
               <a:buNone/>
-              <a:defRPr sz="2800"/>
+              <a:defRPr sz="1600"/>
             </a:lvl2pPr>
-            <a:lvl3pPr marL="914400" indent="0">
+            <a:lvl3pPr marL="514350" indent="0">
               <a:buNone/>
-              <a:defRPr sz="2400"/>
+              <a:defRPr sz="1400"/>
             </a:lvl3pPr>
-            <a:lvl4pPr marL="1371600" indent="0">
+            <a:lvl4pPr marL="771525" indent="0">
               <a:buNone/>
-              <a:defRPr sz="2000"/>
+              <a:defRPr sz="1100"/>
             </a:lvl4pPr>
-            <a:lvl5pPr marL="1828800" indent="0">
+            <a:lvl5pPr marL="1028700" indent="0">
               <a:buNone/>
-              <a:defRPr sz="2000"/>
+              <a:defRPr sz="1100"/>
             </a:lvl5pPr>
-            <a:lvl6pPr marL="2286000" indent="0">
+            <a:lvl6pPr marL="1285875" indent="0">
               <a:buNone/>
-              <a:defRPr sz="2000"/>
+              <a:defRPr sz="1100"/>
             </a:lvl6pPr>
-            <a:lvl7pPr marL="2743200" indent="0">
+            <a:lvl7pPr marL="1543050" indent="0">
               <a:buNone/>
-              <a:defRPr sz="2000"/>
+              <a:defRPr sz="1100"/>
             </a:lvl7pPr>
-            <a:lvl8pPr marL="3200400" indent="0">
+            <a:lvl8pPr marL="1800225" indent="0">
               <a:buNone/>
-              <a:defRPr sz="2000"/>
+              <a:defRPr sz="1100"/>
             </a:lvl8pPr>
-            <a:lvl9pPr marL="3657600" indent="0">
+            <a:lvl9pPr marL="2057400" indent="0">
               <a:buNone/>
-              <a:defRPr sz="2000"/>
+              <a:defRPr sz="1100"/>
             </a:lvl9pPr>
           </a:lstStyle>
           <a:p>
@@ -2384,8 +3723,8 @@
         </p:nvSpPr>
         <p:spPr>
           <a:xfrm>
-            <a:off x="1792288" y="5367338"/>
-            <a:ext cx="5486400" cy="804862"/>
+            <a:off x="1129204" y="2535819"/>
+            <a:ext cx="3456623" cy="380260"/>
           </a:xfrm>
         </p:spPr>
         <p:txBody>
@@ -2393,39 +3732,39 @@
           <a:lstStyle>
             <a:lvl1pPr marL="0" indent="0">
               <a:buNone/>
-              <a:defRPr sz="1400"/>
+              <a:defRPr sz="800"/>
             </a:lvl1pPr>
-            <a:lvl2pPr marL="457200" indent="0">
+            <a:lvl2pPr marL="257175" indent="0">
               <a:buNone/>
-              <a:defRPr sz="1200"/>
+              <a:defRPr sz="700"/>
             </a:lvl2pPr>
-            <a:lvl3pPr marL="914400" indent="0">
+            <a:lvl3pPr marL="514350" indent="0">
               <a:buNone/>
-              <a:defRPr sz="1000"/>
+              <a:defRPr sz="600"/>
             </a:lvl3pPr>
-            <a:lvl4pPr marL="1371600" indent="0">
+            <a:lvl4pPr marL="771525" indent="0">
               <a:buNone/>
-              <a:defRPr sz="900"/>
+              <a:defRPr sz="500"/>
             </a:lvl4pPr>
-            <a:lvl5pPr marL="1828800" indent="0">
+            <a:lvl5pPr marL="1028700" indent="0">
               <a:buNone/>
-              <a:defRPr sz="900"/>
+              <a:defRPr sz="500"/>
             </a:lvl5pPr>
-            <a:lvl6pPr marL="2286000" indent="0">
+            <a:lvl6pPr marL="1285875" indent="0">
               <a:buNone/>
-              <a:defRPr sz="900"/>
+              <a:defRPr sz="500"/>
             </a:lvl6pPr>
-            <a:lvl7pPr marL="2743200" indent="0">
+            <a:lvl7pPr marL="1543050" indent="0">
               <a:buNone/>
-              <a:defRPr sz="900"/>
+              <a:defRPr sz="500"/>
             </a:lvl7pPr>
-            <a:lvl8pPr marL="3200400" indent="0">
+            <a:lvl8pPr marL="1800225" indent="0">
               <a:buNone/>
-              <a:defRPr sz="900"/>
+              <a:defRPr sz="500"/>
             </a:lvl8pPr>
-            <a:lvl9pPr marL="3657600" indent="0">
+            <a:lvl9pPr marL="2057400" indent="0">
               <a:buNone/>
-              <a:defRPr sz="900"/>
+              <a:defRPr sz="500"/>
             </a:lvl9pPr>
           </a:lstStyle>
           <a:p>
@@ -2454,7 +3793,7 @@
           <a:p>
             <a:fld id="{FB30EDBD-1C2D-4C1E-B459-B60219FAB484}" type="datetimeFigureOut">
               <a:rPr lang="ko-KR" altLang="en-US" smtClean="0"/>
-              <a:t>2006-10-04</a:t>
+              <a:t>2021-04-06</a:t>
             </a:fld>
             <a:endParaRPr lang="ko-KR" altLang="en-US"/>
           </a:p>
@@ -2544,15 +3883,15 @@
         </p:nvSpPr>
         <p:spPr>
           <a:xfrm>
-            <a:off x="457200" y="274638"/>
-            <a:ext cx="8229600" cy="1143000"/>
+            <a:off x="288052" y="129754"/>
+            <a:ext cx="5184934" cy="540015"/>
           </a:xfrm>
           <a:prstGeom prst="rect">
             <a:avLst/>
           </a:prstGeom>
         </p:spPr>
         <p:txBody>
-          <a:bodyPr vert="horz" lIns="91440" tIns="45720" rIns="91440" bIns="45720" rtlCol="0" anchor="ctr">
+          <a:bodyPr vert="horz" lIns="51435" tIns="25718" rIns="51435" bIns="25718" rtlCol="0" anchor="ctr">
             <a:normAutofit/>
           </a:bodyPr>
           <a:lstStyle/>
@@ -2577,15 +3916,15 @@
         </p:nvSpPr>
         <p:spPr>
           <a:xfrm>
-            <a:off x="457200" y="1600200"/>
-            <a:ext cx="8229600" cy="4525963"/>
+            <a:off x="288052" y="756021"/>
+            <a:ext cx="5184934" cy="2138308"/>
           </a:xfrm>
           <a:prstGeom prst="rect">
             <a:avLst/>
           </a:prstGeom>
         </p:spPr>
         <p:txBody>
-          <a:bodyPr vert="horz" lIns="91440" tIns="45720" rIns="91440" bIns="45720" rtlCol="0">
+          <a:bodyPr vert="horz" lIns="51435" tIns="25718" rIns="51435" bIns="25718" rtlCol="0">
             <a:normAutofit/>
           </a:bodyPr>
           <a:lstStyle/>
@@ -2639,18 +3978,18 @@
         </p:nvSpPr>
         <p:spPr>
           <a:xfrm>
-            <a:off x="457200" y="6356350"/>
-            <a:ext cx="2133600" cy="365125"/>
+            <a:off x="288052" y="3003082"/>
+            <a:ext cx="1344242" cy="172505"/>
           </a:xfrm>
           <a:prstGeom prst="rect">
             <a:avLst/>
           </a:prstGeom>
         </p:spPr>
         <p:txBody>
-          <a:bodyPr vert="horz" lIns="91440" tIns="45720" rIns="91440" bIns="45720" rtlCol="0" anchor="ctr"/>
+          <a:bodyPr vert="horz" lIns="51435" tIns="25718" rIns="51435" bIns="25718" rtlCol="0" anchor="ctr"/>
           <a:lstStyle>
             <a:lvl1pPr algn="l">
-              <a:defRPr sz="1200">
+              <a:defRPr sz="700">
                 <a:solidFill>
                   <a:schemeClr val="tx1">
                     <a:tint val="75000"/>
@@ -2662,7 +4001,7 @@
           <a:p>
             <a:fld id="{FB30EDBD-1C2D-4C1E-B459-B60219FAB484}" type="datetimeFigureOut">
               <a:rPr lang="ko-KR" altLang="en-US" smtClean="0"/>
-              <a:t>2006-10-04</a:t>
+              <a:t>2021-04-06</a:t>
             </a:fld>
             <a:endParaRPr lang="ko-KR" altLang="en-US"/>
           </a:p>
@@ -2680,18 +4019,18 @@
         </p:nvSpPr>
         <p:spPr>
           <a:xfrm>
-            <a:off x="3124200" y="6356350"/>
-            <a:ext cx="2895600" cy="365125"/>
+            <a:off x="1968355" y="3003082"/>
+            <a:ext cx="1824329" cy="172505"/>
           </a:xfrm>
           <a:prstGeom prst="rect">
             <a:avLst/>
           </a:prstGeom>
         </p:spPr>
         <p:txBody>
-          <a:bodyPr vert="horz" lIns="91440" tIns="45720" rIns="91440" bIns="45720" rtlCol="0" anchor="ctr"/>
+          <a:bodyPr vert="horz" lIns="51435" tIns="25718" rIns="51435" bIns="25718" rtlCol="0" anchor="ctr"/>
           <a:lstStyle>
             <a:lvl1pPr algn="ctr">
-              <a:defRPr sz="1200">
+              <a:defRPr sz="700">
                 <a:solidFill>
                   <a:schemeClr val="tx1">
                     <a:tint val="75000"/>
@@ -2717,18 +4056,18 @@
         </p:nvSpPr>
         <p:spPr>
           <a:xfrm>
-            <a:off x="6553200" y="6356350"/>
-            <a:ext cx="2133600" cy="365125"/>
+            <a:off x="4128744" y="3003082"/>
+            <a:ext cx="1344242" cy="172505"/>
           </a:xfrm>
           <a:prstGeom prst="rect">
             <a:avLst/>
           </a:prstGeom>
         </p:spPr>
         <p:txBody>
-          <a:bodyPr vert="horz" lIns="91440" tIns="45720" rIns="91440" bIns="45720" rtlCol="0" anchor="ctr"/>
+          <a:bodyPr vert="horz" lIns="51435" tIns="25718" rIns="51435" bIns="25718" rtlCol="0" anchor="ctr"/>
           <a:lstStyle>
             <a:lvl1pPr algn="r">
-              <a:defRPr sz="1200">
+              <a:defRPr sz="700">
                 <a:solidFill>
                   <a:schemeClr val="tx1">
                     <a:tint val="75000"/>
@@ -2764,12 +4103,12 @@
   </p:sldLayoutIdLst>
   <p:txStyles>
     <p:titleStyle>
-      <a:lvl1pPr algn="ctr" defTabSz="914400" rtl="0" eaLnBrk="1" latinLnBrk="1" hangingPunct="1">
+      <a:lvl1pPr algn="ctr" defTabSz="514350" rtl="0" eaLnBrk="1" latinLnBrk="1" hangingPunct="1">
         <a:spcBef>
           <a:spcPct val="0"/>
         </a:spcBef>
         <a:buNone/>
-        <a:defRPr sz="4400" kern="1200">
+        <a:defRPr sz="2500" kern="1200">
           <a:solidFill>
             <a:schemeClr val="tx1"/>
           </a:solidFill>
@@ -2780,13 +4119,13 @@
       </a:lvl1pPr>
     </p:titleStyle>
     <p:bodyStyle>
-      <a:lvl1pPr marL="342900" indent="-342900" algn="l" defTabSz="914400" rtl="0" eaLnBrk="1" latinLnBrk="1" hangingPunct="1">
+      <a:lvl1pPr marL="192881" indent="-192881" algn="l" defTabSz="514350" rtl="0" eaLnBrk="1" latinLnBrk="1" hangingPunct="1">
         <a:spcBef>
           <a:spcPct val="20000"/>
         </a:spcBef>
         <a:buFont typeface="Arial" pitchFamily="34" charset="0"/>
         <a:buChar char="•"/>
-        <a:defRPr sz="3200" kern="1200">
+        <a:defRPr sz="1800" kern="1200">
           <a:solidFill>
             <a:schemeClr val="tx1"/>
           </a:solidFill>
@@ -2795,13 +4134,13 @@
           <a:cs typeface="+mn-cs"/>
         </a:defRPr>
       </a:lvl1pPr>
-      <a:lvl2pPr marL="742950" indent="-285750" algn="l" defTabSz="914400" rtl="0" eaLnBrk="1" latinLnBrk="1" hangingPunct="1">
+      <a:lvl2pPr marL="417909" indent="-160734" algn="l" defTabSz="514350" rtl="0" eaLnBrk="1" latinLnBrk="1" hangingPunct="1">
         <a:spcBef>
           <a:spcPct val="20000"/>
         </a:spcBef>
         <a:buFont typeface="Arial" pitchFamily="34" charset="0"/>
         <a:buChar char="–"/>
-        <a:defRPr sz="2800" kern="1200">
+        <a:defRPr sz="1600" kern="1200">
           <a:solidFill>
             <a:schemeClr val="tx1"/>
           </a:solidFill>
@@ -2810,13 +4149,13 @@
           <a:cs typeface="+mn-cs"/>
         </a:defRPr>
       </a:lvl2pPr>
-      <a:lvl3pPr marL="1143000" indent="-228600" algn="l" defTabSz="914400" rtl="0" eaLnBrk="1" latinLnBrk="1" hangingPunct="1">
+      <a:lvl3pPr marL="642938" indent="-128588" algn="l" defTabSz="514350" rtl="0" eaLnBrk="1" latinLnBrk="1" hangingPunct="1">
         <a:spcBef>
           <a:spcPct val="20000"/>
         </a:spcBef>
         <a:buFont typeface="Arial" pitchFamily="34" charset="0"/>
         <a:buChar char="•"/>
-        <a:defRPr sz="2400" kern="1200">
+        <a:defRPr sz="1400" kern="1200">
           <a:solidFill>
             <a:schemeClr val="tx1"/>
           </a:solidFill>
@@ -2825,13 +4164,13 @@
           <a:cs typeface="+mn-cs"/>
         </a:defRPr>
       </a:lvl3pPr>
-      <a:lvl4pPr marL="1600200" indent="-228600" algn="l" defTabSz="914400" rtl="0" eaLnBrk="1" latinLnBrk="1" hangingPunct="1">
+      <a:lvl4pPr marL="900113" indent="-128588" algn="l" defTabSz="514350" rtl="0" eaLnBrk="1" latinLnBrk="1" hangingPunct="1">
         <a:spcBef>
           <a:spcPct val="20000"/>
         </a:spcBef>
         <a:buFont typeface="Arial" pitchFamily="34" charset="0"/>
         <a:buChar char="–"/>
-        <a:defRPr sz="2000" kern="1200">
+        <a:defRPr sz="1100" kern="1200">
           <a:solidFill>
             <a:schemeClr val="tx1"/>
           </a:solidFill>
@@ -2840,13 +4179,13 @@
           <a:cs typeface="+mn-cs"/>
         </a:defRPr>
       </a:lvl4pPr>
-      <a:lvl5pPr marL="2057400" indent="-228600" algn="l" defTabSz="914400" rtl="0" eaLnBrk="1" latinLnBrk="1" hangingPunct="1">
+      <a:lvl5pPr marL="1157288" indent="-128588" algn="l" defTabSz="514350" rtl="0" eaLnBrk="1" latinLnBrk="1" hangingPunct="1">
         <a:spcBef>
           <a:spcPct val="20000"/>
         </a:spcBef>
         <a:buFont typeface="Arial" pitchFamily="34" charset="0"/>
         <a:buChar char="»"/>
-        <a:defRPr sz="2000" kern="1200">
+        <a:defRPr sz="1100" kern="1200">
           <a:solidFill>
             <a:schemeClr val="tx1"/>
           </a:solidFill>
@@ -2855,13 +4194,13 @@
           <a:cs typeface="+mn-cs"/>
         </a:defRPr>
       </a:lvl5pPr>
-      <a:lvl6pPr marL="2514600" indent="-228600" algn="l" defTabSz="914400" rtl="0" eaLnBrk="1" latinLnBrk="1" hangingPunct="1">
+      <a:lvl6pPr marL="1414463" indent="-128588" algn="l" defTabSz="514350" rtl="0" eaLnBrk="1" latinLnBrk="1" hangingPunct="1">
         <a:spcBef>
           <a:spcPct val="20000"/>
         </a:spcBef>
         <a:buFont typeface="Arial" pitchFamily="34" charset="0"/>
         <a:buChar char="•"/>
-        <a:defRPr sz="2000" kern="1200">
+        <a:defRPr sz="1100" kern="1200">
           <a:solidFill>
             <a:schemeClr val="tx1"/>
           </a:solidFill>
@@ -2870,13 +4209,13 @@
           <a:cs typeface="+mn-cs"/>
         </a:defRPr>
       </a:lvl6pPr>
-      <a:lvl7pPr marL="2971800" indent="-228600" algn="l" defTabSz="914400" rtl="0" eaLnBrk="1" latinLnBrk="1" hangingPunct="1">
+      <a:lvl7pPr marL="1671638" indent="-128588" algn="l" defTabSz="514350" rtl="0" eaLnBrk="1" latinLnBrk="1" hangingPunct="1">
         <a:spcBef>
           <a:spcPct val="20000"/>
         </a:spcBef>
         <a:buFont typeface="Arial" pitchFamily="34" charset="0"/>
         <a:buChar char="•"/>
-        <a:defRPr sz="2000" kern="1200">
+        <a:defRPr sz="1100" kern="1200">
           <a:solidFill>
             <a:schemeClr val="tx1"/>
           </a:solidFill>
@@ -2885,13 +4224,13 @@
           <a:cs typeface="+mn-cs"/>
         </a:defRPr>
       </a:lvl7pPr>
-      <a:lvl8pPr marL="3429000" indent="-228600" algn="l" defTabSz="914400" rtl="0" eaLnBrk="1" latinLnBrk="1" hangingPunct="1">
+      <a:lvl8pPr marL="1928813" indent="-128588" algn="l" defTabSz="514350" rtl="0" eaLnBrk="1" latinLnBrk="1" hangingPunct="1">
         <a:spcBef>
           <a:spcPct val="20000"/>
         </a:spcBef>
         <a:buFont typeface="Arial" pitchFamily="34" charset="0"/>
         <a:buChar char="•"/>
-        <a:defRPr sz="2000" kern="1200">
+        <a:defRPr sz="1100" kern="1200">
           <a:solidFill>
             <a:schemeClr val="tx1"/>
           </a:solidFill>
@@ -2900,13 +4239,13 @@
           <a:cs typeface="+mn-cs"/>
         </a:defRPr>
       </a:lvl8pPr>
-      <a:lvl9pPr marL="3886200" indent="-228600" algn="l" defTabSz="914400" rtl="0" eaLnBrk="1" latinLnBrk="1" hangingPunct="1">
+      <a:lvl9pPr marL="2185988" indent="-128588" algn="l" defTabSz="514350" rtl="0" eaLnBrk="1" latinLnBrk="1" hangingPunct="1">
         <a:spcBef>
           <a:spcPct val="20000"/>
         </a:spcBef>
         <a:buFont typeface="Arial" pitchFamily="34" charset="0"/>
         <a:buChar char="•"/>
-        <a:defRPr sz="2000" kern="1200">
+        <a:defRPr sz="1100" kern="1200">
           <a:solidFill>
             <a:schemeClr val="tx1"/>
           </a:solidFill>
@@ -2920,8 +4259,8 @@
       <a:defPPr>
         <a:defRPr lang="ko-KR"/>
       </a:defPPr>
-      <a:lvl1pPr marL="0" algn="l" defTabSz="914400" rtl="0" eaLnBrk="1" latinLnBrk="1" hangingPunct="1">
-        <a:defRPr sz="1800" kern="1200">
+      <a:lvl1pPr marL="0" algn="l" defTabSz="514350" rtl="0" eaLnBrk="1" latinLnBrk="1" hangingPunct="1">
+        <a:defRPr sz="1000" kern="1200">
           <a:solidFill>
             <a:schemeClr val="tx1"/>
           </a:solidFill>
@@ -2930,8 +4269,8 @@
           <a:cs typeface="+mn-cs"/>
         </a:defRPr>
       </a:lvl1pPr>
-      <a:lvl2pPr marL="457200" algn="l" defTabSz="914400" rtl="0" eaLnBrk="1" latinLnBrk="1" hangingPunct="1">
-        <a:defRPr sz="1800" kern="1200">
+      <a:lvl2pPr marL="257175" algn="l" defTabSz="514350" rtl="0" eaLnBrk="1" latinLnBrk="1" hangingPunct="1">
+        <a:defRPr sz="1000" kern="1200">
           <a:solidFill>
             <a:schemeClr val="tx1"/>
           </a:solidFill>
@@ -2940,8 +4279,8 @@
           <a:cs typeface="+mn-cs"/>
         </a:defRPr>
       </a:lvl2pPr>
-      <a:lvl3pPr marL="914400" algn="l" defTabSz="914400" rtl="0" eaLnBrk="1" latinLnBrk="1" hangingPunct="1">
-        <a:defRPr sz="1800" kern="1200">
+      <a:lvl3pPr marL="514350" algn="l" defTabSz="514350" rtl="0" eaLnBrk="1" latinLnBrk="1" hangingPunct="1">
+        <a:defRPr sz="1000" kern="1200">
           <a:solidFill>
             <a:schemeClr val="tx1"/>
           </a:solidFill>
@@ -2950,8 +4289,8 @@
           <a:cs typeface="+mn-cs"/>
         </a:defRPr>
       </a:lvl3pPr>
-      <a:lvl4pPr marL="1371600" algn="l" defTabSz="914400" rtl="0" eaLnBrk="1" latinLnBrk="1" hangingPunct="1">
-        <a:defRPr sz="1800" kern="1200">
+      <a:lvl4pPr marL="771525" algn="l" defTabSz="514350" rtl="0" eaLnBrk="1" latinLnBrk="1" hangingPunct="1">
+        <a:defRPr sz="1000" kern="1200">
           <a:solidFill>
             <a:schemeClr val="tx1"/>
           </a:solidFill>
@@ -2960,8 +4299,8 @@
           <a:cs typeface="+mn-cs"/>
         </a:defRPr>
       </a:lvl4pPr>
-      <a:lvl5pPr marL="1828800" algn="l" defTabSz="914400" rtl="0" eaLnBrk="1" latinLnBrk="1" hangingPunct="1">
-        <a:defRPr sz="1800" kern="1200">
+      <a:lvl5pPr marL="1028700" algn="l" defTabSz="514350" rtl="0" eaLnBrk="1" latinLnBrk="1" hangingPunct="1">
+        <a:defRPr sz="1000" kern="1200">
           <a:solidFill>
             <a:schemeClr val="tx1"/>
           </a:solidFill>
@@ -2970,8 +4309,8 @@
           <a:cs typeface="+mn-cs"/>
         </a:defRPr>
       </a:lvl5pPr>
-      <a:lvl6pPr marL="2286000" algn="l" defTabSz="914400" rtl="0" eaLnBrk="1" latinLnBrk="1" hangingPunct="1">
-        <a:defRPr sz="1800" kern="1200">
+      <a:lvl6pPr marL="1285875" algn="l" defTabSz="514350" rtl="0" eaLnBrk="1" latinLnBrk="1" hangingPunct="1">
+        <a:defRPr sz="1000" kern="1200">
           <a:solidFill>
             <a:schemeClr val="tx1"/>
           </a:solidFill>
@@ -2980,8 +4319,8 @@
           <a:cs typeface="+mn-cs"/>
         </a:defRPr>
       </a:lvl6pPr>
-      <a:lvl7pPr marL="2743200" algn="l" defTabSz="914400" rtl="0" eaLnBrk="1" latinLnBrk="1" hangingPunct="1">
-        <a:defRPr sz="1800" kern="1200">
+      <a:lvl7pPr marL="1543050" algn="l" defTabSz="514350" rtl="0" eaLnBrk="1" latinLnBrk="1" hangingPunct="1">
+        <a:defRPr sz="1000" kern="1200">
           <a:solidFill>
             <a:schemeClr val="tx1"/>
           </a:solidFill>
@@ -2990,8 +4329,8 @@
           <a:cs typeface="+mn-cs"/>
         </a:defRPr>
       </a:lvl7pPr>
-      <a:lvl8pPr marL="3200400" algn="l" defTabSz="914400" rtl="0" eaLnBrk="1" latinLnBrk="1" hangingPunct="1">
-        <a:defRPr sz="1800" kern="1200">
+      <a:lvl8pPr marL="1800225" algn="l" defTabSz="514350" rtl="0" eaLnBrk="1" latinLnBrk="1" hangingPunct="1">
+        <a:defRPr sz="1000" kern="1200">
           <a:solidFill>
             <a:schemeClr val="tx1"/>
           </a:solidFill>
@@ -3000,8 +4339,8 @@
           <a:cs typeface="+mn-cs"/>
         </a:defRPr>
       </a:lvl8pPr>
-      <a:lvl9pPr marL="3657600" algn="l" defTabSz="914400" rtl="0" eaLnBrk="1" latinLnBrk="1" hangingPunct="1">
-        <a:defRPr sz="1800" kern="1200">
+      <a:lvl9pPr marL="2057400" algn="l" defTabSz="514350" rtl="0" eaLnBrk="1" latinLnBrk="1" hangingPunct="1">
+        <a:defRPr sz="1000" kern="1200">
           <a:solidFill>
             <a:schemeClr val="tx1"/>
           </a:solidFill>
@@ -3013,6 +4352,4167 @@
     </p:otherStyle>
   </p:txStyles>
 </p:sldMaster>
+</file>
+
+<file path=ppt/slides/slide1.xml><?xml version="1.0" encoding="utf-8"?>
+<p:sld xmlns:a="http://schemas.openxmlformats.org/drawingml/2006/main" xmlns:r="http://schemas.openxmlformats.org/officeDocument/2006/relationships" xmlns:p="http://schemas.openxmlformats.org/presentationml/2006/main">
+  <p:cSld>
+    <p:spTree>
+      <p:nvGrpSpPr>
+        <p:cNvPr id="1" name=""/>
+        <p:cNvGrpSpPr/>
+        <p:nvPr/>
+      </p:nvGrpSpPr>
+      <p:grpSpPr>
+        <a:xfrm>
+          <a:off x="0" y="0"/>
+          <a:ext cx="0" cy="0"/>
+          <a:chOff x="0" y="0"/>
+          <a:chExt cx="0" cy="0"/>
+        </a:xfrm>
+      </p:grpSpPr>
+      <p:sp>
+        <p:nvSpPr>
+          <p:cNvPr id="5" name="직사각형 4"/>
+          <p:cNvSpPr/>
+          <p:nvPr/>
+        </p:nvSpPr>
+        <p:spPr>
+          <a:xfrm>
+            <a:off x="5112966" y="0"/>
+            <a:ext cx="647873" cy="3240088"/>
+          </a:xfrm>
+          <a:prstGeom prst="rect">
+            <a:avLst/>
+          </a:prstGeom>
+          <a:ln w="9525"/>
+        </p:spPr>
+        <p:style>
+          <a:lnRef idx="2">
+            <a:schemeClr val="dk1"/>
+          </a:lnRef>
+          <a:fillRef idx="1">
+            <a:schemeClr val="lt1"/>
+          </a:fillRef>
+          <a:effectRef idx="0">
+            <a:schemeClr val="dk1"/>
+          </a:effectRef>
+          <a:fontRef idx="minor">
+            <a:schemeClr val="dk1"/>
+          </a:fontRef>
+        </p:style>
+        <p:txBody>
+          <a:bodyPr rtlCol="0" anchor="ctr"/>
+          <a:lstStyle/>
+          <a:p>
+            <a:pPr algn="ctr"/>
+            <a:endParaRPr lang="ko-KR" altLang="en-US"/>
+          </a:p>
+        </p:txBody>
+      </p:sp>
+      <p:sp>
+        <p:nvSpPr>
+          <p:cNvPr id="6" name="모서리가 둥근 직사각형 5"/>
+          <p:cNvSpPr/>
+          <p:nvPr/>
+        </p:nvSpPr>
+        <p:spPr>
+          <a:xfrm>
+            <a:off x="5184775" y="35868"/>
+            <a:ext cx="504056" cy="288032"/>
+          </a:xfrm>
+          <a:prstGeom prst="roundRect">
+            <a:avLst/>
+          </a:prstGeom>
+        </p:spPr>
+        <p:style>
+          <a:lnRef idx="1">
+            <a:schemeClr val="accent1"/>
+          </a:lnRef>
+          <a:fillRef idx="2">
+            <a:schemeClr val="accent1"/>
+          </a:fillRef>
+          <a:effectRef idx="1">
+            <a:schemeClr val="accent1"/>
+          </a:effectRef>
+          <a:fontRef idx="minor">
+            <a:schemeClr val="dk1"/>
+          </a:fontRef>
+        </p:style>
+        <p:txBody>
+          <a:bodyPr rtlCol="0" anchor="ctr"/>
+          <a:lstStyle/>
+          <a:p>
+            <a:pPr algn="ctr"/>
+            <a:r>
+              <a:rPr lang="en-US" altLang="ko-KR" sz="800" dirty="0" smtClean="0">
+                <a:latin typeface="+mn-ea"/>
+              </a:rPr>
+              <a:t>MAIN</a:t>
+            </a:r>
+            <a:endParaRPr lang="ko-KR" altLang="en-US" sz="800" dirty="0">
+              <a:latin typeface="+mn-ea"/>
+            </a:endParaRPr>
+          </a:p>
+        </p:txBody>
+      </p:sp>
+      <p:sp>
+        <p:nvSpPr>
+          <p:cNvPr id="7" name="모서리가 둥근 직사각형 6"/>
+          <p:cNvSpPr/>
+          <p:nvPr/>
+        </p:nvSpPr>
+        <p:spPr>
+          <a:xfrm>
+            <a:off x="5184874" y="395908"/>
+            <a:ext cx="504056" cy="288032"/>
+          </a:xfrm>
+          <a:prstGeom prst="roundRect">
+            <a:avLst/>
+          </a:prstGeom>
+        </p:spPr>
+        <p:style>
+          <a:lnRef idx="1">
+            <a:schemeClr val="dk1"/>
+          </a:lnRef>
+          <a:fillRef idx="2">
+            <a:schemeClr val="dk1"/>
+          </a:fillRef>
+          <a:effectRef idx="1">
+            <a:schemeClr val="dk1"/>
+          </a:effectRef>
+          <a:fontRef idx="minor">
+            <a:schemeClr val="dk1"/>
+          </a:fontRef>
+        </p:style>
+        <p:txBody>
+          <a:bodyPr rtlCol="0" anchor="ctr"/>
+          <a:lstStyle/>
+          <a:p>
+            <a:pPr algn="ctr"/>
+            <a:r>
+              <a:rPr lang="en-US" altLang="ko-KR" sz="800" dirty="0" smtClean="0">
+                <a:latin typeface="+mn-ea"/>
+              </a:rPr>
+              <a:t>SETUP</a:t>
+            </a:r>
+            <a:endParaRPr lang="ko-KR" altLang="en-US" sz="800" dirty="0">
+              <a:latin typeface="+mn-ea"/>
+            </a:endParaRPr>
+          </a:p>
+        </p:txBody>
+      </p:sp>
+      <p:sp>
+        <p:nvSpPr>
+          <p:cNvPr id="8" name="모서리가 둥근 직사각형 7"/>
+          <p:cNvSpPr/>
+          <p:nvPr/>
+        </p:nvSpPr>
+        <p:spPr>
+          <a:xfrm>
+            <a:off x="5184775" y="2916188"/>
+            <a:ext cx="504056" cy="288032"/>
+          </a:xfrm>
+          <a:prstGeom prst="roundRect">
+            <a:avLst/>
+          </a:prstGeom>
+        </p:spPr>
+        <p:style>
+          <a:lnRef idx="1">
+            <a:schemeClr val="dk1"/>
+          </a:lnRef>
+          <a:fillRef idx="2">
+            <a:schemeClr val="dk1"/>
+          </a:fillRef>
+          <a:effectRef idx="1">
+            <a:schemeClr val="dk1"/>
+          </a:effectRef>
+          <a:fontRef idx="minor">
+            <a:schemeClr val="dk1"/>
+          </a:fontRef>
+        </p:style>
+        <p:txBody>
+          <a:bodyPr rtlCol="0" anchor="ctr"/>
+          <a:lstStyle/>
+          <a:p>
+            <a:pPr algn="ctr"/>
+            <a:r>
+              <a:rPr lang="en-US" altLang="ko-KR" sz="800" dirty="0" smtClean="0">
+                <a:latin typeface="+mn-ea"/>
+              </a:rPr>
+              <a:t>EXIT</a:t>
+            </a:r>
+            <a:endParaRPr lang="ko-KR" altLang="en-US" sz="800" dirty="0">
+              <a:latin typeface="+mn-ea"/>
+            </a:endParaRPr>
+          </a:p>
+        </p:txBody>
+      </p:sp>
+      <p:graphicFrame>
+        <p:nvGraphicFramePr>
+          <p:cNvPr id="9" name="차트 8"/>
+          <p:cNvGraphicFramePr/>
+          <p:nvPr>
+            <p:extLst>
+              <p:ext uri="{D42A27DB-BD31-4B8C-83A1-F6EECF244321}">
+                <p14:modId xmlns:p14="http://schemas.microsoft.com/office/powerpoint/2010/main" val="1127381064"/>
+              </p:ext>
+            </p:extLst>
+          </p:nvPr>
+        </p:nvGraphicFramePr>
+        <p:xfrm>
+          <a:off x="720279" y="694718"/>
+          <a:ext cx="1080120" cy="432048"/>
+        </p:xfrm>
+        <a:graphic>
+          <a:graphicData uri="http://schemas.openxmlformats.org/drawingml/2006/chart">
+            <c:chart xmlns:c="http://schemas.openxmlformats.org/drawingml/2006/chart" xmlns:r="http://schemas.openxmlformats.org/officeDocument/2006/relationships" r:id="rId2"/>
+          </a:graphicData>
+        </a:graphic>
+      </p:graphicFrame>
+      <p:sp>
+        <p:nvSpPr>
+          <p:cNvPr id="10" name="직사각형 9"/>
+          <p:cNvSpPr/>
+          <p:nvPr/>
+        </p:nvSpPr>
+        <p:spPr>
+          <a:xfrm>
+            <a:off x="720279" y="550702"/>
+            <a:ext cx="1080120" cy="144016"/>
+          </a:xfrm>
+          <a:prstGeom prst="rect">
+            <a:avLst/>
+          </a:prstGeom>
+          <a:ln w="3175"/>
+        </p:spPr>
+        <p:style>
+          <a:lnRef idx="2">
+            <a:schemeClr val="dk1"/>
+          </a:lnRef>
+          <a:fillRef idx="1">
+            <a:schemeClr val="lt1"/>
+          </a:fillRef>
+          <a:effectRef idx="0">
+            <a:schemeClr val="dk1"/>
+          </a:effectRef>
+          <a:fontRef idx="minor">
+            <a:schemeClr val="dk1"/>
+          </a:fontRef>
+        </p:style>
+        <p:txBody>
+          <a:bodyPr rtlCol="0" anchor="ctr"/>
+          <a:lstStyle/>
+          <a:p>
+            <a:pPr algn="ctr"/>
+            <a:r>
+              <a:rPr lang="en-US" altLang="ko-KR" sz="600" dirty="0" smtClean="0"/>
+              <a:t>1</a:t>
+            </a:r>
+            <a:r>
+              <a:rPr lang="ko-KR" altLang="en-US" sz="600" dirty="0" smtClean="0"/>
+              <a:t>차축 센서</a:t>
+            </a:r>
+            <a:r>
+              <a:rPr lang="en-US" altLang="ko-KR" sz="600" dirty="0" smtClean="0"/>
+              <a:t>1 </a:t>
+            </a:r>
+            <a:r>
+              <a:rPr lang="ko-KR" altLang="en-US" sz="600" dirty="0" smtClean="0"/>
+              <a:t>그래프</a:t>
+            </a:r>
+            <a:endParaRPr lang="ko-KR" altLang="en-US" sz="600" dirty="0"/>
+          </a:p>
+        </p:txBody>
+      </p:sp>
+      <p:graphicFrame>
+        <p:nvGraphicFramePr>
+          <p:cNvPr id="11" name="차트 10"/>
+          <p:cNvGraphicFramePr/>
+          <p:nvPr>
+            <p:extLst>
+              <p:ext uri="{D42A27DB-BD31-4B8C-83A1-F6EECF244321}">
+                <p14:modId xmlns:p14="http://schemas.microsoft.com/office/powerpoint/2010/main" val="4087061208"/>
+              </p:ext>
+            </p:extLst>
+          </p:nvPr>
+        </p:nvGraphicFramePr>
+        <p:xfrm>
+          <a:off x="1800399" y="694718"/>
+          <a:ext cx="1080120" cy="432048"/>
+        </p:xfrm>
+        <a:graphic>
+          <a:graphicData uri="http://schemas.openxmlformats.org/drawingml/2006/chart">
+            <c:chart xmlns:c="http://schemas.openxmlformats.org/drawingml/2006/chart" xmlns:r="http://schemas.openxmlformats.org/officeDocument/2006/relationships" r:id="rId3"/>
+          </a:graphicData>
+        </a:graphic>
+      </p:graphicFrame>
+      <p:sp>
+        <p:nvSpPr>
+          <p:cNvPr id="12" name="직사각형 11"/>
+          <p:cNvSpPr/>
+          <p:nvPr/>
+        </p:nvSpPr>
+        <p:spPr>
+          <a:xfrm>
+            <a:off x="1800399" y="550702"/>
+            <a:ext cx="1080120" cy="144016"/>
+          </a:xfrm>
+          <a:prstGeom prst="rect">
+            <a:avLst/>
+          </a:prstGeom>
+          <a:ln w="3175"/>
+        </p:spPr>
+        <p:style>
+          <a:lnRef idx="2">
+            <a:schemeClr val="dk1"/>
+          </a:lnRef>
+          <a:fillRef idx="1">
+            <a:schemeClr val="lt1"/>
+          </a:fillRef>
+          <a:effectRef idx="0">
+            <a:schemeClr val="dk1"/>
+          </a:effectRef>
+          <a:fontRef idx="minor">
+            <a:schemeClr val="dk1"/>
+          </a:fontRef>
+        </p:style>
+        <p:txBody>
+          <a:bodyPr rtlCol="0" anchor="ctr"/>
+          <a:lstStyle/>
+          <a:p>
+            <a:pPr algn="ctr"/>
+            <a:r>
+              <a:rPr lang="en-US" altLang="ko-KR" sz="600" dirty="0" smtClean="0"/>
+              <a:t>1</a:t>
+            </a:r>
+            <a:r>
+              <a:rPr lang="ko-KR" altLang="en-US" sz="600" dirty="0" smtClean="0"/>
+              <a:t>차축 센서</a:t>
+            </a:r>
+            <a:r>
+              <a:rPr lang="en-US" altLang="ko-KR" sz="600" dirty="0" smtClean="0"/>
+              <a:t>2 </a:t>
+            </a:r>
+            <a:r>
+              <a:rPr lang="ko-KR" altLang="en-US" sz="600" dirty="0" smtClean="0"/>
+              <a:t>그래프</a:t>
+            </a:r>
+            <a:endParaRPr lang="ko-KR" altLang="en-US" sz="600" dirty="0"/>
+          </a:p>
+        </p:txBody>
+      </p:sp>
+      <p:graphicFrame>
+        <p:nvGraphicFramePr>
+          <p:cNvPr id="13" name="차트 12"/>
+          <p:cNvGraphicFramePr/>
+          <p:nvPr>
+            <p:extLst>
+              <p:ext uri="{D42A27DB-BD31-4B8C-83A1-F6EECF244321}">
+                <p14:modId xmlns:p14="http://schemas.microsoft.com/office/powerpoint/2010/main" val="2561392989"/>
+              </p:ext>
+            </p:extLst>
+          </p:nvPr>
+        </p:nvGraphicFramePr>
+        <p:xfrm>
+          <a:off x="2880519" y="694718"/>
+          <a:ext cx="1080120" cy="432048"/>
+        </p:xfrm>
+        <a:graphic>
+          <a:graphicData uri="http://schemas.openxmlformats.org/drawingml/2006/chart">
+            <c:chart xmlns:c="http://schemas.openxmlformats.org/drawingml/2006/chart" xmlns:r="http://schemas.openxmlformats.org/officeDocument/2006/relationships" r:id="rId4"/>
+          </a:graphicData>
+        </a:graphic>
+      </p:graphicFrame>
+      <p:sp>
+        <p:nvSpPr>
+          <p:cNvPr id="14" name="직사각형 13"/>
+          <p:cNvSpPr/>
+          <p:nvPr/>
+        </p:nvSpPr>
+        <p:spPr>
+          <a:xfrm>
+            <a:off x="2880519" y="550702"/>
+            <a:ext cx="1080120" cy="144016"/>
+          </a:xfrm>
+          <a:prstGeom prst="rect">
+            <a:avLst/>
+          </a:prstGeom>
+          <a:ln w="3175"/>
+        </p:spPr>
+        <p:style>
+          <a:lnRef idx="2">
+            <a:schemeClr val="dk1"/>
+          </a:lnRef>
+          <a:fillRef idx="1">
+            <a:schemeClr val="lt1"/>
+          </a:fillRef>
+          <a:effectRef idx="0">
+            <a:schemeClr val="dk1"/>
+          </a:effectRef>
+          <a:fontRef idx="minor">
+            <a:schemeClr val="dk1"/>
+          </a:fontRef>
+        </p:style>
+        <p:txBody>
+          <a:bodyPr rtlCol="0" anchor="ctr"/>
+          <a:lstStyle/>
+          <a:p>
+            <a:pPr algn="ctr"/>
+            <a:r>
+              <a:rPr lang="en-US" altLang="ko-KR" sz="600" dirty="0" smtClean="0"/>
+              <a:t>1</a:t>
+            </a:r>
+            <a:r>
+              <a:rPr lang="ko-KR" altLang="en-US" sz="600" dirty="0" smtClean="0"/>
+              <a:t>차축 센서</a:t>
+            </a:r>
+            <a:r>
+              <a:rPr lang="en-US" altLang="ko-KR" sz="600" dirty="0" smtClean="0"/>
+              <a:t>3 </a:t>
+            </a:r>
+            <a:r>
+              <a:rPr lang="ko-KR" altLang="en-US" sz="600" dirty="0" smtClean="0"/>
+              <a:t>그래프</a:t>
+            </a:r>
+            <a:endParaRPr lang="ko-KR" altLang="en-US" sz="600" dirty="0"/>
+          </a:p>
+        </p:txBody>
+      </p:sp>
+      <p:graphicFrame>
+        <p:nvGraphicFramePr>
+          <p:cNvPr id="15" name="차트 14"/>
+          <p:cNvGraphicFramePr/>
+          <p:nvPr>
+            <p:extLst>
+              <p:ext uri="{D42A27DB-BD31-4B8C-83A1-F6EECF244321}">
+                <p14:modId xmlns:p14="http://schemas.microsoft.com/office/powerpoint/2010/main" val="1344004505"/>
+              </p:ext>
+            </p:extLst>
+          </p:nvPr>
+        </p:nvGraphicFramePr>
+        <p:xfrm>
+          <a:off x="3960639" y="694718"/>
+          <a:ext cx="1080120" cy="432048"/>
+        </p:xfrm>
+        <a:graphic>
+          <a:graphicData uri="http://schemas.openxmlformats.org/drawingml/2006/chart">
+            <c:chart xmlns:c="http://schemas.openxmlformats.org/drawingml/2006/chart" xmlns:r="http://schemas.openxmlformats.org/officeDocument/2006/relationships" r:id="rId5"/>
+          </a:graphicData>
+        </a:graphic>
+      </p:graphicFrame>
+      <p:sp>
+        <p:nvSpPr>
+          <p:cNvPr id="16" name="직사각형 15"/>
+          <p:cNvSpPr/>
+          <p:nvPr/>
+        </p:nvSpPr>
+        <p:spPr>
+          <a:xfrm>
+            <a:off x="3960639" y="550702"/>
+            <a:ext cx="1080120" cy="144016"/>
+          </a:xfrm>
+          <a:prstGeom prst="rect">
+            <a:avLst/>
+          </a:prstGeom>
+          <a:ln w="3175"/>
+        </p:spPr>
+        <p:style>
+          <a:lnRef idx="2">
+            <a:schemeClr val="dk1"/>
+          </a:lnRef>
+          <a:fillRef idx="1">
+            <a:schemeClr val="lt1"/>
+          </a:fillRef>
+          <a:effectRef idx="0">
+            <a:schemeClr val="dk1"/>
+          </a:effectRef>
+          <a:fontRef idx="minor">
+            <a:schemeClr val="dk1"/>
+          </a:fontRef>
+        </p:style>
+        <p:txBody>
+          <a:bodyPr rtlCol="0" anchor="ctr"/>
+          <a:lstStyle/>
+          <a:p>
+            <a:pPr algn="ctr"/>
+            <a:r>
+              <a:rPr lang="en-US" altLang="ko-KR" sz="600" dirty="0" smtClean="0"/>
+              <a:t>1</a:t>
+            </a:r>
+            <a:r>
+              <a:rPr lang="ko-KR" altLang="en-US" sz="600" dirty="0" smtClean="0"/>
+              <a:t>차축 센서</a:t>
+            </a:r>
+            <a:r>
+              <a:rPr lang="en-US" altLang="ko-KR" sz="600" dirty="0" smtClean="0"/>
+              <a:t>4 </a:t>
+            </a:r>
+            <a:r>
+              <a:rPr lang="ko-KR" altLang="en-US" sz="600" dirty="0" smtClean="0"/>
+              <a:t>그래프</a:t>
+            </a:r>
+            <a:endParaRPr lang="ko-KR" altLang="en-US" sz="600" dirty="0"/>
+          </a:p>
+        </p:txBody>
+      </p:sp>
+      <p:sp>
+        <p:nvSpPr>
+          <p:cNvPr id="17" name="직사각형 16"/>
+          <p:cNvSpPr/>
+          <p:nvPr/>
+        </p:nvSpPr>
+        <p:spPr>
+          <a:xfrm>
+            <a:off x="720279" y="1126766"/>
+            <a:ext cx="1080120" cy="144016"/>
+          </a:xfrm>
+          <a:prstGeom prst="rect">
+            <a:avLst/>
+          </a:prstGeom>
+          <a:ln w="3175"/>
+        </p:spPr>
+        <p:style>
+          <a:lnRef idx="2">
+            <a:schemeClr val="dk1"/>
+          </a:lnRef>
+          <a:fillRef idx="1">
+            <a:schemeClr val="lt1"/>
+          </a:fillRef>
+          <a:effectRef idx="0">
+            <a:schemeClr val="dk1"/>
+          </a:effectRef>
+          <a:fontRef idx="minor">
+            <a:schemeClr val="dk1"/>
+          </a:fontRef>
+        </p:style>
+        <p:txBody>
+          <a:bodyPr rtlCol="0" anchor="ctr"/>
+          <a:lstStyle/>
+          <a:p>
+            <a:pPr algn="ctr"/>
+            <a:endParaRPr lang="ko-KR" altLang="en-US" sz="600" dirty="0"/>
+          </a:p>
+        </p:txBody>
+      </p:sp>
+      <p:sp>
+        <p:nvSpPr>
+          <p:cNvPr id="18" name="직사각형 17"/>
+          <p:cNvSpPr/>
+          <p:nvPr/>
+        </p:nvSpPr>
+        <p:spPr>
+          <a:xfrm>
+            <a:off x="110580" y="1126766"/>
+            <a:ext cx="609699" cy="144016"/>
+          </a:xfrm>
+          <a:prstGeom prst="rect">
+            <a:avLst/>
+          </a:prstGeom>
+          <a:ln w="3175"/>
+        </p:spPr>
+        <p:style>
+          <a:lnRef idx="2">
+            <a:schemeClr val="dk1"/>
+          </a:lnRef>
+          <a:fillRef idx="1">
+            <a:schemeClr val="lt1"/>
+          </a:fillRef>
+          <a:effectRef idx="0">
+            <a:schemeClr val="dk1"/>
+          </a:effectRef>
+          <a:fontRef idx="minor">
+            <a:schemeClr val="dk1"/>
+          </a:fontRef>
+        </p:style>
+        <p:txBody>
+          <a:bodyPr rtlCol="0" anchor="ctr"/>
+          <a:lstStyle/>
+          <a:p>
+            <a:pPr algn="ctr"/>
+            <a:r>
+              <a:rPr lang="en-US" altLang="ko-KR" sz="600" dirty="0" smtClean="0"/>
+              <a:t>MIN</a:t>
+            </a:r>
+            <a:endParaRPr lang="ko-KR" altLang="en-US" sz="600" dirty="0"/>
+          </a:p>
+        </p:txBody>
+      </p:sp>
+      <p:sp>
+        <p:nvSpPr>
+          <p:cNvPr id="19" name="직사각형 18"/>
+          <p:cNvSpPr/>
+          <p:nvPr/>
+        </p:nvSpPr>
+        <p:spPr>
+          <a:xfrm>
+            <a:off x="1800399" y="1126766"/>
+            <a:ext cx="1080120" cy="144016"/>
+          </a:xfrm>
+          <a:prstGeom prst="rect">
+            <a:avLst/>
+          </a:prstGeom>
+          <a:ln w="3175"/>
+        </p:spPr>
+        <p:style>
+          <a:lnRef idx="2">
+            <a:schemeClr val="dk1"/>
+          </a:lnRef>
+          <a:fillRef idx="1">
+            <a:schemeClr val="lt1"/>
+          </a:fillRef>
+          <a:effectRef idx="0">
+            <a:schemeClr val="dk1"/>
+          </a:effectRef>
+          <a:fontRef idx="minor">
+            <a:schemeClr val="dk1"/>
+          </a:fontRef>
+        </p:style>
+        <p:txBody>
+          <a:bodyPr rtlCol="0" anchor="ctr"/>
+          <a:lstStyle/>
+          <a:p>
+            <a:pPr algn="ctr"/>
+            <a:endParaRPr lang="ko-KR" altLang="en-US" sz="600" dirty="0"/>
+          </a:p>
+        </p:txBody>
+      </p:sp>
+      <p:sp>
+        <p:nvSpPr>
+          <p:cNvPr id="20" name="직사각형 19"/>
+          <p:cNvSpPr/>
+          <p:nvPr/>
+        </p:nvSpPr>
+        <p:spPr>
+          <a:xfrm>
+            <a:off x="2880519" y="1126766"/>
+            <a:ext cx="1080120" cy="144016"/>
+          </a:xfrm>
+          <a:prstGeom prst="rect">
+            <a:avLst/>
+          </a:prstGeom>
+          <a:ln w="3175"/>
+        </p:spPr>
+        <p:style>
+          <a:lnRef idx="2">
+            <a:schemeClr val="dk1"/>
+          </a:lnRef>
+          <a:fillRef idx="1">
+            <a:schemeClr val="lt1"/>
+          </a:fillRef>
+          <a:effectRef idx="0">
+            <a:schemeClr val="dk1"/>
+          </a:effectRef>
+          <a:fontRef idx="minor">
+            <a:schemeClr val="dk1"/>
+          </a:fontRef>
+        </p:style>
+        <p:txBody>
+          <a:bodyPr rtlCol="0" anchor="ctr"/>
+          <a:lstStyle/>
+          <a:p>
+            <a:pPr algn="ctr"/>
+            <a:endParaRPr lang="ko-KR" altLang="en-US" sz="600" dirty="0"/>
+          </a:p>
+        </p:txBody>
+      </p:sp>
+      <p:sp>
+        <p:nvSpPr>
+          <p:cNvPr id="21" name="직사각형 20"/>
+          <p:cNvSpPr/>
+          <p:nvPr/>
+        </p:nvSpPr>
+        <p:spPr>
+          <a:xfrm>
+            <a:off x="3960639" y="1126766"/>
+            <a:ext cx="1080120" cy="144016"/>
+          </a:xfrm>
+          <a:prstGeom prst="rect">
+            <a:avLst/>
+          </a:prstGeom>
+          <a:ln w="3175"/>
+        </p:spPr>
+        <p:style>
+          <a:lnRef idx="2">
+            <a:schemeClr val="dk1"/>
+          </a:lnRef>
+          <a:fillRef idx="1">
+            <a:schemeClr val="lt1"/>
+          </a:fillRef>
+          <a:effectRef idx="0">
+            <a:schemeClr val="dk1"/>
+          </a:effectRef>
+          <a:fontRef idx="minor">
+            <a:schemeClr val="dk1"/>
+          </a:fontRef>
+        </p:style>
+        <p:txBody>
+          <a:bodyPr rtlCol="0" anchor="ctr"/>
+          <a:lstStyle/>
+          <a:p>
+            <a:pPr algn="ctr"/>
+            <a:endParaRPr lang="ko-KR" altLang="en-US" sz="600" dirty="0"/>
+          </a:p>
+        </p:txBody>
+      </p:sp>
+      <p:sp>
+        <p:nvSpPr>
+          <p:cNvPr id="22" name="직사각형 21"/>
+          <p:cNvSpPr/>
+          <p:nvPr/>
+        </p:nvSpPr>
+        <p:spPr>
+          <a:xfrm>
+            <a:off x="720278" y="1270782"/>
+            <a:ext cx="1080120" cy="144016"/>
+          </a:xfrm>
+          <a:prstGeom prst="rect">
+            <a:avLst/>
+          </a:prstGeom>
+          <a:ln w="3175"/>
+        </p:spPr>
+        <p:style>
+          <a:lnRef idx="2">
+            <a:schemeClr val="dk1"/>
+          </a:lnRef>
+          <a:fillRef idx="1">
+            <a:schemeClr val="lt1"/>
+          </a:fillRef>
+          <a:effectRef idx="0">
+            <a:schemeClr val="dk1"/>
+          </a:effectRef>
+          <a:fontRef idx="minor">
+            <a:schemeClr val="dk1"/>
+          </a:fontRef>
+        </p:style>
+        <p:txBody>
+          <a:bodyPr rtlCol="0" anchor="ctr"/>
+          <a:lstStyle/>
+          <a:p>
+            <a:pPr algn="ctr"/>
+            <a:endParaRPr lang="ko-KR" altLang="en-US" sz="600" dirty="0"/>
+          </a:p>
+        </p:txBody>
+      </p:sp>
+      <p:sp>
+        <p:nvSpPr>
+          <p:cNvPr id="23" name="직사각형 22"/>
+          <p:cNvSpPr/>
+          <p:nvPr/>
+        </p:nvSpPr>
+        <p:spPr>
+          <a:xfrm>
+            <a:off x="110579" y="1270782"/>
+            <a:ext cx="609699" cy="144016"/>
+          </a:xfrm>
+          <a:prstGeom prst="rect">
+            <a:avLst/>
+          </a:prstGeom>
+          <a:ln w="3175"/>
+        </p:spPr>
+        <p:style>
+          <a:lnRef idx="2">
+            <a:schemeClr val="dk1"/>
+          </a:lnRef>
+          <a:fillRef idx="1">
+            <a:schemeClr val="lt1"/>
+          </a:fillRef>
+          <a:effectRef idx="0">
+            <a:schemeClr val="dk1"/>
+          </a:effectRef>
+          <a:fontRef idx="minor">
+            <a:schemeClr val="dk1"/>
+          </a:fontRef>
+        </p:style>
+        <p:txBody>
+          <a:bodyPr rtlCol="0" anchor="ctr"/>
+          <a:lstStyle/>
+          <a:p>
+            <a:pPr algn="ctr"/>
+            <a:r>
+              <a:rPr lang="en-US" altLang="ko-KR" sz="600" dirty="0" smtClean="0"/>
+              <a:t>MAX</a:t>
+            </a:r>
+            <a:endParaRPr lang="ko-KR" altLang="en-US" sz="600" dirty="0"/>
+          </a:p>
+        </p:txBody>
+      </p:sp>
+      <p:sp>
+        <p:nvSpPr>
+          <p:cNvPr id="24" name="직사각형 23"/>
+          <p:cNvSpPr/>
+          <p:nvPr/>
+        </p:nvSpPr>
+        <p:spPr>
+          <a:xfrm>
+            <a:off x="1800398" y="1270782"/>
+            <a:ext cx="1080120" cy="144016"/>
+          </a:xfrm>
+          <a:prstGeom prst="rect">
+            <a:avLst/>
+          </a:prstGeom>
+          <a:ln w="3175"/>
+        </p:spPr>
+        <p:style>
+          <a:lnRef idx="2">
+            <a:schemeClr val="dk1"/>
+          </a:lnRef>
+          <a:fillRef idx="1">
+            <a:schemeClr val="lt1"/>
+          </a:fillRef>
+          <a:effectRef idx="0">
+            <a:schemeClr val="dk1"/>
+          </a:effectRef>
+          <a:fontRef idx="minor">
+            <a:schemeClr val="dk1"/>
+          </a:fontRef>
+        </p:style>
+        <p:txBody>
+          <a:bodyPr rtlCol="0" anchor="ctr"/>
+          <a:lstStyle/>
+          <a:p>
+            <a:pPr algn="ctr"/>
+            <a:endParaRPr lang="ko-KR" altLang="en-US" sz="600" dirty="0"/>
+          </a:p>
+        </p:txBody>
+      </p:sp>
+      <p:sp>
+        <p:nvSpPr>
+          <p:cNvPr id="25" name="직사각형 24"/>
+          <p:cNvSpPr/>
+          <p:nvPr/>
+        </p:nvSpPr>
+        <p:spPr>
+          <a:xfrm>
+            <a:off x="2880518" y="1270782"/>
+            <a:ext cx="1080120" cy="144016"/>
+          </a:xfrm>
+          <a:prstGeom prst="rect">
+            <a:avLst/>
+          </a:prstGeom>
+          <a:ln w="3175"/>
+        </p:spPr>
+        <p:style>
+          <a:lnRef idx="2">
+            <a:schemeClr val="dk1"/>
+          </a:lnRef>
+          <a:fillRef idx="1">
+            <a:schemeClr val="lt1"/>
+          </a:fillRef>
+          <a:effectRef idx="0">
+            <a:schemeClr val="dk1"/>
+          </a:effectRef>
+          <a:fontRef idx="minor">
+            <a:schemeClr val="dk1"/>
+          </a:fontRef>
+        </p:style>
+        <p:txBody>
+          <a:bodyPr rtlCol="0" anchor="ctr"/>
+          <a:lstStyle/>
+          <a:p>
+            <a:pPr algn="ctr"/>
+            <a:endParaRPr lang="ko-KR" altLang="en-US" sz="600" dirty="0"/>
+          </a:p>
+        </p:txBody>
+      </p:sp>
+      <p:sp>
+        <p:nvSpPr>
+          <p:cNvPr id="26" name="직사각형 25"/>
+          <p:cNvSpPr/>
+          <p:nvPr/>
+        </p:nvSpPr>
+        <p:spPr>
+          <a:xfrm>
+            <a:off x="3960638" y="1270782"/>
+            <a:ext cx="1080120" cy="144016"/>
+          </a:xfrm>
+          <a:prstGeom prst="rect">
+            <a:avLst/>
+          </a:prstGeom>
+          <a:ln w="3175"/>
+        </p:spPr>
+        <p:style>
+          <a:lnRef idx="2">
+            <a:schemeClr val="dk1"/>
+          </a:lnRef>
+          <a:fillRef idx="1">
+            <a:schemeClr val="lt1"/>
+          </a:fillRef>
+          <a:effectRef idx="0">
+            <a:schemeClr val="dk1"/>
+          </a:effectRef>
+          <a:fontRef idx="minor">
+            <a:schemeClr val="dk1"/>
+          </a:fontRef>
+        </p:style>
+        <p:txBody>
+          <a:bodyPr rtlCol="0" anchor="ctr"/>
+          <a:lstStyle/>
+          <a:p>
+            <a:pPr algn="ctr"/>
+            <a:endParaRPr lang="ko-KR" altLang="en-US" sz="600" dirty="0"/>
+          </a:p>
+        </p:txBody>
+      </p:sp>
+      <p:sp>
+        <p:nvSpPr>
+          <p:cNvPr id="27" name="직사각형 26"/>
+          <p:cNvSpPr/>
+          <p:nvPr/>
+        </p:nvSpPr>
+        <p:spPr>
+          <a:xfrm>
+            <a:off x="720277" y="1414798"/>
+            <a:ext cx="1080120" cy="144016"/>
+          </a:xfrm>
+          <a:prstGeom prst="rect">
+            <a:avLst/>
+          </a:prstGeom>
+          <a:ln w="3175"/>
+        </p:spPr>
+        <p:style>
+          <a:lnRef idx="2">
+            <a:schemeClr val="dk1"/>
+          </a:lnRef>
+          <a:fillRef idx="1">
+            <a:schemeClr val="lt1"/>
+          </a:fillRef>
+          <a:effectRef idx="0">
+            <a:schemeClr val="dk1"/>
+          </a:effectRef>
+          <a:fontRef idx="minor">
+            <a:schemeClr val="dk1"/>
+          </a:fontRef>
+        </p:style>
+        <p:txBody>
+          <a:bodyPr rtlCol="0" anchor="ctr"/>
+          <a:lstStyle/>
+          <a:p>
+            <a:pPr algn="ctr"/>
+            <a:endParaRPr lang="ko-KR" altLang="en-US" sz="600" dirty="0"/>
+          </a:p>
+        </p:txBody>
+      </p:sp>
+      <p:sp>
+        <p:nvSpPr>
+          <p:cNvPr id="28" name="직사각형 27"/>
+          <p:cNvSpPr/>
+          <p:nvPr/>
+        </p:nvSpPr>
+        <p:spPr>
+          <a:xfrm>
+            <a:off x="110578" y="1414798"/>
+            <a:ext cx="609699" cy="144016"/>
+          </a:xfrm>
+          <a:prstGeom prst="rect">
+            <a:avLst/>
+          </a:prstGeom>
+          <a:ln w="3175"/>
+        </p:spPr>
+        <p:style>
+          <a:lnRef idx="2">
+            <a:schemeClr val="dk1"/>
+          </a:lnRef>
+          <a:fillRef idx="1">
+            <a:schemeClr val="lt1"/>
+          </a:fillRef>
+          <a:effectRef idx="0">
+            <a:schemeClr val="dk1"/>
+          </a:effectRef>
+          <a:fontRef idx="minor">
+            <a:schemeClr val="dk1"/>
+          </a:fontRef>
+        </p:style>
+        <p:txBody>
+          <a:bodyPr rtlCol="0" anchor="ctr"/>
+          <a:lstStyle/>
+          <a:p>
+            <a:pPr algn="ctr"/>
+            <a:r>
+              <a:rPr lang="en-US" altLang="ko-KR" sz="600" dirty="0" smtClean="0"/>
+              <a:t>AVE</a:t>
+            </a:r>
+            <a:endParaRPr lang="ko-KR" altLang="en-US" sz="600" dirty="0"/>
+          </a:p>
+        </p:txBody>
+      </p:sp>
+      <p:sp>
+        <p:nvSpPr>
+          <p:cNvPr id="29" name="직사각형 28"/>
+          <p:cNvSpPr/>
+          <p:nvPr/>
+        </p:nvSpPr>
+        <p:spPr>
+          <a:xfrm>
+            <a:off x="1800397" y="1414798"/>
+            <a:ext cx="1080120" cy="144016"/>
+          </a:xfrm>
+          <a:prstGeom prst="rect">
+            <a:avLst/>
+          </a:prstGeom>
+          <a:ln w="3175"/>
+        </p:spPr>
+        <p:style>
+          <a:lnRef idx="2">
+            <a:schemeClr val="dk1"/>
+          </a:lnRef>
+          <a:fillRef idx="1">
+            <a:schemeClr val="lt1"/>
+          </a:fillRef>
+          <a:effectRef idx="0">
+            <a:schemeClr val="dk1"/>
+          </a:effectRef>
+          <a:fontRef idx="minor">
+            <a:schemeClr val="dk1"/>
+          </a:fontRef>
+        </p:style>
+        <p:txBody>
+          <a:bodyPr rtlCol="0" anchor="ctr"/>
+          <a:lstStyle/>
+          <a:p>
+            <a:pPr algn="ctr"/>
+            <a:endParaRPr lang="ko-KR" altLang="en-US" sz="600" dirty="0"/>
+          </a:p>
+        </p:txBody>
+      </p:sp>
+      <p:sp>
+        <p:nvSpPr>
+          <p:cNvPr id="30" name="직사각형 29"/>
+          <p:cNvSpPr/>
+          <p:nvPr/>
+        </p:nvSpPr>
+        <p:spPr>
+          <a:xfrm>
+            <a:off x="2880517" y="1414798"/>
+            <a:ext cx="1080120" cy="144016"/>
+          </a:xfrm>
+          <a:prstGeom prst="rect">
+            <a:avLst/>
+          </a:prstGeom>
+          <a:ln w="3175"/>
+        </p:spPr>
+        <p:style>
+          <a:lnRef idx="2">
+            <a:schemeClr val="dk1"/>
+          </a:lnRef>
+          <a:fillRef idx="1">
+            <a:schemeClr val="lt1"/>
+          </a:fillRef>
+          <a:effectRef idx="0">
+            <a:schemeClr val="dk1"/>
+          </a:effectRef>
+          <a:fontRef idx="minor">
+            <a:schemeClr val="dk1"/>
+          </a:fontRef>
+        </p:style>
+        <p:txBody>
+          <a:bodyPr rtlCol="0" anchor="ctr"/>
+          <a:lstStyle/>
+          <a:p>
+            <a:pPr algn="ctr"/>
+            <a:endParaRPr lang="ko-KR" altLang="en-US" sz="600" dirty="0"/>
+          </a:p>
+        </p:txBody>
+      </p:sp>
+      <p:sp>
+        <p:nvSpPr>
+          <p:cNvPr id="31" name="직사각형 30"/>
+          <p:cNvSpPr/>
+          <p:nvPr/>
+        </p:nvSpPr>
+        <p:spPr>
+          <a:xfrm>
+            <a:off x="3960637" y="1414798"/>
+            <a:ext cx="1080120" cy="144016"/>
+          </a:xfrm>
+          <a:prstGeom prst="rect">
+            <a:avLst/>
+          </a:prstGeom>
+          <a:ln w="3175"/>
+        </p:spPr>
+        <p:style>
+          <a:lnRef idx="2">
+            <a:schemeClr val="dk1"/>
+          </a:lnRef>
+          <a:fillRef idx="1">
+            <a:schemeClr val="lt1"/>
+          </a:fillRef>
+          <a:effectRef idx="0">
+            <a:schemeClr val="dk1"/>
+          </a:effectRef>
+          <a:fontRef idx="minor">
+            <a:schemeClr val="dk1"/>
+          </a:fontRef>
+        </p:style>
+        <p:txBody>
+          <a:bodyPr rtlCol="0" anchor="ctr"/>
+          <a:lstStyle/>
+          <a:p>
+            <a:pPr algn="ctr"/>
+            <a:endParaRPr lang="ko-KR" altLang="en-US" sz="600" dirty="0"/>
+          </a:p>
+        </p:txBody>
+      </p:sp>
+      <p:sp>
+        <p:nvSpPr>
+          <p:cNvPr id="32" name="직사각형 31"/>
+          <p:cNvSpPr/>
+          <p:nvPr/>
+        </p:nvSpPr>
+        <p:spPr>
+          <a:xfrm>
+            <a:off x="720276" y="1558814"/>
+            <a:ext cx="1080120" cy="144016"/>
+          </a:xfrm>
+          <a:prstGeom prst="rect">
+            <a:avLst/>
+          </a:prstGeom>
+          <a:ln w="3175"/>
+        </p:spPr>
+        <p:style>
+          <a:lnRef idx="2">
+            <a:schemeClr val="dk1"/>
+          </a:lnRef>
+          <a:fillRef idx="1">
+            <a:schemeClr val="lt1"/>
+          </a:fillRef>
+          <a:effectRef idx="0">
+            <a:schemeClr val="dk1"/>
+          </a:effectRef>
+          <a:fontRef idx="minor">
+            <a:schemeClr val="dk1"/>
+          </a:fontRef>
+        </p:style>
+        <p:txBody>
+          <a:bodyPr rtlCol="0" anchor="ctr"/>
+          <a:lstStyle/>
+          <a:p>
+            <a:pPr algn="ctr"/>
+            <a:endParaRPr lang="ko-KR" altLang="en-US" sz="600" dirty="0"/>
+          </a:p>
+        </p:txBody>
+      </p:sp>
+      <p:sp>
+        <p:nvSpPr>
+          <p:cNvPr id="33" name="직사각형 32"/>
+          <p:cNvSpPr/>
+          <p:nvPr/>
+        </p:nvSpPr>
+        <p:spPr>
+          <a:xfrm>
+            <a:off x="110577" y="1558814"/>
+            <a:ext cx="609699" cy="144016"/>
+          </a:xfrm>
+          <a:prstGeom prst="rect">
+            <a:avLst/>
+          </a:prstGeom>
+          <a:ln w="3175"/>
+        </p:spPr>
+        <p:style>
+          <a:lnRef idx="2">
+            <a:schemeClr val="dk1"/>
+          </a:lnRef>
+          <a:fillRef idx="1">
+            <a:schemeClr val="lt1"/>
+          </a:fillRef>
+          <a:effectRef idx="0">
+            <a:schemeClr val="dk1"/>
+          </a:effectRef>
+          <a:fontRef idx="minor">
+            <a:schemeClr val="dk1"/>
+          </a:fontRef>
+        </p:style>
+        <p:txBody>
+          <a:bodyPr rtlCol="0" anchor="ctr"/>
+          <a:lstStyle/>
+          <a:p>
+            <a:pPr algn="ctr"/>
+            <a:r>
+              <a:rPr lang="ko-KR" altLang="en-US" sz="600" dirty="0" smtClean="0"/>
+              <a:t>실시</a:t>
+            </a:r>
+            <a:r>
+              <a:rPr lang="ko-KR" altLang="en-US" sz="600" dirty="0"/>
+              <a:t>간</a:t>
+            </a:r>
+          </a:p>
+        </p:txBody>
+      </p:sp>
+      <p:sp>
+        <p:nvSpPr>
+          <p:cNvPr id="34" name="직사각형 33"/>
+          <p:cNvSpPr/>
+          <p:nvPr/>
+        </p:nvSpPr>
+        <p:spPr>
+          <a:xfrm>
+            <a:off x="1800396" y="1558814"/>
+            <a:ext cx="1080120" cy="144016"/>
+          </a:xfrm>
+          <a:prstGeom prst="rect">
+            <a:avLst/>
+          </a:prstGeom>
+          <a:ln w="3175"/>
+        </p:spPr>
+        <p:style>
+          <a:lnRef idx="2">
+            <a:schemeClr val="dk1"/>
+          </a:lnRef>
+          <a:fillRef idx="1">
+            <a:schemeClr val="lt1"/>
+          </a:fillRef>
+          <a:effectRef idx="0">
+            <a:schemeClr val="dk1"/>
+          </a:effectRef>
+          <a:fontRef idx="minor">
+            <a:schemeClr val="dk1"/>
+          </a:fontRef>
+        </p:style>
+        <p:txBody>
+          <a:bodyPr rtlCol="0" anchor="ctr"/>
+          <a:lstStyle/>
+          <a:p>
+            <a:pPr algn="ctr"/>
+            <a:endParaRPr lang="ko-KR" altLang="en-US" sz="600" dirty="0"/>
+          </a:p>
+        </p:txBody>
+      </p:sp>
+      <p:sp>
+        <p:nvSpPr>
+          <p:cNvPr id="35" name="직사각형 34"/>
+          <p:cNvSpPr/>
+          <p:nvPr/>
+        </p:nvSpPr>
+        <p:spPr>
+          <a:xfrm>
+            <a:off x="2880516" y="1558814"/>
+            <a:ext cx="1080120" cy="144016"/>
+          </a:xfrm>
+          <a:prstGeom prst="rect">
+            <a:avLst/>
+          </a:prstGeom>
+          <a:ln w="3175"/>
+        </p:spPr>
+        <p:style>
+          <a:lnRef idx="2">
+            <a:schemeClr val="dk1"/>
+          </a:lnRef>
+          <a:fillRef idx="1">
+            <a:schemeClr val="lt1"/>
+          </a:fillRef>
+          <a:effectRef idx="0">
+            <a:schemeClr val="dk1"/>
+          </a:effectRef>
+          <a:fontRef idx="minor">
+            <a:schemeClr val="dk1"/>
+          </a:fontRef>
+        </p:style>
+        <p:txBody>
+          <a:bodyPr rtlCol="0" anchor="ctr"/>
+          <a:lstStyle/>
+          <a:p>
+            <a:pPr algn="ctr"/>
+            <a:endParaRPr lang="ko-KR" altLang="en-US" sz="600" dirty="0"/>
+          </a:p>
+        </p:txBody>
+      </p:sp>
+      <p:sp>
+        <p:nvSpPr>
+          <p:cNvPr id="36" name="직사각형 35"/>
+          <p:cNvSpPr/>
+          <p:nvPr/>
+        </p:nvSpPr>
+        <p:spPr>
+          <a:xfrm>
+            <a:off x="3960636" y="1558814"/>
+            <a:ext cx="1080120" cy="144016"/>
+          </a:xfrm>
+          <a:prstGeom prst="rect">
+            <a:avLst/>
+          </a:prstGeom>
+          <a:ln w="3175"/>
+        </p:spPr>
+        <p:style>
+          <a:lnRef idx="2">
+            <a:schemeClr val="dk1"/>
+          </a:lnRef>
+          <a:fillRef idx="1">
+            <a:schemeClr val="lt1"/>
+          </a:fillRef>
+          <a:effectRef idx="0">
+            <a:schemeClr val="dk1"/>
+          </a:effectRef>
+          <a:fontRef idx="minor">
+            <a:schemeClr val="dk1"/>
+          </a:fontRef>
+        </p:style>
+        <p:txBody>
+          <a:bodyPr rtlCol="0" anchor="ctr"/>
+          <a:lstStyle/>
+          <a:p>
+            <a:pPr algn="ctr"/>
+            <a:endParaRPr lang="ko-KR" altLang="en-US" sz="600" dirty="0"/>
+          </a:p>
+        </p:txBody>
+      </p:sp>
+      <p:graphicFrame>
+        <p:nvGraphicFramePr>
+          <p:cNvPr id="37" name="차트 36"/>
+          <p:cNvGraphicFramePr/>
+          <p:nvPr>
+            <p:extLst>
+              <p:ext uri="{D42A27DB-BD31-4B8C-83A1-F6EECF244321}">
+                <p14:modId xmlns:p14="http://schemas.microsoft.com/office/powerpoint/2010/main" val="2156887502"/>
+              </p:ext>
+            </p:extLst>
+          </p:nvPr>
+        </p:nvGraphicFramePr>
+        <p:xfrm>
+          <a:off x="720282" y="1846846"/>
+          <a:ext cx="1080120" cy="432048"/>
+        </p:xfrm>
+        <a:graphic>
+          <a:graphicData uri="http://schemas.openxmlformats.org/drawingml/2006/chart">
+            <c:chart xmlns:c="http://schemas.openxmlformats.org/drawingml/2006/chart" xmlns:r="http://schemas.openxmlformats.org/officeDocument/2006/relationships" r:id="rId6"/>
+          </a:graphicData>
+        </a:graphic>
+      </p:graphicFrame>
+      <p:sp>
+        <p:nvSpPr>
+          <p:cNvPr id="38" name="직사각형 37"/>
+          <p:cNvSpPr/>
+          <p:nvPr/>
+        </p:nvSpPr>
+        <p:spPr>
+          <a:xfrm>
+            <a:off x="720282" y="1702830"/>
+            <a:ext cx="1080120" cy="144016"/>
+          </a:xfrm>
+          <a:prstGeom prst="rect">
+            <a:avLst/>
+          </a:prstGeom>
+          <a:ln w="3175"/>
+        </p:spPr>
+        <p:style>
+          <a:lnRef idx="2">
+            <a:schemeClr val="dk1"/>
+          </a:lnRef>
+          <a:fillRef idx="1">
+            <a:schemeClr val="lt1"/>
+          </a:fillRef>
+          <a:effectRef idx="0">
+            <a:schemeClr val="dk1"/>
+          </a:effectRef>
+          <a:fontRef idx="minor">
+            <a:schemeClr val="dk1"/>
+          </a:fontRef>
+        </p:style>
+        <p:txBody>
+          <a:bodyPr rtlCol="0" anchor="ctr"/>
+          <a:lstStyle/>
+          <a:p>
+            <a:pPr algn="ctr"/>
+            <a:r>
+              <a:rPr lang="en-US" altLang="ko-KR" sz="600" dirty="0"/>
+              <a:t>2</a:t>
+            </a:r>
+            <a:r>
+              <a:rPr lang="ko-KR" altLang="en-US" sz="600" dirty="0" smtClean="0"/>
+              <a:t>차축 센서</a:t>
+            </a:r>
+            <a:r>
+              <a:rPr lang="en-US" altLang="ko-KR" sz="600" dirty="0"/>
+              <a:t>1</a:t>
+            </a:r>
+            <a:r>
+              <a:rPr lang="en-US" altLang="ko-KR" sz="600" dirty="0" smtClean="0"/>
+              <a:t> </a:t>
+            </a:r>
+            <a:r>
+              <a:rPr lang="ko-KR" altLang="en-US" sz="600" dirty="0" smtClean="0"/>
+              <a:t>그래프</a:t>
+            </a:r>
+            <a:endParaRPr lang="ko-KR" altLang="en-US" sz="600" dirty="0"/>
+          </a:p>
+        </p:txBody>
+      </p:sp>
+      <p:graphicFrame>
+        <p:nvGraphicFramePr>
+          <p:cNvPr id="39" name="차트 38"/>
+          <p:cNvGraphicFramePr/>
+          <p:nvPr>
+            <p:extLst>
+              <p:ext uri="{D42A27DB-BD31-4B8C-83A1-F6EECF244321}">
+                <p14:modId xmlns:p14="http://schemas.microsoft.com/office/powerpoint/2010/main" val="425391975"/>
+              </p:ext>
+            </p:extLst>
+          </p:nvPr>
+        </p:nvGraphicFramePr>
+        <p:xfrm>
+          <a:off x="1800402" y="1846846"/>
+          <a:ext cx="1080120" cy="432048"/>
+        </p:xfrm>
+        <a:graphic>
+          <a:graphicData uri="http://schemas.openxmlformats.org/drawingml/2006/chart">
+            <c:chart xmlns:c="http://schemas.openxmlformats.org/drawingml/2006/chart" xmlns:r="http://schemas.openxmlformats.org/officeDocument/2006/relationships" r:id="rId7"/>
+          </a:graphicData>
+        </a:graphic>
+      </p:graphicFrame>
+      <p:sp>
+        <p:nvSpPr>
+          <p:cNvPr id="40" name="직사각형 39"/>
+          <p:cNvSpPr/>
+          <p:nvPr/>
+        </p:nvSpPr>
+        <p:spPr>
+          <a:xfrm>
+            <a:off x="1800402" y="1702830"/>
+            <a:ext cx="1080120" cy="144016"/>
+          </a:xfrm>
+          <a:prstGeom prst="rect">
+            <a:avLst/>
+          </a:prstGeom>
+          <a:ln w="3175"/>
+        </p:spPr>
+        <p:style>
+          <a:lnRef idx="2">
+            <a:schemeClr val="dk1"/>
+          </a:lnRef>
+          <a:fillRef idx="1">
+            <a:schemeClr val="lt1"/>
+          </a:fillRef>
+          <a:effectRef idx="0">
+            <a:schemeClr val="dk1"/>
+          </a:effectRef>
+          <a:fontRef idx="minor">
+            <a:schemeClr val="dk1"/>
+          </a:fontRef>
+        </p:style>
+        <p:txBody>
+          <a:bodyPr rtlCol="0" anchor="ctr"/>
+          <a:lstStyle/>
+          <a:p>
+            <a:pPr algn="ctr"/>
+            <a:r>
+              <a:rPr lang="en-US" altLang="ko-KR" sz="600" dirty="0"/>
+              <a:t>2</a:t>
+            </a:r>
+            <a:r>
+              <a:rPr lang="ko-KR" altLang="en-US" sz="600" dirty="0" smtClean="0"/>
+              <a:t>차축 센서</a:t>
+            </a:r>
+            <a:r>
+              <a:rPr lang="en-US" altLang="ko-KR" sz="600" dirty="0" smtClean="0"/>
+              <a:t>2 </a:t>
+            </a:r>
+            <a:r>
+              <a:rPr lang="ko-KR" altLang="en-US" sz="600" dirty="0" smtClean="0"/>
+              <a:t>그래프</a:t>
+            </a:r>
+            <a:endParaRPr lang="ko-KR" altLang="en-US" sz="600" dirty="0"/>
+          </a:p>
+        </p:txBody>
+      </p:sp>
+      <p:graphicFrame>
+        <p:nvGraphicFramePr>
+          <p:cNvPr id="41" name="차트 40"/>
+          <p:cNvGraphicFramePr/>
+          <p:nvPr>
+            <p:extLst>
+              <p:ext uri="{D42A27DB-BD31-4B8C-83A1-F6EECF244321}">
+                <p14:modId xmlns:p14="http://schemas.microsoft.com/office/powerpoint/2010/main" val="2141963410"/>
+              </p:ext>
+            </p:extLst>
+          </p:nvPr>
+        </p:nvGraphicFramePr>
+        <p:xfrm>
+          <a:off x="2880522" y="1846846"/>
+          <a:ext cx="1080120" cy="432048"/>
+        </p:xfrm>
+        <a:graphic>
+          <a:graphicData uri="http://schemas.openxmlformats.org/drawingml/2006/chart">
+            <c:chart xmlns:c="http://schemas.openxmlformats.org/drawingml/2006/chart" xmlns:r="http://schemas.openxmlformats.org/officeDocument/2006/relationships" r:id="rId8"/>
+          </a:graphicData>
+        </a:graphic>
+      </p:graphicFrame>
+      <p:sp>
+        <p:nvSpPr>
+          <p:cNvPr id="42" name="직사각형 41"/>
+          <p:cNvSpPr/>
+          <p:nvPr/>
+        </p:nvSpPr>
+        <p:spPr>
+          <a:xfrm>
+            <a:off x="2880522" y="1702830"/>
+            <a:ext cx="1080120" cy="144016"/>
+          </a:xfrm>
+          <a:prstGeom prst="rect">
+            <a:avLst/>
+          </a:prstGeom>
+          <a:ln w="3175"/>
+        </p:spPr>
+        <p:style>
+          <a:lnRef idx="2">
+            <a:schemeClr val="dk1"/>
+          </a:lnRef>
+          <a:fillRef idx="1">
+            <a:schemeClr val="lt1"/>
+          </a:fillRef>
+          <a:effectRef idx="0">
+            <a:schemeClr val="dk1"/>
+          </a:effectRef>
+          <a:fontRef idx="minor">
+            <a:schemeClr val="dk1"/>
+          </a:fontRef>
+        </p:style>
+        <p:txBody>
+          <a:bodyPr rtlCol="0" anchor="ctr"/>
+          <a:lstStyle/>
+          <a:p>
+            <a:pPr algn="ctr"/>
+            <a:r>
+              <a:rPr lang="en-US" altLang="ko-KR" sz="600" dirty="0"/>
+              <a:t>2</a:t>
+            </a:r>
+            <a:r>
+              <a:rPr lang="ko-KR" altLang="en-US" sz="600" dirty="0" smtClean="0"/>
+              <a:t>차축 센서</a:t>
+            </a:r>
+            <a:r>
+              <a:rPr lang="en-US" altLang="ko-KR" sz="600" dirty="0" smtClean="0"/>
+              <a:t>3 </a:t>
+            </a:r>
+            <a:r>
+              <a:rPr lang="ko-KR" altLang="en-US" sz="600" dirty="0" smtClean="0"/>
+              <a:t>그래프</a:t>
+            </a:r>
+            <a:endParaRPr lang="ko-KR" altLang="en-US" sz="600" dirty="0"/>
+          </a:p>
+        </p:txBody>
+      </p:sp>
+      <p:graphicFrame>
+        <p:nvGraphicFramePr>
+          <p:cNvPr id="43" name="차트 42"/>
+          <p:cNvGraphicFramePr/>
+          <p:nvPr>
+            <p:extLst>
+              <p:ext uri="{D42A27DB-BD31-4B8C-83A1-F6EECF244321}">
+                <p14:modId xmlns:p14="http://schemas.microsoft.com/office/powerpoint/2010/main" val="3006803229"/>
+              </p:ext>
+            </p:extLst>
+          </p:nvPr>
+        </p:nvGraphicFramePr>
+        <p:xfrm>
+          <a:off x="3960642" y="1846846"/>
+          <a:ext cx="1080120" cy="432048"/>
+        </p:xfrm>
+        <a:graphic>
+          <a:graphicData uri="http://schemas.openxmlformats.org/drawingml/2006/chart">
+            <c:chart xmlns:c="http://schemas.openxmlformats.org/drawingml/2006/chart" xmlns:r="http://schemas.openxmlformats.org/officeDocument/2006/relationships" r:id="rId9"/>
+          </a:graphicData>
+        </a:graphic>
+      </p:graphicFrame>
+      <p:sp>
+        <p:nvSpPr>
+          <p:cNvPr id="44" name="직사각형 43"/>
+          <p:cNvSpPr/>
+          <p:nvPr/>
+        </p:nvSpPr>
+        <p:spPr>
+          <a:xfrm>
+            <a:off x="3960642" y="1702830"/>
+            <a:ext cx="1080120" cy="144016"/>
+          </a:xfrm>
+          <a:prstGeom prst="rect">
+            <a:avLst/>
+          </a:prstGeom>
+          <a:ln w="3175"/>
+        </p:spPr>
+        <p:style>
+          <a:lnRef idx="2">
+            <a:schemeClr val="dk1"/>
+          </a:lnRef>
+          <a:fillRef idx="1">
+            <a:schemeClr val="lt1"/>
+          </a:fillRef>
+          <a:effectRef idx="0">
+            <a:schemeClr val="dk1"/>
+          </a:effectRef>
+          <a:fontRef idx="minor">
+            <a:schemeClr val="dk1"/>
+          </a:fontRef>
+        </p:style>
+        <p:txBody>
+          <a:bodyPr rtlCol="0" anchor="ctr"/>
+          <a:lstStyle/>
+          <a:p>
+            <a:pPr algn="ctr"/>
+            <a:r>
+              <a:rPr lang="en-US" altLang="ko-KR" sz="600" dirty="0"/>
+              <a:t>2</a:t>
+            </a:r>
+            <a:r>
+              <a:rPr lang="ko-KR" altLang="en-US" sz="600" dirty="0" smtClean="0"/>
+              <a:t>차축 센서</a:t>
+            </a:r>
+            <a:r>
+              <a:rPr lang="en-US" altLang="ko-KR" sz="600" dirty="0" smtClean="0"/>
+              <a:t>4 </a:t>
+            </a:r>
+            <a:r>
+              <a:rPr lang="ko-KR" altLang="en-US" sz="600" dirty="0" smtClean="0"/>
+              <a:t>그래프</a:t>
+            </a:r>
+            <a:endParaRPr lang="ko-KR" altLang="en-US" sz="600" dirty="0"/>
+          </a:p>
+        </p:txBody>
+      </p:sp>
+      <p:sp>
+        <p:nvSpPr>
+          <p:cNvPr id="45" name="직사각형 44"/>
+          <p:cNvSpPr/>
+          <p:nvPr/>
+        </p:nvSpPr>
+        <p:spPr>
+          <a:xfrm>
+            <a:off x="720282" y="2278894"/>
+            <a:ext cx="1080120" cy="144016"/>
+          </a:xfrm>
+          <a:prstGeom prst="rect">
+            <a:avLst/>
+          </a:prstGeom>
+          <a:ln w="3175"/>
+        </p:spPr>
+        <p:style>
+          <a:lnRef idx="2">
+            <a:schemeClr val="dk1"/>
+          </a:lnRef>
+          <a:fillRef idx="1">
+            <a:schemeClr val="lt1"/>
+          </a:fillRef>
+          <a:effectRef idx="0">
+            <a:schemeClr val="dk1"/>
+          </a:effectRef>
+          <a:fontRef idx="minor">
+            <a:schemeClr val="dk1"/>
+          </a:fontRef>
+        </p:style>
+        <p:txBody>
+          <a:bodyPr rtlCol="0" anchor="ctr"/>
+          <a:lstStyle/>
+          <a:p>
+            <a:pPr algn="ctr"/>
+            <a:endParaRPr lang="ko-KR" altLang="en-US" sz="600" dirty="0"/>
+          </a:p>
+        </p:txBody>
+      </p:sp>
+      <p:sp>
+        <p:nvSpPr>
+          <p:cNvPr id="46" name="직사각형 45"/>
+          <p:cNvSpPr/>
+          <p:nvPr/>
+        </p:nvSpPr>
+        <p:spPr>
+          <a:xfrm>
+            <a:off x="110583" y="2278894"/>
+            <a:ext cx="609699" cy="144016"/>
+          </a:xfrm>
+          <a:prstGeom prst="rect">
+            <a:avLst/>
+          </a:prstGeom>
+          <a:ln w="3175"/>
+        </p:spPr>
+        <p:style>
+          <a:lnRef idx="2">
+            <a:schemeClr val="dk1"/>
+          </a:lnRef>
+          <a:fillRef idx="1">
+            <a:schemeClr val="lt1"/>
+          </a:fillRef>
+          <a:effectRef idx="0">
+            <a:schemeClr val="dk1"/>
+          </a:effectRef>
+          <a:fontRef idx="minor">
+            <a:schemeClr val="dk1"/>
+          </a:fontRef>
+        </p:style>
+        <p:txBody>
+          <a:bodyPr rtlCol="0" anchor="ctr"/>
+          <a:lstStyle/>
+          <a:p>
+            <a:pPr algn="ctr"/>
+            <a:r>
+              <a:rPr lang="en-US" altLang="ko-KR" sz="600" dirty="0" smtClean="0"/>
+              <a:t>MIN</a:t>
+            </a:r>
+            <a:endParaRPr lang="ko-KR" altLang="en-US" sz="600" dirty="0"/>
+          </a:p>
+        </p:txBody>
+      </p:sp>
+      <p:sp>
+        <p:nvSpPr>
+          <p:cNvPr id="47" name="직사각형 46"/>
+          <p:cNvSpPr/>
+          <p:nvPr/>
+        </p:nvSpPr>
+        <p:spPr>
+          <a:xfrm>
+            <a:off x="1800402" y="2278894"/>
+            <a:ext cx="1080120" cy="144016"/>
+          </a:xfrm>
+          <a:prstGeom prst="rect">
+            <a:avLst/>
+          </a:prstGeom>
+          <a:ln w="3175"/>
+        </p:spPr>
+        <p:style>
+          <a:lnRef idx="2">
+            <a:schemeClr val="dk1"/>
+          </a:lnRef>
+          <a:fillRef idx="1">
+            <a:schemeClr val="lt1"/>
+          </a:fillRef>
+          <a:effectRef idx="0">
+            <a:schemeClr val="dk1"/>
+          </a:effectRef>
+          <a:fontRef idx="minor">
+            <a:schemeClr val="dk1"/>
+          </a:fontRef>
+        </p:style>
+        <p:txBody>
+          <a:bodyPr rtlCol="0" anchor="ctr"/>
+          <a:lstStyle/>
+          <a:p>
+            <a:pPr algn="ctr"/>
+            <a:endParaRPr lang="ko-KR" altLang="en-US" sz="600" dirty="0"/>
+          </a:p>
+        </p:txBody>
+      </p:sp>
+      <p:sp>
+        <p:nvSpPr>
+          <p:cNvPr id="48" name="직사각형 47"/>
+          <p:cNvSpPr/>
+          <p:nvPr/>
+        </p:nvSpPr>
+        <p:spPr>
+          <a:xfrm>
+            <a:off x="2880522" y="2278894"/>
+            <a:ext cx="1080120" cy="144016"/>
+          </a:xfrm>
+          <a:prstGeom prst="rect">
+            <a:avLst/>
+          </a:prstGeom>
+          <a:ln w="3175"/>
+        </p:spPr>
+        <p:style>
+          <a:lnRef idx="2">
+            <a:schemeClr val="dk1"/>
+          </a:lnRef>
+          <a:fillRef idx="1">
+            <a:schemeClr val="lt1"/>
+          </a:fillRef>
+          <a:effectRef idx="0">
+            <a:schemeClr val="dk1"/>
+          </a:effectRef>
+          <a:fontRef idx="minor">
+            <a:schemeClr val="dk1"/>
+          </a:fontRef>
+        </p:style>
+        <p:txBody>
+          <a:bodyPr rtlCol="0" anchor="ctr"/>
+          <a:lstStyle/>
+          <a:p>
+            <a:pPr algn="ctr"/>
+            <a:endParaRPr lang="ko-KR" altLang="en-US" sz="600" dirty="0"/>
+          </a:p>
+        </p:txBody>
+      </p:sp>
+      <p:sp>
+        <p:nvSpPr>
+          <p:cNvPr id="49" name="직사각형 48"/>
+          <p:cNvSpPr/>
+          <p:nvPr/>
+        </p:nvSpPr>
+        <p:spPr>
+          <a:xfrm>
+            <a:off x="3960642" y="2278894"/>
+            <a:ext cx="1080120" cy="144016"/>
+          </a:xfrm>
+          <a:prstGeom prst="rect">
+            <a:avLst/>
+          </a:prstGeom>
+          <a:ln w="3175"/>
+        </p:spPr>
+        <p:style>
+          <a:lnRef idx="2">
+            <a:schemeClr val="dk1"/>
+          </a:lnRef>
+          <a:fillRef idx="1">
+            <a:schemeClr val="lt1"/>
+          </a:fillRef>
+          <a:effectRef idx="0">
+            <a:schemeClr val="dk1"/>
+          </a:effectRef>
+          <a:fontRef idx="minor">
+            <a:schemeClr val="dk1"/>
+          </a:fontRef>
+        </p:style>
+        <p:txBody>
+          <a:bodyPr rtlCol="0" anchor="ctr"/>
+          <a:lstStyle/>
+          <a:p>
+            <a:pPr algn="ctr"/>
+            <a:endParaRPr lang="ko-KR" altLang="en-US" sz="600" dirty="0"/>
+          </a:p>
+        </p:txBody>
+      </p:sp>
+      <p:sp>
+        <p:nvSpPr>
+          <p:cNvPr id="50" name="직사각형 49"/>
+          <p:cNvSpPr/>
+          <p:nvPr/>
+        </p:nvSpPr>
+        <p:spPr>
+          <a:xfrm>
+            <a:off x="720281" y="2422910"/>
+            <a:ext cx="1080120" cy="144016"/>
+          </a:xfrm>
+          <a:prstGeom prst="rect">
+            <a:avLst/>
+          </a:prstGeom>
+          <a:ln w="3175"/>
+        </p:spPr>
+        <p:style>
+          <a:lnRef idx="2">
+            <a:schemeClr val="dk1"/>
+          </a:lnRef>
+          <a:fillRef idx="1">
+            <a:schemeClr val="lt1"/>
+          </a:fillRef>
+          <a:effectRef idx="0">
+            <a:schemeClr val="dk1"/>
+          </a:effectRef>
+          <a:fontRef idx="minor">
+            <a:schemeClr val="dk1"/>
+          </a:fontRef>
+        </p:style>
+        <p:txBody>
+          <a:bodyPr rtlCol="0" anchor="ctr"/>
+          <a:lstStyle/>
+          <a:p>
+            <a:pPr algn="ctr"/>
+            <a:endParaRPr lang="ko-KR" altLang="en-US" sz="600" dirty="0"/>
+          </a:p>
+        </p:txBody>
+      </p:sp>
+      <p:sp>
+        <p:nvSpPr>
+          <p:cNvPr id="51" name="직사각형 50"/>
+          <p:cNvSpPr/>
+          <p:nvPr/>
+        </p:nvSpPr>
+        <p:spPr>
+          <a:xfrm>
+            <a:off x="110582" y="2422910"/>
+            <a:ext cx="609699" cy="144016"/>
+          </a:xfrm>
+          <a:prstGeom prst="rect">
+            <a:avLst/>
+          </a:prstGeom>
+          <a:ln w="3175"/>
+        </p:spPr>
+        <p:style>
+          <a:lnRef idx="2">
+            <a:schemeClr val="dk1"/>
+          </a:lnRef>
+          <a:fillRef idx="1">
+            <a:schemeClr val="lt1"/>
+          </a:fillRef>
+          <a:effectRef idx="0">
+            <a:schemeClr val="dk1"/>
+          </a:effectRef>
+          <a:fontRef idx="minor">
+            <a:schemeClr val="dk1"/>
+          </a:fontRef>
+        </p:style>
+        <p:txBody>
+          <a:bodyPr rtlCol="0" anchor="ctr"/>
+          <a:lstStyle/>
+          <a:p>
+            <a:pPr algn="ctr"/>
+            <a:r>
+              <a:rPr lang="en-US" altLang="ko-KR" sz="600" dirty="0" smtClean="0"/>
+              <a:t>MAX</a:t>
+            </a:r>
+            <a:endParaRPr lang="ko-KR" altLang="en-US" sz="600" dirty="0"/>
+          </a:p>
+        </p:txBody>
+      </p:sp>
+      <p:sp>
+        <p:nvSpPr>
+          <p:cNvPr id="52" name="직사각형 51"/>
+          <p:cNvSpPr/>
+          <p:nvPr/>
+        </p:nvSpPr>
+        <p:spPr>
+          <a:xfrm>
+            <a:off x="1800401" y="2422910"/>
+            <a:ext cx="1080120" cy="144016"/>
+          </a:xfrm>
+          <a:prstGeom prst="rect">
+            <a:avLst/>
+          </a:prstGeom>
+          <a:ln w="3175"/>
+        </p:spPr>
+        <p:style>
+          <a:lnRef idx="2">
+            <a:schemeClr val="dk1"/>
+          </a:lnRef>
+          <a:fillRef idx="1">
+            <a:schemeClr val="lt1"/>
+          </a:fillRef>
+          <a:effectRef idx="0">
+            <a:schemeClr val="dk1"/>
+          </a:effectRef>
+          <a:fontRef idx="minor">
+            <a:schemeClr val="dk1"/>
+          </a:fontRef>
+        </p:style>
+        <p:txBody>
+          <a:bodyPr rtlCol="0" anchor="ctr"/>
+          <a:lstStyle/>
+          <a:p>
+            <a:pPr algn="ctr"/>
+            <a:endParaRPr lang="ko-KR" altLang="en-US" sz="600" dirty="0"/>
+          </a:p>
+        </p:txBody>
+      </p:sp>
+      <p:sp>
+        <p:nvSpPr>
+          <p:cNvPr id="53" name="직사각형 52"/>
+          <p:cNvSpPr/>
+          <p:nvPr/>
+        </p:nvSpPr>
+        <p:spPr>
+          <a:xfrm>
+            <a:off x="2880521" y="2422910"/>
+            <a:ext cx="1080120" cy="144016"/>
+          </a:xfrm>
+          <a:prstGeom prst="rect">
+            <a:avLst/>
+          </a:prstGeom>
+          <a:ln w="3175"/>
+        </p:spPr>
+        <p:style>
+          <a:lnRef idx="2">
+            <a:schemeClr val="dk1"/>
+          </a:lnRef>
+          <a:fillRef idx="1">
+            <a:schemeClr val="lt1"/>
+          </a:fillRef>
+          <a:effectRef idx="0">
+            <a:schemeClr val="dk1"/>
+          </a:effectRef>
+          <a:fontRef idx="minor">
+            <a:schemeClr val="dk1"/>
+          </a:fontRef>
+        </p:style>
+        <p:txBody>
+          <a:bodyPr rtlCol="0" anchor="ctr"/>
+          <a:lstStyle/>
+          <a:p>
+            <a:pPr algn="ctr"/>
+            <a:endParaRPr lang="ko-KR" altLang="en-US" sz="600" dirty="0"/>
+          </a:p>
+        </p:txBody>
+      </p:sp>
+      <p:sp>
+        <p:nvSpPr>
+          <p:cNvPr id="54" name="직사각형 53"/>
+          <p:cNvSpPr/>
+          <p:nvPr/>
+        </p:nvSpPr>
+        <p:spPr>
+          <a:xfrm>
+            <a:off x="3960641" y="2422910"/>
+            <a:ext cx="1080120" cy="144016"/>
+          </a:xfrm>
+          <a:prstGeom prst="rect">
+            <a:avLst/>
+          </a:prstGeom>
+          <a:ln w="3175"/>
+        </p:spPr>
+        <p:style>
+          <a:lnRef idx="2">
+            <a:schemeClr val="dk1"/>
+          </a:lnRef>
+          <a:fillRef idx="1">
+            <a:schemeClr val="lt1"/>
+          </a:fillRef>
+          <a:effectRef idx="0">
+            <a:schemeClr val="dk1"/>
+          </a:effectRef>
+          <a:fontRef idx="minor">
+            <a:schemeClr val="dk1"/>
+          </a:fontRef>
+        </p:style>
+        <p:txBody>
+          <a:bodyPr rtlCol="0" anchor="ctr"/>
+          <a:lstStyle/>
+          <a:p>
+            <a:pPr algn="ctr"/>
+            <a:endParaRPr lang="ko-KR" altLang="en-US" sz="600" dirty="0"/>
+          </a:p>
+        </p:txBody>
+      </p:sp>
+      <p:sp>
+        <p:nvSpPr>
+          <p:cNvPr id="55" name="직사각형 54"/>
+          <p:cNvSpPr/>
+          <p:nvPr/>
+        </p:nvSpPr>
+        <p:spPr>
+          <a:xfrm>
+            <a:off x="720280" y="2566926"/>
+            <a:ext cx="1080120" cy="144016"/>
+          </a:xfrm>
+          <a:prstGeom prst="rect">
+            <a:avLst/>
+          </a:prstGeom>
+          <a:ln w="3175"/>
+        </p:spPr>
+        <p:style>
+          <a:lnRef idx="2">
+            <a:schemeClr val="dk1"/>
+          </a:lnRef>
+          <a:fillRef idx="1">
+            <a:schemeClr val="lt1"/>
+          </a:fillRef>
+          <a:effectRef idx="0">
+            <a:schemeClr val="dk1"/>
+          </a:effectRef>
+          <a:fontRef idx="minor">
+            <a:schemeClr val="dk1"/>
+          </a:fontRef>
+        </p:style>
+        <p:txBody>
+          <a:bodyPr rtlCol="0" anchor="ctr"/>
+          <a:lstStyle/>
+          <a:p>
+            <a:pPr algn="ctr"/>
+            <a:endParaRPr lang="ko-KR" altLang="en-US" sz="600" dirty="0"/>
+          </a:p>
+        </p:txBody>
+      </p:sp>
+      <p:sp>
+        <p:nvSpPr>
+          <p:cNvPr id="56" name="직사각형 55"/>
+          <p:cNvSpPr/>
+          <p:nvPr/>
+        </p:nvSpPr>
+        <p:spPr>
+          <a:xfrm>
+            <a:off x="110581" y="2566926"/>
+            <a:ext cx="609699" cy="144016"/>
+          </a:xfrm>
+          <a:prstGeom prst="rect">
+            <a:avLst/>
+          </a:prstGeom>
+          <a:ln w="3175"/>
+        </p:spPr>
+        <p:style>
+          <a:lnRef idx="2">
+            <a:schemeClr val="dk1"/>
+          </a:lnRef>
+          <a:fillRef idx="1">
+            <a:schemeClr val="lt1"/>
+          </a:fillRef>
+          <a:effectRef idx="0">
+            <a:schemeClr val="dk1"/>
+          </a:effectRef>
+          <a:fontRef idx="minor">
+            <a:schemeClr val="dk1"/>
+          </a:fontRef>
+        </p:style>
+        <p:txBody>
+          <a:bodyPr rtlCol="0" anchor="ctr"/>
+          <a:lstStyle/>
+          <a:p>
+            <a:pPr algn="ctr"/>
+            <a:r>
+              <a:rPr lang="en-US" altLang="ko-KR" sz="600" dirty="0" smtClean="0"/>
+              <a:t>AVE</a:t>
+            </a:r>
+            <a:endParaRPr lang="ko-KR" altLang="en-US" sz="600" dirty="0"/>
+          </a:p>
+        </p:txBody>
+      </p:sp>
+      <p:sp>
+        <p:nvSpPr>
+          <p:cNvPr id="57" name="직사각형 56"/>
+          <p:cNvSpPr/>
+          <p:nvPr/>
+        </p:nvSpPr>
+        <p:spPr>
+          <a:xfrm>
+            <a:off x="1800400" y="2566926"/>
+            <a:ext cx="1080120" cy="144016"/>
+          </a:xfrm>
+          <a:prstGeom prst="rect">
+            <a:avLst/>
+          </a:prstGeom>
+          <a:ln w="3175"/>
+        </p:spPr>
+        <p:style>
+          <a:lnRef idx="2">
+            <a:schemeClr val="dk1"/>
+          </a:lnRef>
+          <a:fillRef idx="1">
+            <a:schemeClr val="lt1"/>
+          </a:fillRef>
+          <a:effectRef idx="0">
+            <a:schemeClr val="dk1"/>
+          </a:effectRef>
+          <a:fontRef idx="minor">
+            <a:schemeClr val="dk1"/>
+          </a:fontRef>
+        </p:style>
+        <p:txBody>
+          <a:bodyPr rtlCol="0" anchor="ctr"/>
+          <a:lstStyle/>
+          <a:p>
+            <a:pPr algn="ctr"/>
+            <a:endParaRPr lang="ko-KR" altLang="en-US" sz="600" dirty="0"/>
+          </a:p>
+        </p:txBody>
+      </p:sp>
+      <p:sp>
+        <p:nvSpPr>
+          <p:cNvPr id="58" name="직사각형 57"/>
+          <p:cNvSpPr/>
+          <p:nvPr/>
+        </p:nvSpPr>
+        <p:spPr>
+          <a:xfrm>
+            <a:off x="2880520" y="2566926"/>
+            <a:ext cx="1080120" cy="144016"/>
+          </a:xfrm>
+          <a:prstGeom prst="rect">
+            <a:avLst/>
+          </a:prstGeom>
+          <a:ln w="3175"/>
+        </p:spPr>
+        <p:style>
+          <a:lnRef idx="2">
+            <a:schemeClr val="dk1"/>
+          </a:lnRef>
+          <a:fillRef idx="1">
+            <a:schemeClr val="lt1"/>
+          </a:fillRef>
+          <a:effectRef idx="0">
+            <a:schemeClr val="dk1"/>
+          </a:effectRef>
+          <a:fontRef idx="minor">
+            <a:schemeClr val="dk1"/>
+          </a:fontRef>
+        </p:style>
+        <p:txBody>
+          <a:bodyPr rtlCol="0" anchor="ctr"/>
+          <a:lstStyle/>
+          <a:p>
+            <a:pPr algn="ctr"/>
+            <a:endParaRPr lang="ko-KR" altLang="en-US" sz="600" dirty="0"/>
+          </a:p>
+        </p:txBody>
+      </p:sp>
+      <p:sp>
+        <p:nvSpPr>
+          <p:cNvPr id="59" name="직사각형 58"/>
+          <p:cNvSpPr/>
+          <p:nvPr/>
+        </p:nvSpPr>
+        <p:spPr>
+          <a:xfrm>
+            <a:off x="3960640" y="2566926"/>
+            <a:ext cx="1080120" cy="144016"/>
+          </a:xfrm>
+          <a:prstGeom prst="rect">
+            <a:avLst/>
+          </a:prstGeom>
+          <a:ln w="3175"/>
+        </p:spPr>
+        <p:style>
+          <a:lnRef idx="2">
+            <a:schemeClr val="dk1"/>
+          </a:lnRef>
+          <a:fillRef idx="1">
+            <a:schemeClr val="lt1"/>
+          </a:fillRef>
+          <a:effectRef idx="0">
+            <a:schemeClr val="dk1"/>
+          </a:effectRef>
+          <a:fontRef idx="minor">
+            <a:schemeClr val="dk1"/>
+          </a:fontRef>
+        </p:style>
+        <p:txBody>
+          <a:bodyPr rtlCol="0" anchor="ctr"/>
+          <a:lstStyle/>
+          <a:p>
+            <a:pPr algn="ctr"/>
+            <a:endParaRPr lang="ko-KR" altLang="en-US" sz="600" dirty="0"/>
+          </a:p>
+        </p:txBody>
+      </p:sp>
+      <p:sp>
+        <p:nvSpPr>
+          <p:cNvPr id="60" name="직사각형 59"/>
+          <p:cNvSpPr/>
+          <p:nvPr/>
+        </p:nvSpPr>
+        <p:spPr>
+          <a:xfrm>
+            <a:off x="720279" y="2710942"/>
+            <a:ext cx="1080120" cy="144016"/>
+          </a:xfrm>
+          <a:prstGeom prst="rect">
+            <a:avLst/>
+          </a:prstGeom>
+          <a:ln w="3175"/>
+        </p:spPr>
+        <p:style>
+          <a:lnRef idx="2">
+            <a:schemeClr val="dk1"/>
+          </a:lnRef>
+          <a:fillRef idx="1">
+            <a:schemeClr val="lt1"/>
+          </a:fillRef>
+          <a:effectRef idx="0">
+            <a:schemeClr val="dk1"/>
+          </a:effectRef>
+          <a:fontRef idx="minor">
+            <a:schemeClr val="dk1"/>
+          </a:fontRef>
+        </p:style>
+        <p:txBody>
+          <a:bodyPr rtlCol="0" anchor="ctr"/>
+          <a:lstStyle/>
+          <a:p>
+            <a:pPr algn="ctr"/>
+            <a:endParaRPr lang="ko-KR" altLang="en-US" sz="600" dirty="0"/>
+          </a:p>
+        </p:txBody>
+      </p:sp>
+      <p:sp>
+        <p:nvSpPr>
+          <p:cNvPr id="61" name="직사각형 60"/>
+          <p:cNvSpPr/>
+          <p:nvPr/>
+        </p:nvSpPr>
+        <p:spPr>
+          <a:xfrm>
+            <a:off x="110580" y="2710942"/>
+            <a:ext cx="609699" cy="144016"/>
+          </a:xfrm>
+          <a:prstGeom prst="rect">
+            <a:avLst/>
+          </a:prstGeom>
+          <a:ln w="3175"/>
+        </p:spPr>
+        <p:style>
+          <a:lnRef idx="2">
+            <a:schemeClr val="dk1"/>
+          </a:lnRef>
+          <a:fillRef idx="1">
+            <a:schemeClr val="lt1"/>
+          </a:fillRef>
+          <a:effectRef idx="0">
+            <a:schemeClr val="dk1"/>
+          </a:effectRef>
+          <a:fontRef idx="minor">
+            <a:schemeClr val="dk1"/>
+          </a:fontRef>
+        </p:style>
+        <p:txBody>
+          <a:bodyPr rtlCol="0" anchor="ctr"/>
+          <a:lstStyle/>
+          <a:p>
+            <a:pPr algn="ctr"/>
+            <a:r>
+              <a:rPr lang="ko-KR" altLang="en-US" sz="600" dirty="0" smtClean="0"/>
+              <a:t>실시</a:t>
+            </a:r>
+            <a:r>
+              <a:rPr lang="ko-KR" altLang="en-US" sz="600" dirty="0"/>
+              <a:t>간</a:t>
+            </a:r>
+          </a:p>
+        </p:txBody>
+      </p:sp>
+      <p:sp>
+        <p:nvSpPr>
+          <p:cNvPr id="62" name="직사각형 61"/>
+          <p:cNvSpPr/>
+          <p:nvPr/>
+        </p:nvSpPr>
+        <p:spPr>
+          <a:xfrm>
+            <a:off x="1800399" y="2710942"/>
+            <a:ext cx="1080120" cy="144016"/>
+          </a:xfrm>
+          <a:prstGeom prst="rect">
+            <a:avLst/>
+          </a:prstGeom>
+          <a:ln w="3175"/>
+        </p:spPr>
+        <p:style>
+          <a:lnRef idx="2">
+            <a:schemeClr val="dk1"/>
+          </a:lnRef>
+          <a:fillRef idx="1">
+            <a:schemeClr val="lt1"/>
+          </a:fillRef>
+          <a:effectRef idx="0">
+            <a:schemeClr val="dk1"/>
+          </a:effectRef>
+          <a:fontRef idx="minor">
+            <a:schemeClr val="dk1"/>
+          </a:fontRef>
+        </p:style>
+        <p:txBody>
+          <a:bodyPr rtlCol="0" anchor="ctr"/>
+          <a:lstStyle/>
+          <a:p>
+            <a:pPr algn="ctr"/>
+            <a:endParaRPr lang="ko-KR" altLang="en-US" sz="600" dirty="0"/>
+          </a:p>
+        </p:txBody>
+      </p:sp>
+      <p:sp>
+        <p:nvSpPr>
+          <p:cNvPr id="63" name="직사각형 62"/>
+          <p:cNvSpPr/>
+          <p:nvPr/>
+        </p:nvSpPr>
+        <p:spPr>
+          <a:xfrm>
+            <a:off x="2880519" y="2710942"/>
+            <a:ext cx="1080120" cy="144016"/>
+          </a:xfrm>
+          <a:prstGeom prst="rect">
+            <a:avLst/>
+          </a:prstGeom>
+          <a:ln w="3175"/>
+        </p:spPr>
+        <p:style>
+          <a:lnRef idx="2">
+            <a:schemeClr val="dk1"/>
+          </a:lnRef>
+          <a:fillRef idx="1">
+            <a:schemeClr val="lt1"/>
+          </a:fillRef>
+          <a:effectRef idx="0">
+            <a:schemeClr val="dk1"/>
+          </a:effectRef>
+          <a:fontRef idx="minor">
+            <a:schemeClr val="dk1"/>
+          </a:fontRef>
+        </p:style>
+        <p:txBody>
+          <a:bodyPr rtlCol="0" anchor="ctr"/>
+          <a:lstStyle/>
+          <a:p>
+            <a:pPr algn="ctr"/>
+            <a:endParaRPr lang="ko-KR" altLang="en-US" sz="600" dirty="0"/>
+          </a:p>
+        </p:txBody>
+      </p:sp>
+      <p:sp>
+        <p:nvSpPr>
+          <p:cNvPr id="64" name="직사각형 63"/>
+          <p:cNvSpPr/>
+          <p:nvPr/>
+        </p:nvSpPr>
+        <p:spPr>
+          <a:xfrm>
+            <a:off x="3960639" y="2710942"/>
+            <a:ext cx="1080120" cy="144016"/>
+          </a:xfrm>
+          <a:prstGeom prst="rect">
+            <a:avLst/>
+          </a:prstGeom>
+          <a:ln w="3175"/>
+        </p:spPr>
+        <p:style>
+          <a:lnRef idx="2">
+            <a:schemeClr val="dk1"/>
+          </a:lnRef>
+          <a:fillRef idx="1">
+            <a:schemeClr val="lt1"/>
+          </a:fillRef>
+          <a:effectRef idx="0">
+            <a:schemeClr val="dk1"/>
+          </a:effectRef>
+          <a:fontRef idx="minor">
+            <a:schemeClr val="dk1"/>
+          </a:fontRef>
+        </p:style>
+        <p:txBody>
+          <a:bodyPr rtlCol="0" anchor="ctr"/>
+          <a:lstStyle/>
+          <a:p>
+            <a:pPr algn="ctr"/>
+            <a:endParaRPr lang="ko-KR" altLang="en-US" sz="600" dirty="0"/>
+          </a:p>
+        </p:txBody>
+      </p:sp>
+      <p:sp>
+        <p:nvSpPr>
+          <p:cNvPr id="65" name="타원 64"/>
+          <p:cNvSpPr/>
+          <p:nvPr/>
+        </p:nvSpPr>
+        <p:spPr>
+          <a:xfrm>
+            <a:off x="4226694" y="92969"/>
+            <a:ext cx="72008" cy="72008"/>
+          </a:xfrm>
+          <a:prstGeom prst="ellipse">
+            <a:avLst/>
+          </a:prstGeom>
+        </p:spPr>
+        <p:style>
+          <a:lnRef idx="1">
+            <a:schemeClr val="accent3"/>
+          </a:lnRef>
+          <a:fillRef idx="2">
+            <a:schemeClr val="accent3"/>
+          </a:fillRef>
+          <a:effectRef idx="1">
+            <a:schemeClr val="accent3"/>
+          </a:effectRef>
+          <a:fontRef idx="minor">
+            <a:schemeClr val="dk1"/>
+          </a:fontRef>
+        </p:style>
+        <p:txBody>
+          <a:bodyPr rtlCol="0" anchor="ctr"/>
+          <a:lstStyle/>
+          <a:p>
+            <a:pPr algn="ctr"/>
+            <a:endParaRPr lang="ko-KR" altLang="en-US"/>
+          </a:p>
+        </p:txBody>
+      </p:sp>
+      <p:sp>
+        <p:nvSpPr>
+          <p:cNvPr id="66" name="TextBox 65"/>
+          <p:cNvSpPr txBox="1"/>
+          <p:nvPr/>
+        </p:nvSpPr>
+        <p:spPr>
+          <a:xfrm>
+            <a:off x="4262698" y="44335"/>
+            <a:ext cx="766557" cy="169277"/>
+          </a:xfrm>
+          <a:prstGeom prst="rect">
+            <a:avLst/>
+          </a:prstGeom>
+          <a:noFill/>
+        </p:spPr>
+        <p:txBody>
+          <a:bodyPr wrap="none" rtlCol="0">
+            <a:spAutoFit/>
+          </a:bodyPr>
+          <a:lstStyle/>
+          <a:p>
+            <a:r>
+              <a:rPr lang="en-US" altLang="ko-KR" sz="500" dirty="0" smtClean="0">
+                <a:latin typeface="+mn-ea"/>
+              </a:rPr>
+              <a:t>1ch Controller State</a:t>
+            </a:r>
+            <a:endParaRPr lang="ko-KR" altLang="en-US" sz="500" dirty="0">
+              <a:latin typeface="+mn-ea"/>
+            </a:endParaRPr>
+          </a:p>
+        </p:txBody>
+      </p:sp>
+      <p:sp>
+        <p:nvSpPr>
+          <p:cNvPr id="67" name="타원 66"/>
+          <p:cNvSpPr/>
+          <p:nvPr/>
+        </p:nvSpPr>
+        <p:spPr>
+          <a:xfrm>
+            <a:off x="4226694" y="245369"/>
+            <a:ext cx="72008" cy="72008"/>
+          </a:xfrm>
+          <a:prstGeom prst="ellipse">
+            <a:avLst/>
+          </a:prstGeom>
+        </p:spPr>
+        <p:style>
+          <a:lnRef idx="1">
+            <a:schemeClr val="accent2"/>
+          </a:lnRef>
+          <a:fillRef idx="2">
+            <a:schemeClr val="accent2"/>
+          </a:fillRef>
+          <a:effectRef idx="1">
+            <a:schemeClr val="accent2"/>
+          </a:effectRef>
+          <a:fontRef idx="minor">
+            <a:schemeClr val="dk1"/>
+          </a:fontRef>
+        </p:style>
+        <p:txBody>
+          <a:bodyPr rtlCol="0" anchor="ctr"/>
+          <a:lstStyle/>
+          <a:p>
+            <a:pPr algn="ctr"/>
+            <a:endParaRPr lang="ko-KR" altLang="en-US"/>
+          </a:p>
+        </p:txBody>
+      </p:sp>
+      <p:sp>
+        <p:nvSpPr>
+          <p:cNvPr id="68" name="TextBox 67"/>
+          <p:cNvSpPr txBox="1"/>
+          <p:nvPr/>
+        </p:nvSpPr>
+        <p:spPr>
+          <a:xfrm>
+            <a:off x="4262698" y="196735"/>
+            <a:ext cx="766557" cy="169277"/>
+          </a:xfrm>
+          <a:prstGeom prst="rect">
+            <a:avLst/>
+          </a:prstGeom>
+          <a:noFill/>
+        </p:spPr>
+        <p:txBody>
+          <a:bodyPr wrap="none" rtlCol="0">
+            <a:spAutoFit/>
+          </a:bodyPr>
+          <a:lstStyle/>
+          <a:p>
+            <a:r>
+              <a:rPr lang="en-US" altLang="ko-KR" sz="500" dirty="0">
+                <a:latin typeface="+mn-ea"/>
+              </a:rPr>
+              <a:t>2</a:t>
+            </a:r>
+            <a:r>
+              <a:rPr lang="en-US" altLang="ko-KR" sz="500" dirty="0" smtClean="0">
+                <a:latin typeface="+mn-ea"/>
+              </a:rPr>
+              <a:t>ch Controller State</a:t>
+            </a:r>
+            <a:endParaRPr lang="ko-KR" altLang="en-US" sz="500" dirty="0">
+              <a:latin typeface="+mn-ea"/>
+            </a:endParaRPr>
+          </a:p>
+        </p:txBody>
+      </p:sp>
+      <p:sp>
+        <p:nvSpPr>
+          <p:cNvPr id="69" name="타원 68"/>
+          <p:cNvSpPr/>
+          <p:nvPr/>
+        </p:nvSpPr>
+        <p:spPr>
+          <a:xfrm>
+            <a:off x="4226694" y="397769"/>
+            <a:ext cx="72008" cy="72008"/>
+          </a:xfrm>
+          <a:prstGeom prst="ellipse">
+            <a:avLst/>
+          </a:prstGeom>
+        </p:spPr>
+        <p:style>
+          <a:lnRef idx="1">
+            <a:schemeClr val="accent3"/>
+          </a:lnRef>
+          <a:fillRef idx="2">
+            <a:schemeClr val="accent3"/>
+          </a:fillRef>
+          <a:effectRef idx="1">
+            <a:schemeClr val="accent3"/>
+          </a:effectRef>
+          <a:fontRef idx="minor">
+            <a:schemeClr val="dk1"/>
+          </a:fontRef>
+        </p:style>
+        <p:txBody>
+          <a:bodyPr rtlCol="0" anchor="ctr"/>
+          <a:lstStyle/>
+          <a:p>
+            <a:pPr algn="ctr"/>
+            <a:endParaRPr lang="ko-KR" altLang="en-US"/>
+          </a:p>
+        </p:txBody>
+      </p:sp>
+      <p:sp>
+        <p:nvSpPr>
+          <p:cNvPr id="70" name="TextBox 69"/>
+          <p:cNvSpPr txBox="1"/>
+          <p:nvPr/>
+        </p:nvSpPr>
+        <p:spPr>
+          <a:xfrm>
+            <a:off x="4262698" y="349135"/>
+            <a:ext cx="771365" cy="169277"/>
+          </a:xfrm>
+          <a:prstGeom prst="rect">
+            <a:avLst/>
+          </a:prstGeom>
+          <a:noFill/>
+        </p:spPr>
+        <p:txBody>
+          <a:bodyPr wrap="none" rtlCol="0">
+            <a:spAutoFit/>
+          </a:bodyPr>
+          <a:lstStyle/>
+          <a:p>
+            <a:r>
+              <a:rPr lang="en-US" altLang="ko-KR" sz="500" dirty="0" smtClean="0">
+                <a:latin typeface="+mn-ea"/>
+              </a:rPr>
+              <a:t>PLC Controller State</a:t>
+            </a:r>
+            <a:endParaRPr lang="ko-KR" altLang="en-US" sz="500" dirty="0">
+              <a:latin typeface="+mn-ea"/>
+            </a:endParaRPr>
+          </a:p>
+        </p:txBody>
+      </p:sp>
+      <p:sp>
+        <p:nvSpPr>
+          <p:cNvPr id="71" name="직사각형 70"/>
+          <p:cNvSpPr/>
+          <p:nvPr/>
+        </p:nvSpPr>
+        <p:spPr>
+          <a:xfrm>
+            <a:off x="0" y="2881993"/>
+            <a:ext cx="5112966" cy="354079"/>
+          </a:xfrm>
+          <a:prstGeom prst="rect">
+            <a:avLst/>
+          </a:prstGeom>
+          <a:ln w="9525"/>
+        </p:spPr>
+        <p:style>
+          <a:lnRef idx="2">
+            <a:schemeClr val="dk1"/>
+          </a:lnRef>
+          <a:fillRef idx="1">
+            <a:schemeClr val="lt1"/>
+          </a:fillRef>
+          <a:effectRef idx="0">
+            <a:schemeClr val="dk1"/>
+          </a:effectRef>
+          <a:fontRef idx="minor">
+            <a:schemeClr val="dk1"/>
+          </a:fontRef>
+        </p:style>
+        <p:txBody>
+          <a:bodyPr rtlCol="0" anchor="ctr"/>
+          <a:lstStyle/>
+          <a:p>
+            <a:pPr algn="ctr"/>
+            <a:endParaRPr lang="ko-KR" altLang="en-US"/>
+          </a:p>
+        </p:txBody>
+      </p:sp>
+      <p:sp>
+        <p:nvSpPr>
+          <p:cNvPr id="72" name="모서리가 둥근 직사각형 71"/>
+          <p:cNvSpPr/>
+          <p:nvPr/>
+        </p:nvSpPr>
+        <p:spPr>
+          <a:xfrm>
+            <a:off x="110577" y="2915016"/>
+            <a:ext cx="504056" cy="288032"/>
+          </a:xfrm>
+          <a:prstGeom prst="roundRect">
+            <a:avLst/>
+          </a:prstGeom>
+        </p:spPr>
+        <p:style>
+          <a:lnRef idx="1">
+            <a:schemeClr val="dk1"/>
+          </a:lnRef>
+          <a:fillRef idx="2">
+            <a:schemeClr val="dk1"/>
+          </a:fillRef>
+          <a:effectRef idx="1">
+            <a:schemeClr val="dk1"/>
+          </a:effectRef>
+          <a:fontRef idx="minor">
+            <a:schemeClr val="dk1"/>
+          </a:fontRef>
+        </p:style>
+        <p:txBody>
+          <a:bodyPr rtlCol="0" anchor="ctr"/>
+          <a:lstStyle/>
+          <a:p>
+            <a:pPr algn="ctr"/>
+            <a:r>
+              <a:rPr lang="en-US" altLang="ko-KR" sz="500" dirty="0" smtClean="0">
+                <a:latin typeface="+mn-ea"/>
+              </a:rPr>
+              <a:t>1</a:t>
+            </a:r>
+            <a:r>
+              <a:rPr lang="ko-KR" altLang="en-US" sz="500" dirty="0" smtClean="0">
+                <a:latin typeface="+mn-ea"/>
+              </a:rPr>
+              <a:t>차축 </a:t>
+            </a:r>
+            <a:r>
+              <a:rPr lang="en-US" altLang="ko-KR" sz="500" dirty="0" smtClean="0">
+                <a:latin typeface="+mn-ea"/>
+              </a:rPr>
+              <a:t>Data Save</a:t>
+            </a:r>
+            <a:endParaRPr lang="ko-KR" altLang="en-US" sz="500" dirty="0">
+              <a:latin typeface="+mn-ea"/>
+            </a:endParaRPr>
+          </a:p>
+        </p:txBody>
+      </p:sp>
+      <p:sp>
+        <p:nvSpPr>
+          <p:cNvPr id="73" name="모서리가 둥근 직사각형 72"/>
+          <p:cNvSpPr/>
+          <p:nvPr/>
+        </p:nvSpPr>
+        <p:spPr>
+          <a:xfrm>
+            <a:off x="720276" y="2916188"/>
+            <a:ext cx="504056" cy="288032"/>
+          </a:xfrm>
+          <a:prstGeom prst="roundRect">
+            <a:avLst/>
+          </a:prstGeom>
+        </p:spPr>
+        <p:style>
+          <a:lnRef idx="1">
+            <a:schemeClr val="dk1"/>
+          </a:lnRef>
+          <a:fillRef idx="2">
+            <a:schemeClr val="dk1"/>
+          </a:fillRef>
+          <a:effectRef idx="1">
+            <a:schemeClr val="dk1"/>
+          </a:effectRef>
+          <a:fontRef idx="minor">
+            <a:schemeClr val="dk1"/>
+          </a:fontRef>
+        </p:style>
+        <p:txBody>
+          <a:bodyPr rtlCol="0" anchor="ctr"/>
+          <a:lstStyle/>
+          <a:p>
+            <a:pPr algn="ctr"/>
+            <a:r>
+              <a:rPr lang="en-US" altLang="ko-KR" sz="500" dirty="0">
+                <a:latin typeface="+mn-ea"/>
+              </a:rPr>
+              <a:t>2</a:t>
+            </a:r>
+            <a:r>
+              <a:rPr lang="ko-KR" altLang="en-US" sz="500" dirty="0" smtClean="0">
+                <a:latin typeface="+mn-ea"/>
+              </a:rPr>
+              <a:t>차축 </a:t>
+            </a:r>
+            <a:r>
+              <a:rPr lang="en-US" altLang="ko-KR" sz="500" dirty="0" smtClean="0">
+                <a:latin typeface="+mn-ea"/>
+              </a:rPr>
+              <a:t>Data Save</a:t>
+            </a:r>
+            <a:endParaRPr lang="ko-KR" altLang="en-US" sz="500" dirty="0">
+              <a:latin typeface="+mn-ea"/>
+            </a:endParaRPr>
+          </a:p>
+        </p:txBody>
+      </p:sp>
+      <p:sp>
+        <p:nvSpPr>
+          <p:cNvPr id="74" name="모서리가 둥근 직사각형 73"/>
+          <p:cNvSpPr/>
+          <p:nvPr/>
+        </p:nvSpPr>
+        <p:spPr>
+          <a:xfrm>
+            <a:off x="108646" y="92969"/>
+            <a:ext cx="504056" cy="288032"/>
+          </a:xfrm>
+          <a:prstGeom prst="roundRect">
+            <a:avLst/>
+          </a:prstGeom>
+        </p:spPr>
+        <p:style>
+          <a:lnRef idx="1">
+            <a:schemeClr val="dk1"/>
+          </a:lnRef>
+          <a:fillRef idx="2">
+            <a:schemeClr val="dk1"/>
+          </a:fillRef>
+          <a:effectRef idx="1">
+            <a:schemeClr val="dk1"/>
+          </a:effectRef>
+          <a:fontRef idx="minor">
+            <a:schemeClr val="dk1"/>
+          </a:fontRef>
+        </p:style>
+        <p:txBody>
+          <a:bodyPr rtlCol="0" anchor="ctr"/>
+          <a:lstStyle/>
+          <a:p>
+            <a:pPr algn="ctr"/>
+            <a:r>
+              <a:rPr lang="en-US" altLang="ko-KR" sz="500" dirty="0" smtClean="0">
+                <a:latin typeface="+mn-ea"/>
+              </a:rPr>
+              <a:t>START</a:t>
+            </a:r>
+            <a:endParaRPr lang="ko-KR" altLang="en-US" sz="500" dirty="0">
+              <a:latin typeface="+mn-ea"/>
+            </a:endParaRPr>
+          </a:p>
+        </p:txBody>
+      </p:sp>
+      <p:sp>
+        <p:nvSpPr>
+          <p:cNvPr id="75" name="모서리가 둥근 직사각형 74"/>
+          <p:cNvSpPr/>
+          <p:nvPr/>
+        </p:nvSpPr>
+        <p:spPr>
+          <a:xfrm>
+            <a:off x="720282" y="92969"/>
+            <a:ext cx="504056" cy="288032"/>
+          </a:xfrm>
+          <a:prstGeom prst="roundRect">
+            <a:avLst/>
+          </a:prstGeom>
+        </p:spPr>
+        <p:style>
+          <a:lnRef idx="1">
+            <a:schemeClr val="dk1"/>
+          </a:lnRef>
+          <a:fillRef idx="2">
+            <a:schemeClr val="dk1"/>
+          </a:fillRef>
+          <a:effectRef idx="1">
+            <a:schemeClr val="dk1"/>
+          </a:effectRef>
+          <a:fontRef idx="minor">
+            <a:schemeClr val="dk1"/>
+          </a:fontRef>
+        </p:style>
+        <p:txBody>
+          <a:bodyPr rtlCol="0" anchor="ctr"/>
+          <a:lstStyle/>
+          <a:p>
+            <a:pPr algn="ctr"/>
+            <a:r>
+              <a:rPr lang="en-US" altLang="ko-KR" sz="500" dirty="0" smtClean="0">
+                <a:latin typeface="+mn-ea"/>
+              </a:rPr>
+              <a:t>STOP</a:t>
+            </a:r>
+            <a:endParaRPr lang="ko-KR" altLang="en-US" sz="500" dirty="0">
+              <a:latin typeface="+mn-ea"/>
+            </a:endParaRPr>
+          </a:p>
+        </p:txBody>
+      </p:sp>
+    </p:spTree>
+    <p:extLst>
+      <p:ext uri="{BB962C8B-B14F-4D97-AF65-F5344CB8AC3E}">
+        <p14:creationId xmlns:p14="http://schemas.microsoft.com/office/powerpoint/2010/main" val="2079919389"/>
+      </p:ext>
+    </p:extLst>
+  </p:cSld>
+  <p:clrMapOvr>
+    <a:masterClrMapping/>
+  </p:clrMapOvr>
+  <p:timing>
+    <p:tnLst>
+      <p:par>
+        <p:cTn id="1" dur="indefinite" restart="never" nodeType="tmRoot"/>
+      </p:par>
+    </p:tnLst>
+  </p:timing>
+</p:sld>
+</file>
+
+<file path=ppt/slides/slide2.xml><?xml version="1.0" encoding="utf-8"?>
+<p:sld xmlns:a="http://schemas.openxmlformats.org/drawingml/2006/main" xmlns:r="http://schemas.openxmlformats.org/officeDocument/2006/relationships" xmlns:p="http://schemas.openxmlformats.org/presentationml/2006/main">
+  <p:cSld>
+    <p:spTree>
+      <p:nvGrpSpPr>
+        <p:cNvPr id="1" name=""/>
+        <p:cNvGrpSpPr/>
+        <p:nvPr/>
+      </p:nvGrpSpPr>
+      <p:grpSpPr>
+        <a:xfrm>
+          <a:off x="0" y="0"/>
+          <a:ext cx="0" cy="0"/>
+          <a:chOff x="0" y="0"/>
+          <a:chExt cx="0" cy="0"/>
+        </a:xfrm>
+      </p:grpSpPr>
+      <p:sp>
+        <p:nvSpPr>
+          <p:cNvPr id="5" name="직사각형 4"/>
+          <p:cNvSpPr/>
+          <p:nvPr/>
+        </p:nvSpPr>
+        <p:spPr>
+          <a:xfrm>
+            <a:off x="5112966" y="0"/>
+            <a:ext cx="647873" cy="3240088"/>
+          </a:xfrm>
+          <a:prstGeom prst="rect">
+            <a:avLst/>
+          </a:prstGeom>
+          <a:ln w="9525"/>
+        </p:spPr>
+        <p:style>
+          <a:lnRef idx="2">
+            <a:schemeClr val="dk1"/>
+          </a:lnRef>
+          <a:fillRef idx="1">
+            <a:schemeClr val="lt1"/>
+          </a:fillRef>
+          <a:effectRef idx="0">
+            <a:schemeClr val="dk1"/>
+          </a:effectRef>
+          <a:fontRef idx="minor">
+            <a:schemeClr val="dk1"/>
+          </a:fontRef>
+        </p:style>
+        <p:txBody>
+          <a:bodyPr rtlCol="0" anchor="ctr"/>
+          <a:lstStyle/>
+          <a:p>
+            <a:pPr algn="ctr"/>
+            <a:endParaRPr lang="ko-KR" altLang="en-US"/>
+          </a:p>
+        </p:txBody>
+      </p:sp>
+      <p:sp>
+        <p:nvSpPr>
+          <p:cNvPr id="6" name="모서리가 둥근 직사각형 5"/>
+          <p:cNvSpPr/>
+          <p:nvPr/>
+        </p:nvSpPr>
+        <p:spPr>
+          <a:xfrm>
+            <a:off x="5184775" y="35868"/>
+            <a:ext cx="504056" cy="288032"/>
+          </a:xfrm>
+          <a:prstGeom prst="roundRect">
+            <a:avLst/>
+          </a:prstGeom>
+        </p:spPr>
+        <p:style>
+          <a:lnRef idx="1">
+            <a:schemeClr val="dk1"/>
+          </a:lnRef>
+          <a:fillRef idx="2">
+            <a:schemeClr val="dk1"/>
+          </a:fillRef>
+          <a:effectRef idx="1">
+            <a:schemeClr val="dk1"/>
+          </a:effectRef>
+          <a:fontRef idx="minor">
+            <a:schemeClr val="dk1"/>
+          </a:fontRef>
+        </p:style>
+        <p:txBody>
+          <a:bodyPr rtlCol="0" anchor="ctr"/>
+          <a:lstStyle/>
+          <a:p>
+            <a:pPr algn="ctr"/>
+            <a:r>
+              <a:rPr lang="en-US" altLang="ko-KR" sz="800" dirty="0" smtClean="0">
+                <a:latin typeface="+mn-ea"/>
+              </a:rPr>
+              <a:t>MAIN</a:t>
+            </a:r>
+            <a:endParaRPr lang="ko-KR" altLang="en-US" sz="800" dirty="0">
+              <a:latin typeface="+mn-ea"/>
+            </a:endParaRPr>
+          </a:p>
+        </p:txBody>
+      </p:sp>
+      <p:sp>
+        <p:nvSpPr>
+          <p:cNvPr id="7" name="모서리가 둥근 직사각형 6"/>
+          <p:cNvSpPr/>
+          <p:nvPr/>
+        </p:nvSpPr>
+        <p:spPr>
+          <a:xfrm>
+            <a:off x="5184874" y="395908"/>
+            <a:ext cx="504056" cy="288032"/>
+          </a:xfrm>
+          <a:prstGeom prst="roundRect">
+            <a:avLst/>
+          </a:prstGeom>
+        </p:spPr>
+        <p:style>
+          <a:lnRef idx="1">
+            <a:schemeClr val="accent1"/>
+          </a:lnRef>
+          <a:fillRef idx="2">
+            <a:schemeClr val="accent1"/>
+          </a:fillRef>
+          <a:effectRef idx="1">
+            <a:schemeClr val="accent1"/>
+          </a:effectRef>
+          <a:fontRef idx="minor">
+            <a:schemeClr val="dk1"/>
+          </a:fontRef>
+        </p:style>
+        <p:txBody>
+          <a:bodyPr rtlCol="0" anchor="ctr"/>
+          <a:lstStyle/>
+          <a:p>
+            <a:pPr algn="ctr"/>
+            <a:r>
+              <a:rPr lang="en-US" altLang="ko-KR" sz="800" dirty="0" smtClean="0">
+                <a:latin typeface="+mn-ea"/>
+              </a:rPr>
+              <a:t>SETUP</a:t>
+            </a:r>
+            <a:endParaRPr lang="ko-KR" altLang="en-US" sz="800" dirty="0">
+              <a:latin typeface="+mn-ea"/>
+            </a:endParaRPr>
+          </a:p>
+        </p:txBody>
+      </p:sp>
+      <p:sp>
+        <p:nvSpPr>
+          <p:cNvPr id="8" name="모서리가 둥근 직사각형 7"/>
+          <p:cNvSpPr/>
+          <p:nvPr/>
+        </p:nvSpPr>
+        <p:spPr>
+          <a:xfrm>
+            <a:off x="5184775" y="2916188"/>
+            <a:ext cx="504056" cy="288032"/>
+          </a:xfrm>
+          <a:prstGeom prst="roundRect">
+            <a:avLst/>
+          </a:prstGeom>
+        </p:spPr>
+        <p:style>
+          <a:lnRef idx="1">
+            <a:schemeClr val="dk1"/>
+          </a:lnRef>
+          <a:fillRef idx="2">
+            <a:schemeClr val="dk1"/>
+          </a:fillRef>
+          <a:effectRef idx="1">
+            <a:schemeClr val="dk1"/>
+          </a:effectRef>
+          <a:fontRef idx="minor">
+            <a:schemeClr val="dk1"/>
+          </a:fontRef>
+        </p:style>
+        <p:txBody>
+          <a:bodyPr rtlCol="0" anchor="ctr"/>
+          <a:lstStyle/>
+          <a:p>
+            <a:pPr algn="ctr"/>
+            <a:r>
+              <a:rPr lang="en-US" altLang="ko-KR" sz="800" dirty="0" smtClean="0">
+                <a:latin typeface="+mn-ea"/>
+              </a:rPr>
+              <a:t>EXIT</a:t>
+            </a:r>
+            <a:endParaRPr lang="ko-KR" altLang="en-US" sz="800" dirty="0">
+              <a:latin typeface="+mn-ea"/>
+            </a:endParaRPr>
+          </a:p>
+        </p:txBody>
+      </p:sp>
+      <p:sp>
+        <p:nvSpPr>
+          <p:cNvPr id="71" name="직사각형 70"/>
+          <p:cNvSpPr/>
+          <p:nvPr/>
+        </p:nvSpPr>
+        <p:spPr>
+          <a:xfrm>
+            <a:off x="0" y="2881993"/>
+            <a:ext cx="5112966" cy="354079"/>
+          </a:xfrm>
+          <a:prstGeom prst="rect">
+            <a:avLst/>
+          </a:prstGeom>
+          <a:ln w="9525"/>
+        </p:spPr>
+        <p:style>
+          <a:lnRef idx="2">
+            <a:schemeClr val="dk1"/>
+          </a:lnRef>
+          <a:fillRef idx="1">
+            <a:schemeClr val="lt1"/>
+          </a:fillRef>
+          <a:effectRef idx="0">
+            <a:schemeClr val="dk1"/>
+          </a:effectRef>
+          <a:fontRef idx="minor">
+            <a:schemeClr val="dk1"/>
+          </a:fontRef>
+        </p:style>
+        <p:txBody>
+          <a:bodyPr rtlCol="0" anchor="ctr"/>
+          <a:lstStyle/>
+          <a:p>
+            <a:pPr algn="ctr"/>
+            <a:endParaRPr lang="ko-KR" altLang="en-US"/>
+          </a:p>
+        </p:txBody>
+      </p:sp>
+      <p:sp>
+        <p:nvSpPr>
+          <p:cNvPr id="76" name="직사각형 75"/>
+          <p:cNvSpPr/>
+          <p:nvPr/>
+        </p:nvSpPr>
+        <p:spPr>
+          <a:xfrm>
+            <a:off x="720279" y="395908"/>
+            <a:ext cx="1080120" cy="144016"/>
+          </a:xfrm>
+          <a:prstGeom prst="rect">
+            <a:avLst/>
+          </a:prstGeom>
+          <a:ln w="3175"/>
+        </p:spPr>
+        <p:style>
+          <a:lnRef idx="2">
+            <a:schemeClr val="dk1"/>
+          </a:lnRef>
+          <a:fillRef idx="1">
+            <a:schemeClr val="lt1"/>
+          </a:fillRef>
+          <a:effectRef idx="0">
+            <a:schemeClr val="dk1"/>
+          </a:effectRef>
+          <a:fontRef idx="minor">
+            <a:schemeClr val="dk1"/>
+          </a:fontRef>
+        </p:style>
+        <p:txBody>
+          <a:bodyPr rtlCol="0" anchor="ctr"/>
+          <a:lstStyle/>
+          <a:p>
+            <a:pPr algn="ctr"/>
+            <a:endParaRPr lang="ko-KR" altLang="en-US" sz="600" dirty="0"/>
+          </a:p>
+        </p:txBody>
+      </p:sp>
+      <p:sp>
+        <p:nvSpPr>
+          <p:cNvPr id="77" name="직사각형 76"/>
+          <p:cNvSpPr/>
+          <p:nvPr/>
+        </p:nvSpPr>
+        <p:spPr>
+          <a:xfrm>
+            <a:off x="108464" y="395908"/>
+            <a:ext cx="811510" cy="144016"/>
+          </a:xfrm>
+          <a:prstGeom prst="rect">
+            <a:avLst/>
+          </a:prstGeom>
+          <a:ln w="3175"/>
+        </p:spPr>
+        <p:style>
+          <a:lnRef idx="2">
+            <a:schemeClr val="dk1"/>
+          </a:lnRef>
+          <a:fillRef idx="1">
+            <a:schemeClr val="lt1"/>
+          </a:fillRef>
+          <a:effectRef idx="0">
+            <a:schemeClr val="dk1"/>
+          </a:effectRef>
+          <a:fontRef idx="minor">
+            <a:schemeClr val="dk1"/>
+          </a:fontRef>
+        </p:style>
+        <p:txBody>
+          <a:bodyPr rtlCol="0" anchor="ctr"/>
+          <a:lstStyle/>
+          <a:p>
+            <a:pPr algn="ctr"/>
+            <a:r>
+              <a:rPr lang="en-US" altLang="ko-KR" sz="600" dirty="0" smtClean="0"/>
+              <a:t>SERVER IP</a:t>
+            </a:r>
+            <a:endParaRPr lang="ko-KR" altLang="en-US" sz="600" dirty="0"/>
+          </a:p>
+        </p:txBody>
+      </p:sp>
+      <p:sp>
+        <p:nvSpPr>
+          <p:cNvPr id="78" name="직사각형 77"/>
+          <p:cNvSpPr/>
+          <p:nvPr/>
+        </p:nvSpPr>
+        <p:spPr>
+          <a:xfrm>
+            <a:off x="720278" y="539924"/>
+            <a:ext cx="1080120" cy="144016"/>
+          </a:xfrm>
+          <a:prstGeom prst="rect">
+            <a:avLst/>
+          </a:prstGeom>
+          <a:ln w="3175"/>
+        </p:spPr>
+        <p:style>
+          <a:lnRef idx="2">
+            <a:schemeClr val="dk1"/>
+          </a:lnRef>
+          <a:fillRef idx="1">
+            <a:schemeClr val="lt1"/>
+          </a:fillRef>
+          <a:effectRef idx="0">
+            <a:schemeClr val="dk1"/>
+          </a:effectRef>
+          <a:fontRef idx="minor">
+            <a:schemeClr val="dk1"/>
+          </a:fontRef>
+        </p:style>
+        <p:txBody>
+          <a:bodyPr rtlCol="0" anchor="ctr"/>
+          <a:lstStyle/>
+          <a:p>
+            <a:pPr algn="ctr"/>
+            <a:endParaRPr lang="ko-KR" altLang="en-US" sz="600" dirty="0"/>
+          </a:p>
+        </p:txBody>
+      </p:sp>
+      <p:sp>
+        <p:nvSpPr>
+          <p:cNvPr id="79" name="직사각형 78"/>
+          <p:cNvSpPr/>
+          <p:nvPr/>
+        </p:nvSpPr>
+        <p:spPr>
+          <a:xfrm>
+            <a:off x="108463" y="539924"/>
+            <a:ext cx="811510" cy="144016"/>
+          </a:xfrm>
+          <a:prstGeom prst="rect">
+            <a:avLst/>
+          </a:prstGeom>
+          <a:ln w="3175"/>
+        </p:spPr>
+        <p:style>
+          <a:lnRef idx="2">
+            <a:schemeClr val="dk1"/>
+          </a:lnRef>
+          <a:fillRef idx="1">
+            <a:schemeClr val="lt1"/>
+          </a:fillRef>
+          <a:effectRef idx="0">
+            <a:schemeClr val="dk1"/>
+          </a:effectRef>
+          <a:fontRef idx="minor">
+            <a:schemeClr val="dk1"/>
+          </a:fontRef>
+        </p:style>
+        <p:txBody>
+          <a:bodyPr rtlCol="0" anchor="ctr"/>
+          <a:lstStyle/>
+          <a:p>
+            <a:pPr algn="ctr"/>
+            <a:r>
+              <a:rPr lang="en-US" altLang="ko-KR" sz="600" dirty="0" smtClean="0"/>
+              <a:t>SERVER PORT</a:t>
+            </a:r>
+            <a:endParaRPr lang="ko-KR" altLang="en-US" sz="600" dirty="0"/>
+          </a:p>
+        </p:txBody>
+      </p:sp>
+      <p:sp>
+        <p:nvSpPr>
+          <p:cNvPr id="84" name="직사각형 83"/>
+          <p:cNvSpPr/>
+          <p:nvPr/>
+        </p:nvSpPr>
+        <p:spPr>
+          <a:xfrm>
+            <a:off x="110576" y="251892"/>
+            <a:ext cx="1689823" cy="144016"/>
+          </a:xfrm>
+          <a:prstGeom prst="rect">
+            <a:avLst/>
+          </a:prstGeom>
+          <a:ln w="3175"/>
+        </p:spPr>
+        <p:style>
+          <a:lnRef idx="2">
+            <a:schemeClr val="dk1"/>
+          </a:lnRef>
+          <a:fillRef idx="1">
+            <a:schemeClr val="lt1"/>
+          </a:fillRef>
+          <a:effectRef idx="0">
+            <a:schemeClr val="dk1"/>
+          </a:effectRef>
+          <a:fontRef idx="minor">
+            <a:schemeClr val="dk1"/>
+          </a:fontRef>
+        </p:style>
+        <p:txBody>
+          <a:bodyPr rtlCol="0" anchor="ctr"/>
+          <a:lstStyle/>
+          <a:p>
+            <a:pPr algn="ctr"/>
+            <a:r>
+              <a:rPr lang="en-US" altLang="ko-KR" sz="600" dirty="0" smtClean="0"/>
+              <a:t>1</a:t>
+            </a:r>
+            <a:r>
+              <a:rPr lang="ko-KR" altLang="en-US" sz="600" dirty="0" smtClean="0"/>
+              <a:t>차축 통신 설정</a:t>
+            </a:r>
+            <a:endParaRPr lang="ko-KR" altLang="en-US" sz="600" dirty="0"/>
+          </a:p>
+        </p:txBody>
+      </p:sp>
+      <p:sp>
+        <p:nvSpPr>
+          <p:cNvPr id="85" name="직사각형 84"/>
+          <p:cNvSpPr/>
+          <p:nvPr/>
+        </p:nvSpPr>
+        <p:spPr>
+          <a:xfrm>
+            <a:off x="720279" y="983939"/>
+            <a:ext cx="1080120" cy="144016"/>
+          </a:xfrm>
+          <a:prstGeom prst="rect">
+            <a:avLst/>
+          </a:prstGeom>
+          <a:ln w="3175"/>
+        </p:spPr>
+        <p:style>
+          <a:lnRef idx="2">
+            <a:schemeClr val="dk1"/>
+          </a:lnRef>
+          <a:fillRef idx="1">
+            <a:schemeClr val="lt1"/>
+          </a:fillRef>
+          <a:effectRef idx="0">
+            <a:schemeClr val="dk1"/>
+          </a:effectRef>
+          <a:fontRef idx="minor">
+            <a:schemeClr val="dk1"/>
+          </a:fontRef>
+        </p:style>
+        <p:txBody>
+          <a:bodyPr rtlCol="0" anchor="ctr"/>
+          <a:lstStyle/>
+          <a:p>
+            <a:pPr algn="ctr"/>
+            <a:endParaRPr lang="ko-KR" altLang="en-US" sz="600" dirty="0"/>
+          </a:p>
+        </p:txBody>
+      </p:sp>
+      <p:sp>
+        <p:nvSpPr>
+          <p:cNvPr id="86" name="직사각형 85"/>
+          <p:cNvSpPr/>
+          <p:nvPr/>
+        </p:nvSpPr>
+        <p:spPr>
+          <a:xfrm>
+            <a:off x="108464" y="983939"/>
+            <a:ext cx="811510" cy="144016"/>
+          </a:xfrm>
+          <a:prstGeom prst="rect">
+            <a:avLst/>
+          </a:prstGeom>
+          <a:ln w="3175"/>
+        </p:spPr>
+        <p:style>
+          <a:lnRef idx="2">
+            <a:schemeClr val="dk1"/>
+          </a:lnRef>
+          <a:fillRef idx="1">
+            <a:schemeClr val="lt1"/>
+          </a:fillRef>
+          <a:effectRef idx="0">
+            <a:schemeClr val="dk1"/>
+          </a:effectRef>
+          <a:fontRef idx="minor">
+            <a:schemeClr val="dk1"/>
+          </a:fontRef>
+        </p:style>
+        <p:txBody>
+          <a:bodyPr rtlCol="0" anchor="ctr"/>
+          <a:lstStyle/>
+          <a:p>
+            <a:pPr algn="ctr"/>
+            <a:r>
+              <a:rPr lang="en-US" altLang="ko-KR" sz="600" dirty="0" smtClean="0"/>
+              <a:t>SERVER IP</a:t>
+            </a:r>
+            <a:endParaRPr lang="ko-KR" altLang="en-US" sz="600" dirty="0"/>
+          </a:p>
+        </p:txBody>
+      </p:sp>
+      <p:sp>
+        <p:nvSpPr>
+          <p:cNvPr id="87" name="직사각형 86"/>
+          <p:cNvSpPr/>
+          <p:nvPr/>
+        </p:nvSpPr>
+        <p:spPr>
+          <a:xfrm>
+            <a:off x="720278" y="1127955"/>
+            <a:ext cx="1080120" cy="144016"/>
+          </a:xfrm>
+          <a:prstGeom prst="rect">
+            <a:avLst/>
+          </a:prstGeom>
+          <a:ln w="3175"/>
+        </p:spPr>
+        <p:style>
+          <a:lnRef idx="2">
+            <a:schemeClr val="dk1"/>
+          </a:lnRef>
+          <a:fillRef idx="1">
+            <a:schemeClr val="lt1"/>
+          </a:fillRef>
+          <a:effectRef idx="0">
+            <a:schemeClr val="dk1"/>
+          </a:effectRef>
+          <a:fontRef idx="minor">
+            <a:schemeClr val="dk1"/>
+          </a:fontRef>
+        </p:style>
+        <p:txBody>
+          <a:bodyPr rtlCol="0" anchor="ctr"/>
+          <a:lstStyle/>
+          <a:p>
+            <a:pPr algn="ctr"/>
+            <a:endParaRPr lang="ko-KR" altLang="en-US" sz="600" dirty="0"/>
+          </a:p>
+        </p:txBody>
+      </p:sp>
+      <p:sp>
+        <p:nvSpPr>
+          <p:cNvPr id="88" name="직사각형 87"/>
+          <p:cNvSpPr/>
+          <p:nvPr/>
+        </p:nvSpPr>
+        <p:spPr>
+          <a:xfrm>
+            <a:off x="108463" y="1127955"/>
+            <a:ext cx="811510" cy="144016"/>
+          </a:xfrm>
+          <a:prstGeom prst="rect">
+            <a:avLst/>
+          </a:prstGeom>
+          <a:ln w="3175"/>
+        </p:spPr>
+        <p:style>
+          <a:lnRef idx="2">
+            <a:schemeClr val="dk1"/>
+          </a:lnRef>
+          <a:fillRef idx="1">
+            <a:schemeClr val="lt1"/>
+          </a:fillRef>
+          <a:effectRef idx="0">
+            <a:schemeClr val="dk1"/>
+          </a:effectRef>
+          <a:fontRef idx="minor">
+            <a:schemeClr val="dk1"/>
+          </a:fontRef>
+        </p:style>
+        <p:txBody>
+          <a:bodyPr rtlCol="0" anchor="ctr"/>
+          <a:lstStyle/>
+          <a:p>
+            <a:pPr algn="ctr"/>
+            <a:r>
+              <a:rPr lang="en-US" altLang="ko-KR" sz="600" dirty="0" smtClean="0"/>
+              <a:t>SERVER PORT</a:t>
+            </a:r>
+            <a:endParaRPr lang="ko-KR" altLang="en-US" sz="600" dirty="0"/>
+          </a:p>
+        </p:txBody>
+      </p:sp>
+      <p:sp>
+        <p:nvSpPr>
+          <p:cNvPr id="89" name="직사각형 88"/>
+          <p:cNvSpPr/>
+          <p:nvPr/>
+        </p:nvSpPr>
+        <p:spPr>
+          <a:xfrm>
+            <a:off x="110576" y="839923"/>
+            <a:ext cx="1689823" cy="144016"/>
+          </a:xfrm>
+          <a:prstGeom prst="rect">
+            <a:avLst/>
+          </a:prstGeom>
+          <a:ln w="3175"/>
+        </p:spPr>
+        <p:style>
+          <a:lnRef idx="2">
+            <a:schemeClr val="dk1"/>
+          </a:lnRef>
+          <a:fillRef idx="1">
+            <a:schemeClr val="lt1"/>
+          </a:fillRef>
+          <a:effectRef idx="0">
+            <a:schemeClr val="dk1"/>
+          </a:effectRef>
+          <a:fontRef idx="minor">
+            <a:schemeClr val="dk1"/>
+          </a:fontRef>
+        </p:style>
+        <p:txBody>
+          <a:bodyPr rtlCol="0" anchor="ctr"/>
+          <a:lstStyle/>
+          <a:p>
+            <a:pPr algn="ctr"/>
+            <a:r>
+              <a:rPr lang="en-US" altLang="ko-KR" sz="600" dirty="0"/>
+              <a:t>2</a:t>
+            </a:r>
+            <a:r>
+              <a:rPr lang="ko-KR" altLang="en-US" sz="600" dirty="0" smtClean="0"/>
+              <a:t>차축 통신 설정</a:t>
+            </a:r>
+            <a:endParaRPr lang="ko-KR" altLang="en-US" sz="600" dirty="0"/>
+          </a:p>
+        </p:txBody>
+      </p:sp>
+      <p:sp>
+        <p:nvSpPr>
+          <p:cNvPr id="90" name="직사각형 89"/>
+          <p:cNvSpPr/>
+          <p:nvPr/>
+        </p:nvSpPr>
+        <p:spPr>
+          <a:xfrm>
+            <a:off x="720280" y="1555844"/>
+            <a:ext cx="1080120" cy="144016"/>
+          </a:xfrm>
+          <a:prstGeom prst="rect">
+            <a:avLst/>
+          </a:prstGeom>
+          <a:ln w="3175"/>
+        </p:spPr>
+        <p:style>
+          <a:lnRef idx="2">
+            <a:schemeClr val="dk1"/>
+          </a:lnRef>
+          <a:fillRef idx="1">
+            <a:schemeClr val="lt1"/>
+          </a:fillRef>
+          <a:effectRef idx="0">
+            <a:schemeClr val="dk1"/>
+          </a:effectRef>
+          <a:fontRef idx="minor">
+            <a:schemeClr val="dk1"/>
+          </a:fontRef>
+        </p:style>
+        <p:txBody>
+          <a:bodyPr rtlCol="0" anchor="ctr"/>
+          <a:lstStyle/>
+          <a:p>
+            <a:pPr algn="ctr"/>
+            <a:endParaRPr lang="ko-KR" altLang="en-US" sz="600" dirty="0"/>
+          </a:p>
+        </p:txBody>
+      </p:sp>
+      <p:sp>
+        <p:nvSpPr>
+          <p:cNvPr id="91" name="직사각형 90"/>
+          <p:cNvSpPr/>
+          <p:nvPr/>
+        </p:nvSpPr>
+        <p:spPr>
+          <a:xfrm>
+            <a:off x="108465" y="1555844"/>
+            <a:ext cx="811510" cy="144016"/>
+          </a:xfrm>
+          <a:prstGeom prst="rect">
+            <a:avLst/>
+          </a:prstGeom>
+          <a:ln w="3175"/>
+        </p:spPr>
+        <p:style>
+          <a:lnRef idx="2">
+            <a:schemeClr val="dk1"/>
+          </a:lnRef>
+          <a:fillRef idx="1">
+            <a:schemeClr val="lt1"/>
+          </a:fillRef>
+          <a:effectRef idx="0">
+            <a:schemeClr val="dk1"/>
+          </a:effectRef>
+          <a:fontRef idx="minor">
+            <a:schemeClr val="dk1"/>
+          </a:fontRef>
+        </p:style>
+        <p:txBody>
+          <a:bodyPr rtlCol="0" anchor="ctr"/>
+          <a:lstStyle/>
+          <a:p>
+            <a:pPr algn="ctr"/>
+            <a:r>
+              <a:rPr lang="en-US" altLang="ko-KR" sz="600" dirty="0" smtClean="0"/>
+              <a:t>COM PORT</a:t>
+            </a:r>
+            <a:endParaRPr lang="ko-KR" altLang="en-US" sz="600" dirty="0"/>
+          </a:p>
+        </p:txBody>
+      </p:sp>
+      <p:sp>
+        <p:nvSpPr>
+          <p:cNvPr id="92" name="직사각형 91"/>
+          <p:cNvSpPr/>
+          <p:nvPr/>
+        </p:nvSpPr>
+        <p:spPr>
+          <a:xfrm>
+            <a:off x="720279" y="1699860"/>
+            <a:ext cx="1080120" cy="144016"/>
+          </a:xfrm>
+          <a:prstGeom prst="rect">
+            <a:avLst/>
+          </a:prstGeom>
+          <a:ln w="3175"/>
+        </p:spPr>
+        <p:style>
+          <a:lnRef idx="2">
+            <a:schemeClr val="dk1"/>
+          </a:lnRef>
+          <a:fillRef idx="1">
+            <a:schemeClr val="lt1"/>
+          </a:fillRef>
+          <a:effectRef idx="0">
+            <a:schemeClr val="dk1"/>
+          </a:effectRef>
+          <a:fontRef idx="minor">
+            <a:schemeClr val="dk1"/>
+          </a:fontRef>
+        </p:style>
+        <p:txBody>
+          <a:bodyPr rtlCol="0" anchor="ctr"/>
+          <a:lstStyle/>
+          <a:p>
+            <a:pPr algn="ctr"/>
+            <a:endParaRPr lang="ko-KR" altLang="en-US" sz="600" dirty="0"/>
+          </a:p>
+        </p:txBody>
+      </p:sp>
+      <p:sp>
+        <p:nvSpPr>
+          <p:cNvPr id="93" name="직사각형 92"/>
+          <p:cNvSpPr/>
+          <p:nvPr/>
+        </p:nvSpPr>
+        <p:spPr>
+          <a:xfrm>
+            <a:off x="108464" y="1699860"/>
+            <a:ext cx="811510" cy="144016"/>
+          </a:xfrm>
+          <a:prstGeom prst="rect">
+            <a:avLst/>
+          </a:prstGeom>
+          <a:ln w="3175"/>
+        </p:spPr>
+        <p:style>
+          <a:lnRef idx="2">
+            <a:schemeClr val="dk1"/>
+          </a:lnRef>
+          <a:fillRef idx="1">
+            <a:schemeClr val="lt1"/>
+          </a:fillRef>
+          <a:effectRef idx="0">
+            <a:schemeClr val="dk1"/>
+          </a:effectRef>
+          <a:fontRef idx="minor">
+            <a:schemeClr val="dk1"/>
+          </a:fontRef>
+        </p:style>
+        <p:txBody>
+          <a:bodyPr rtlCol="0" anchor="ctr"/>
+          <a:lstStyle/>
+          <a:p>
+            <a:pPr algn="ctr"/>
+            <a:r>
+              <a:rPr lang="en-US" altLang="ko-KR" sz="600" dirty="0" smtClean="0"/>
+              <a:t>BAUD RATE</a:t>
+            </a:r>
+            <a:endParaRPr lang="ko-KR" altLang="en-US" sz="600" dirty="0"/>
+          </a:p>
+        </p:txBody>
+      </p:sp>
+      <p:sp>
+        <p:nvSpPr>
+          <p:cNvPr id="94" name="직사각형 93"/>
+          <p:cNvSpPr/>
+          <p:nvPr/>
+        </p:nvSpPr>
+        <p:spPr>
+          <a:xfrm>
+            <a:off x="110577" y="1411828"/>
+            <a:ext cx="1689823" cy="144016"/>
+          </a:xfrm>
+          <a:prstGeom prst="rect">
+            <a:avLst/>
+          </a:prstGeom>
+          <a:ln w="3175"/>
+        </p:spPr>
+        <p:style>
+          <a:lnRef idx="2">
+            <a:schemeClr val="dk1"/>
+          </a:lnRef>
+          <a:fillRef idx="1">
+            <a:schemeClr val="lt1"/>
+          </a:fillRef>
+          <a:effectRef idx="0">
+            <a:schemeClr val="dk1"/>
+          </a:effectRef>
+          <a:fontRef idx="minor">
+            <a:schemeClr val="dk1"/>
+          </a:fontRef>
+        </p:style>
+        <p:txBody>
+          <a:bodyPr rtlCol="0" anchor="ctr"/>
+          <a:lstStyle/>
+          <a:p>
+            <a:pPr algn="ctr"/>
+            <a:r>
+              <a:rPr lang="en-US" altLang="ko-KR" sz="600" dirty="0" smtClean="0"/>
+              <a:t>PLC </a:t>
+            </a:r>
+            <a:r>
+              <a:rPr lang="ko-KR" altLang="en-US" sz="600" dirty="0" smtClean="0"/>
+              <a:t>통신 설정</a:t>
+            </a:r>
+            <a:endParaRPr lang="ko-KR" altLang="en-US" sz="600" dirty="0"/>
+          </a:p>
+        </p:txBody>
+      </p:sp>
+      <p:sp>
+        <p:nvSpPr>
+          <p:cNvPr id="95" name="직사각형 94"/>
+          <p:cNvSpPr/>
+          <p:nvPr/>
+        </p:nvSpPr>
+        <p:spPr>
+          <a:xfrm>
+            <a:off x="720280" y="1843876"/>
+            <a:ext cx="1080120" cy="144016"/>
+          </a:xfrm>
+          <a:prstGeom prst="rect">
+            <a:avLst/>
+          </a:prstGeom>
+          <a:ln w="3175"/>
+        </p:spPr>
+        <p:style>
+          <a:lnRef idx="2">
+            <a:schemeClr val="dk1"/>
+          </a:lnRef>
+          <a:fillRef idx="1">
+            <a:schemeClr val="lt1"/>
+          </a:fillRef>
+          <a:effectRef idx="0">
+            <a:schemeClr val="dk1"/>
+          </a:effectRef>
+          <a:fontRef idx="minor">
+            <a:schemeClr val="dk1"/>
+          </a:fontRef>
+        </p:style>
+        <p:txBody>
+          <a:bodyPr rtlCol="0" anchor="ctr"/>
+          <a:lstStyle/>
+          <a:p>
+            <a:pPr algn="ctr"/>
+            <a:endParaRPr lang="ko-KR" altLang="en-US" sz="600" dirty="0"/>
+          </a:p>
+        </p:txBody>
+      </p:sp>
+      <p:sp>
+        <p:nvSpPr>
+          <p:cNvPr id="96" name="직사각형 95"/>
+          <p:cNvSpPr/>
+          <p:nvPr/>
+        </p:nvSpPr>
+        <p:spPr>
+          <a:xfrm>
+            <a:off x="108465" y="1843876"/>
+            <a:ext cx="811510" cy="144016"/>
+          </a:xfrm>
+          <a:prstGeom prst="rect">
+            <a:avLst/>
+          </a:prstGeom>
+          <a:ln w="3175"/>
+        </p:spPr>
+        <p:style>
+          <a:lnRef idx="2">
+            <a:schemeClr val="dk1"/>
+          </a:lnRef>
+          <a:fillRef idx="1">
+            <a:schemeClr val="lt1"/>
+          </a:fillRef>
+          <a:effectRef idx="0">
+            <a:schemeClr val="dk1"/>
+          </a:effectRef>
+          <a:fontRef idx="minor">
+            <a:schemeClr val="dk1"/>
+          </a:fontRef>
+        </p:style>
+        <p:txBody>
+          <a:bodyPr rtlCol="0" anchor="ctr"/>
+          <a:lstStyle/>
+          <a:p>
+            <a:pPr algn="ctr"/>
+            <a:r>
+              <a:rPr lang="en-US" altLang="ko-KR" sz="600" dirty="0" smtClean="0"/>
+              <a:t>DATA BIT</a:t>
+            </a:r>
+            <a:endParaRPr lang="ko-KR" altLang="en-US" sz="600" dirty="0"/>
+          </a:p>
+        </p:txBody>
+      </p:sp>
+      <p:sp>
+        <p:nvSpPr>
+          <p:cNvPr id="97" name="직사각형 96"/>
+          <p:cNvSpPr/>
+          <p:nvPr/>
+        </p:nvSpPr>
+        <p:spPr>
+          <a:xfrm>
+            <a:off x="720280" y="1987892"/>
+            <a:ext cx="1080120" cy="144016"/>
+          </a:xfrm>
+          <a:prstGeom prst="rect">
+            <a:avLst/>
+          </a:prstGeom>
+          <a:ln w="3175"/>
+        </p:spPr>
+        <p:style>
+          <a:lnRef idx="2">
+            <a:schemeClr val="dk1"/>
+          </a:lnRef>
+          <a:fillRef idx="1">
+            <a:schemeClr val="lt1"/>
+          </a:fillRef>
+          <a:effectRef idx="0">
+            <a:schemeClr val="dk1"/>
+          </a:effectRef>
+          <a:fontRef idx="minor">
+            <a:schemeClr val="dk1"/>
+          </a:fontRef>
+        </p:style>
+        <p:txBody>
+          <a:bodyPr rtlCol="0" anchor="ctr"/>
+          <a:lstStyle/>
+          <a:p>
+            <a:pPr algn="ctr"/>
+            <a:endParaRPr lang="ko-KR" altLang="en-US" sz="600" dirty="0"/>
+          </a:p>
+        </p:txBody>
+      </p:sp>
+      <p:sp>
+        <p:nvSpPr>
+          <p:cNvPr id="98" name="직사각형 97"/>
+          <p:cNvSpPr/>
+          <p:nvPr/>
+        </p:nvSpPr>
+        <p:spPr>
+          <a:xfrm>
+            <a:off x="108465" y="1987892"/>
+            <a:ext cx="811510" cy="144016"/>
+          </a:xfrm>
+          <a:prstGeom prst="rect">
+            <a:avLst/>
+          </a:prstGeom>
+          <a:ln w="3175"/>
+        </p:spPr>
+        <p:style>
+          <a:lnRef idx="2">
+            <a:schemeClr val="dk1"/>
+          </a:lnRef>
+          <a:fillRef idx="1">
+            <a:schemeClr val="lt1"/>
+          </a:fillRef>
+          <a:effectRef idx="0">
+            <a:schemeClr val="dk1"/>
+          </a:effectRef>
+          <a:fontRef idx="minor">
+            <a:schemeClr val="dk1"/>
+          </a:fontRef>
+        </p:style>
+        <p:txBody>
+          <a:bodyPr rtlCol="0" anchor="ctr"/>
+          <a:lstStyle/>
+          <a:p>
+            <a:pPr algn="ctr"/>
+            <a:r>
+              <a:rPr lang="en-US" altLang="ko-KR" sz="600" dirty="0" smtClean="0"/>
+              <a:t>PARITY</a:t>
+            </a:r>
+            <a:endParaRPr lang="ko-KR" altLang="en-US" sz="600" dirty="0"/>
+          </a:p>
+        </p:txBody>
+      </p:sp>
+      <p:sp>
+        <p:nvSpPr>
+          <p:cNvPr id="99" name="직사각형 98"/>
+          <p:cNvSpPr/>
+          <p:nvPr/>
+        </p:nvSpPr>
+        <p:spPr>
+          <a:xfrm>
+            <a:off x="720275" y="2131908"/>
+            <a:ext cx="1080120" cy="144016"/>
+          </a:xfrm>
+          <a:prstGeom prst="rect">
+            <a:avLst/>
+          </a:prstGeom>
+          <a:ln w="3175"/>
+        </p:spPr>
+        <p:style>
+          <a:lnRef idx="2">
+            <a:schemeClr val="dk1"/>
+          </a:lnRef>
+          <a:fillRef idx="1">
+            <a:schemeClr val="lt1"/>
+          </a:fillRef>
+          <a:effectRef idx="0">
+            <a:schemeClr val="dk1"/>
+          </a:effectRef>
+          <a:fontRef idx="minor">
+            <a:schemeClr val="dk1"/>
+          </a:fontRef>
+        </p:style>
+        <p:txBody>
+          <a:bodyPr rtlCol="0" anchor="ctr"/>
+          <a:lstStyle/>
+          <a:p>
+            <a:pPr algn="ctr"/>
+            <a:endParaRPr lang="ko-KR" altLang="en-US" sz="600" dirty="0"/>
+          </a:p>
+        </p:txBody>
+      </p:sp>
+      <p:sp>
+        <p:nvSpPr>
+          <p:cNvPr id="100" name="직사각형 99"/>
+          <p:cNvSpPr/>
+          <p:nvPr/>
+        </p:nvSpPr>
+        <p:spPr>
+          <a:xfrm>
+            <a:off x="108460" y="2131908"/>
+            <a:ext cx="811510" cy="144016"/>
+          </a:xfrm>
+          <a:prstGeom prst="rect">
+            <a:avLst/>
+          </a:prstGeom>
+          <a:ln w="3175"/>
+        </p:spPr>
+        <p:style>
+          <a:lnRef idx="2">
+            <a:schemeClr val="dk1"/>
+          </a:lnRef>
+          <a:fillRef idx="1">
+            <a:schemeClr val="lt1"/>
+          </a:fillRef>
+          <a:effectRef idx="0">
+            <a:schemeClr val="dk1"/>
+          </a:effectRef>
+          <a:fontRef idx="minor">
+            <a:schemeClr val="dk1"/>
+          </a:fontRef>
+        </p:style>
+        <p:txBody>
+          <a:bodyPr rtlCol="0" anchor="ctr"/>
+          <a:lstStyle/>
+          <a:p>
+            <a:pPr algn="ctr"/>
+            <a:r>
+              <a:rPr lang="en-US" altLang="ko-KR" sz="600" dirty="0" smtClean="0"/>
+              <a:t>STOP BIT</a:t>
+            </a:r>
+            <a:endParaRPr lang="ko-KR" altLang="en-US" sz="600" dirty="0"/>
+          </a:p>
+        </p:txBody>
+      </p:sp>
+      <p:sp>
+        <p:nvSpPr>
+          <p:cNvPr id="101" name="직사각형 100"/>
+          <p:cNvSpPr/>
+          <p:nvPr/>
+        </p:nvSpPr>
+        <p:spPr>
+          <a:xfrm>
+            <a:off x="720274" y="2275924"/>
+            <a:ext cx="1080120" cy="144016"/>
+          </a:xfrm>
+          <a:prstGeom prst="rect">
+            <a:avLst/>
+          </a:prstGeom>
+          <a:ln w="3175"/>
+        </p:spPr>
+        <p:style>
+          <a:lnRef idx="2">
+            <a:schemeClr val="dk1"/>
+          </a:lnRef>
+          <a:fillRef idx="1">
+            <a:schemeClr val="lt1"/>
+          </a:fillRef>
+          <a:effectRef idx="0">
+            <a:schemeClr val="dk1"/>
+          </a:effectRef>
+          <a:fontRef idx="minor">
+            <a:schemeClr val="dk1"/>
+          </a:fontRef>
+        </p:style>
+        <p:txBody>
+          <a:bodyPr rtlCol="0" anchor="ctr"/>
+          <a:lstStyle/>
+          <a:p>
+            <a:pPr algn="ctr"/>
+            <a:endParaRPr lang="ko-KR" altLang="en-US" sz="600" dirty="0"/>
+          </a:p>
+        </p:txBody>
+      </p:sp>
+      <p:sp>
+        <p:nvSpPr>
+          <p:cNvPr id="102" name="직사각형 101"/>
+          <p:cNvSpPr/>
+          <p:nvPr/>
+        </p:nvSpPr>
+        <p:spPr>
+          <a:xfrm>
+            <a:off x="108459" y="2275924"/>
+            <a:ext cx="811510" cy="144016"/>
+          </a:xfrm>
+          <a:prstGeom prst="rect">
+            <a:avLst/>
+          </a:prstGeom>
+          <a:ln w="3175"/>
+        </p:spPr>
+        <p:style>
+          <a:lnRef idx="2">
+            <a:schemeClr val="dk1"/>
+          </a:lnRef>
+          <a:fillRef idx="1">
+            <a:schemeClr val="lt1"/>
+          </a:fillRef>
+          <a:effectRef idx="0">
+            <a:schemeClr val="dk1"/>
+          </a:effectRef>
+          <a:fontRef idx="minor">
+            <a:schemeClr val="dk1"/>
+          </a:fontRef>
+        </p:style>
+        <p:txBody>
+          <a:bodyPr rtlCol="0" anchor="ctr"/>
+          <a:lstStyle/>
+          <a:p>
+            <a:pPr algn="ctr"/>
+            <a:r>
+              <a:rPr lang="en-US" altLang="ko-KR" sz="600" dirty="0" smtClean="0"/>
+              <a:t>FLOW CONTROL</a:t>
+            </a:r>
+            <a:endParaRPr lang="ko-KR" altLang="en-US" sz="600" dirty="0"/>
+          </a:p>
+        </p:txBody>
+      </p:sp>
+      <p:sp>
+        <p:nvSpPr>
+          <p:cNvPr id="103" name="모서리가 둥근 직사각형 102"/>
+          <p:cNvSpPr/>
+          <p:nvPr/>
+        </p:nvSpPr>
+        <p:spPr>
+          <a:xfrm>
+            <a:off x="110577" y="2915016"/>
+            <a:ext cx="504056" cy="288032"/>
+          </a:xfrm>
+          <a:prstGeom prst="roundRect">
+            <a:avLst/>
+          </a:prstGeom>
+        </p:spPr>
+        <p:style>
+          <a:lnRef idx="1">
+            <a:schemeClr val="dk1"/>
+          </a:lnRef>
+          <a:fillRef idx="2">
+            <a:schemeClr val="dk1"/>
+          </a:fillRef>
+          <a:effectRef idx="1">
+            <a:schemeClr val="dk1"/>
+          </a:effectRef>
+          <a:fontRef idx="minor">
+            <a:schemeClr val="dk1"/>
+          </a:fontRef>
+        </p:style>
+        <p:txBody>
+          <a:bodyPr rtlCol="0" anchor="ctr"/>
+          <a:lstStyle/>
+          <a:p>
+            <a:pPr algn="ctr"/>
+            <a:r>
+              <a:rPr lang="en-US" altLang="ko-KR" sz="800" dirty="0" smtClean="0">
+                <a:latin typeface="+mn-ea"/>
+              </a:rPr>
+              <a:t>SAVE</a:t>
+            </a:r>
+            <a:endParaRPr lang="ko-KR" altLang="en-US" sz="800" dirty="0">
+              <a:latin typeface="+mn-ea"/>
+            </a:endParaRPr>
+          </a:p>
+        </p:txBody>
+      </p:sp>
+    </p:spTree>
+    <p:extLst>
+      <p:ext uri="{BB962C8B-B14F-4D97-AF65-F5344CB8AC3E}">
+        <p14:creationId xmlns:p14="http://schemas.microsoft.com/office/powerpoint/2010/main" val="980333083"/>
+      </p:ext>
+    </p:extLst>
+  </p:cSld>
+  <p:clrMapOvr>
+    <a:masterClrMapping/>
+  </p:clrMapOvr>
+  <p:timing>
+    <p:tnLst>
+      <p:par>
+        <p:cTn id="1" dur="indefinite" restart="never" nodeType="tmRoot"/>
+      </p:par>
+    </p:tnLst>
+  </p:timing>
+</p:sld>
 </file>
 
 <file path=ppt/theme/theme1.xml><?xml version="1.0" encoding="utf-8"?>

--- a/UI.pptx
+++ b/UI.pptx
@@ -200,11 +200,11 @@
           <c:showPercent val="0"/>
           <c:showBubbleSize val="0"/>
         </c:dLbls>
-        <c:axId val="140249728"/>
-        <c:axId val="47346432"/>
+        <c:axId val="142727808"/>
+        <c:axId val="142742272"/>
       </c:scatterChart>
       <c:valAx>
-        <c:axId val="140249728"/>
+        <c:axId val="142727808"/>
         <c:scaling>
           <c:orientation val="minMax"/>
         </c:scaling>
@@ -214,12 +214,12 @@
         <c:majorTickMark val="out"/>
         <c:minorTickMark val="none"/>
         <c:tickLblPos val="nextTo"/>
-        <c:crossAx val="47346432"/>
+        <c:crossAx val="142742272"/>
         <c:crosses val="autoZero"/>
         <c:crossBetween val="midCat"/>
       </c:valAx>
       <c:valAx>
-        <c:axId val="47346432"/>
+        <c:axId val="142742272"/>
         <c:scaling>
           <c:orientation val="minMax"/>
         </c:scaling>
@@ -230,7 +230,7 @@
         <c:majorTickMark val="out"/>
         <c:minorTickMark val="none"/>
         <c:tickLblPos val="nextTo"/>
-        <c:crossAx val="140249728"/>
+        <c:crossAx val="142727808"/>
         <c:crosses val="autoZero"/>
         <c:crossBetween val="midCat"/>
       </c:valAx>
@@ -366,11 +366,11 @@
           <c:showPercent val="0"/>
           <c:showBubbleSize val="0"/>
         </c:dLbls>
-        <c:axId val="140995968"/>
-        <c:axId val="141551104"/>
+        <c:axId val="142819712"/>
+        <c:axId val="142821248"/>
       </c:scatterChart>
       <c:valAx>
-        <c:axId val="140995968"/>
+        <c:axId val="142819712"/>
         <c:scaling>
           <c:orientation val="minMax"/>
         </c:scaling>
@@ -380,12 +380,12 @@
         <c:majorTickMark val="out"/>
         <c:minorTickMark val="none"/>
         <c:tickLblPos val="nextTo"/>
-        <c:crossAx val="141551104"/>
+        <c:crossAx val="142821248"/>
         <c:crosses val="autoZero"/>
         <c:crossBetween val="midCat"/>
       </c:valAx>
       <c:valAx>
-        <c:axId val="141551104"/>
+        <c:axId val="142821248"/>
         <c:scaling>
           <c:orientation val="minMax"/>
         </c:scaling>
@@ -396,7 +396,7 @@
         <c:majorTickMark val="out"/>
         <c:minorTickMark val="none"/>
         <c:tickLblPos val="nextTo"/>
-        <c:crossAx val="140995968"/>
+        <c:crossAx val="142819712"/>
         <c:crosses val="autoZero"/>
         <c:crossBetween val="midCat"/>
       </c:valAx>
@@ -532,11 +532,11 @@
           <c:showPercent val="0"/>
           <c:showBubbleSize val="0"/>
         </c:dLbls>
-        <c:axId val="144029184"/>
-        <c:axId val="144318848"/>
+        <c:axId val="142861440"/>
+        <c:axId val="142862976"/>
       </c:scatterChart>
       <c:valAx>
-        <c:axId val="144029184"/>
+        <c:axId val="142861440"/>
         <c:scaling>
           <c:orientation val="minMax"/>
         </c:scaling>
@@ -546,12 +546,12 @@
         <c:majorTickMark val="out"/>
         <c:minorTickMark val="none"/>
         <c:tickLblPos val="nextTo"/>
-        <c:crossAx val="144318848"/>
+        <c:crossAx val="142862976"/>
         <c:crosses val="autoZero"/>
         <c:crossBetween val="midCat"/>
       </c:valAx>
       <c:valAx>
-        <c:axId val="144318848"/>
+        <c:axId val="142862976"/>
         <c:scaling>
           <c:orientation val="minMax"/>
         </c:scaling>
@@ -562,7 +562,7 @@
         <c:majorTickMark val="out"/>
         <c:minorTickMark val="none"/>
         <c:tickLblPos val="nextTo"/>
-        <c:crossAx val="144029184"/>
+        <c:crossAx val="142861440"/>
         <c:crosses val="autoZero"/>
         <c:crossBetween val="midCat"/>
       </c:valAx>
@@ -698,11 +698,11 @@
           <c:showPercent val="0"/>
           <c:showBubbleSize val="0"/>
         </c:dLbls>
-        <c:axId val="197138304"/>
-        <c:axId val="144360576"/>
+        <c:axId val="143972224"/>
+        <c:axId val="143973760"/>
       </c:scatterChart>
       <c:valAx>
-        <c:axId val="197138304"/>
+        <c:axId val="143972224"/>
         <c:scaling>
           <c:orientation val="minMax"/>
         </c:scaling>
@@ -712,12 +712,12 @@
         <c:majorTickMark val="out"/>
         <c:minorTickMark val="none"/>
         <c:tickLblPos val="nextTo"/>
-        <c:crossAx val="144360576"/>
+        <c:crossAx val="143973760"/>
         <c:crosses val="autoZero"/>
         <c:crossBetween val="midCat"/>
       </c:valAx>
       <c:valAx>
-        <c:axId val="144360576"/>
+        <c:axId val="143973760"/>
         <c:scaling>
           <c:orientation val="minMax"/>
         </c:scaling>
@@ -728,7 +728,7 @@
         <c:majorTickMark val="out"/>
         <c:minorTickMark val="none"/>
         <c:tickLblPos val="nextTo"/>
-        <c:crossAx val="197138304"/>
+        <c:crossAx val="143972224"/>
         <c:crosses val="autoZero"/>
         <c:crossBetween val="midCat"/>
       </c:valAx>
@@ -864,11 +864,11 @@
           <c:showPercent val="0"/>
           <c:showBubbleSize val="0"/>
         </c:dLbls>
-        <c:axId val="197234688"/>
-        <c:axId val="197236608"/>
+        <c:axId val="144005760"/>
+        <c:axId val="144015744"/>
       </c:scatterChart>
       <c:valAx>
-        <c:axId val="197234688"/>
+        <c:axId val="144005760"/>
         <c:scaling>
           <c:orientation val="minMax"/>
         </c:scaling>
@@ -878,12 +878,12 @@
         <c:majorTickMark val="out"/>
         <c:minorTickMark val="none"/>
         <c:tickLblPos val="nextTo"/>
-        <c:crossAx val="197236608"/>
+        <c:crossAx val="144015744"/>
         <c:crosses val="autoZero"/>
         <c:crossBetween val="midCat"/>
       </c:valAx>
       <c:valAx>
-        <c:axId val="197236608"/>
+        <c:axId val="144015744"/>
         <c:scaling>
           <c:orientation val="minMax"/>
         </c:scaling>
@@ -894,7 +894,7 @@
         <c:majorTickMark val="out"/>
         <c:minorTickMark val="none"/>
         <c:tickLblPos val="nextTo"/>
-        <c:crossAx val="197234688"/>
+        <c:crossAx val="144005760"/>
         <c:crosses val="autoZero"/>
         <c:crossBetween val="midCat"/>
       </c:valAx>
@@ -1030,11 +1030,11 @@
           <c:showPercent val="0"/>
           <c:showBubbleSize val="0"/>
         </c:dLbls>
-        <c:axId val="197386624"/>
-        <c:axId val="197388160"/>
+        <c:axId val="144080896"/>
+        <c:axId val="144082432"/>
       </c:scatterChart>
       <c:valAx>
-        <c:axId val="197386624"/>
+        <c:axId val="144080896"/>
         <c:scaling>
           <c:orientation val="minMax"/>
         </c:scaling>
@@ -1044,12 +1044,12 @@
         <c:majorTickMark val="out"/>
         <c:minorTickMark val="none"/>
         <c:tickLblPos val="nextTo"/>
-        <c:crossAx val="197388160"/>
+        <c:crossAx val="144082432"/>
         <c:crosses val="autoZero"/>
         <c:crossBetween val="midCat"/>
       </c:valAx>
       <c:valAx>
-        <c:axId val="197388160"/>
+        <c:axId val="144082432"/>
         <c:scaling>
           <c:orientation val="minMax"/>
         </c:scaling>
@@ -1060,7 +1060,7 @@
         <c:majorTickMark val="out"/>
         <c:minorTickMark val="none"/>
         <c:tickLblPos val="nextTo"/>
-        <c:crossAx val="197386624"/>
+        <c:crossAx val="144080896"/>
         <c:crosses val="autoZero"/>
         <c:crossBetween val="midCat"/>
       </c:valAx>
@@ -1196,11 +1196,11 @@
           <c:showPercent val="0"/>
           <c:showBubbleSize val="0"/>
         </c:dLbls>
-        <c:axId val="214696704"/>
-        <c:axId val="226201600"/>
+        <c:axId val="145167488"/>
+        <c:axId val="145169024"/>
       </c:scatterChart>
       <c:valAx>
-        <c:axId val="214696704"/>
+        <c:axId val="145167488"/>
         <c:scaling>
           <c:orientation val="minMax"/>
         </c:scaling>
@@ -1210,12 +1210,12 @@
         <c:majorTickMark val="out"/>
         <c:minorTickMark val="none"/>
         <c:tickLblPos val="nextTo"/>
-        <c:crossAx val="226201600"/>
+        <c:crossAx val="145169024"/>
         <c:crosses val="autoZero"/>
         <c:crossBetween val="midCat"/>
       </c:valAx>
       <c:valAx>
-        <c:axId val="226201600"/>
+        <c:axId val="145169024"/>
         <c:scaling>
           <c:orientation val="minMax"/>
         </c:scaling>
@@ -1226,7 +1226,7 @@
         <c:majorTickMark val="out"/>
         <c:minorTickMark val="none"/>
         <c:tickLblPos val="nextTo"/>
-        <c:crossAx val="214696704"/>
+        <c:crossAx val="145167488"/>
         <c:crosses val="autoZero"/>
         <c:crossBetween val="midCat"/>
       </c:valAx>
@@ -1362,11 +1362,11 @@
           <c:showPercent val="0"/>
           <c:showBubbleSize val="0"/>
         </c:dLbls>
-        <c:axId val="277883520"/>
-        <c:axId val="277924864"/>
+        <c:axId val="145192832"/>
+        <c:axId val="145194368"/>
       </c:scatterChart>
       <c:valAx>
-        <c:axId val="277883520"/>
+        <c:axId val="145192832"/>
         <c:scaling>
           <c:orientation val="minMax"/>
         </c:scaling>
@@ -1376,12 +1376,12 @@
         <c:majorTickMark val="out"/>
         <c:minorTickMark val="none"/>
         <c:tickLblPos val="nextTo"/>
-        <c:crossAx val="277924864"/>
+        <c:crossAx val="145194368"/>
         <c:crosses val="autoZero"/>
         <c:crossBetween val="midCat"/>
       </c:valAx>
       <c:valAx>
-        <c:axId val="277924864"/>
+        <c:axId val="145194368"/>
         <c:scaling>
           <c:orientation val="minMax"/>
         </c:scaling>
@@ -1392,7 +1392,7 @@
         <c:majorTickMark val="out"/>
         <c:minorTickMark val="none"/>
         <c:tickLblPos val="nextTo"/>
-        <c:crossAx val="277883520"/>
+        <c:crossAx val="145192832"/>
         <c:crosses val="autoZero"/>
         <c:crossBetween val="midCat"/>
       </c:valAx>
@@ -1617,7 +1617,7 @@
           <a:p>
             <a:fld id="{FB30EDBD-1C2D-4C1E-B459-B60219FAB484}" type="datetimeFigureOut">
               <a:rPr lang="ko-KR" altLang="en-US" smtClean="0"/>
-              <a:t>2021-04-06</a:t>
+              <a:t>2021-04-07</a:t>
             </a:fld>
             <a:endParaRPr lang="ko-KR" altLang="en-US"/>
           </a:p>
@@ -1789,7 +1789,7 @@
           <a:p>
             <a:fld id="{FB30EDBD-1C2D-4C1E-B459-B60219FAB484}" type="datetimeFigureOut">
               <a:rPr lang="ko-KR" altLang="en-US" smtClean="0"/>
-              <a:t>2021-04-06</a:t>
+              <a:t>2021-04-07</a:t>
             </a:fld>
             <a:endParaRPr lang="ko-KR" altLang="en-US"/>
           </a:p>
@@ -1964,7 +1964,7 @@
           <a:p>
             <a:fld id="{FB30EDBD-1C2D-4C1E-B459-B60219FAB484}" type="datetimeFigureOut">
               <a:rPr lang="ko-KR" altLang="en-US" smtClean="0"/>
-              <a:t>2021-04-06</a:t>
+              <a:t>2021-04-07</a:t>
             </a:fld>
             <a:endParaRPr lang="ko-KR" altLang="en-US"/>
           </a:p>
@@ -2129,7 +2129,7 @@
           <a:p>
             <a:fld id="{FB30EDBD-1C2D-4C1E-B459-B60219FAB484}" type="datetimeFigureOut">
               <a:rPr lang="ko-KR" altLang="en-US" smtClean="0"/>
-              <a:t>2021-04-06</a:t>
+              <a:t>2021-04-07</a:t>
             </a:fld>
             <a:endParaRPr lang="ko-KR" altLang="en-US"/>
           </a:p>
@@ -2370,7 +2370,7 @@
           <a:p>
             <a:fld id="{FB30EDBD-1C2D-4C1E-B459-B60219FAB484}" type="datetimeFigureOut">
               <a:rPr lang="ko-KR" altLang="en-US" smtClean="0"/>
-              <a:t>2021-04-06</a:t>
+              <a:t>2021-04-07</a:t>
             </a:fld>
             <a:endParaRPr lang="ko-KR" altLang="en-US"/>
           </a:p>
@@ -2653,7 +2653,7 @@
           <a:p>
             <a:fld id="{FB30EDBD-1C2D-4C1E-B459-B60219FAB484}" type="datetimeFigureOut">
               <a:rPr lang="ko-KR" altLang="en-US" smtClean="0"/>
-              <a:t>2021-04-06</a:t>
+              <a:t>2021-04-07</a:t>
             </a:fld>
             <a:endParaRPr lang="ko-KR" altLang="en-US"/>
           </a:p>
@@ -3070,7 +3070,7 @@
           <a:p>
             <a:fld id="{FB30EDBD-1C2D-4C1E-B459-B60219FAB484}" type="datetimeFigureOut">
               <a:rPr lang="ko-KR" altLang="en-US" smtClean="0"/>
-              <a:t>2021-04-06</a:t>
+              <a:t>2021-04-07</a:t>
             </a:fld>
             <a:endParaRPr lang="ko-KR" altLang="en-US"/>
           </a:p>
@@ -3183,7 +3183,7 @@
           <a:p>
             <a:fld id="{FB30EDBD-1C2D-4C1E-B459-B60219FAB484}" type="datetimeFigureOut">
               <a:rPr lang="ko-KR" altLang="en-US" smtClean="0"/>
-              <a:t>2021-04-06</a:t>
+              <a:t>2021-04-07</a:t>
             </a:fld>
             <a:endParaRPr lang="ko-KR" altLang="en-US"/>
           </a:p>
@@ -3273,7 +3273,7 @@
           <a:p>
             <a:fld id="{FB30EDBD-1C2D-4C1E-B459-B60219FAB484}" type="datetimeFigureOut">
               <a:rPr lang="ko-KR" altLang="en-US" smtClean="0"/>
-              <a:t>2021-04-06</a:t>
+              <a:t>2021-04-07</a:t>
             </a:fld>
             <a:endParaRPr lang="ko-KR" altLang="en-US"/>
           </a:p>
@@ -3545,7 +3545,7 @@
           <a:p>
             <a:fld id="{FB30EDBD-1C2D-4C1E-B459-B60219FAB484}" type="datetimeFigureOut">
               <a:rPr lang="ko-KR" altLang="en-US" smtClean="0"/>
-              <a:t>2021-04-06</a:t>
+              <a:t>2021-04-07</a:t>
             </a:fld>
             <a:endParaRPr lang="ko-KR" altLang="en-US"/>
           </a:p>
@@ -3793,7 +3793,7 @@
           <a:p>
             <a:fld id="{FB30EDBD-1C2D-4C1E-B459-B60219FAB484}" type="datetimeFigureOut">
               <a:rPr lang="ko-KR" altLang="en-US" smtClean="0"/>
-              <a:t>2021-04-06</a:t>
+              <a:t>2021-04-07</a:t>
             </a:fld>
             <a:endParaRPr lang="ko-KR" altLang="en-US"/>
           </a:p>
@@ -4001,7 +4001,7 @@
           <a:p>
             <a:fld id="{FB30EDBD-1C2D-4C1E-B459-B60219FAB484}" type="datetimeFigureOut">
               <a:rPr lang="ko-KR" altLang="en-US" smtClean="0"/>
-              <a:t>2021-04-06</a:t>
+              <a:t>2021-04-07</a:t>
             </a:fld>
             <a:endParaRPr lang="ko-KR" altLang="en-US"/>
           </a:p>
@@ -7024,122 +7024,6 @@
           <a:p>
             <a:pPr algn="ctr"/>
             <a:endParaRPr lang="ko-KR" altLang="en-US"/>
-          </a:p>
-        </p:txBody>
-      </p:sp>
-      <p:sp>
-        <p:nvSpPr>
-          <p:cNvPr id="72" name="모서리가 둥근 직사각형 71"/>
-          <p:cNvSpPr/>
-          <p:nvPr/>
-        </p:nvSpPr>
-        <p:spPr>
-          <a:xfrm>
-            <a:off x="110577" y="2915016"/>
-            <a:ext cx="504056" cy="288032"/>
-          </a:xfrm>
-          <a:prstGeom prst="roundRect">
-            <a:avLst/>
-          </a:prstGeom>
-        </p:spPr>
-        <p:style>
-          <a:lnRef idx="1">
-            <a:schemeClr val="dk1"/>
-          </a:lnRef>
-          <a:fillRef idx="2">
-            <a:schemeClr val="dk1"/>
-          </a:fillRef>
-          <a:effectRef idx="1">
-            <a:schemeClr val="dk1"/>
-          </a:effectRef>
-          <a:fontRef idx="minor">
-            <a:schemeClr val="dk1"/>
-          </a:fontRef>
-        </p:style>
-        <p:txBody>
-          <a:bodyPr rtlCol="0" anchor="ctr"/>
-          <a:lstStyle/>
-          <a:p>
-            <a:pPr algn="ctr"/>
-            <a:r>
-              <a:rPr lang="en-US" altLang="ko-KR" sz="500" dirty="0" smtClean="0">
-                <a:latin typeface="+mn-ea"/>
-              </a:rPr>
-              <a:t>1</a:t>
-            </a:r>
-            <a:r>
-              <a:rPr lang="ko-KR" altLang="en-US" sz="500" dirty="0" smtClean="0">
-                <a:latin typeface="+mn-ea"/>
-              </a:rPr>
-              <a:t>차축 </a:t>
-            </a:r>
-            <a:r>
-              <a:rPr lang="en-US" altLang="ko-KR" sz="500" dirty="0" smtClean="0">
-                <a:latin typeface="+mn-ea"/>
-              </a:rPr>
-              <a:t>Data Save</a:t>
-            </a:r>
-            <a:endParaRPr lang="ko-KR" altLang="en-US" sz="500" dirty="0">
-              <a:latin typeface="+mn-ea"/>
-            </a:endParaRPr>
-          </a:p>
-        </p:txBody>
-      </p:sp>
-      <p:sp>
-        <p:nvSpPr>
-          <p:cNvPr id="73" name="모서리가 둥근 직사각형 72"/>
-          <p:cNvSpPr/>
-          <p:nvPr/>
-        </p:nvSpPr>
-        <p:spPr>
-          <a:xfrm>
-            <a:off x="720276" y="2916188"/>
-            <a:ext cx="504056" cy="288032"/>
-          </a:xfrm>
-          <a:prstGeom prst="roundRect">
-            <a:avLst/>
-          </a:prstGeom>
-        </p:spPr>
-        <p:style>
-          <a:lnRef idx="1">
-            <a:schemeClr val="dk1"/>
-          </a:lnRef>
-          <a:fillRef idx="2">
-            <a:schemeClr val="dk1"/>
-          </a:fillRef>
-          <a:effectRef idx="1">
-            <a:schemeClr val="dk1"/>
-          </a:effectRef>
-          <a:fontRef idx="minor">
-            <a:schemeClr val="dk1"/>
-          </a:fontRef>
-        </p:style>
-        <p:txBody>
-          <a:bodyPr rtlCol="0" anchor="ctr"/>
-          <a:lstStyle/>
-          <a:p>
-            <a:pPr algn="ctr"/>
-            <a:r>
-              <a:rPr lang="en-US" altLang="ko-KR" sz="500" dirty="0">
-                <a:latin typeface="+mn-ea"/>
-              </a:rPr>
-              <a:t>2</a:t>
-            </a:r>
-            <a:r>
-              <a:rPr lang="ko-KR" altLang="en-US" sz="500" dirty="0" smtClean="0">
-                <a:latin typeface="+mn-ea"/>
-              </a:rPr>
-              <a:t>차축 </a:t>
-            </a:r>
-            <a:r>
-              <a:rPr lang="en-US" altLang="ko-KR" sz="500" dirty="0" smtClean="0">
-                <a:latin typeface="+mn-ea"/>
-              </a:rPr>
-              <a:t>Data Save</a:t>
-            </a:r>
-            <a:endParaRPr lang="ko-KR" altLang="en-US" sz="500" dirty="0">
-              <a:latin typeface="+mn-ea"/>
-            </a:endParaRPr>
           </a:p>
         </p:txBody>
       </p:sp>

--- a/UI.pptx
+++ b/UI.pptx
@@ -200,11 +200,11 @@
           <c:showPercent val="0"/>
           <c:showBubbleSize val="0"/>
         </c:dLbls>
-        <c:axId val="142727808"/>
-        <c:axId val="142742272"/>
+        <c:axId val="138390528"/>
+        <c:axId val="139342592"/>
       </c:scatterChart>
       <c:valAx>
-        <c:axId val="142727808"/>
+        <c:axId val="138390528"/>
         <c:scaling>
           <c:orientation val="minMax"/>
         </c:scaling>
@@ -214,12 +214,12 @@
         <c:majorTickMark val="out"/>
         <c:minorTickMark val="none"/>
         <c:tickLblPos val="nextTo"/>
-        <c:crossAx val="142742272"/>
+        <c:crossAx val="139342592"/>
         <c:crosses val="autoZero"/>
         <c:crossBetween val="midCat"/>
       </c:valAx>
       <c:valAx>
-        <c:axId val="142742272"/>
+        <c:axId val="139342592"/>
         <c:scaling>
           <c:orientation val="minMax"/>
         </c:scaling>
@@ -230,7 +230,7 @@
         <c:majorTickMark val="out"/>
         <c:minorTickMark val="none"/>
         <c:tickLblPos val="nextTo"/>
-        <c:crossAx val="142727808"/>
+        <c:crossAx val="138390528"/>
         <c:crosses val="autoZero"/>
         <c:crossBetween val="midCat"/>
       </c:valAx>
@@ -366,11 +366,11 @@
           <c:showPercent val="0"/>
           <c:showBubbleSize val="0"/>
         </c:dLbls>
-        <c:axId val="142819712"/>
-        <c:axId val="142821248"/>
+        <c:axId val="139366400"/>
+        <c:axId val="139367936"/>
       </c:scatterChart>
       <c:valAx>
-        <c:axId val="142819712"/>
+        <c:axId val="139366400"/>
         <c:scaling>
           <c:orientation val="minMax"/>
         </c:scaling>
@@ -380,12 +380,12 @@
         <c:majorTickMark val="out"/>
         <c:minorTickMark val="none"/>
         <c:tickLblPos val="nextTo"/>
-        <c:crossAx val="142821248"/>
+        <c:crossAx val="139367936"/>
         <c:crosses val="autoZero"/>
         <c:crossBetween val="midCat"/>
       </c:valAx>
       <c:valAx>
-        <c:axId val="142821248"/>
+        <c:axId val="139367936"/>
         <c:scaling>
           <c:orientation val="minMax"/>
         </c:scaling>
@@ -396,7 +396,7 @@
         <c:majorTickMark val="out"/>
         <c:minorTickMark val="none"/>
         <c:tickLblPos val="nextTo"/>
-        <c:crossAx val="142819712"/>
+        <c:crossAx val="139366400"/>
         <c:crosses val="autoZero"/>
         <c:crossBetween val="midCat"/>
       </c:valAx>
@@ -532,11 +532,11 @@
           <c:showPercent val="0"/>
           <c:showBubbleSize val="0"/>
         </c:dLbls>
-        <c:axId val="142861440"/>
-        <c:axId val="142862976"/>
+        <c:axId val="139244288"/>
+        <c:axId val="139245824"/>
       </c:scatterChart>
       <c:valAx>
-        <c:axId val="142861440"/>
+        <c:axId val="139244288"/>
         <c:scaling>
           <c:orientation val="minMax"/>
         </c:scaling>
@@ -546,12 +546,12 @@
         <c:majorTickMark val="out"/>
         <c:minorTickMark val="none"/>
         <c:tickLblPos val="nextTo"/>
-        <c:crossAx val="142862976"/>
+        <c:crossAx val="139245824"/>
         <c:crosses val="autoZero"/>
         <c:crossBetween val="midCat"/>
       </c:valAx>
       <c:valAx>
-        <c:axId val="142862976"/>
+        <c:axId val="139245824"/>
         <c:scaling>
           <c:orientation val="minMax"/>
         </c:scaling>
@@ -562,7 +562,7 @@
         <c:majorTickMark val="out"/>
         <c:minorTickMark val="none"/>
         <c:tickLblPos val="nextTo"/>
-        <c:crossAx val="142861440"/>
+        <c:crossAx val="139244288"/>
         <c:crosses val="autoZero"/>
         <c:crossBetween val="midCat"/>
       </c:valAx>
@@ -698,11 +698,11 @@
           <c:showPercent val="0"/>
           <c:showBubbleSize val="0"/>
         </c:dLbls>
-        <c:axId val="143972224"/>
-        <c:axId val="143973760"/>
+        <c:axId val="139269632"/>
+        <c:axId val="139271168"/>
       </c:scatterChart>
       <c:valAx>
-        <c:axId val="143972224"/>
+        <c:axId val="139269632"/>
         <c:scaling>
           <c:orientation val="minMax"/>
         </c:scaling>
@@ -712,12 +712,12 @@
         <c:majorTickMark val="out"/>
         <c:minorTickMark val="none"/>
         <c:tickLblPos val="nextTo"/>
-        <c:crossAx val="143973760"/>
+        <c:crossAx val="139271168"/>
         <c:crosses val="autoZero"/>
         <c:crossBetween val="midCat"/>
       </c:valAx>
       <c:valAx>
-        <c:axId val="143973760"/>
+        <c:axId val="139271168"/>
         <c:scaling>
           <c:orientation val="minMax"/>
         </c:scaling>
@@ -728,7 +728,7 @@
         <c:majorTickMark val="out"/>
         <c:minorTickMark val="none"/>
         <c:tickLblPos val="nextTo"/>
-        <c:crossAx val="143972224"/>
+        <c:crossAx val="139269632"/>
         <c:crosses val="autoZero"/>
         <c:crossBetween val="midCat"/>
       </c:valAx>
@@ -864,11 +864,11 @@
           <c:showPercent val="0"/>
           <c:showBubbleSize val="0"/>
         </c:dLbls>
-        <c:axId val="144005760"/>
-        <c:axId val="144015744"/>
+        <c:axId val="139294976"/>
+        <c:axId val="139309056"/>
       </c:scatterChart>
       <c:valAx>
-        <c:axId val="144005760"/>
+        <c:axId val="139294976"/>
         <c:scaling>
           <c:orientation val="minMax"/>
         </c:scaling>
@@ -878,12 +878,12 @@
         <c:majorTickMark val="out"/>
         <c:minorTickMark val="none"/>
         <c:tickLblPos val="nextTo"/>
-        <c:crossAx val="144015744"/>
+        <c:crossAx val="139309056"/>
         <c:crosses val="autoZero"/>
         <c:crossBetween val="midCat"/>
       </c:valAx>
       <c:valAx>
-        <c:axId val="144015744"/>
+        <c:axId val="139309056"/>
         <c:scaling>
           <c:orientation val="minMax"/>
         </c:scaling>
@@ -894,7 +894,7 @@
         <c:majorTickMark val="out"/>
         <c:minorTickMark val="none"/>
         <c:tickLblPos val="nextTo"/>
-        <c:crossAx val="144005760"/>
+        <c:crossAx val="139294976"/>
         <c:crosses val="autoZero"/>
         <c:crossBetween val="midCat"/>
       </c:valAx>
@@ -1030,11 +1030,11 @@
           <c:showPercent val="0"/>
           <c:showBubbleSize val="0"/>
         </c:dLbls>
-        <c:axId val="144080896"/>
-        <c:axId val="144082432"/>
+        <c:axId val="139693440"/>
+        <c:axId val="139695232"/>
       </c:scatterChart>
       <c:valAx>
-        <c:axId val="144080896"/>
+        <c:axId val="139693440"/>
         <c:scaling>
           <c:orientation val="minMax"/>
         </c:scaling>
@@ -1044,12 +1044,12 @@
         <c:majorTickMark val="out"/>
         <c:minorTickMark val="none"/>
         <c:tickLblPos val="nextTo"/>
-        <c:crossAx val="144082432"/>
+        <c:crossAx val="139695232"/>
         <c:crosses val="autoZero"/>
         <c:crossBetween val="midCat"/>
       </c:valAx>
       <c:valAx>
-        <c:axId val="144082432"/>
+        <c:axId val="139695232"/>
         <c:scaling>
           <c:orientation val="minMax"/>
         </c:scaling>
@@ -1060,7 +1060,7 @@
         <c:majorTickMark val="out"/>
         <c:minorTickMark val="none"/>
         <c:tickLblPos val="nextTo"/>
-        <c:crossAx val="144080896"/>
+        <c:crossAx val="139693440"/>
         <c:crosses val="autoZero"/>
         <c:crossBetween val="midCat"/>
       </c:valAx>
@@ -1196,11 +1196,11 @@
           <c:showPercent val="0"/>
           <c:showBubbleSize val="0"/>
         </c:dLbls>
-        <c:axId val="145167488"/>
-        <c:axId val="145169024"/>
+        <c:axId val="139408128"/>
+        <c:axId val="139409664"/>
       </c:scatterChart>
       <c:valAx>
-        <c:axId val="145167488"/>
+        <c:axId val="139408128"/>
         <c:scaling>
           <c:orientation val="minMax"/>
         </c:scaling>
@@ -1210,12 +1210,12 @@
         <c:majorTickMark val="out"/>
         <c:minorTickMark val="none"/>
         <c:tickLblPos val="nextTo"/>
-        <c:crossAx val="145169024"/>
+        <c:crossAx val="139409664"/>
         <c:crosses val="autoZero"/>
         <c:crossBetween val="midCat"/>
       </c:valAx>
       <c:valAx>
-        <c:axId val="145169024"/>
+        <c:axId val="139409664"/>
         <c:scaling>
           <c:orientation val="minMax"/>
         </c:scaling>
@@ -1226,7 +1226,7 @@
         <c:majorTickMark val="out"/>
         <c:minorTickMark val="none"/>
         <c:tickLblPos val="nextTo"/>
-        <c:crossAx val="145167488"/>
+        <c:crossAx val="139408128"/>
         <c:crosses val="autoZero"/>
         <c:crossBetween val="midCat"/>
       </c:valAx>
@@ -1362,11 +1362,11 @@
           <c:showPercent val="0"/>
           <c:showBubbleSize val="0"/>
         </c:dLbls>
-        <c:axId val="145192832"/>
-        <c:axId val="145194368"/>
+        <c:axId val="139433472"/>
+        <c:axId val="139435008"/>
       </c:scatterChart>
       <c:valAx>
-        <c:axId val="145192832"/>
+        <c:axId val="139433472"/>
         <c:scaling>
           <c:orientation val="minMax"/>
         </c:scaling>
@@ -1376,12 +1376,12 @@
         <c:majorTickMark val="out"/>
         <c:minorTickMark val="none"/>
         <c:tickLblPos val="nextTo"/>
-        <c:crossAx val="145194368"/>
+        <c:crossAx val="139435008"/>
         <c:crosses val="autoZero"/>
         <c:crossBetween val="midCat"/>
       </c:valAx>
       <c:valAx>
-        <c:axId val="145194368"/>
+        <c:axId val="139435008"/>
         <c:scaling>
           <c:orientation val="minMax"/>
         </c:scaling>
@@ -1392,7 +1392,7 @@
         <c:majorTickMark val="out"/>
         <c:minorTickMark val="none"/>
         <c:tickLblPos val="nextTo"/>
-        <c:crossAx val="145192832"/>
+        <c:crossAx val="139433472"/>
         <c:crosses val="autoZero"/>
         <c:crossBetween val="midCat"/>
       </c:valAx>
@@ -1617,7 +1617,7 @@
           <a:p>
             <a:fld id="{FB30EDBD-1C2D-4C1E-B459-B60219FAB484}" type="datetimeFigureOut">
               <a:rPr lang="ko-KR" altLang="en-US" smtClean="0"/>
-              <a:t>2021-04-07</a:t>
+              <a:t>2021-04-08</a:t>
             </a:fld>
             <a:endParaRPr lang="ko-KR" altLang="en-US"/>
           </a:p>
@@ -1789,7 +1789,7 @@
           <a:p>
             <a:fld id="{FB30EDBD-1C2D-4C1E-B459-B60219FAB484}" type="datetimeFigureOut">
               <a:rPr lang="ko-KR" altLang="en-US" smtClean="0"/>
-              <a:t>2021-04-07</a:t>
+              <a:t>2021-04-08</a:t>
             </a:fld>
             <a:endParaRPr lang="ko-KR" altLang="en-US"/>
           </a:p>
@@ -1964,7 +1964,7 @@
           <a:p>
             <a:fld id="{FB30EDBD-1C2D-4C1E-B459-B60219FAB484}" type="datetimeFigureOut">
               <a:rPr lang="ko-KR" altLang="en-US" smtClean="0"/>
-              <a:t>2021-04-07</a:t>
+              <a:t>2021-04-08</a:t>
             </a:fld>
             <a:endParaRPr lang="ko-KR" altLang="en-US"/>
           </a:p>
@@ -2129,7 +2129,7 @@
           <a:p>
             <a:fld id="{FB30EDBD-1C2D-4C1E-B459-B60219FAB484}" type="datetimeFigureOut">
               <a:rPr lang="ko-KR" altLang="en-US" smtClean="0"/>
-              <a:t>2021-04-07</a:t>
+              <a:t>2021-04-08</a:t>
             </a:fld>
             <a:endParaRPr lang="ko-KR" altLang="en-US"/>
           </a:p>
@@ -2370,7 +2370,7 @@
           <a:p>
             <a:fld id="{FB30EDBD-1C2D-4C1E-B459-B60219FAB484}" type="datetimeFigureOut">
               <a:rPr lang="ko-KR" altLang="en-US" smtClean="0"/>
-              <a:t>2021-04-07</a:t>
+              <a:t>2021-04-08</a:t>
             </a:fld>
             <a:endParaRPr lang="ko-KR" altLang="en-US"/>
           </a:p>
@@ -2653,7 +2653,7 @@
           <a:p>
             <a:fld id="{FB30EDBD-1C2D-4C1E-B459-B60219FAB484}" type="datetimeFigureOut">
               <a:rPr lang="ko-KR" altLang="en-US" smtClean="0"/>
-              <a:t>2021-04-07</a:t>
+              <a:t>2021-04-08</a:t>
             </a:fld>
             <a:endParaRPr lang="ko-KR" altLang="en-US"/>
           </a:p>
@@ -3070,7 +3070,7 @@
           <a:p>
             <a:fld id="{FB30EDBD-1C2D-4C1E-B459-B60219FAB484}" type="datetimeFigureOut">
               <a:rPr lang="ko-KR" altLang="en-US" smtClean="0"/>
-              <a:t>2021-04-07</a:t>
+              <a:t>2021-04-08</a:t>
             </a:fld>
             <a:endParaRPr lang="ko-KR" altLang="en-US"/>
           </a:p>
@@ -3183,7 +3183,7 @@
           <a:p>
             <a:fld id="{FB30EDBD-1C2D-4C1E-B459-B60219FAB484}" type="datetimeFigureOut">
               <a:rPr lang="ko-KR" altLang="en-US" smtClean="0"/>
-              <a:t>2021-04-07</a:t>
+              <a:t>2021-04-08</a:t>
             </a:fld>
             <a:endParaRPr lang="ko-KR" altLang="en-US"/>
           </a:p>
@@ -3273,7 +3273,7 @@
           <a:p>
             <a:fld id="{FB30EDBD-1C2D-4C1E-B459-B60219FAB484}" type="datetimeFigureOut">
               <a:rPr lang="ko-KR" altLang="en-US" smtClean="0"/>
-              <a:t>2021-04-07</a:t>
+              <a:t>2021-04-08</a:t>
             </a:fld>
             <a:endParaRPr lang="ko-KR" altLang="en-US"/>
           </a:p>
@@ -3545,7 +3545,7 @@
           <a:p>
             <a:fld id="{FB30EDBD-1C2D-4C1E-B459-B60219FAB484}" type="datetimeFigureOut">
               <a:rPr lang="ko-KR" altLang="en-US" smtClean="0"/>
-              <a:t>2021-04-07</a:t>
+              <a:t>2021-04-08</a:t>
             </a:fld>
             <a:endParaRPr lang="ko-KR" altLang="en-US"/>
           </a:p>
@@ -3793,7 +3793,7 @@
           <a:p>
             <a:fld id="{FB30EDBD-1C2D-4C1E-B459-B60219FAB484}" type="datetimeFigureOut">
               <a:rPr lang="ko-KR" altLang="en-US" smtClean="0"/>
-              <a:t>2021-04-07</a:t>
+              <a:t>2021-04-08</a:t>
             </a:fld>
             <a:endParaRPr lang="ko-KR" altLang="en-US"/>
           </a:p>
@@ -4001,7 +4001,7 @@
           <a:p>
             <a:fld id="{FB30EDBD-1C2D-4C1E-B459-B60219FAB484}" type="datetimeFigureOut">
               <a:rPr lang="ko-KR" altLang="en-US" smtClean="0"/>
-              <a:t>2021-04-07</a:t>
+              <a:t>2021-04-08</a:t>
             </a:fld>
             <a:endParaRPr lang="ko-KR" altLang="en-US"/>
           </a:p>
@@ -4555,14 +4555,14 @@
           <p:nvPr>
             <p:extLst>
               <p:ext uri="{D42A27DB-BD31-4B8C-83A1-F6EECF244321}">
-                <p14:modId xmlns:p14="http://schemas.microsoft.com/office/powerpoint/2010/main" val="1127381064"/>
+                <p14:modId xmlns:p14="http://schemas.microsoft.com/office/powerpoint/2010/main" val="3994082249"/>
               </p:ext>
             </p:extLst>
           </p:nvPr>
         </p:nvGraphicFramePr>
         <p:xfrm>
-          <a:off x="720279" y="694718"/>
-          <a:ext cx="1080120" cy="432048"/>
+          <a:off x="312407" y="1200576"/>
+          <a:ext cx="1080120" cy="248358"/>
         </p:xfrm>
         <a:graphic>
           <a:graphicData uri="http://schemas.openxmlformats.org/drawingml/2006/chart">
@@ -4578,8 +4578,8 @@
         </p:nvSpPr>
         <p:spPr>
           <a:xfrm>
-            <a:off x="720279" y="550702"/>
-            <a:ext cx="1080120" cy="144016"/>
+            <a:off x="312408" y="1118655"/>
+            <a:ext cx="1080120" cy="82786"/>
           </a:xfrm>
           <a:prstGeom prst="rect">
             <a:avLst/>
@@ -4632,14 +4632,14 @@
           <p:nvPr>
             <p:extLst>
               <p:ext uri="{D42A27DB-BD31-4B8C-83A1-F6EECF244321}">
-                <p14:modId xmlns:p14="http://schemas.microsoft.com/office/powerpoint/2010/main" val="4087061208"/>
+                <p14:modId xmlns:p14="http://schemas.microsoft.com/office/powerpoint/2010/main" val="1471593009"/>
               </p:ext>
             </p:extLst>
           </p:nvPr>
         </p:nvGraphicFramePr>
         <p:xfrm>
-          <a:off x="1800399" y="694718"/>
-          <a:ext cx="1080120" cy="432048"/>
+          <a:off x="1392527" y="1200576"/>
+          <a:ext cx="1080120" cy="248358"/>
         </p:xfrm>
         <a:graphic>
           <a:graphicData uri="http://schemas.openxmlformats.org/drawingml/2006/chart">
@@ -4655,8 +4655,8 @@
         </p:nvSpPr>
         <p:spPr>
           <a:xfrm>
-            <a:off x="1800399" y="550702"/>
-            <a:ext cx="1080120" cy="144016"/>
+            <a:off x="1392528" y="1118655"/>
+            <a:ext cx="1080120" cy="82786"/>
           </a:xfrm>
           <a:prstGeom prst="rect">
             <a:avLst/>
@@ -4709,14 +4709,14 @@
           <p:nvPr>
             <p:extLst>
               <p:ext uri="{D42A27DB-BD31-4B8C-83A1-F6EECF244321}">
-                <p14:modId xmlns:p14="http://schemas.microsoft.com/office/powerpoint/2010/main" val="2561392989"/>
+                <p14:modId xmlns:p14="http://schemas.microsoft.com/office/powerpoint/2010/main" val="1730201793"/>
               </p:ext>
             </p:extLst>
           </p:nvPr>
         </p:nvGraphicFramePr>
         <p:xfrm>
-          <a:off x="2880519" y="694718"/>
-          <a:ext cx="1080120" cy="432048"/>
+          <a:off x="2472647" y="1200576"/>
+          <a:ext cx="1080120" cy="248358"/>
         </p:xfrm>
         <a:graphic>
           <a:graphicData uri="http://schemas.openxmlformats.org/drawingml/2006/chart">
@@ -4732,8 +4732,8 @@
         </p:nvSpPr>
         <p:spPr>
           <a:xfrm>
-            <a:off x="2880519" y="550702"/>
-            <a:ext cx="1080120" cy="144016"/>
+            <a:off x="2472648" y="1118655"/>
+            <a:ext cx="1080120" cy="82786"/>
           </a:xfrm>
           <a:prstGeom prst="rect">
             <a:avLst/>
@@ -4786,14 +4786,14 @@
           <p:nvPr>
             <p:extLst>
               <p:ext uri="{D42A27DB-BD31-4B8C-83A1-F6EECF244321}">
-                <p14:modId xmlns:p14="http://schemas.microsoft.com/office/powerpoint/2010/main" val="1344004505"/>
+                <p14:modId xmlns:p14="http://schemas.microsoft.com/office/powerpoint/2010/main" val="2857725024"/>
               </p:ext>
             </p:extLst>
           </p:nvPr>
         </p:nvGraphicFramePr>
         <p:xfrm>
-          <a:off x="3960639" y="694718"/>
-          <a:ext cx="1080120" cy="432048"/>
+          <a:off x="3552767" y="1200576"/>
+          <a:ext cx="1080120" cy="248358"/>
         </p:xfrm>
         <a:graphic>
           <a:graphicData uri="http://schemas.openxmlformats.org/drawingml/2006/chart">
@@ -4809,8 +4809,8 @@
         </p:nvSpPr>
         <p:spPr>
           <a:xfrm>
-            <a:off x="3960639" y="550702"/>
-            <a:ext cx="1080120" cy="144016"/>
+            <a:off x="3552768" y="1118655"/>
+            <a:ext cx="1080120" cy="82786"/>
           </a:xfrm>
           <a:prstGeom prst="rect">
             <a:avLst/>
@@ -4864,8 +4864,8 @@
         </p:nvSpPr>
         <p:spPr>
           <a:xfrm>
-            <a:off x="720279" y="1126766"/>
-            <a:ext cx="1080120" cy="144016"/>
+            <a:off x="312417" y="1448934"/>
+            <a:ext cx="1080120" cy="82786"/>
           </a:xfrm>
           <a:prstGeom prst="rect">
             <a:avLst/>
@@ -4903,8 +4903,8 @@
         </p:nvSpPr>
         <p:spPr>
           <a:xfrm>
-            <a:off x="110580" y="1126766"/>
-            <a:ext cx="609699" cy="144016"/>
+            <a:off x="312417" y="1448934"/>
+            <a:ext cx="609699" cy="82786"/>
           </a:xfrm>
           <a:prstGeom prst="rect">
             <a:avLst/>
@@ -4946,8 +4946,8 @@
         </p:nvSpPr>
         <p:spPr>
           <a:xfrm>
-            <a:off x="1800399" y="1126766"/>
-            <a:ext cx="1080120" cy="144016"/>
+            <a:off x="1392537" y="1448934"/>
+            <a:ext cx="1080120" cy="82786"/>
           </a:xfrm>
           <a:prstGeom prst="rect">
             <a:avLst/>
@@ -4985,8 +4985,8 @@
         </p:nvSpPr>
         <p:spPr>
           <a:xfrm>
-            <a:off x="2880519" y="1126766"/>
-            <a:ext cx="1080120" cy="144016"/>
+            <a:off x="2472657" y="1448934"/>
+            <a:ext cx="1080120" cy="82786"/>
           </a:xfrm>
           <a:prstGeom prst="rect">
             <a:avLst/>
@@ -5024,8 +5024,8 @@
         </p:nvSpPr>
         <p:spPr>
           <a:xfrm>
-            <a:off x="3960639" y="1126766"/>
-            <a:ext cx="1080120" cy="144016"/>
+            <a:off x="3552777" y="1448934"/>
+            <a:ext cx="1080120" cy="82786"/>
           </a:xfrm>
           <a:prstGeom prst="rect">
             <a:avLst/>
@@ -5063,8 +5063,8 @@
         </p:nvSpPr>
         <p:spPr>
           <a:xfrm>
-            <a:off x="720278" y="1270782"/>
-            <a:ext cx="1080120" cy="144016"/>
+            <a:off x="312417" y="1532041"/>
+            <a:ext cx="1080120" cy="82786"/>
           </a:xfrm>
           <a:prstGeom prst="rect">
             <a:avLst/>
@@ -5102,8 +5102,8 @@
         </p:nvSpPr>
         <p:spPr>
           <a:xfrm>
-            <a:off x="110579" y="1270782"/>
-            <a:ext cx="609699" cy="144016"/>
+            <a:off x="312417" y="1532041"/>
+            <a:ext cx="609699" cy="82786"/>
           </a:xfrm>
           <a:prstGeom prst="rect">
             <a:avLst/>
@@ -5145,8 +5145,8 @@
         </p:nvSpPr>
         <p:spPr>
           <a:xfrm>
-            <a:off x="1800398" y="1270782"/>
-            <a:ext cx="1080120" cy="144016"/>
+            <a:off x="1392537" y="1532041"/>
+            <a:ext cx="1080120" cy="82786"/>
           </a:xfrm>
           <a:prstGeom prst="rect">
             <a:avLst/>
@@ -5184,8 +5184,8 @@
         </p:nvSpPr>
         <p:spPr>
           <a:xfrm>
-            <a:off x="2880518" y="1270782"/>
-            <a:ext cx="1080120" cy="144016"/>
+            <a:off x="2472657" y="1532041"/>
+            <a:ext cx="1080120" cy="82786"/>
           </a:xfrm>
           <a:prstGeom prst="rect">
             <a:avLst/>
@@ -5223,8 +5223,8 @@
         </p:nvSpPr>
         <p:spPr>
           <a:xfrm>
-            <a:off x="3960638" y="1270782"/>
-            <a:ext cx="1080120" cy="144016"/>
+            <a:off x="3552777" y="1532041"/>
+            <a:ext cx="1080120" cy="82786"/>
           </a:xfrm>
           <a:prstGeom prst="rect">
             <a:avLst/>
@@ -5262,8 +5262,8 @@
         </p:nvSpPr>
         <p:spPr>
           <a:xfrm>
-            <a:off x="720277" y="1414798"/>
-            <a:ext cx="1080120" cy="144016"/>
+            <a:off x="312409" y="1614827"/>
+            <a:ext cx="1080120" cy="82786"/>
           </a:xfrm>
           <a:prstGeom prst="rect">
             <a:avLst/>
@@ -5301,8 +5301,8 @@
         </p:nvSpPr>
         <p:spPr>
           <a:xfrm>
-            <a:off x="110578" y="1414798"/>
-            <a:ext cx="609699" cy="144016"/>
+            <a:off x="312409" y="1614827"/>
+            <a:ext cx="609699" cy="82786"/>
           </a:xfrm>
           <a:prstGeom prst="rect">
             <a:avLst/>
@@ -5344,8 +5344,8 @@
         </p:nvSpPr>
         <p:spPr>
           <a:xfrm>
-            <a:off x="1800397" y="1414798"/>
-            <a:ext cx="1080120" cy="144016"/>
+            <a:off x="1392529" y="1614827"/>
+            <a:ext cx="1080120" cy="82786"/>
           </a:xfrm>
           <a:prstGeom prst="rect">
             <a:avLst/>
@@ -5383,8 +5383,8 @@
         </p:nvSpPr>
         <p:spPr>
           <a:xfrm>
-            <a:off x="2880517" y="1414798"/>
-            <a:ext cx="1080120" cy="144016"/>
+            <a:off x="2472649" y="1614827"/>
+            <a:ext cx="1080120" cy="82786"/>
           </a:xfrm>
           <a:prstGeom prst="rect">
             <a:avLst/>
@@ -5422,8 +5422,8 @@
         </p:nvSpPr>
         <p:spPr>
           <a:xfrm>
-            <a:off x="3960637" y="1414798"/>
-            <a:ext cx="1080120" cy="144016"/>
+            <a:off x="3552769" y="1614827"/>
+            <a:ext cx="1080120" cy="82786"/>
           </a:xfrm>
           <a:prstGeom prst="rect">
             <a:avLst/>
@@ -5461,8 +5461,8 @@
         </p:nvSpPr>
         <p:spPr>
           <a:xfrm>
-            <a:off x="720276" y="1558814"/>
-            <a:ext cx="1080120" cy="144016"/>
+            <a:off x="312408" y="1697767"/>
+            <a:ext cx="1080120" cy="82786"/>
           </a:xfrm>
           <a:prstGeom prst="rect">
             <a:avLst/>
@@ -5500,8 +5500,8 @@
         </p:nvSpPr>
         <p:spPr>
           <a:xfrm>
-            <a:off x="110577" y="1558814"/>
-            <a:ext cx="609699" cy="144016"/>
+            <a:off x="312408" y="1697767"/>
+            <a:ext cx="609699" cy="82786"/>
           </a:xfrm>
           <a:prstGeom prst="rect">
             <a:avLst/>
@@ -5546,8 +5546,8 @@
         </p:nvSpPr>
         <p:spPr>
           <a:xfrm>
-            <a:off x="1800396" y="1558814"/>
-            <a:ext cx="1080120" cy="144016"/>
+            <a:off x="1392528" y="1697767"/>
+            <a:ext cx="1080120" cy="82786"/>
           </a:xfrm>
           <a:prstGeom prst="rect">
             <a:avLst/>
@@ -5585,8 +5585,8 @@
         </p:nvSpPr>
         <p:spPr>
           <a:xfrm>
-            <a:off x="2880516" y="1558814"/>
-            <a:ext cx="1080120" cy="144016"/>
+            <a:off x="2472648" y="1697767"/>
+            <a:ext cx="1080120" cy="82786"/>
           </a:xfrm>
           <a:prstGeom prst="rect">
             <a:avLst/>
@@ -5624,8 +5624,8 @@
         </p:nvSpPr>
         <p:spPr>
           <a:xfrm>
-            <a:off x="3960636" y="1558814"/>
-            <a:ext cx="1080120" cy="144016"/>
+            <a:off x="3552768" y="1697767"/>
+            <a:ext cx="1080120" cy="82786"/>
           </a:xfrm>
           <a:prstGeom prst="rect">
             <a:avLst/>
@@ -5662,14 +5662,14 @@
           <p:nvPr>
             <p:extLst>
               <p:ext uri="{D42A27DB-BD31-4B8C-83A1-F6EECF244321}">
-                <p14:modId xmlns:p14="http://schemas.microsoft.com/office/powerpoint/2010/main" val="2156887502"/>
+                <p14:modId xmlns:p14="http://schemas.microsoft.com/office/powerpoint/2010/main" val="1326591399"/>
               </p:ext>
             </p:extLst>
           </p:nvPr>
         </p:nvGraphicFramePr>
         <p:xfrm>
-          <a:off x="720282" y="1846846"/>
-          <a:ext cx="1080120" cy="432048"/>
+          <a:off x="311725" y="1910199"/>
+          <a:ext cx="1080120" cy="248358"/>
         </p:xfrm>
         <a:graphic>
           <a:graphicData uri="http://schemas.openxmlformats.org/drawingml/2006/chart">
@@ -5685,8 +5685,8 @@
         </p:nvSpPr>
         <p:spPr>
           <a:xfrm>
-            <a:off x="720282" y="1702830"/>
-            <a:ext cx="1080120" cy="144016"/>
+            <a:off x="312417" y="1830851"/>
+            <a:ext cx="1080120" cy="82786"/>
           </a:xfrm>
           <a:prstGeom prst="rect">
             <a:avLst/>
@@ -5743,14 +5743,14 @@
           <p:nvPr>
             <p:extLst>
               <p:ext uri="{D42A27DB-BD31-4B8C-83A1-F6EECF244321}">
-                <p14:modId xmlns:p14="http://schemas.microsoft.com/office/powerpoint/2010/main" val="425391975"/>
+                <p14:modId xmlns:p14="http://schemas.microsoft.com/office/powerpoint/2010/main" val="2248933265"/>
               </p:ext>
             </p:extLst>
           </p:nvPr>
         </p:nvGraphicFramePr>
         <p:xfrm>
-          <a:off x="1800402" y="1846846"/>
-          <a:ext cx="1080120" cy="432048"/>
+          <a:off x="1391845" y="1910199"/>
+          <a:ext cx="1080120" cy="248358"/>
         </p:xfrm>
         <a:graphic>
           <a:graphicData uri="http://schemas.openxmlformats.org/drawingml/2006/chart">
@@ -5766,8 +5766,8 @@
         </p:nvSpPr>
         <p:spPr>
           <a:xfrm>
-            <a:off x="1800402" y="1702830"/>
-            <a:ext cx="1080120" cy="144016"/>
+            <a:off x="1392537" y="1830851"/>
+            <a:ext cx="1080120" cy="82786"/>
           </a:xfrm>
           <a:prstGeom prst="rect">
             <a:avLst/>
@@ -5820,14 +5820,14 @@
           <p:nvPr>
             <p:extLst>
               <p:ext uri="{D42A27DB-BD31-4B8C-83A1-F6EECF244321}">
-                <p14:modId xmlns:p14="http://schemas.microsoft.com/office/powerpoint/2010/main" val="2141963410"/>
+                <p14:modId xmlns:p14="http://schemas.microsoft.com/office/powerpoint/2010/main" val="1517902287"/>
               </p:ext>
             </p:extLst>
           </p:nvPr>
         </p:nvGraphicFramePr>
         <p:xfrm>
-          <a:off x="2880522" y="1846846"/>
-          <a:ext cx="1080120" cy="432048"/>
+          <a:off x="2471965" y="1910199"/>
+          <a:ext cx="1080120" cy="248358"/>
         </p:xfrm>
         <a:graphic>
           <a:graphicData uri="http://schemas.openxmlformats.org/drawingml/2006/chart">
@@ -5843,8 +5843,8 @@
         </p:nvSpPr>
         <p:spPr>
           <a:xfrm>
-            <a:off x="2880522" y="1702830"/>
-            <a:ext cx="1080120" cy="144016"/>
+            <a:off x="2472657" y="1830851"/>
+            <a:ext cx="1080120" cy="82786"/>
           </a:xfrm>
           <a:prstGeom prst="rect">
             <a:avLst/>
@@ -5897,14 +5897,14 @@
           <p:nvPr>
             <p:extLst>
               <p:ext uri="{D42A27DB-BD31-4B8C-83A1-F6EECF244321}">
-                <p14:modId xmlns:p14="http://schemas.microsoft.com/office/powerpoint/2010/main" val="3006803229"/>
+                <p14:modId xmlns:p14="http://schemas.microsoft.com/office/powerpoint/2010/main" val="264593835"/>
               </p:ext>
             </p:extLst>
           </p:nvPr>
         </p:nvGraphicFramePr>
         <p:xfrm>
-          <a:off x="3960642" y="1846846"/>
-          <a:ext cx="1080120" cy="432048"/>
+          <a:off x="3552085" y="1910199"/>
+          <a:ext cx="1080120" cy="248358"/>
         </p:xfrm>
         <a:graphic>
           <a:graphicData uri="http://schemas.openxmlformats.org/drawingml/2006/chart">
@@ -5920,8 +5920,8 @@
         </p:nvSpPr>
         <p:spPr>
           <a:xfrm>
-            <a:off x="3960642" y="1702830"/>
-            <a:ext cx="1080120" cy="144016"/>
+            <a:off x="3552777" y="1830851"/>
+            <a:ext cx="1080120" cy="82786"/>
           </a:xfrm>
           <a:prstGeom prst="rect">
             <a:avLst/>
@@ -5975,8 +5975,8 @@
         </p:nvSpPr>
         <p:spPr>
           <a:xfrm>
-            <a:off x="720282" y="2278894"/>
-            <a:ext cx="1080120" cy="144016"/>
+            <a:off x="312423" y="2158557"/>
+            <a:ext cx="1080120" cy="82786"/>
           </a:xfrm>
           <a:prstGeom prst="rect">
             <a:avLst/>
@@ -6014,8 +6014,8 @@
         </p:nvSpPr>
         <p:spPr>
           <a:xfrm>
-            <a:off x="110583" y="2278894"/>
-            <a:ext cx="609699" cy="144016"/>
+            <a:off x="312426" y="2158557"/>
+            <a:ext cx="609699" cy="82786"/>
           </a:xfrm>
           <a:prstGeom prst="rect">
             <a:avLst/>
@@ -6057,8 +6057,8 @@
         </p:nvSpPr>
         <p:spPr>
           <a:xfrm>
-            <a:off x="1800402" y="2278894"/>
-            <a:ext cx="1080120" cy="144016"/>
+            <a:off x="1392543" y="2158557"/>
+            <a:ext cx="1080120" cy="82786"/>
           </a:xfrm>
           <a:prstGeom prst="rect">
             <a:avLst/>
@@ -6096,8 +6096,8 @@
         </p:nvSpPr>
         <p:spPr>
           <a:xfrm>
-            <a:off x="2880522" y="2278894"/>
-            <a:ext cx="1080120" cy="144016"/>
+            <a:off x="2472663" y="2158557"/>
+            <a:ext cx="1080120" cy="82786"/>
           </a:xfrm>
           <a:prstGeom prst="rect">
             <a:avLst/>
@@ -6135,8 +6135,8 @@
         </p:nvSpPr>
         <p:spPr>
           <a:xfrm>
-            <a:off x="3960642" y="2278894"/>
-            <a:ext cx="1080120" cy="144016"/>
+            <a:off x="3552783" y="2158557"/>
+            <a:ext cx="1080120" cy="82786"/>
           </a:xfrm>
           <a:prstGeom prst="rect">
             <a:avLst/>
@@ -6174,8 +6174,8 @@
         </p:nvSpPr>
         <p:spPr>
           <a:xfrm>
-            <a:off x="720281" y="2422910"/>
-            <a:ext cx="1080120" cy="144016"/>
+            <a:off x="312422" y="2241343"/>
+            <a:ext cx="1080120" cy="82786"/>
           </a:xfrm>
           <a:prstGeom prst="rect">
             <a:avLst/>
@@ -6213,8 +6213,8 @@
         </p:nvSpPr>
         <p:spPr>
           <a:xfrm>
-            <a:off x="110582" y="2422910"/>
-            <a:ext cx="609699" cy="144016"/>
+            <a:off x="312425" y="2241343"/>
+            <a:ext cx="609699" cy="82786"/>
           </a:xfrm>
           <a:prstGeom prst="rect">
             <a:avLst/>
@@ -6256,8 +6256,8 @@
         </p:nvSpPr>
         <p:spPr>
           <a:xfrm>
-            <a:off x="1800401" y="2422910"/>
-            <a:ext cx="1080120" cy="144016"/>
+            <a:off x="1392542" y="2241343"/>
+            <a:ext cx="1080120" cy="82786"/>
           </a:xfrm>
           <a:prstGeom prst="rect">
             <a:avLst/>
@@ -6295,8 +6295,8 @@
         </p:nvSpPr>
         <p:spPr>
           <a:xfrm>
-            <a:off x="2880521" y="2422910"/>
-            <a:ext cx="1080120" cy="144016"/>
+            <a:off x="2472662" y="2241343"/>
+            <a:ext cx="1080120" cy="82786"/>
           </a:xfrm>
           <a:prstGeom prst="rect">
             <a:avLst/>
@@ -6334,8 +6334,8 @@
         </p:nvSpPr>
         <p:spPr>
           <a:xfrm>
-            <a:off x="3960641" y="2422910"/>
-            <a:ext cx="1080120" cy="144016"/>
+            <a:off x="3552782" y="2241343"/>
+            <a:ext cx="1080120" cy="82786"/>
           </a:xfrm>
           <a:prstGeom prst="rect">
             <a:avLst/>
@@ -6373,8 +6373,8 @@
         </p:nvSpPr>
         <p:spPr>
           <a:xfrm>
-            <a:off x="720280" y="2566926"/>
-            <a:ext cx="1080120" cy="144016"/>
+            <a:off x="312421" y="2324129"/>
+            <a:ext cx="1080120" cy="82786"/>
           </a:xfrm>
           <a:prstGeom prst="rect">
             <a:avLst/>
@@ -6412,8 +6412,8 @@
         </p:nvSpPr>
         <p:spPr>
           <a:xfrm>
-            <a:off x="110581" y="2566926"/>
-            <a:ext cx="609699" cy="144016"/>
+            <a:off x="312424" y="2324129"/>
+            <a:ext cx="609699" cy="82786"/>
           </a:xfrm>
           <a:prstGeom prst="rect">
             <a:avLst/>
@@ -6455,8 +6455,8 @@
         </p:nvSpPr>
         <p:spPr>
           <a:xfrm>
-            <a:off x="1800400" y="2566926"/>
-            <a:ext cx="1080120" cy="144016"/>
+            <a:off x="1392541" y="2324129"/>
+            <a:ext cx="1080120" cy="82786"/>
           </a:xfrm>
           <a:prstGeom prst="rect">
             <a:avLst/>
@@ -6494,8 +6494,8 @@
         </p:nvSpPr>
         <p:spPr>
           <a:xfrm>
-            <a:off x="2880520" y="2566926"/>
-            <a:ext cx="1080120" cy="144016"/>
+            <a:off x="2472661" y="2324129"/>
+            <a:ext cx="1080120" cy="82786"/>
           </a:xfrm>
           <a:prstGeom prst="rect">
             <a:avLst/>
@@ -6533,8 +6533,8 @@
         </p:nvSpPr>
         <p:spPr>
           <a:xfrm>
-            <a:off x="3960640" y="2566926"/>
-            <a:ext cx="1080120" cy="144016"/>
+            <a:off x="3552781" y="2324129"/>
+            <a:ext cx="1080120" cy="82786"/>
           </a:xfrm>
           <a:prstGeom prst="rect">
             <a:avLst/>
@@ -6572,8 +6572,8 @@
         </p:nvSpPr>
         <p:spPr>
           <a:xfrm>
-            <a:off x="720279" y="2710942"/>
-            <a:ext cx="1080120" cy="144016"/>
+            <a:off x="312420" y="2406915"/>
+            <a:ext cx="1080120" cy="82786"/>
           </a:xfrm>
           <a:prstGeom prst="rect">
             <a:avLst/>
@@ -6611,8 +6611,8 @@
         </p:nvSpPr>
         <p:spPr>
           <a:xfrm>
-            <a:off x="110580" y="2710942"/>
-            <a:ext cx="609699" cy="144016"/>
+            <a:off x="312423" y="2406915"/>
+            <a:ext cx="609699" cy="82786"/>
           </a:xfrm>
           <a:prstGeom prst="rect">
             <a:avLst/>
@@ -6657,8 +6657,8 @@
         </p:nvSpPr>
         <p:spPr>
           <a:xfrm>
-            <a:off x="1800399" y="2710942"/>
-            <a:ext cx="1080120" cy="144016"/>
+            <a:off x="1392540" y="2406915"/>
+            <a:ext cx="1080120" cy="82786"/>
           </a:xfrm>
           <a:prstGeom prst="rect">
             <a:avLst/>
@@ -6696,8 +6696,8 @@
         </p:nvSpPr>
         <p:spPr>
           <a:xfrm>
-            <a:off x="2880519" y="2710942"/>
-            <a:ext cx="1080120" cy="144016"/>
+            <a:off x="2472660" y="2406915"/>
+            <a:ext cx="1080120" cy="82786"/>
           </a:xfrm>
           <a:prstGeom prst="rect">
             <a:avLst/>
@@ -6735,8 +6735,8 @@
         </p:nvSpPr>
         <p:spPr>
           <a:xfrm>
-            <a:off x="3960639" y="2710942"/>
-            <a:ext cx="1080120" cy="144016"/>
+            <a:off x="3552780" y="2406915"/>
+            <a:ext cx="1080120" cy="82786"/>
           </a:xfrm>
           <a:prstGeom prst="rect">
             <a:avLst/>
@@ -6774,7 +6774,7 @@
         </p:nvSpPr>
         <p:spPr>
           <a:xfrm>
-            <a:off x="4226694" y="92969"/>
+            <a:off x="4221886" y="444542"/>
             <a:ext cx="72008" cy="72008"/>
           </a:xfrm>
           <a:prstGeom prst="ellipse">
@@ -6812,7 +6812,7 @@
         </p:nvSpPr>
         <p:spPr>
           <a:xfrm>
-            <a:off x="4262698" y="44335"/>
+            <a:off x="4257890" y="395908"/>
             <a:ext cx="766557" cy="169277"/>
           </a:xfrm>
           <a:prstGeom prst="rect">
@@ -6846,7 +6846,7 @@
         </p:nvSpPr>
         <p:spPr>
           <a:xfrm>
-            <a:off x="4226694" y="245369"/>
+            <a:off x="4221886" y="596942"/>
             <a:ext cx="72008" cy="72008"/>
           </a:xfrm>
           <a:prstGeom prst="ellipse">
@@ -6884,7 +6884,7 @@
         </p:nvSpPr>
         <p:spPr>
           <a:xfrm>
-            <a:off x="4262698" y="196735"/>
+            <a:off x="4257890" y="548308"/>
             <a:ext cx="766557" cy="169277"/>
           </a:xfrm>
           <a:prstGeom prst="rect">
@@ -6924,7 +6924,7 @@
         </p:nvSpPr>
         <p:spPr>
           <a:xfrm>
-            <a:off x="4226694" y="397769"/>
+            <a:off x="4221886" y="749342"/>
             <a:ext cx="72008" cy="72008"/>
           </a:xfrm>
           <a:prstGeom prst="ellipse">
@@ -6962,7 +6962,7 @@
         </p:nvSpPr>
         <p:spPr>
           <a:xfrm>
-            <a:off x="4262698" y="349135"/>
+            <a:off x="4257890" y="700708"/>
             <a:ext cx="771365" cy="169277"/>
           </a:xfrm>
           <a:prstGeom prst="rect">
@@ -7035,7 +7035,7 @@
         </p:nvSpPr>
         <p:spPr>
           <a:xfrm>
-            <a:off x="108646" y="92969"/>
+            <a:off x="109073" y="2915016"/>
             <a:ext cx="504056" cy="288032"/>
           </a:xfrm>
           <a:prstGeom prst="roundRect">
@@ -7062,12 +7062,12 @@
           <a:p>
             <a:pPr algn="ctr"/>
             <a:r>
-              <a:rPr lang="en-US" altLang="ko-KR" sz="500" dirty="0" smtClean="0">
+              <a:rPr lang="en-US" altLang="ko-KR" sz="800" dirty="0" smtClean="0">
                 <a:latin typeface="+mn-ea"/>
               </a:rPr>
               <a:t>START</a:t>
             </a:r>
-            <a:endParaRPr lang="ko-KR" altLang="en-US" sz="500" dirty="0">
+            <a:endParaRPr lang="ko-KR" altLang="en-US" sz="800" dirty="0">
               <a:latin typeface="+mn-ea"/>
             </a:endParaRPr>
           </a:p>
@@ -7081,7 +7081,7 @@
         </p:nvSpPr>
         <p:spPr>
           <a:xfrm>
-            <a:off x="720282" y="92969"/>
+            <a:off x="720279" y="2916188"/>
             <a:ext cx="504056" cy="288032"/>
           </a:xfrm>
           <a:prstGeom prst="roundRect">
@@ -7108,14 +7108,1176 @@
           <a:p>
             <a:pPr algn="ctr"/>
             <a:r>
-              <a:rPr lang="en-US" altLang="ko-KR" sz="500" dirty="0" smtClean="0">
+              <a:rPr lang="en-US" altLang="ko-KR" sz="800" dirty="0" smtClean="0">
                 <a:latin typeface="+mn-ea"/>
               </a:rPr>
               <a:t>STOP</a:t>
             </a:r>
-            <a:endParaRPr lang="ko-KR" altLang="en-US" sz="500" dirty="0">
+            <a:endParaRPr lang="ko-KR" altLang="en-US" sz="800" dirty="0">
               <a:latin typeface="+mn-ea"/>
             </a:endParaRPr>
+          </a:p>
+        </p:txBody>
+      </p:sp>
+      <p:sp>
+        <p:nvSpPr>
+          <p:cNvPr id="72" name="직사각형 71"/>
+          <p:cNvSpPr/>
+          <p:nvPr/>
+        </p:nvSpPr>
+        <p:spPr>
+          <a:xfrm>
+            <a:off x="1392546" y="2158557"/>
+            <a:ext cx="609699" cy="82786"/>
+          </a:xfrm>
+          <a:prstGeom prst="rect">
+            <a:avLst/>
+          </a:prstGeom>
+          <a:ln w="3175"/>
+        </p:spPr>
+        <p:style>
+          <a:lnRef idx="2">
+            <a:schemeClr val="dk1"/>
+          </a:lnRef>
+          <a:fillRef idx="1">
+            <a:schemeClr val="lt1"/>
+          </a:fillRef>
+          <a:effectRef idx="0">
+            <a:schemeClr val="dk1"/>
+          </a:effectRef>
+          <a:fontRef idx="minor">
+            <a:schemeClr val="dk1"/>
+          </a:fontRef>
+        </p:style>
+        <p:txBody>
+          <a:bodyPr rtlCol="0" anchor="ctr"/>
+          <a:lstStyle/>
+          <a:p>
+            <a:pPr algn="ctr"/>
+            <a:r>
+              <a:rPr lang="en-US" altLang="ko-KR" sz="600" dirty="0" smtClean="0"/>
+              <a:t>MIN</a:t>
+            </a:r>
+            <a:endParaRPr lang="ko-KR" altLang="en-US" sz="600" dirty="0"/>
+          </a:p>
+        </p:txBody>
+      </p:sp>
+      <p:sp>
+        <p:nvSpPr>
+          <p:cNvPr id="73" name="직사각형 72"/>
+          <p:cNvSpPr/>
+          <p:nvPr/>
+        </p:nvSpPr>
+        <p:spPr>
+          <a:xfrm>
+            <a:off x="1392545" y="2241343"/>
+            <a:ext cx="609699" cy="82786"/>
+          </a:xfrm>
+          <a:prstGeom prst="rect">
+            <a:avLst/>
+          </a:prstGeom>
+          <a:ln w="3175"/>
+        </p:spPr>
+        <p:style>
+          <a:lnRef idx="2">
+            <a:schemeClr val="dk1"/>
+          </a:lnRef>
+          <a:fillRef idx="1">
+            <a:schemeClr val="lt1"/>
+          </a:fillRef>
+          <a:effectRef idx="0">
+            <a:schemeClr val="dk1"/>
+          </a:effectRef>
+          <a:fontRef idx="minor">
+            <a:schemeClr val="dk1"/>
+          </a:fontRef>
+        </p:style>
+        <p:txBody>
+          <a:bodyPr rtlCol="0" anchor="ctr"/>
+          <a:lstStyle/>
+          <a:p>
+            <a:pPr algn="ctr"/>
+            <a:r>
+              <a:rPr lang="en-US" altLang="ko-KR" sz="600" dirty="0" smtClean="0"/>
+              <a:t>MAX</a:t>
+            </a:r>
+            <a:endParaRPr lang="ko-KR" altLang="en-US" sz="600" dirty="0"/>
+          </a:p>
+        </p:txBody>
+      </p:sp>
+      <p:sp>
+        <p:nvSpPr>
+          <p:cNvPr id="76" name="직사각형 75"/>
+          <p:cNvSpPr/>
+          <p:nvPr/>
+        </p:nvSpPr>
+        <p:spPr>
+          <a:xfrm>
+            <a:off x="1392544" y="2324129"/>
+            <a:ext cx="609699" cy="82786"/>
+          </a:xfrm>
+          <a:prstGeom prst="rect">
+            <a:avLst/>
+          </a:prstGeom>
+          <a:ln w="3175"/>
+        </p:spPr>
+        <p:style>
+          <a:lnRef idx="2">
+            <a:schemeClr val="dk1"/>
+          </a:lnRef>
+          <a:fillRef idx="1">
+            <a:schemeClr val="lt1"/>
+          </a:fillRef>
+          <a:effectRef idx="0">
+            <a:schemeClr val="dk1"/>
+          </a:effectRef>
+          <a:fontRef idx="minor">
+            <a:schemeClr val="dk1"/>
+          </a:fontRef>
+        </p:style>
+        <p:txBody>
+          <a:bodyPr rtlCol="0" anchor="ctr"/>
+          <a:lstStyle/>
+          <a:p>
+            <a:pPr algn="ctr"/>
+            <a:r>
+              <a:rPr lang="en-US" altLang="ko-KR" sz="600" dirty="0" smtClean="0"/>
+              <a:t>AVE</a:t>
+            </a:r>
+            <a:endParaRPr lang="ko-KR" altLang="en-US" sz="600" dirty="0"/>
+          </a:p>
+        </p:txBody>
+      </p:sp>
+      <p:sp>
+        <p:nvSpPr>
+          <p:cNvPr id="77" name="직사각형 76"/>
+          <p:cNvSpPr/>
+          <p:nvPr/>
+        </p:nvSpPr>
+        <p:spPr>
+          <a:xfrm>
+            <a:off x="1392543" y="2406915"/>
+            <a:ext cx="609699" cy="82786"/>
+          </a:xfrm>
+          <a:prstGeom prst="rect">
+            <a:avLst/>
+          </a:prstGeom>
+          <a:ln w="3175"/>
+        </p:spPr>
+        <p:style>
+          <a:lnRef idx="2">
+            <a:schemeClr val="dk1"/>
+          </a:lnRef>
+          <a:fillRef idx="1">
+            <a:schemeClr val="lt1"/>
+          </a:fillRef>
+          <a:effectRef idx="0">
+            <a:schemeClr val="dk1"/>
+          </a:effectRef>
+          <a:fontRef idx="minor">
+            <a:schemeClr val="dk1"/>
+          </a:fontRef>
+        </p:style>
+        <p:txBody>
+          <a:bodyPr rtlCol="0" anchor="ctr"/>
+          <a:lstStyle/>
+          <a:p>
+            <a:pPr algn="ctr"/>
+            <a:r>
+              <a:rPr lang="ko-KR" altLang="en-US" sz="600" dirty="0" smtClean="0"/>
+              <a:t>실시</a:t>
+            </a:r>
+            <a:r>
+              <a:rPr lang="ko-KR" altLang="en-US" sz="600" dirty="0"/>
+              <a:t>간</a:t>
+            </a:r>
+          </a:p>
+        </p:txBody>
+      </p:sp>
+      <p:sp>
+        <p:nvSpPr>
+          <p:cNvPr id="78" name="직사각형 77"/>
+          <p:cNvSpPr/>
+          <p:nvPr/>
+        </p:nvSpPr>
+        <p:spPr>
+          <a:xfrm>
+            <a:off x="2472660" y="2158557"/>
+            <a:ext cx="609699" cy="82786"/>
+          </a:xfrm>
+          <a:prstGeom prst="rect">
+            <a:avLst/>
+          </a:prstGeom>
+          <a:ln w="3175"/>
+        </p:spPr>
+        <p:style>
+          <a:lnRef idx="2">
+            <a:schemeClr val="dk1"/>
+          </a:lnRef>
+          <a:fillRef idx="1">
+            <a:schemeClr val="lt1"/>
+          </a:fillRef>
+          <a:effectRef idx="0">
+            <a:schemeClr val="dk1"/>
+          </a:effectRef>
+          <a:fontRef idx="minor">
+            <a:schemeClr val="dk1"/>
+          </a:fontRef>
+        </p:style>
+        <p:txBody>
+          <a:bodyPr rtlCol="0" anchor="ctr"/>
+          <a:lstStyle/>
+          <a:p>
+            <a:pPr algn="ctr"/>
+            <a:r>
+              <a:rPr lang="en-US" altLang="ko-KR" sz="600" dirty="0" smtClean="0"/>
+              <a:t>MIN</a:t>
+            </a:r>
+            <a:endParaRPr lang="ko-KR" altLang="en-US" sz="600" dirty="0"/>
+          </a:p>
+        </p:txBody>
+      </p:sp>
+      <p:sp>
+        <p:nvSpPr>
+          <p:cNvPr id="79" name="직사각형 78"/>
+          <p:cNvSpPr/>
+          <p:nvPr/>
+        </p:nvSpPr>
+        <p:spPr>
+          <a:xfrm>
+            <a:off x="2472659" y="2241343"/>
+            <a:ext cx="609699" cy="82786"/>
+          </a:xfrm>
+          <a:prstGeom prst="rect">
+            <a:avLst/>
+          </a:prstGeom>
+          <a:ln w="3175"/>
+        </p:spPr>
+        <p:style>
+          <a:lnRef idx="2">
+            <a:schemeClr val="dk1"/>
+          </a:lnRef>
+          <a:fillRef idx="1">
+            <a:schemeClr val="lt1"/>
+          </a:fillRef>
+          <a:effectRef idx="0">
+            <a:schemeClr val="dk1"/>
+          </a:effectRef>
+          <a:fontRef idx="minor">
+            <a:schemeClr val="dk1"/>
+          </a:fontRef>
+        </p:style>
+        <p:txBody>
+          <a:bodyPr rtlCol="0" anchor="ctr"/>
+          <a:lstStyle/>
+          <a:p>
+            <a:pPr algn="ctr"/>
+            <a:r>
+              <a:rPr lang="en-US" altLang="ko-KR" sz="600" dirty="0" smtClean="0"/>
+              <a:t>MAX</a:t>
+            </a:r>
+            <a:endParaRPr lang="ko-KR" altLang="en-US" sz="600" dirty="0"/>
+          </a:p>
+        </p:txBody>
+      </p:sp>
+      <p:sp>
+        <p:nvSpPr>
+          <p:cNvPr id="80" name="직사각형 79"/>
+          <p:cNvSpPr/>
+          <p:nvPr/>
+        </p:nvSpPr>
+        <p:spPr>
+          <a:xfrm>
+            <a:off x="2472658" y="2324129"/>
+            <a:ext cx="609699" cy="82786"/>
+          </a:xfrm>
+          <a:prstGeom prst="rect">
+            <a:avLst/>
+          </a:prstGeom>
+          <a:ln w="3175"/>
+        </p:spPr>
+        <p:style>
+          <a:lnRef idx="2">
+            <a:schemeClr val="dk1"/>
+          </a:lnRef>
+          <a:fillRef idx="1">
+            <a:schemeClr val="lt1"/>
+          </a:fillRef>
+          <a:effectRef idx="0">
+            <a:schemeClr val="dk1"/>
+          </a:effectRef>
+          <a:fontRef idx="minor">
+            <a:schemeClr val="dk1"/>
+          </a:fontRef>
+        </p:style>
+        <p:txBody>
+          <a:bodyPr rtlCol="0" anchor="ctr"/>
+          <a:lstStyle/>
+          <a:p>
+            <a:pPr algn="ctr"/>
+            <a:r>
+              <a:rPr lang="en-US" altLang="ko-KR" sz="600" dirty="0" smtClean="0"/>
+              <a:t>AVE</a:t>
+            </a:r>
+            <a:endParaRPr lang="ko-KR" altLang="en-US" sz="600" dirty="0"/>
+          </a:p>
+        </p:txBody>
+      </p:sp>
+      <p:sp>
+        <p:nvSpPr>
+          <p:cNvPr id="81" name="직사각형 80"/>
+          <p:cNvSpPr/>
+          <p:nvPr/>
+        </p:nvSpPr>
+        <p:spPr>
+          <a:xfrm>
+            <a:off x="2472657" y="2406915"/>
+            <a:ext cx="609699" cy="82786"/>
+          </a:xfrm>
+          <a:prstGeom prst="rect">
+            <a:avLst/>
+          </a:prstGeom>
+          <a:ln w="3175"/>
+        </p:spPr>
+        <p:style>
+          <a:lnRef idx="2">
+            <a:schemeClr val="dk1"/>
+          </a:lnRef>
+          <a:fillRef idx="1">
+            <a:schemeClr val="lt1"/>
+          </a:fillRef>
+          <a:effectRef idx="0">
+            <a:schemeClr val="dk1"/>
+          </a:effectRef>
+          <a:fontRef idx="minor">
+            <a:schemeClr val="dk1"/>
+          </a:fontRef>
+        </p:style>
+        <p:txBody>
+          <a:bodyPr rtlCol="0" anchor="ctr"/>
+          <a:lstStyle/>
+          <a:p>
+            <a:pPr algn="ctr"/>
+            <a:r>
+              <a:rPr lang="ko-KR" altLang="en-US" sz="600" dirty="0" smtClean="0"/>
+              <a:t>실시</a:t>
+            </a:r>
+            <a:r>
+              <a:rPr lang="ko-KR" altLang="en-US" sz="600" dirty="0"/>
+              <a:t>간</a:t>
+            </a:r>
+          </a:p>
+        </p:txBody>
+      </p:sp>
+      <p:sp>
+        <p:nvSpPr>
+          <p:cNvPr id="82" name="직사각형 81"/>
+          <p:cNvSpPr/>
+          <p:nvPr/>
+        </p:nvSpPr>
+        <p:spPr>
+          <a:xfrm>
+            <a:off x="3552786" y="2158557"/>
+            <a:ext cx="609699" cy="82786"/>
+          </a:xfrm>
+          <a:prstGeom prst="rect">
+            <a:avLst/>
+          </a:prstGeom>
+          <a:ln w="3175"/>
+        </p:spPr>
+        <p:style>
+          <a:lnRef idx="2">
+            <a:schemeClr val="dk1"/>
+          </a:lnRef>
+          <a:fillRef idx="1">
+            <a:schemeClr val="lt1"/>
+          </a:fillRef>
+          <a:effectRef idx="0">
+            <a:schemeClr val="dk1"/>
+          </a:effectRef>
+          <a:fontRef idx="minor">
+            <a:schemeClr val="dk1"/>
+          </a:fontRef>
+        </p:style>
+        <p:txBody>
+          <a:bodyPr rtlCol="0" anchor="ctr"/>
+          <a:lstStyle/>
+          <a:p>
+            <a:pPr algn="ctr"/>
+            <a:r>
+              <a:rPr lang="en-US" altLang="ko-KR" sz="600" dirty="0" smtClean="0"/>
+              <a:t>MIN</a:t>
+            </a:r>
+            <a:endParaRPr lang="ko-KR" altLang="en-US" sz="600" dirty="0"/>
+          </a:p>
+        </p:txBody>
+      </p:sp>
+      <p:sp>
+        <p:nvSpPr>
+          <p:cNvPr id="83" name="직사각형 82"/>
+          <p:cNvSpPr/>
+          <p:nvPr/>
+        </p:nvSpPr>
+        <p:spPr>
+          <a:xfrm>
+            <a:off x="3552785" y="2241343"/>
+            <a:ext cx="609699" cy="82786"/>
+          </a:xfrm>
+          <a:prstGeom prst="rect">
+            <a:avLst/>
+          </a:prstGeom>
+          <a:ln w="3175"/>
+        </p:spPr>
+        <p:style>
+          <a:lnRef idx="2">
+            <a:schemeClr val="dk1"/>
+          </a:lnRef>
+          <a:fillRef idx="1">
+            <a:schemeClr val="lt1"/>
+          </a:fillRef>
+          <a:effectRef idx="0">
+            <a:schemeClr val="dk1"/>
+          </a:effectRef>
+          <a:fontRef idx="minor">
+            <a:schemeClr val="dk1"/>
+          </a:fontRef>
+        </p:style>
+        <p:txBody>
+          <a:bodyPr rtlCol="0" anchor="ctr"/>
+          <a:lstStyle/>
+          <a:p>
+            <a:pPr algn="ctr"/>
+            <a:r>
+              <a:rPr lang="en-US" altLang="ko-KR" sz="600" dirty="0" smtClean="0"/>
+              <a:t>MAX</a:t>
+            </a:r>
+            <a:endParaRPr lang="ko-KR" altLang="en-US" sz="600" dirty="0"/>
+          </a:p>
+        </p:txBody>
+      </p:sp>
+      <p:sp>
+        <p:nvSpPr>
+          <p:cNvPr id="84" name="직사각형 83"/>
+          <p:cNvSpPr/>
+          <p:nvPr/>
+        </p:nvSpPr>
+        <p:spPr>
+          <a:xfrm>
+            <a:off x="3552784" y="2324129"/>
+            <a:ext cx="609699" cy="82786"/>
+          </a:xfrm>
+          <a:prstGeom prst="rect">
+            <a:avLst/>
+          </a:prstGeom>
+          <a:ln w="3175"/>
+        </p:spPr>
+        <p:style>
+          <a:lnRef idx="2">
+            <a:schemeClr val="dk1"/>
+          </a:lnRef>
+          <a:fillRef idx="1">
+            <a:schemeClr val="lt1"/>
+          </a:fillRef>
+          <a:effectRef idx="0">
+            <a:schemeClr val="dk1"/>
+          </a:effectRef>
+          <a:fontRef idx="minor">
+            <a:schemeClr val="dk1"/>
+          </a:fontRef>
+        </p:style>
+        <p:txBody>
+          <a:bodyPr rtlCol="0" anchor="ctr"/>
+          <a:lstStyle/>
+          <a:p>
+            <a:pPr algn="ctr"/>
+            <a:r>
+              <a:rPr lang="en-US" altLang="ko-KR" sz="600" dirty="0" smtClean="0"/>
+              <a:t>AVE</a:t>
+            </a:r>
+            <a:endParaRPr lang="ko-KR" altLang="en-US" sz="600" dirty="0"/>
+          </a:p>
+        </p:txBody>
+      </p:sp>
+      <p:sp>
+        <p:nvSpPr>
+          <p:cNvPr id="85" name="직사각형 84"/>
+          <p:cNvSpPr/>
+          <p:nvPr/>
+        </p:nvSpPr>
+        <p:spPr>
+          <a:xfrm>
+            <a:off x="3552783" y="2406915"/>
+            <a:ext cx="609699" cy="82786"/>
+          </a:xfrm>
+          <a:prstGeom prst="rect">
+            <a:avLst/>
+          </a:prstGeom>
+          <a:ln w="3175"/>
+        </p:spPr>
+        <p:style>
+          <a:lnRef idx="2">
+            <a:schemeClr val="dk1"/>
+          </a:lnRef>
+          <a:fillRef idx="1">
+            <a:schemeClr val="lt1"/>
+          </a:fillRef>
+          <a:effectRef idx="0">
+            <a:schemeClr val="dk1"/>
+          </a:effectRef>
+          <a:fontRef idx="minor">
+            <a:schemeClr val="dk1"/>
+          </a:fontRef>
+        </p:style>
+        <p:txBody>
+          <a:bodyPr rtlCol="0" anchor="ctr"/>
+          <a:lstStyle/>
+          <a:p>
+            <a:pPr algn="ctr"/>
+            <a:r>
+              <a:rPr lang="ko-KR" altLang="en-US" sz="600" dirty="0" smtClean="0"/>
+              <a:t>실시</a:t>
+            </a:r>
+            <a:r>
+              <a:rPr lang="ko-KR" altLang="en-US" sz="600" dirty="0"/>
+              <a:t>간</a:t>
+            </a:r>
+          </a:p>
+        </p:txBody>
+      </p:sp>
+      <p:sp>
+        <p:nvSpPr>
+          <p:cNvPr id="86" name="직사각형 85"/>
+          <p:cNvSpPr/>
+          <p:nvPr/>
+        </p:nvSpPr>
+        <p:spPr>
+          <a:xfrm>
+            <a:off x="1392537" y="1448934"/>
+            <a:ext cx="609699" cy="82786"/>
+          </a:xfrm>
+          <a:prstGeom prst="rect">
+            <a:avLst/>
+          </a:prstGeom>
+          <a:ln w="3175"/>
+        </p:spPr>
+        <p:style>
+          <a:lnRef idx="2">
+            <a:schemeClr val="dk1"/>
+          </a:lnRef>
+          <a:fillRef idx="1">
+            <a:schemeClr val="lt1"/>
+          </a:fillRef>
+          <a:effectRef idx="0">
+            <a:schemeClr val="dk1"/>
+          </a:effectRef>
+          <a:fontRef idx="minor">
+            <a:schemeClr val="dk1"/>
+          </a:fontRef>
+        </p:style>
+        <p:txBody>
+          <a:bodyPr rtlCol="0" anchor="ctr"/>
+          <a:lstStyle/>
+          <a:p>
+            <a:pPr algn="ctr"/>
+            <a:r>
+              <a:rPr lang="en-US" altLang="ko-KR" sz="600" dirty="0" smtClean="0"/>
+              <a:t>MIN</a:t>
+            </a:r>
+            <a:endParaRPr lang="ko-KR" altLang="en-US" sz="600" dirty="0"/>
+          </a:p>
+        </p:txBody>
+      </p:sp>
+      <p:sp>
+        <p:nvSpPr>
+          <p:cNvPr id="87" name="직사각형 86"/>
+          <p:cNvSpPr/>
+          <p:nvPr/>
+        </p:nvSpPr>
+        <p:spPr>
+          <a:xfrm>
+            <a:off x="1392537" y="1532041"/>
+            <a:ext cx="609699" cy="82786"/>
+          </a:xfrm>
+          <a:prstGeom prst="rect">
+            <a:avLst/>
+          </a:prstGeom>
+          <a:ln w="3175"/>
+        </p:spPr>
+        <p:style>
+          <a:lnRef idx="2">
+            <a:schemeClr val="dk1"/>
+          </a:lnRef>
+          <a:fillRef idx="1">
+            <a:schemeClr val="lt1"/>
+          </a:fillRef>
+          <a:effectRef idx="0">
+            <a:schemeClr val="dk1"/>
+          </a:effectRef>
+          <a:fontRef idx="minor">
+            <a:schemeClr val="dk1"/>
+          </a:fontRef>
+        </p:style>
+        <p:txBody>
+          <a:bodyPr rtlCol="0" anchor="ctr"/>
+          <a:lstStyle/>
+          <a:p>
+            <a:pPr algn="ctr"/>
+            <a:r>
+              <a:rPr lang="en-US" altLang="ko-KR" sz="600" dirty="0" smtClean="0"/>
+              <a:t>MAX</a:t>
+            </a:r>
+            <a:endParaRPr lang="ko-KR" altLang="en-US" sz="600" dirty="0"/>
+          </a:p>
+        </p:txBody>
+      </p:sp>
+      <p:sp>
+        <p:nvSpPr>
+          <p:cNvPr id="88" name="직사각형 87"/>
+          <p:cNvSpPr/>
+          <p:nvPr/>
+        </p:nvSpPr>
+        <p:spPr>
+          <a:xfrm>
+            <a:off x="1392529" y="1614827"/>
+            <a:ext cx="609699" cy="82786"/>
+          </a:xfrm>
+          <a:prstGeom prst="rect">
+            <a:avLst/>
+          </a:prstGeom>
+          <a:ln w="3175"/>
+        </p:spPr>
+        <p:style>
+          <a:lnRef idx="2">
+            <a:schemeClr val="dk1"/>
+          </a:lnRef>
+          <a:fillRef idx="1">
+            <a:schemeClr val="lt1"/>
+          </a:fillRef>
+          <a:effectRef idx="0">
+            <a:schemeClr val="dk1"/>
+          </a:effectRef>
+          <a:fontRef idx="minor">
+            <a:schemeClr val="dk1"/>
+          </a:fontRef>
+        </p:style>
+        <p:txBody>
+          <a:bodyPr rtlCol="0" anchor="ctr"/>
+          <a:lstStyle/>
+          <a:p>
+            <a:pPr algn="ctr"/>
+            <a:r>
+              <a:rPr lang="en-US" altLang="ko-KR" sz="600" dirty="0" smtClean="0"/>
+              <a:t>AVE</a:t>
+            </a:r>
+            <a:endParaRPr lang="ko-KR" altLang="en-US" sz="600" dirty="0"/>
+          </a:p>
+        </p:txBody>
+      </p:sp>
+      <p:sp>
+        <p:nvSpPr>
+          <p:cNvPr id="89" name="직사각형 88"/>
+          <p:cNvSpPr/>
+          <p:nvPr/>
+        </p:nvSpPr>
+        <p:spPr>
+          <a:xfrm>
+            <a:off x="1392528" y="1697767"/>
+            <a:ext cx="609699" cy="82786"/>
+          </a:xfrm>
+          <a:prstGeom prst="rect">
+            <a:avLst/>
+          </a:prstGeom>
+          <a:ln w="3175"/>
+        </p:spPr>
+        <p:style>
+          <a:lnRef idx="2">
+            <a:schemeClr val="dk1"/>
+          </a:lnRef>
+          <a:fillRef idx="1">
+            <a:schemeClr val="lt1"/>
+          </a:fillRef>
+          <a:effectRef idx="0">
+            <a:schemeClr val="dk1"/>
+          </a:effectRef>
+          <a:fontRef idx="minor">
+            <a:schemeClr val="dk1"/>
+          </a:fontRef>
+        </p:style>
+        <p:txBody>
+          <a:bodyPr rtlCol="0" anchor="ctr"/>
+          <a:lstStyle/>
+          <a:p>
+            <a:pPr algn="ctr"/>
+            <a:r>
+              <a:rPr lang="ko-KR" altLang="en-US" sz="600" dirty="0" smtClean="0"/>
+              <a:t>실시</a:t>
+            </a:r>
+            <a:r>
+              <a:rPr lang="ko-KR" altLang="en-US" sz="600" dirty="0"/>
+              <a:t>간</a:t>
+            </a:r>
+          </a:p>
+        </p:txBody>
+      </p:sp>
+      <p:sp>
+        <p:nvSpPr>
+          <p:cNvPr id="90" name="직사각형 89"/>
+          <p:cNvSpPr/>
+          <p:nvPr/>
+        </p:nvSpPr>
+        <p:spPr>
+          <a:xfrm>
+            <a:off x="2472656" y="1448934"/>
+            <a:ext cx="609699" cy="82786"/>
+          </a:xfrm>
+          <a:prstGeom prst="rect">
+            <a:avLst/>
+          </a:prstGeom>
+          <a:ln w="3175"/>
+        </p:spPr>
+        <p:style>
+          <a:lnRef idx="2">
+            <a:schemeClr val="dk1"/>
+          </a:lnRef>
+          <a:fillRef idx="1">
+            <a:schemeClr val="lt1"/>
+          </a:fillRef>
+          <a:effectRef idx="0">
+            <a:schemeClr val="dk1"/>
+          </a:effectRef>
+          <a:fontRef idx="minor">
+            <a:schemeClr val="dk1"/>
+          </a:fontRef>
+        </p:style>
+        <p:txBody>
+          <a:bodyPr rtlCol="0" anchor="ctr"/>
+          <a:lstStyle/>
+          <a:p>
+            <a:pPr algn="ctr"/>
+            <a:r>
+              <a:rPr lang="en-US" altLang="ko-KR" sz="600" dirty="0" smtClean="0"/>
+              <a:t>MIN</a:t>
+            </a:r>
+            <a:endParaRPr lang="ko-KR" altLang="en-US" sz="600" dirty="0"/>
+          </a:p>
+        </p:txBody>
+      </p:sp>
+      <p:sp>
+        <p:nvSpPr>
+          <p:cNvPr id="91" name="직사각형 90"/>
+          <p:cNvSpPr/>
+          <p:nvPr/>
+        </p:nvSpPr>
+        <p:spPr>
+          <a:xfrm>
+            <a:off x="2472656" y="1532041"/>
+            <a:ext cx="609699" cy="82786"/>
+          </a:xfrm>
+          <a:prstGeom prst="rect">
+            <a:avLst/>
+          </a:prstGeom>
+          <a:ln w="3175"/>
+        </p:spPr>
+        <p:style>
+          <a:lnRef idx="2">
+            <a:schemeClr val="dk1"/>
+          </a:lnRef>
+          <a:fillRef idx="1">
+            <a:schemeClr val="lt1"/>
+          </a:fillRef>
+          <a:effectRef idx="0">
+            <a:schemeClr val="dk1"/>
+          </a:effectRef>
+          <a:fontRef idx="minor">
+            <a:schemeClr val="dk1"/>
+          </a:fontRef>
+        </p:style>
+        <p:txBody>
+          <a:bodyPr rtlCol="0" anchor="ctr"/>
+          <a:lstStyle/>
+          <a:p>
+            <a:pPr algn="ctr"/>
+            <a:r>
+              <a:rPr lang="en-US" altLang="ko-KR" sz="600" dirty="0" smtClean="0"/>
+              <a:t>MAX</a:t>
+            </a:r>
+            <a:endParaRPr lang="ko-KR" altLang="en-US" sz="600" dirty="0"/>
+          </a:p>
+        </p:txBody>
+      </p:sp>
+      <p:sp>
+        <p:nvSpPr>
+          <p:cNvPr id="92" name="직사각형 91"/>
+          <p:cNvSpPr/>
+          <p:nvPr/>
+        </p:nvSpPr>
+        <p:spPr>
+          <a:xfrm>
+            <a:off x="2472648" y="1614827"/>
+            <a:ext cx="609699" cy="82786"/>
+          </a:xfrm>
+          <a:prstGeom prst="rect">
+            <a:avLst/>
+          </a:prstGeom>
+          <a:ln w="3175"/>
+        </p:spPr>
+        <p:style>
+          <a:lnRef idx="2">
+            <a:schemeClr val="dk1"/>
+          </a:lnRef>
+          <a:fillRef idx="1">
+            <a:schemeClr val="lt1"/>
+          </a:fillRef>
+          <a:effectRef idx="0">
+            <a:schemeClr val="dk1"/>
+          </a:effectRef>
+          <a:fontRef idx="minor">
+            <a:schemeClr val="dk1"/>
+          </a:fontRef>
+        </p:style>
+        <p:txBody>
+          <a:bodyPr rtlCol="0" anchor="ctr"/>
+          <a:lstStyle/>
+          <a:p>
+            <a:pPr algn="ctr"/>
+            <a:r>
+              <a:rPr lang="en-US" altLang="ko-KR" sz="600" dirty="0" smtClean="0"/>
+              <a:t>AVE</a:t>
+            </a:r>
+            <a:endParaRPr lang="ko-KR" altLang="en-US" sz="600" dirty="0"/>
+          </a:p>
+        </p:txBody>
+      </p:sp>
+      <p:sp>
+        <p:nvSpPr>
+          <p:cNvPr id="93" name="직사각형 92"/>
+          <p:cNvSpPr/>
+          <p:nvPr/>
+        </p:nvSpPr>
+        <p:spPr>
+          <a:xfrm>
+            <a:off x="2472647" y="1697767"/>
+            <a:ext cx="609699" cy="82786"/>
+          </a:xfrm>
+          <a:prstGeom prst="rect">
+            <a:avLst/>
+          </a:prstGeom>
+          <a:ln w="3175"/>
+        </p:spPr>
+        <p:style>
+          <a:lnRef idx="2">
+            <a:schemeClr val="dk1"/>
+          </a:lnRef>
+          <a:fillRef idx="1">
+            <a:schemeClr val="lt1"/>
+          </a:fillRef>
+          <a:effectRef idx="0">
+            <a:schemeClr val="dk1"/>
+          </a:effectRef>
+          <a:fontRef idx="minor">
+            <a:schemeClr val="dk1"/>
+          </a:fontRef>
+        </p:style>
+        <p:txBody>
+          <a:bodyPr rtlCol="0" anchor="ctr"/>
+          <a:lstStyle/>
+          <a:p>
+            <a:pPr algn="ctr"/>
+            <a:r>
+              <a:rPr lang="ko-KR" altLang="en-US" sz="600" dirty="0" smtClean="0"/>
+              <a:t>실시</a:t>
+            </a:r>
+            <a:r>
+              <a:rPr lang="ko-KR" altLang="en-US" sz="600" dirty="0"/>
+              <a:t>간</a:t>
+            </a:r>
+          </a:p>
+        </p:txBody>
+      </p:sp>
+      <p:sp>
+        <p:nvSpPr>
+          <p:cNvPr id="94" name="직사각형 93"/>
+          <p:cNvSpPr/>
+          <p:nvPr/>
+        </p:nvSpPr>
+        <p:spPr>
+          <a:xfrm>
+            <a:off x="3552777" y="1448934"/>
+            <a:ext cx="609699" cy="82786"/>
+          </a:xfrm>
+          <a:prstGeom prst="rect">
+            <a:avLst/>
+          </a:prstGeom>
+          <a:ln w="3175"/>
+        </p:spPr>
+        <p:style>
+          <a:lnRef idx="2">
+            <a:schemeClr val="dk1"/>
+          </a:lnRef>
+          <a:fillRef idx="1">
+            <a:schemeClr val="lt1"/>
+          </a:fillRef>
+          <a:effectRef idx="0">
+            <a:schemeClr val="dk1"/>
+          </a:effectRef>
+          <a:fontRef idx="minor">
+            <a:schemeClr val="dk1"/>
+          </a:fontRef>
+        </p:style>
+        <p:txBody>
+          <a:bodyPr rtlCol="0" anchor="ctr"/>
+          <a:lstStyle/>
+          <a:p>
+            <a:pPr algn="ctr"/>
+            <a:r>
+              <a:rPr lang="en-US" altLang="ko-KR" sz="600" dirty="0" smtClean="0"/>
+              <a:t>MIN</a:t>
+            </a:r>
+            <a:endParaRPr lang="ko-KR" altLang="en-US" sz="600" dirty="0"/>
+          </a:p>
+        </p:txBody>
+      </p:sp>
+      <p:sp>
+        <p:nvSpPr>
+          <p:cNvPr id="95" name="직사각형 94"/>
+          <p:cNvSpPr/>
+          <p:nvPr/>
+        </p:nvSpPr>
+        <p:spPr>
+          <a:xfrm>
+            <a:off x="3552777" y="1532041"/>
+            <a:ext cx="609699" cy="82786"/>
+          </a:xfrm>
+          <a:prstGeom prst="rect">
+            <a:avLst/>
+          </a:prstGeom>
+          <a:ln w="3175"/>
+        </p:spPr>
+        <p:style>
+          <a:lnRef idx="2">
+            <a:schemeClr val="dk1"/>
+          </a:lnRef>
+          <a:fillRef idx="1">
+            <a:schemeClr val="lt1"/>
+          </a:fillRef>
+          <a:effectRef idx="0">
+            <a:schemeClr val="dk1"/>
+          </a:effectRef>
+          <a:fontRef idx="minor">
+            <a:schemeClr val="dk1"/>
+          </a:fontRef>
+        </p:style>
+        <p:txBody>
+          <a:bodyPr rtlCol="0" anchor="ctr"/>
+          <a:lstStyle/>
+          <a:p>
+            <a:pPr algn="ctr"/>
+            <a:r>
+              <a:rPr lang="en-US" altLang="ko-KR" sz="600" dirty="0" smtClean="0"/>
+              <a:t>MAX</a:t>
+            </a:r>
+            <a:endParaRPr lang="ko-KR" altLang="en-US" sz="600" dirty="0"/>
+          </a:p>
+        </p:txBody>
+      </p:sp>
+      <p:sp>
+        <p:nvSpPr>
+          <p:cNvPr id="96" name="직사각형 95"/>
+          <p:cNvSpPr/>
+          <p:nvPr/>
+        </p:nvSpPr>
+        <p:spPr>
+          <a:xfrm>
+            <a:off x="3552769" y="1614827"/>
+            <a:ext cx="609699" cy="82786"/>
+          </a:xfrm>
+          <a:prstGeom prst="rect">
+            <a:avLst/>
+          </a:prstGeom>
+          <a:ln w="3175"/>
+        </p:spPr>
+        <p:style>
+          <a:lnRef idx="2">
+            <a:schemeClr val="dk1"/>
+          </a:lnRef>
+          <a:fillRef idx="1">
+            <a:schemeClr val="lt1"/>
+          </a:fillRef>
+          <a:effectRef idx="0">
+            <a:schemeClr val="dk1"/>
+          </a:effectRef>
+          <a:fontRef idx="minor">
+            <a:schemeClr val="dk1"/>
+          </a:fontRef>
+        </p:style>
+        <p:txBody>
+          <a:bodyPr rtlCol="0" anchor="ctr"/>
+          <a:lstStyle/>
+          <a:p>
+            <a:pPr algn="ctr"/>
+            <a:r>
+              <a:rPr lang="en-US" altLang="ko-KR" sz="600" dirty="0" smtClean="0"/>
+              <a:t>AVE</a:t>
+            </a:r>
+            <a:endParaRPr lang="ko-KR" altLang="en-US" sz="600" dirty="0"/>
+          </a:p>
+        </p:txBody>
+      </p:sp>
+      <p:sp>
+        <p:nvSpPr>
+          <p:cNvPr id="97" name="직사각형 96"/>
+          <p:cNvSpPr/>
+          <p:nvPr/>
+        </p:nvSpPr>
+        <p:spPr>
+          <a:xfrm>
+            <a:off x="3552768" y="1697767"/>
+            <a:ext cx="609699" cy="82786"/>
+          </a:xfrm>
+          <a:prstGeom prst="rect">
+            <a:avLst/>
+          </a:prstGeom>
+          <a:ln w="3175"/>
+        </p:spPr>
+        <p:style>
+          <a:lnRef idx="2">
+            <a:schemeClr val="dk1"/>
+          </a:lnRef>
+          <a:fillRef idx="1">
+            <a:schemeClr val="lt1"/>
+          </a:fillRef>
+          <a:effectRef idx="0">
+            <a:schemeClr val="dk1"/>
+          </a:effectRef>
+          <a:fontRef idx="minor">
+            <a:schemeClr val="dk1"/>
+          </a:fontRef>
+        </p:style>
+        <p:txBody>
+          <a:bodyPr rtlCol="0" anchor="ctr"/>
+          <a:lstStyle/>
+          <a:p>
+            <a:pPr algn="ctr"/>
+            <a:r>
+              <a:rPr lang="ko-KR" altLang="en-US" sz="600" dirty="0" smtClean="0"/>
+              <a:t>실시</a:t>
+            </a:r>
+            <a:r>
+              <a:rPr lang="ko-KR" altLang="en-US" sz="600" dirty="0"/>
+              <a:t>간</a:t>
+            </a:r>
+          </a:p>
+        </p:txBody>
+      </p:sp>
+      <p:sp>
+        <p:nvSpPr>
+          <p:cNvPr id="98" name="직사각형 97"/>
+          <p:cNvSpPr/>
+          <p:nvPr/>
+        </p:nvSpPr>
+        <p:spPr>
+          <a:xfrm>
+            <a:off x="0" y="2845"/>
+            <a:ext cx="5112966" cy="249048"/>
+          </a:xfrm>
+          <a:prstGeom prst="rect">
+            <a:avLst/>
+          </a:prstGeom>
+          <a:ln w="9525"/>
+        </p:spPr>
+        <p:style>
+          <a:lnRef idx="2">
+            <a:schemeClr val="dk1"/>
+          </a:lnRef>
+          <a:fillRef idx="1">
+            <a:schemeClr val="lt1"/>
+          </a:fillRef>
+          <a:effectRef idx="0">
+            <a:schemeClr val="dk1"/>
+          </a:effectRef>
+          <a:fontRef idx="minor">
+            <a:schemeClr val="dk1"/>
+          </a:fontRef>
+        </p:style>
+        <p:txBody>
+          <a:bodyPr rtlCol="0" anchor="ctr"/>
+          <a:lstStyle/>
+          <a:p>
+            <a:pPr algn="ctr"/>
+            <a:endParaRPr lang="ko-KR" altLang="en-US" dirty="0"/>
+          </a:p>
+        </p:txBody>
+      </p:sp>
+      <p:pic>
+        <p:nvPicPr>
+          <p:cNvPr id="2" name="그림 1"/>
+          <p:cNvPicPr>
+            <a:picLocks noChangeAspect="1"/>
+          </p:cNvPicPr>
+          <p:nvPr/>
+        </p:nvPicPr>
+        <p:blipFill>
+          <a:blip r:embed="rId10" cstate="print">
+            <a:extLst>
+              <a:ext uri="{28A0092B-C50C-407E-A947-70E740481C1C}">
+                <a14:useLocalDpi xmlns:a14="http://schemas.microsoft.com/office/drawing/2010/main" val="0"/>
+              </a:ext>
+            </a:extLst>
+          </a:blip>
+          <a:stretch>
+            <a:fillRect/>
+          </a:stretch>
+        </p:blipFill>
+        <p:spPr>
+          <a:xfrm>
+            <a:off x="0" y="-321"/>
+            <a:ext cx="1076476" cy="249048"/>
+          </a:xfrm>
+          <a:prstGeom prst="rect">
+            <a:avLst/>
+          </a:prstGeom>
+          <a:ln>
+            <a:solidFill>
+              <a:schemeClr val="tx1"/>
+            </a:solidFill>
+          </a:ln>
+        </p:spPr>
+      </p:pic>
+      <p:sp>
+        <p:nvSpPr>
+          <p:cNvPr id="3" name="TextBox 2"/>
+          <p:cNvSpPr txBox="1"/>
+          <p:nvPr/>
+        </p:nvSpPr>
+        <p:spPr>
+          <a:xfrm>
+            <a:off x="1088523" y="-5659"/>
+            <a:ext cx="654618" cy="276999"/>
+          </a:xfrm>
+          <a:prstGeom prst="rect">
+            <a:avLst/>
+          </a:prstGeom>
+          <a:noFill/>
+        </p:spPr>
+        <p:txBody>
+          <a:bodyPr wrap="square" rtlCol="0">
+            <a:spAutoFit/>
+          </a:bodyPr>
+          <a:lstStyle/>
+          <a:p>
+            <a:pPr algn="ctr"/>
+            <a:r>
+              <a:rPr lang="en-US" altLang="ko-KR" sz="600" dirty="0" smtClean="0"/>
+              <a:t>2021-04-08</a:t>
+            </a:r>
+          </a:p>
+          <a:p>
+            <a:pPr algn="ctr"/>
+            <a:r>
+              <a:rPr lang="en-US" altLang="ko-KR" sz="600" dirty="0" smtClean="0"/>
+              <a:t>15:32</a:t>
+            </a:r>
+            <a:endParaRPr lang="ko-KR" altLang="en-US" sz="600" dirty="0"/>
           </a:p>
         </p:txBody>
       </p:sp>
@@ -7380,8 +8542,8 @@
         </p:nvSpPr>
         <p:spPr>
           <a:xfrm>
-            <a:off x="720279" y="395908"/>
-            <a:ext cx="1080120" cy="144016"/>
+            <a:off x="1349532" y="1253441"/>
+            <a:ext cx="1098939" cy="144016"/>
           </a:xfrm>
           <a:prstGeom prst="rect">
             <a:avLst/>
@@ -7419,8 +8581,8 @@
         </p:nvSpPr>
         <p:spPr>
           <a:xfrm>
-            <a:off x="108464" y="395908"/>
-            <a:ext cx="811510" cy="144016"/>
+            <a:off x="754426" y="1251535"/>
+            <a:ext cx="825650" cy="144016"/>
           </a:xfrm>
           <a:prstGeom prst="rect">
             <a:avLst/>
@@ -7462,8 +8624,8 @@
         </p:nvSpPr>
         <p:spPr>
           <a:xfrm>
-            <a:off x="720278" y="539924"/>
-            <a:ext cx="1080120" cy="144016"/>
+            <a:off x="1349533" y="1396987"/>
+            <a:ext cx="1098939" cy="144016"/>
           </a:xfrm>
           <a:prstGeom prst="rect">
             <a:avLst/>
@@ -7501,8 +8663,8 @@
         </p:nvSpPr>
         <p:spPr>
           <a:xfrm>
-            <a:off x="108463" y="539924"/>
-            <a:ext cx="811510" cy="144016"/>
+            <a:off x="754425" y="1395551"/>
+            <a:ext cx="825650" cy="144016"/>
           </a:xfrm>
           <a:prstGeom prst="rect">
             <a:avLst/>
@@ -7544,8 +8706,8 @@
         </p:nvSpPr>
         <p:spPr>
           <a:xfrm>
-            <a:off x="110576" y="251892"/>
-            <a:ext cx="1689823" cy="144016"/>
+            <a:off x="756536" y="1107519"/>
+            <a:ext cx="1691938" cy="144016"/>
           </a:xfrm>
           <a:prstGeom prst="rect">
             <a:avLst/>
@@ -7591,7 +8753,7 @@
         </p:nvSpPr>
         <p:spPr>
           <a:xfrm>
-            <a:off x="720279" y="983939"/>
+            <a:off x="1368353" y="1835407"/>
             <a:ext cx="1080120" cy="144016"/>
           </a:xfrm>
           <a:prstGeom prst="rect">
@@ -7630,7 +8792,7 @@
         </p:nvSpPr>
         <p:spPr>
           <a:xfrm>
-            <a:off x="108464" y="983939"/>
+            <a:off x="756538" y="1835407"/>
             <a:ext cx="811510" cy="144016"/>
           </a:xfrm>
           <a:prstGeom prst="rect">
@@ -7673,7 +8835,7 @@
         </p:nvSpPr>
         <p:spPr>
           <a:xfrm>
-            <a:off x="720278" y="1127955"/>
+            <a:off x="1368352" y="1979423"/>
             <a:ext cx="1080120" cy="144016"/>
           </a:xfrm>
           <a:prstGeom prst="rect">
@@ -7712,7 +8874,7 @@
         </p:nvSpPr>
         <p:spPr>
           <a:xfrm>
-            <a:off x="108463" y="1127955"/>
+            <a:off x="756537" y="1979423"/>
             <a:ext cx="811510" cy="144016"/>
           </a:xfrm>
           <a:prstGeom prst="rect">
@@ -7755,8 +8917,8 @@
         </p:nvSpPr>
         <p:spPr>
           <a:xfrm>
-            <a:off x="110576" y="839923"/>
-            <a:ext cx="1689823" cy="144016"/>
+            <a:off x="756538" y="1691391"/>
+            <a:ext cx="1691936" cy="144016"/>
           </a:xfrm>
           <a:prstGeom prst="rect">
             <a:avLst/>
@@ -7802,7 +8964,7 @@
         </p:nvSpPr>
         <p:spPr>
           <a:xfrm>
-            <a:off x="720280" y="1555844"/>
+            <a:off x="3492340" y="1259343"/>
             <a:ext cx="1080120" cy="144016"/>
           </a:xfrm>
           <a:prstGeom prst="rect">
@@ -7841,7 +9003,7 @@
         </p:nvSpPr>
         <p:spPr>
           <a:xfrm>
-            <a:off x="108465" y="1555844"/>
+            <a:off x="2880525" y="1259343"/>
             <a:ext cx="811510" cy="144016"/>
           </a:xfrm>
           <a:prstGeom prst="rect">
@@ -7884,7 +9046,7 @@
         </p:nvSpPr>
         <p:spPr>
           <a:xfrm>
-            <a:off x="720279" y="1699860"/>
+            <a:off x="3492339" y="1403359"/>
             <a:ext cx="1080120" cy="144016"/>
           </a:xfrm>
           <a:prstGeom prst="rect">
@@ -7923,7 +9085,7 @@
         </p:nvSpPr>
         <p:spPr>
           <a:xfrm>
-            <a:off x="108464" y="1699860"/>
+            <a:off x="2880524" y="1403359"/>
             <a:ext cx="811510" cy="144016"/>
           </a:xfrm>
           <a:prstGeom prst="rect">
@@ -7966,8 +9128,8 @@
         </p:nvSpPr>
         <p:spPr>
           <a:xfrm>
-            <a:off x="110577" y="1411828"/>
-            <a:ext cx="1689823" cy="144016"/>
+            <a:off x="2880519" y="1115327"/>
+            <a:ext cx="1691941" cy="144016"/>
           </a:xfrm>
           <a:prstGeom prst="rect">
             <a:avLst/>
@@ -8013,7 +9175,7 @@
         </p:nvSpPr>
         <p:spPr>
           <a:xfrm>
-            <a:off x="720280" y="1843876"/>
+            <a:off x="3492340" y="1547375"/>
             <a:ext cx="1080120" cy="144016"/>
           </a:xfrm>
           <a:prstGeom prst="rect">
@@ -8052,7 +9214,7 @@
         </p:nvSpPr>
         <p:spPr>
           <a:xfrm>
-            <a:off x="108465" y="1843876"/>
+            <a:off x="2880525" y="1547375"/>
             <a:ext cx="811510" cy="144016"/>
           </a:xfrm>
           <a:prstGeom prst="rect">
@@ -8095,7 +9257,7 @@
         </p:nvSpPr>
         <p:spPr>
           <a:xfrm>
-            <a:off x="720280" y="1987892"/>
+            <a:off x="3492340" y="1691391"/>
             <a:ext cx="1080120" cy="144016"/>
           </a:xfrm>
           <a:prstGeom prst="rect">
@@ -8134,7 +9296,7 @@
         </p:nvSpPr>
         <p:spPr>
           <a:xfrm>
-            <a:off x="108465" y="1987892"/>
+            <a:off x="2880525" y="1691391"/>
             <a:ext cx="811510" cy="144016"/>
           </a:xfrm>
           <a:prstGeom prst="rect">
@@ -8177,7 +9339,7 @@
         </p:nvSpPr>
         <p:spPr>
           <a:xfrm>
-            <a:off x="720275" y="2131908"/>
+            <a:off x="3492335" y="1835407"/>
             <a:ext cx="1080120" cy="144016"/>
           </a:xfrm>
           <a:prstGeom prst="rect">
@@ -8216,7 +9378,7 @@
         </p:nvSpPr>
         <p:spPr>
           <a:xfrm>
-            <a:off x="108460" y="2131908"/>
+            <a:off x="2880520" y="1835407"/>
             <a:ext cx="811510" cy="144016"/>
           </a:xfrm>
           <a:prstGeom prst="rect">
@@ -8259,7 +9421,7 @@
         </p:nvSpPr>
         <p:spPr>
           <a:xfrm>
-            <a:off x="720274" y="2275924"/>
+            <a:off x="3492334" y="1979423"/>
             <a:ext cx="1080120" cy="144016"/>
           </a:xfrm>
           <a:prstGeom prst="rect">
@@ -8298,7 +9460,7 @@
         </p:nvSpPr>
         <p:spPr>
           <a:xfrm>
-            <a:off x="108459" y="2275924"/>
+            <a:off x="2880519" y="1979423"/>
             <a:ext cx="811510" cy="144016"/>
           </a:xfrm>
           <a:prstGeom prst="rect">
@@ -8376,6 +9538,118 @@
             <a:endParaRPr lang="ko-KR" altLang="en-US" sz="800" dirty="0">
               <a:latin typeface="+mn-ea"/>
             </a:endParaRPr>
+          </a:p>
+        </p:txBody>
+      </p:sp>
+      <p:sp>
+        <p:nvSpPr>
+          <p:cNvPr id="31" name="직사각형 30"/>
+          <p:cNvSpPr/>
+          <p:nvPr/>
+        </p:nvSpPr>
+        <p:spPr>
+          <a:xfrm>
+            <a:off x="0" y="2845"/>
+            <a:ext cx="5112966" cy="249048"/>
+          </a:xfrm>
+          <a:prstGeom prst="rect">
+            <a:avLst/>
+          </a:prstGeom>
+          <a:ln w="9525"/>
+        </p:spPr>
+        <p:style>
+          <a:lnRef idx="2">
+            <a:schemeClr val="dk1"/>
+          </a:lnRef>
+          <a:fillRef idx="1">
+            <a:schemeClr val="lt1"/>
+          </a:fillRef>
+          <a:effectRef idx="0">
+            <a:schemeClr val="dk1"/>
+          </a:effectRef>
+          <a:fontRef idx="minor">
+            <a:schemeClr val="dk1"/>
+          </a:fontRef>
+        </p:style>
+        <p:txBody>
+          <a:bodyPr rtlCol="0" anchor="ctr"/>
+          <a:lstStyle/>
+          <a:p>
+            <a:pPr algn="ctr"/>
+            <a:endParaRPr lang="ko-KR" altLang="en-US"/>
+          </a:p>
+        </p:txBody>
+      </p:sp>
+      <p:pic>
+        <p:nvPicPr>
+          <p:cNvPr id="32" name="그림 31"/>
+          <p:cNvPicPr>
+            <a:picLocks noChangeAspect="1"/>
+          </p:cNvPicPr>
+          <p:nvPr/>
+        </p:nvPicPr>
+        <p:blipFill>
+          <a:blip r:embed="rId2" cstate="print">
+            <a:extLst>
+              <a:ext uri="{28A0092B-C50C-407E-A947-70E740481C1C}">
+                <a14:useLocalDpi xmlns:a14="http://schemas.microsoft.com/office/drawing/2010/main" val="0"/>
+              </a:ext>
+            </a:extLst>
+          </a:blip>
+          <a:stretch>
+            <a:fillRect/>
+          </a:stretch>
+        </p:blipFill>
+        <p:spPr>
+          <a:xfrm>
+            <a:off x="0" y="-321"/>
+            <a:ext cx="1076476" cy="249048"/>
+          </a:xfrm>
+          <a:prstGeom prst="rect">
+            <a:avLst/>
+          </a:prstGeom>
+          <a:ln>
+            <a:solidFill>
+              <a:schemeClr val="tx1"/>
+            </a:solidFill>
+          </a:ln>
+        </p:spPr>
+      </p:pic>
+      <p:sp>
+        <p:nvSpPr>
+          <p:cNvPr id="33" name="TextBox 32"/>
+          <p:cNvSpPr txBox="1"/>
+          <p:nvPr/>
+        </p:nvSpPr>
+        <p:spPr>
+          <a:xfrm>
+            <a:off x="1088523" y="-5659"/>
+            <a:ext cx="654618" cy="276999"/>
+          </a:xfrm>
+          <a:prstGeom prst="rect">
+            <a:avLst/>
+          </a:prstGeom>
+          <a:noFill/>
+        </p:spPr>
+        <p:txBody>
+          <a:bodyPr wrap="square" rtlCol="0">
+            <a:spAutoFit/>
+          </a:bodyPr>
+          <a:lstStyle/>
+          <a:p>
+            <a:pPr algn="ctr"/>
+            <a:r>
+              <a:rPr lang="en-US" altLang="ko-KR" sz="600" dirty="0" smtClean="0"/>
+              <a:t>2021-04-08</a:t>
+            </a:r>
+          </a:p>
+          <a:p>
+            <a:pPr algn="ctr"/>
+            <a:r>
+              <a:rPr lang="en-US" altLang="ko-KR" sz="600" dirty="0" smtClean="0"/>
+              <a:t>15:32</a:t>
+            </a:r>
+            <a:endParaRPr lang="ko-KR" altLang="en-US" sz="600" dirty="0"/>
           </a:p>
         </p:txBody>
       </p:sp>

--- a/UI.pptx
+++ b/UI.pptx
@@ -200,11 +200,11 @@
           <c:showPercent val="0"/>
           <c:showBubbleSize val="0"/>
         </c:dLbls>
-        <c:axId val="138390528"/>
-        <c:axId val="139342592"/>
+        <c:axId val="127085568"/>
+        <c:axId val="127406848"/>
       </c:scatterChart>
       <c:valAx>
-        <c:axId val="138390528"/>
+        <c:axId val="127085568"/>
         <c:scaling>
           <c:orientation val="minMax"/>
         </c:scaling>
@@ -214,12 +214,12 @@
         <c:majorTickMark val="out"/>
         <c:minorTickMark val="none"/>
         <c:tickLblPos val="nextTo"/>
-        <c:crossAx val="139342592"/>
+        <c:crossAx val="127406848"/>
         <c:crosses val="autoZero"/>
         <c:crossBetween val="midCat"/>
       </c:valAx>
       <c:valAx>
-        <c:axId val="139342592"/>
+        <c:axId val="127406848"/>
         <c:scaling>
           <c:orientation val="minMax"/>
         </c:scaling>
@@ -230,7 +230,7 @@
         <c:majorTickMark val="out"/>
         <c:minorTickMark val="none"/>
         <c:tickLblPos val="nextTo"/>
-        <c:crossAx val="138390528"/>
+        <c:crossAx val="127085568"/>
         <c:crosses val="autoZero"/>
         <c:crossBetween val="midCat"/>
       </c:valAx>
@@ -366,11 +366,11 @@
           <c:showPercent val="0"/>
           <c:showBubbleSize val="0"/>
         </c:dLbls>
-        <c:axId val="139366400"/>
-        <c:axId val="139367936"/>
+        <c:axId val="127414272"/>
+        <c:axId val="127415808"/>
       </c:scatterChart>
       <c:valAx>
-        <c:axId val="139366400"/>
+        <c:axId val="127414272"/>
         <c:scaling>
           <c:orientation val="minMax"/>
         </c:scaling>
@@ -380,12 +380,12 @@
         <c:majorTickMark val="out"/>
         <c:minorTickMark val="none"/>
         <c:tickLblPos val="nextTo"/>
-        <c:crossAx val="139367936"/>
+        <c:crossAx val="127415808"/>
         <c:crosses val="autoZero"/>
         <c:crossBetween val="midCat"/>
       </c:valAx>
       <c:valAx>
-        <c:axId val="139367936"/>
+        <c:axId val="127415808"/>
         <c:scaling>
           <c:orientation val="minMax"/>
         </c:scaling>
@@ -396,7 +396,7 @@
         <c:majorTickMark val="out"/>
         <c:minorTickMark val="none"/>
         <c:tickLblPos val="nextTo"/>
-        <c:crossAx val="139366400"/>
+        <c:crossAx val="127414272"/>
         <c:crosses val="autoZero"/>
         <c:crossBetween val="midCat"/>
       </c:valAx>
@@ -532,11 +532,11 @@
           <c:showPercent val="0"/>
           <c:showBubbleSize val="0"/>
         </c:dLbls>
-        <c:axId val="139244288"/>
-        <c:axId val="139245824"/>
+        <c:axId val="127464192"/>
+        <c:axId val="127465728"/>
       </c:scatterChart>
       <c:valAx>
-        <c:axId val="139244288"/>
+        <c:axId val="127464192"/>
         <c:scaling>
           <c:orientation val="minMax"/>
         </c:scaling>
@@ -546,12 +546,12 @@
         <c:majorTickMark val="out"/>
         <c:minorTickMark val="none"/>
         <c:tickLblPos val="nextTo"/>
-        <c:crossAx val="139245824"/>
+        <c:crossAx val="127465728"/>
         <c:crosses val="autoZero"/>
         <c:crossBetween val="midCat"/>
       </c:valAx>
       <c:valAx>
-        <c:axId val="139245824"/>
+        <c:axId val="127465728"/>
         <c:scaling>
           <c:orientation val="minMax"/>
         </c:scaling>
@@ -562,7 +562,7 @@
         <c:majorTickMark val="out"/>
         <c:minorTickMark val="none"/>
         <c:tickLblPos val="nextTo"/>
-        <c:crossAx val="139244288"/>
+        <c:crossAx val="127464192"/>
         <c:crosses val="autoZero"/>
         <c:crossBetween val="midCat"/>
       </c:valAx>
@@ -698,11 +698,11 @@
           <c:showPercent val="0"/>
           <c:showBubbleSize val="0"/>
         </c:dLbls>
-        <c:axId val="139269632"/>
-        <c:axId val="139271168"/>
+        <c:axId val="127981056"/>
+        <c:axId val="127982592"/>
       </c:scatterChart>
       <c:valAx>
-        <c:axId val="139269632"/>
+        <c:axId val="127981056"/>
         <c:scaling>
           <c:orientation val="minMax"/>
         </c:scaling>
@@ -712,12 +712,12 @@
         <c:majorTickMark val="out"/>
         <c:minorTickMark val="none"/>
         <c:tickLblPos val="nextTo"/>
-        <c:crossAx val="139271168"/>
+        <c:crossAx val="127982592"/>
         <c:crosses val="autoZero"/>
         <c:crossBetween val="midCat"/>
       </c:valAx>
       <c:valAx>
-        <c:axId val="139271168"/>
+        <c:axId val="127982592"/>
         <c:scaling>
           <c:orientation val="minMax"/>
         </c:scaling>
@@ -728,7 +728,7 @@
         <c:majorTickMark val="out"/>
         <c:minorTickMark val="none"/>
         <c:tickLblPos val="nextTo"/>
-        <c:crossAx val="139269632"/>
+        <c:crossAx val="127981056"/>
         <c:crosses val="autoZero"/>
         <c:crossBetween val="midCat"/>
       </c:valAx>
@@ -864,11 +864,11 @@
           <c:showPercent val="0"/>
           <c:showBubbleSize val="0"/>
         </c:dLbls>
-        <c:axId val="139294976"/>
-        <c:axId val="139309056"/>
+        <c:axId val="128010496"/>
+        <c:axId val="128028672"/>
       </c:scatterChart>
       <c:valAx>
-        <c:axId val="139294976"/>
+        <c:axId val="128010496"/>
         <c:scaling>
           <c:orientation val="minMax"/>
         </c:scaling>
@@ -878,12 +878,12 @@
         <c:majorTickMark val="out"/>
         <c:minorTickMark val="none"/>
         <c:tickLblPos val="nextTo"/>
-        <c:crossAx val="139309056"/>
+        <c:crossAx val="128028672"/>
         <c:crosses val="autoZero"/>
         <c:crossBetween val="midCat"/>
       </c:valAx>
       <c:valAx>
-        <c:axId val="139309056"/>
+        <c:axId val="128028672"/>
         <c:scaling>
           <c:orientation val="minMax"/>
         </c:scaling>
@@ -894,7 +894,7 @@
         <c:majorTickMark val="out"/>
         <c:minorTickMark val="none"/>
         <c:tickLblPos val="nextTo"/>
-        <c:crossAx val="139294976"/>
+        <c:crossAx val="128010496"/>
         <c:crosses val="autoZero"/>
         <c:crossBetween val="midCat"/>
       </c:valAx>
@@ -1030,11 +1030,11 @@
           <c:showPercent val="0"/>
           <c:showBubbleSize val="0"/>
         </c:dLbls>
-        <c:axId val="139693440"/>
-        <c:axId val="139695232"/>
+        <c:axId val="129670528"/>
+        <c:axId val="129672320"/>
       </c:scatterChart>
       <c:valAx>
-        <c:axId val="139693440"/>
+        <c:axId val="129670528"/>
         <c:scaling>
           <c:orientation val="minMax"/>
         </c:scaling>
@@ -1044,12 +1044,12 @@
         <c:majorTickMark val="out"/>
         <c:minorTickMark val="none"/>
         <c:tickLblPos val="nextTo"/>
-        <c:crossAx val="139695232"/>
+        <c:crossAx val="129672320"/>
         <c:crosses val="autoZero"/>
         <c:crossBetween val="midCat"/>
       </c:valAx>
       <c:valAx>
-        <c:axId val="139695232"/>
+        <c:axId val="129672320"/>
         <c:scaling>
           <c:orientation val="minMax"/>
         </c:scaling>
@@ -1060,7 +1060,7 @@
         <c:majorTickMark val="out"/>
         <c:minorTickMark val="none"/>
         <c:tickLblPos val="nextTo"/>
-        <c:crossAx val="139693440"/>
+        <c:crossAx val="129670528"/>
         <c:crosses val="autoZero"/>
         <c:crossBetween val="midCat"/>
       </c:valAx>
@@ -1196,11 +1196,11 @@
           <c:showPercent val="0"/>
           <c:showBubbleSize val="0"/>
         </c:dLbls>
-        <c:axId val="139408128"/>
-        <c:axId val="139409664"/>
+        <c:axId val="129770240"/>
+        <c:axId val="129771776"/>
       </c:scatterChart>
       <c:valAx>
-        <c:axId val="139408128"/>
+        <c:axId val="129770240"/>
         <c:scaling>
           <c:orientation val="minMax"/>
         </c:scaling>
@@ -1210,12 +1210,12 @@
         <c:majorTickMark val="out"/>
         <c:minorTickMark val="none"/>
         <c:tickLblPos val="nextTo"/>
-        <c:crossAx val="139409664"/>
+        <c:crossAx val="129771776"/>
         <c:crosses val="autoZero"/>
         <c:crossBetween val="midCat"/>
       </c:valAx>
       <c:valAx>
-        <c:axId val="139409664"/>
+        <c:axId val="129771776"/>
         <c:scaling>
           <c:orientation val="minMax"/>
         </c:scaling>
@@ -1226,7 +1226,7 @@
         <c:majorTickMark val="out"/>
         <c:minorTickMark val="none"/>
         <c:tickLblPos val="nextTo"/>
-        <c:crossAx val="139408128"/>
+        <c:crossAx val="129770240"/>
         <c:crosses val="autoZero"/>
         <c:crossBetween val="midCat"/>
       </c:valAx>
@@ -1362,11 +1362,11 @@
           <c:showPercent val="0"/>
           <c:showBubbleSize val="0"/>
         </c:dLbls>
-        <c:axId val="139433472"/>
-        <c:axId val="139435008"/>
+        <c:axId val="129791488"/>
+        <c:axId val="129793024"/>
       </c:scatterChart>
       <c:valAx>
-        <c:axId val="139433472"/>
+        <c:axId val="129791488"/>
         <c:scaling>
           <c:orientation val="minMax"/>
         </c:scaling>
@@ -1376,12 +1376,12 @@
         <c:majorTickMark val="out"/>
         <c:minorTickMark val="none"/>
         <c:tickLblPos val="nextTo"/>
-        <c:crossAx val="139435008"/>
+        <c:crossAx val="129793024"/>
         <c:crosses val="autoZero"/>
         <c:crossBetween val="midCat"/>
       </c:valAx>
       <c:valAx>
-        <c:axId val="139435008"/>
+        <c:axId val="129793024"/>
         <c:scaling>
           <c:orientation val="minMax"/>
         </c:scaling>
@@ -1392,7 +1392,7 @@
         <c:majorTickMark val="out"/>
         <c:minorTickMark val="none"/>
         <c:tickLblPos val="nextTo"/>
-        <c:crossAx val="139433472"/>
+        <c:crossAx val="129791488"/>
         <c:crosses val="autoZero"/>
         <c:crossBetween val="midCat"/>
       </c:valAx>
@@ -4864,8 +4864,8 @@
         </p:nvSpPr>
         <p:spPr>
           <a:xfrm>
-            <a:off x="312417" y="1448934"/>
-            <a:ext cx="1080120" cy="82786"/>
+            <a:off x="922107" y="1448934"/>
+            <a:ext cx="470430" cy="82786"/>
           </a:xfrm>
           <a:prstGeom prst="rect">
             <a:avLst/>
@@ -4891,6 +4891,10 @@
           <a:lstStyle/>
           <a:p>
             <a:pPr algn="ctr"/>
+            <a:r>
+              <a:rPr lang="en-US" altLang="ko-KR" sz="600" dirty="0" smtClean="0"/>
+              <a:t>12.345</a:t>
+            </a:r>
             <a:endParaRPr lang="ko-KR" altLang="en-US" sz="600" dirty="0"/>
           </a:p>
         </p:txBody>
@@ -4932,7 +4936,11 @@
             <a:pPr algn="ctr"/>
             <a:r>
               <a:rPr lang="en-US" altLang="ko-KR" sz="600" dirty="0" smtClean="0"/>
-              <a:t>MIN</a:t>
+              <a:t>MIN (</a:t>
+            </a:r>
+            <a:r>
+              <a:rPr lang="en-US" altLang="ko-KR" sz="600" dirty="0" smtClean="0"/>
+              <a:t>mm)</a:t>
             </a:r>
             <a:endParaRPr lang="ko-KR" altLang="en-US" sz="600" dirty="0"/>
           </a:p>
@@ -5063,8 +5071,8 @@
         </p:nvSpPr>
         <p:spPr>
           <a:xfrm>
-            <a:off x="312417" y="1532041"/>
-            <a:ext cx="1080120" cy="82786"/>
+            <a:off x="922125" y="1532041"/>
+            <a:ext cx="470412" cy="82786"/>
           </a:xfrm>
           <a:prstGeom prst="rect">
             <a:avLst/>
@@ -5090,6 +5098,10 @@
           <a:lstStyle/>
           <a:p>
             <a:pPr algn="ctr"/>
+            <a:r>
+              <a:rPr lang="en-US" altLang="ko-KR" sz="600" dirty="0" smtClean="0"/>
+              <a:t>23.456</a:t>
+            </a:r>
             <a:endParaRPr lang="ko-KR" altLang="en-US" sz="600" dirty="0"/>
           </a:p>
         </p:txBody>
@@ -5131,7 +5143,7 @@
             <a:pPr algn="ctr"/>
             <a:r>
               <a:rPr lang="en-US" altLang="ko-KR" sz="600" dirty="0" smtClean="0"/>
-              <a:t>MAX</a:t>
+              <a:t>MAX (mm)</a:t>
             </a:r>
             <a:endParaRPr lang="ko-KR" altLang="en-US" sz="600" dirty="0"/>
           </a:p>
@@ -5262,8 +5274,8 @@
         </p:nvSpPr>
         <p:spPr>
           <a:xfrm>
-            <a:off x="312409" y="1614827"/>
-            <a:ext cx="1080120" cy="82786"/>
+            <a:off x="922125" y="1614827"/>
+            <a:ext cx="470404" cy="82786"/>
           </a:xfrm>
           <a:prstGeom prst="rect">
             <a:avLst/>
@@ -5289,6 +5301,10 @@
           <a:lstStyle/>
           <a:p>
             <a:pPr algn="ctr"/>
+            <a:r>
+              <a:rPr lang="en-US" altLang="ko-KR" sz="600" dirty="0" smtClean="0"/>
+              <a:t>15.142</a:t>
+            </a:r>
             <a:endParaRPr lang="ko-KR" altLang="en-US" sz="600" dirty="0"/>
           </a:p>
         </p:txBody>
@@ -5330,7 +5346,7 @@
             <a:pPr algn="ctr"/>
             <a:r>
               <a:rPr lang="en-US" altLang="ko-KR" sz="600" dirty="0" smtClean="0"/>
-              <a:t>AVE</a:t>
+              <a:t>AVE (mm)</a:t>
             </a:r>
             <a:endParaRPr lang="ko-KR" altLang="en-US" sz="600" dirty="0"/>
           </a:p>
@@ -5461,8 +5477,8 @@
         </p:nvSpPr>
         <p:spPr>
           <a:xfrm>
-            <a:off x="312408" y="1697767"/>
-            <a:ext cx="1080120" cy="82786"/>
+            <a:off x="922106" y="1697767"/>
+            <a:ext cx="470421" cy="82786"/>
           </a:xfrm>
           <a:prstGeom prst="rect">
             <a:avLst/>
@@ -5488,6 +5504,10 @@
           <a:lstStyle/>
           <a:p>
             <a:pPr algn="ctr"/>
+            <a:r>
+              <a:rPr lang="en-US" altLang="ko-KR" sz="600" dirty="0" smtClean="0"/>
+              <a:t>16.161</a:t>
+            </a:r>
             <a:endParaRPr lang="ko-KR" altLang="en-US" sz="600" dirty="0"/>
           </a:p>
         </p:txBody>
@@ -5529,12 +5549,13 @@
             <a:pPr algn="ctr"/>
             <a:r>
               <a:rPr lang="ko-KR" altLang="en-US" sz="600" dirty="0" smtClean="0"/>
-              <a:t>실시</a:t>
-            </a:r>
-            <a:r>
-              <a:rPr lang="ko-KR" altLang="en-US" sz="600" dirty="0"/>
-              <a:t>간</a:t>
-            </a:r>
+              <a:t>실시간 </a:t>
+            </a:r>
+            <a:r>
+              <a:rPr lang="en-US" altLang="ko-KR" sz="600" dirty="0" smtClean="0"/>
+              <a:t>(mm)</a:t>
+            </a:r>
+            <a:endParaRPr lang="ko-KR" altLang="en-US" sz="600" dirty="0"/>
           </a:p>
         </p:txBody>
       </p:sp>
